--- a/doc/ppt/helin.pptx
+++ b/doc/ppt/helin.pptx
@@ -4,6 +4,9 @@
   <p:sldMasterIdLst>
     <p:sldMasterId id="2147483648" r:id="rId1"/>
   </p:sldMasterIdLst>
+  <p:notesMasterIdLst>
+    <p:notesMasterId r:id="rId26"/>
+  </p:notesMasterIdLst>
   <p:sldIdLst>
     <p:sldId id="256" r:id="rId2"/>
     <p:sldId id="257" r:id="rId3"/>
@@ -27,6 +30,8 @@
     <p:sldId id="275" r:id="rId21"/>
     <p:sldId id="276" r:id="rId22"/>
     <p:sldId id="277" r:id="rId23"/>
+    <p:sldId id="278" r:id="rId24"/>
+    <p:sldId id="279" r:id="rId25"/>
   </p:sldIdLst>
   <p:sldSz cx="12192000" cy="6858000"/>
   <p:notesSz cx="6858000" cy="9144000"/>
@@ -125,7 +130,446 @@
       </a:defRPr>
     </a:lvl9pPr>
   </p:defaultTextStyle>
+  <p:extLst>
+    <p:ext uri="{EFAFB233-063F-42B5-8137-9DF3F51BA10A}">
+      <p15:sldGuideLst xmlns:p15="http://schemas.microsoft.com/office/powerpoint/2012/main"/>
+    </p:ext>
+  </p:extLst>
 </p:presentation>
+</file>
+
+<file path=ppt/notesMasters/notesMaster1.xml><?xml version="1.0" encoding="utf-8"?>
+<p:notesMaster xmlns:a="http://schemas.openxmlformats.org/drawingml/2006/main" xmlns:r="http://schemas.openxmlformats.org/officeDocument/2006/relationships" xmlns:p="http://schemas.openxmlformats.org/presentationml/2006/main">
+  <p:cSld>
+    <p:bg>
+      <p:bgRef idx="1001">
+        <a:schemeClr val="bg1"/>
+      </p:bgRef>
+    </p:bg>
+    <p:spTree>
+      <p:nvGrpSpPr>
+        <p:cNvPr id="1" name=""/>
+        <p:cNvGrpSpPr/>
+        <p:nvPr/>
+      </p:nvGrpSpPr>
+      <p:grpSpPr>
+        <a:xfrm>
+          <a:off x="0" y="0"/>
+          <a:ext cx="0" cy="0"/>
+          <a:chOff x="0" y="0"/>
+          <a:chExt cx="0" cy="0"/>
+        </a:xfrm>
+      </p:grpSpPr>
+      <p:sp>
+        <p:nvSpPr>
+          <p:cNvPr id="2" name="页眉占位符 1"/>
+          <p:cNvSpPr>
+            <a:spLocks noGrp="1"/>
+          </p:cNvSpPr>
+          <p:nvPr>
+            <p:ph type="hdr" sz="quarter"/>
+          </p:nvPr>
+        </p:nvSpPr>
+        <p:spPr>
+          <a:xfrm>
+            <a:off x="0" y="0"/>
+            <a:ext cx="2971800" cy="458788"/>
+          </a:xfrm>
+          <a:prstGeom prst="rect">
+            <a:avLst/>
+          </a:prstGeom>
+        </p:spPr>
+        <p:txBody>
+          <a:bodyPr vert="horz" lIns="91440" tIns="45720" rIns="91440" bIns="45720" rtlCol="0"/>
+          <a:lstStyle>
+            <a:lvl1pPr algn="l">
+              <a:defRPr sz="1200"/>
+            </a:lvl1pPr>
+          </a:lstStyle>
+          <a:p>
+            <a:endParaRPr kumimoji="1" lang="zh-CN" altLang="en-US"/>
+          </a:p>
+        </p:txBody>
+      </p:sp>
+      <p:sp>
+        <p:nvSpPr>
+          <p:cNvPr id="3" name="日期占位符 2"/>
+          <p:cNvSpPr>
+            <a:spLocks noGrp="1"/>
+          </p:cNvSpPr>
+          <p:nvPr>
+            <p:ph type="dt" idx="1"/>
+          </p:nvPr>
+        </p:nvSpPr>
+        <p:spPr>
+          <a:xfrm>
+            <a:off x="3884613" y="0"/>
+            <a:ext cx="2971800" cy="458788"/>
+          </a:xfrm>
+          <a:prstGeom prst="rect">
+            <a:avLst/>
+          </a:prstGeom>
+        </p:spPr>
+        <p:txBody>
+          <a:bodyPr vert="horz" lIns="91440" tIns="45720" rIns="91440" bIns="45720" rtlCol="0"/>
+          <a:lstStyle>
+            <a:lvl1pPr algn="r">
+              <a:defRPr sz="1200"/>
+            </a:lvl1pPr>
+          </a:lstStyle>
+          <a:p>
+            <a:fld id="{CADC64B8-1EE7-794C-9A0F-7C0710D7B0BE}" type="datetimeFigureOut">
+              <a:rPr kumimoji="1" lang="zh-CN" altLang="en-US" smtClean="0"/>
+              <a:t>16/3/13</a:t>
+            </a:fld>
+            <a:endParaRPr kumimoji="1" lang="zh-CN" altLang="en-US"/>
+          </a:p>
+        </p:txBody>
+      </p:sp>
+      <p:sp>
+        <p:nvSpPr>
+          <p:cNvPr id="4" name="幻灯片图像占位符 3"/>
+          <p:cNvSpPr>
+            <a:spLocks noGrp="1" noRot="1" noChangeAspect="1"/>
+          </p:cNvSpPr>
+          <p:nvPr>
+            <p:ph type="sldImg" idx="2"/>
+          </p:nvPr>
+        </p:nvSpPr>
+        <p:spPr>
+          <a:xfrm>
+            <a:off x="685800" y="1143000"/>
+            <a:ext cx="5486400" cy="3086100"/>
+          </a:xfrm>
+          <a:prstGeom prst="rect">
+            <a:avLst/>
+          </a:prstGeom>
+          <a:noFill/>
+          <a:ln w="12700">
+            <a:solidFill>
+              <a:prstClr val="black"/>
+            </a:solidFill>
+          </a:ln>
+        </p:spPr>
+        <p:txBody>
+          <a:bodyPr vert="horz" lIns="91440" tIns="45720" rIns="91440" bIns="45720" rtlCol="0" anchor="ctr"/>
+          <a:lstStyle/>
+          <a:p>
+            <a:endParaRPr lang="zh-CN" altLang="en-US"/>
+          </a:p>
+        </p:txBody>
+      </p:sp>
+      <p:sp>
+        <p:nvSpPr>
+          <p:cNvPr id="5" name="备注占位符 4"/>
+          <p:cNvSpPr>
+            <a:spLocks noGrp="1"/>
+          </p:cNvSpPr>
+          <p:nvPr>
+            <p:ph type="body" sz="quarter" idx="3"/>
+          </p:nvPr>
+        </p:nvSpPr>
+        <p:spPr>
+          <a:xfrm>
+            <a:off x="685800" y="4400550"/>
+            <a:ext cx="5486400" cy="3600450"/>
+          </a:xfrm>
+          <a:prstGeom prst="rect">
+            <a:avLst/>
+          </a:prstGeom>
+        </p:spPr>
+        <p:txBody>
+          <a:bodyPr vert="horz" lIns="91440" tIns="45720" rIns="91440" bIns="45720" rtlCol="0"/>
+          <a:lstStyle/>
+          <a:p>
+            <a:pPr lvl="0"/>
+            <a:r>
+              <a:rPr kumimoji="1" lang="zh-CN" altLang="en-US" smtClean="0"/>
+              <a:t>单击此处编辑母版文本样式</a:t>
+            </a:r>
+          </a:p>
+          <a:p>
+            <a:pPr lvl="1"/>
+            <a:r>
+              <a:rPr kumimoji="1" lang="zh-CN" altLang="en-US" smtClean="0"/>
+              <a:t>二级</a:t>
+            </a:r>
+          </a:p>
+          <a:p>
+            <a:pPr lvl="2"/>
+            <a:r>
+              <a:rPr kumimoji="1" lang="zh-CN" altLang="en-US" smtClean="0"/>
+              <a:t>三级</a:t>
+            </a:r>
+          </a:p>
+          <a:p>
+            <a:pPr lvl="3"/>
+            <a:r>
+              <a:rPr kumimoji="1" lang="zh-CN" altLang="en-US" smtClean="0"/>
+              <a:t>四级</a:t>
+            </a:r>
+          </a:p>
+          <a:p>
+            <a:pPr lvl="4"/>
+            <a:r>
+              <a:rPr kumimoji="1" lang="zh-CN" altLang="en-US" smtClean="0"/>
+              <a:t>五级</a:t>
+            </a:r>
+            <a:endParaRPr kumimoji="1" lang="zh-CN" altLang="en-US"/>
+          </a:p>
+        </p:txBody>
+      </p:sp>
+      <p:sp>
+        <p:nvSpPr>
+          <p:cNvPr id="6" name="页脚占位符 5"/>
+          <p:cNvSpPr>
+            <a:spLocks noGrp="1"/>
+          </p:cNvSpPr>
+          <p:nvPr>
+            <p:ph type="ftr" sz="quarter" idx="4"/>
+          </p:nvPr>
+        </p:nvSpPr>
+        <p:spPr>
+          <a:xfrm>
+            <a:off x="0" y="8685213"/>
+            <a:ext cx="2971800" cy="458787"/>
+          </a:xfrm>
+          <a:prstGeom prst="rect">
+            <a:avLst/>
+          </a:prstGeom>
+        </p:spPr>
+        <p:txBody>
+          <a:bodyPr vert="horz" lIns="91440" tIns="45720" rIns="91440" bIns="45720" rtlCol="0" anchor="b"/>
+          <a:lstStyle>
+            <a:lvl1pPr algn="l">
+              <a:defRPr sz="1200"/>
+            </a:lvl1pPr>
+          </a:lstStyle>
+          <a:p>
+            <a:endParaRPr kumimoji="1" lang="zh-CN" altLang="en-US"/>
+          </a:p>
+        </p:txBody>
+      </p:sp>
+      <p:sp>
+        <p:nvSpPr>
+          <p:cNvPr id="7" name="幻灯片编号占位符 6"/>
+          <p:cNvSpPr>
+            <a:spLocks noGrp="1"/>
+          </p:cNvSpPr>
+          <p:nvPr>
+            <p:ph type="sldNum" sz="quarter" idx="5"/>
+          </p:nvPr>
+        </p:nvSpPr>
+        <p:spPr>
+          <a:xfrm>
+            <a:off x="3884613" y="8685213"/>
+            <a:ext cx="2971800" cy="458787"/>
+          </a:xfrm>
+          <a:prstGeom prst="rect">
+            <a:avLst/>
+          </a:prstGeom>
+        </p:spPr>
+        <p:txBody>
+          <a:bodyPr vert="horz" lIns="91440" tIns="45720" rIns="91440" bIns="45720" rtlCol="0" anchor="b"/>
+          <a:lstStyle>
+            <a:lvl1pPr algn="r">
+              <a:defRPr sz="1200"/>
+            </a:lvl1pPr>
+          </a:lstStyle>
+          <a:p>
+            <a:fld id="{D6C10AA0-2730-554E-850F-130E120E3DCB}" type="slidenum">
+              <a:rPr kumimoji="1" lang="zh-CN" altLang="en-US" smtClean="0"/>
+              <a:t>‹#›</a:t>
+            </a:fld>
+            <a:endParaRPr kumimoji="1" lang="zh-CN" altLang="en-US"/>
+          </a:p>
+        </p:txBody>
+      </p:sp>
+    </p:spTree>
+    <p:extLst>
+      <p:ext uri="{BB962C8B-B14F-4D97-AF65-F5344CB8AC3E}">
+        <p14:creationId xmlns:p14="http://schemas.microsoft.com/office/powerpoint/2010/main" val="1963726428"/>
+      </p:ext>
+    </p:extLst>
+  </p:cSld>
+  <p:clrMap bg1="lt1" tx1="dk1" bg2="lt2" tx2="dk2" accent1="accent1" accent2="accent2" accent3="accent3" accent4="accent4" accent5="accent5" accent6="accent6" hlink="hlink" folHlink="folHlink"/>
+  <p:notesStyle>
+    <a:lvl1pPr marL="0" algn="l" defTabSz="914400" rtl="0" eaLnBrk="1" latinLnBrk="0" hangingPunct="1">
+      <a:defRPr sz="1200" kern="1200">
+        <a:solidFill>
+          <a:schemeClr val="tx1"/>
+        </a:solidFill>
+        <a:latin typeface="+mn-lt"/>
+        <a:ea typeface="+mn-ea"/>
+        <a:cs typeface="+mn-cs"/>
+      </a:defRPr>
+    </a:lvl1pPr>
+    <a:lvl2pPr marL="457200" algn="l" defTabSz="914400" rtl="0" eaLnBrk="1" latinLnBrk="0" hangingPunct="1">
+      <a:defRPr sz="1200" kern="1200">
+        <a:solidFill>
+          <a:schemeClr val="tx1"/>
+        </a:solidFill>
+        <a:latin typeface="+mn-lt"/>
+        <a:ea typeface="+mn-ea"/>
+        <a:cs typeface="+mn-cs"/>
+      </a:defRPr>
+    </a:lvl2pPr>
+    <a:lvl3pPr marL="914400" algn="l" defTabSz="914400" rtl="0" eaLnBrk="1" latinLnBrk="0" hangingPunct="1">
+      <a:defRPr sz="1200" kern="1200">
+        <a:solidFill>
+          <a:schemeClr val="tx1"/>
+        </a:solidFill>
+        <a:latin typeface="+mn-lt"/>
+        <a:ea typeface="+mn-ea"/>
+        <a:cs typeface="+mn-cs"/>
+      </a:defRPr>
+    </a:lvl3pPr>
+    <a:lvl4pPr marL="1371600" algn="l" defTabSz="914400" rtl="0" eaLnBrk="1" latinLnBrk="0" hangingPunct="1">
+      <a:defRPr sz="1200" kern="1200">
+        <a:solidFill>
+          <a:schemeClr val="tx1"/>
+        </a:solidFill>
+        <a:latin typeface="+mn-lt"/>
+        <a:ea typeface="+mn-ea"/>
+        <a:cs typeface="+mn-cs"/>
+      </a:defRPr>
+    </a:lvl4pPr>
+    <a:lvl5pPr marL="1828800" algn="l" defTabSz="914400" rtl="0" eaLnBrk="1" latinLnBrk="0" hangingPunct="1">
+      <a:defRPr sz="1200" kern="1200">
+        <a:solidFill>
+          <a:schemeClr val="tx1"/>
+        </a:solidFill>
+        <a:latin typeface="+mn-lt"/>
+        <a:ea typeface="+mn-ea"/>
+        <a:cs typeface="+mn-cs"/>
+      </a:defRPr>
+    </a:lvl5pPr>
+    <a:lvl6pPr marL="2286000" algn="l" defTabSz="914400" rtl="0" eaLnBrk="1" latinLnBrk="0" hangingPunct="1">
+      <a:defRPr sz="1200" kern="1200">
+        <a:solidFill>
+          <a:schemeClr val="tx1"/>
+        </a:solidFill>
+        <a:latin typeface="+mn-lt"/>
+        <a:ea typeface="+mn-ea"/>
+        <a:cs typeface="+mn-cs"/>
+      </a:defRPr>
+    </a:lvl6pPr>
+    <a:lvl7pPr marL="2743200" algn="l" defTabSz="914400" rtl="0" eaLnBrk="1" latinLnBrk="0" hangingPunct="1">
+      <a:defRPr sz="1200" kern="1200">
+        <a:solidFill>
+          <a:schemeClr val="tx1"/>
+        </a:solidFill>
+        <a:latin typeface="+mn-lt"/>
+        <a:ea typeface="+mn-ea"/>
+        <a:cs typeface="+mn-cs"/>
+      </a:defRPr>
+    </a:lvl7pPr>
+    <a:lvl8pPr marL="3200400" algn="l" defTabSz="914400" rtl="0" eaLnBrk="1" latinLnBrk="0" hangingPunct="1">
+      <a:defRPr sz="1200" kern="1200">
+        <a:solidFill>
+          <a:schemeClr val="tx1"/>
+        </a:solidFill>
+        <a:latin typeface="+mn-lt"/>
+        <a:ea typeface="+mn-ea"/>
+        <a:cs typeface="+mn-cs"/>
+      </a:defRPr>
+    </a:lvl8pPr>
+    <a:lvl9pPr marL="3657600" algn="l" defTabSz="914400" rtl="0" eaLnBrk="1" latinLnBrk="0" hangingPunct="1">
+      <a:defRPr sz="1200" kern="1200">
+        <a:solidFill>
+          <a:schemeClr val="tx1"/>
+        </a:solidFill>
+        <a:latin typeface="+mn-lt"/>
+        <a:ea typeface="+mn-ea"/>
+        <a:cs typeface="+mn-cs"/>
+      </a:defRPr>
+    </a:lvl9pPr>
+  </p:notesStyle>
+</p:notesMaster>
+</file>
+
+<file path=ppt/notesSlides/notesSlide1.xml><?xml version="1.0" encoding="utf-8"?>
+<p:notes xmlns:a="http://schemas.openxmlformats.org/drawingml/2006/main" xmlns:r="http://schemas.openxmlformats.org/officeDocument/2006/relationships" xmlns:p="http://schemas.openxmlformats.org/presentationml/2006/main">
+  <p:cSld>
+    <p:spTree>
+      <p:nvGrpSpPr>
+        <p:cNvPr id="1" name=""/>
+        <p:cNvGrpSpPr/>
+        <p:nvPr/>
+      </p:nvGrpSpPr>
+      <p:grpSpPr>
+        <a:xfrm>
+          <a:off x="0" y="0"/>
+          <a:ext cx="0" cy="0"/>
+          <a:chOff x="0" y="0"/>
+          <a:chExt cx="0" cy="0"/>
+        </a:xfrm>
+      </p:grpSpPr>
+      <p:sp>
+        <p:nvSpPr>
+          <p:cNvPr id="2" name="幻灯片图像占位符 1"/>
+          <p:cNvSpPr>
+            <a:spLocks noGrp="1" noRot="1" noChangeAspect="1"/>
+          </p:cNvSpPr>
+          <p:nvPr>
+            <p:ph type="sldImg"/>
+          </p:nvPr>
+        </p:nvSpPr>
+        <p:spPr/>
+      </p:sp>
+      <p:sp>
+        <p:nvSpPr>
+          <p:cNvPr id="3" name="备注占位符 2"/>
+          <p:cNvSpPr>
+            <a:spLocks noGrp="1"/>
+          </p:cNvSpPr>
+          <p:nvPr>
+            <p:ph type="body" idx="1"/>
+          </p:nvPr>
+        </p:nvSpPr>
+        <p:spPr/>
+        <p:txBody>
+          <a:bodyPr/>
+          <a:lstStyle/>
+          <a:p>
+            <a:endParaRPr kumimoji="1" lang="zh-CN" altLang="en-US" dirty="0"/>
+          </a:p>
+        </p:txBody>
+      </p:sp>
+      <p:sp>
+        <p:nvSpPr>
+          <p:cNvPr id="4" name="幻灯片编号占位符 3"/>
+          <p:cNvSpPr>
+            <a:spLocks noGrp="1"/>
+          </p:cNvSpPr>
+          <p:nvPr>
+            <p:ph type="sldNum" sz="quarter" idx="10"/>
+          </p:nvPr>
+        </p:nvSpPr>
+        <p:spPr/>
+        <p:txBody>
+          <a:bodyPr/>
+          <a:lstStyle/>
+          <a:p>
+            <a:fld id="{D6C10AA0-2730-554E-850F-130E120E3DCB}" type="slidenum">
+              <a:rPr kumimoji="1" lang="zh-CN" altLang="en-US" smtClean="0"/>
+              <a:t>3</a:t>
+            </a:fld>
+            <a:endParaRPr kumimoji="1" lang="zh-CN" altLang="en-US"/>
+          </a:p>
+        </p:txBody>
+      </p:sp>
+    </p:spTree>
+    <p:extLst>
+      <p:ext uri="{BB962C8B-B14F-4D97-AF65-F5344CB8AC3E}">
+        <p14:creationId xmlns:p14="http://schemas.microsoft.com/office/powerpoint/2010/main" val="1821388300"/>
+      </p:ext>
+    </p:extLst>
+  </p:cSld>
+  <p:clrMapOvr>
+    <a:masterClrMapping/>
+  </p:clrMapOvr>
+</p:notes>
 </file>
 
 <file path=ppt/slideLayouts/slideLayout1.xml><?xml version="1.0" encoding="utf-8"?>
@@ -259,7 +703,7 @@
           <a:p>
             <a:fld id="{C3477EB2-7A69-EC47-8E26-FE8360A1C8A6}" type="datetimeFigureOut">
               <a:rPr kumimoji="1" lang="zh-CN" altLang="en-US" smtClean="0"/>
-              <a:t>16/3/9</a:t>
+              <a:t>16/3/13</a:t>
             </a:fld>
             <a:endParaRPr kumimoji="1" lang="zh-CN" altLang="en-US"/>
           </a:p>
@@ -429,7 +873,7 @@
           <a:p>
             <a:fld id="{C3477EB2-7A69-EC47-8E26-FE8360A1C8A6}" type="datetimeFigureOut">
               <a:rPr kumimoji="1" lang="zh-CN" altLang="en-US" smtClean="0"/>
-              <a:t>16/3/9</a:t>
+              <a:t>16/3/13</a:t>
             </a:fld>
             <a:endParaRPr kumimoji="1" lang="zh-CN" altLang="en-US"/>
           </a:p>
@@ -609,7 +1053,7 @@
           <a:p>
             <a:fld id="{C3477EB2-7A69-EC47-8E26-FE8360A1C8A6}" type="datetimeFigureOut">
               <a:rPr kumimoji="1" lang="zh-CN" altLang="en-US" smtClean="0"/>
-              <a:t>16/3/9</a:t>
+              <a:t>16/3/13</a:t>
             </a:fld>
             <a:endParaRPr kumimoji="1" lang="zh-CN" altLang="en-US"/>
           </a:p>
@@ -779,7 +1223,7 @@
           <a:p>
             <a:fld id="{C3477EB2-7A69-EC47-8E26-FE8360A1C8A6}" type="datetimeFigureOut">
               <a:rPr kumimoji="1" lang="zh-CN" altLang="en-US" smtClean="0"/>
-              <a:t>16/3/9</a:t>
+              <a:t>16/3/13</a:t>
             </a:fld>
             <a:endParaRPr kumimoji="1" lang="zh-CN" altLang="en-US"/>
           </a:p>
@@ -1025,7 +1469,7 @@
           <a:p>
             <a:fld id="{C3477EB2-7A69-EC47-8E26-FE8360A1C8A6}" type="datetimeFigureOut">
               <a:rPr kumimoji="1" lang="zh-CN" altLang="en-US" smtClean="0"/>
-              <a:t>16/3/9</a:t>
+              <a:t>16/3/13</a:t>
             </a:fld>
             <a:endParaRPr kumimoji="1" lang="zh-CN" altLang="en-US"/>
           </a:p>
@@ -1257,7 +1701,7 @@
           <a:p>
             <a:fld id="{C3477EB2-7A69-EC47-8E26-FE8360A1C8A6}" type="datetimeFigureOut">
               <a:rPr kumimoji="1" lang="zh-CN" altLang="en-US" smtClean="0"/>
-              <a:t>16/3/9</a:t>
+              <a:t>16/3/13</a:t>
             </a:fld>
             <a:endParaRPr kumimoji="1" lang="zh-CN" altLang="en-US"/>
           </a:p>
@@ -1624,7 +2068,7 @@
           <a:p>
             <a:fld id="{C3477EB2-7A69-EC47-8E26-FE8360A1C8A6}" type="datetimeFigureOut">
               <a:rPr kumimoji="1" lang="zh-CN" altLang="en-US" smtClean="0"/>
-              <a:t>16/3/9</a:t>
+              <a:t>16/3/13</a:t>
             </a:fld>
             <a:endParaRPr kumimoji="1" lang="zh-CN" altLang="en-US"/>
           </a:p>
@@ -1742,7 +2186,7 @@
           <a:p>
             <a:fld id="{C3477EB2-7A69-EC47-8E26-FE8360A1C8A6}" type="datetimeFigureOut">
               <a:rPr kumimoji="1" lang="zh-CN" altLang="en-US" smtClean="0"/>
-              <a:t>16/3/9</a:t>
+              <a:t>16/3/13</a:t>
             </a:fld>
             <a:endParaRPr kumimoji="1" lang="zh-CN" altLang="en-US"/>
           </a:p>
@@ -1837,7 +2281,7 @@
           <a:p>
             <a:fld id="{C3477EB2-7A69-EC47-8E26-FE8360A1C8A6}" type="datetimeFigureOut">
               <a:rPr kumimoji="1" lang="zh-CN" altLang="en-US" smtClean="0"/>
-              <a:t>16/3/9</a:t>
+              <a:t>16/3/13</a:t>
             </a:fld>
             <a:endParaRPr kumimoji="1" lang="zh-CN" altLang="en-US"/>
           </a:p>
@@ -2114,7 +2558,7 @@
           <a:p>
             <a:fld id="{C3477EB2-7A69-EC47-8E26-FE8360A1C8A6}" type="datetimeFigureOut">
               <a:rPr kumimoji="1" lang="zh-CN" altLang="en-US" smtClean="0"/>
-              <a:t>16/3/9</a:t>
+              <a:t>16/3/13</a:t>
             </a:fld>
             <a:endParaRPr kumimoji="1" lang="zh-CN" altLang="en-US"/>
           </a:p>
@@ -2367,7 +2811,7 @@
           <a:p>
             <a:fld id="{C3477EB2-7A69-EC47-8E26-FE8360A1C8A6}" type="datetimeFigureOut">
               <a:rPr kumimoji="1" lang="zh-CN" altLang="en-US" smtClean="0"/>
-              <a:t>16/3/9</a:t>
+              <a:t>16/3/13</a:t>
             </a:fld>
             <a:endParaRPr kumimoji="1" lang="zh-CN" altLang="en-US"/>
           </a:p>
@@ -2580,7 +3024,7 @@
           <a:p>
             <a:fld id="{C3477EB2-7A69-EC47-8E26-FE8360A1C8A6}" type="datetimeFigureOut">
               <a:rPr kumimoji="1" lang="zh-CN" altLang="en-US" smtClean="0"/>
-              <a:t>16/3/9</a:t>
+              <a:t>16/3/13</a:t>
             </a:fld>
             <a:endParaRPr kumimoji="1" lang="zh-CN" altLang="en-US"/>
           </a:p>
@@ -3031,7 +3475,7 @@
           <a:p>
             <a:fld id="{D8309854-A92A-1749-9722-C3A7F69F0164}" type="datetime3">
               <a:rPr kumimoji="1" lang="en-US" altLang="zh-CN"/>
-              <a:t>2016年3月9日星期三</a:t>
+              <a:t>13 March 2016</a:t>
             </a:fld>
             <a:endParaRPr kumimoji="1" lang="zh-CN" altLang="en-US" dirty="0"/>
           </a:p>
@@ -4329,15 +4773,7 @@
             </a:r>
             <a:r>
               <a:rPr lang="zh-CN" altLang="en-US" sz="1600" dirty="0" smtClean="0"/>
-              <a:t>。</a:t>
-            </a:r>
-            <a:r>
-              <a:rPr lang="zh-CN" altLang="en-US" sz="1600" dirty="0" smtClean="0"/>
-              <a:t>现在</a:t>
-            </a:r>
-            <a:r>
-              <a:rPr lang="zh-CN" altLang="en-US" sz="1600" dirty="0" smtClean="0"/>
-              <a:t>这个</a:t>
+              <a:t>。现在这个</a:t>
             </a:r>
             <a:r>
               <a:rPr lang="zh-CN" altLang="en-US" sz="1600" dirty="0"/>
@@ -6662,6 +7098,1370 @@
   <p:clrMapOvr>
     <a:masterClrMapping/>
   </p:clrMapOvr>
+  <p:timing>
+    <p:tnLst>
+      <p:par>
+        <p:cTn id="1" dur="indefinite" restart="never" nodeType="tmRoot"/>
+      </p:par>
+    </p:tnLst>
+  </p:timing>
+</p:sld>
+</file>
+
+<file path=ppt/slides/slide23.xml><?xml version="1.0" encoding="utf-8"?>
+<p:sld xmlns:a="http://schemas.openxmlformats.org/drawingml/2006/main" xmlns:r="http://schemas.openxmlformats.org/officeDocument/2006/relationships" xmlns:p="http://schemas.openxmlformats.org/presentationml/2006/main">
+  <p:cSld>
+    <p:spTree>
+      <p:nvGrpSpPr>
+        <p:cNvPr id="1" name=""/>
+        <p:cNvGrpSpPr/>
+        <p:nvPr/>
+      </p:nvGrpSpPr>
+      <p:grpSpPr>
+        <a:xfrm>
+          <a:off x="0" y="0"/>
+          <a:ext cx="0" cy="0"/>
+          <a:chOff x="0" y="0"/>
+          <a:chExt cx="0" cy="0"/>
+        </a:xfrm>
+      </p:grpSpPr>
+      <p:sp>
+        <p:nvSpPr>
+          <p:cNvPr id="3" name="内容占位符 2"/>
+          <p:cNvSpPr>
+            <a:spLocks noGrp="1"/>
+          </p:cNvSpPr>
+          <p:nvPr>
+            <p:ph idx="1"/>
+          </p:nvPr>
+        </p:nvSpPr>
+        <p:spPr>
+          <a:xfrm>
+            <a:off x="838200" y="1825625"/>
+            <a:ext cx="10515600" cy="4693162"/>
+          </a:xfrm>
+        </p:spPr>
+        <p:txBody>
+          <a:bodyPr>
+            <a:normAutofit lnSpcReduction="10000"/>
+          </a:bodyPr>
+          <a:lstStyle/>
+          <a:p>
+            <a:pPr marL="0" indent="0">
+              <a:buNone/>
+            </a:pPr>
+            <a:r>
+              <a:rPr kumimoji="1" lang="zh-CN" altLang="en-US" dirty="0" smtClean="0"/>
+              <a:t>一、分支是什么</a:t>
+            </a:r>
+          </a:p>
+          <a:p>
+            <a:pPr marL="0" indent="0">
+              <a:buNone/>
+            </a:pPr>
+            <a:r>
+              <a:rPr kumimoji="1" lang="zh-CN" altLang="en-US" dirty="0"/>
+              <a:t>	</a:t>
+            </a:r>
+            <a:r>
+              <a:rPr kumimoji="1" lang="zh-CN" altLang="en-US" dirty="0" smtClean="0"/>
+              <a:t>分支就是从总体或一个系统中分出来的部分</a:t>
+            </a:r>
+          </a:p>
+          <a:p>
+            <a:pPr marL="0" indent="0">
+              <a:buNone/>
+            </a:pPr>
+            <a:r>
+              <a:rPr kumimoji="1" lang="zh-CN" altLang="en-US" dirty="0" smtClean="0"/>
+              <a:t>二、</a:t>
+            </a:r>
+            <a:r>
+              <a:rPr kumimoji="1" lang="en-US" altLang="zh-CN" dirty="0" err="1" smtClean="0"/>
+              <a:t>git</a:t>
+            </a:r>
+            <a:r>
+              <a:rPr kumimoji="1" lang="zh-CN" altLang="en-US" dirty="0" smtClean="0"/>
+              <a:t>分支存在的作用</a:t>
+            </a:r>
+          </a:p>
+          <a:p>
+            <a:r>
+              <a:rPr kumimoji="1" lang="zh-CN" altLang="en-US" dirty="0"/>
+              <a:t>	</a:t>
+            </a:r>
+            <a:r>
+              <a:rPr lang="zh-CN" altLang="en-US" dirty="0"/>
+              <a:t>分支在实际中有什么用呢？假设你准备开发一个新功能，但是需要两周才能完成，第一周你写了</a:t>
+            </a:r>
+            <a:r>
+              <a:rPr lang="en-US" altLang="zh-CN" dirty="0"/>
+              <a:t>50%</a:t>
+            </a:r>
+            <a:r>
+              <a:rPr lang="zh-CN" altLang="en-US" dirty="0"/>
+              <a:t>的代码，如果立刻提交，由于代码还没写完，不完整的代码库会导致别人不能干活了。如果等代码全部写完再一次提交，又存在丢失每天进度的巨大风险。</a:t>
+            </a:r>
+          </a:p>
+          <a:p>
+            <a:r>
+              <a:rPr lang="zh-CN" altLang="en-US" dirty="0"/>
+              <a:t>现在有了分支，就不用怕了。你创建了一个属于你自己的分支，别人看不到，还继续在原来的分支上正常工作，而你在自己的分支上干活，想提交就提交，直到开发完毕后，再一次性合并到原来的分支上，这样，既安全，又不影响别人工作。</a:t>
+            </a:r>
+          </a:p>
+        </p:txBody>
+      </p:sp>
+      <p:sp>
+        <p:nvSpPr>
+          <p:cNvPr id="6" name="标题 1"/>
+          <p:cNvSpPr txBox="1">
+            <a:spLocks/>
+          </p:cNvSpPr>
+          <p:nvPr/>
+        </p:nvSpPr>
+        <p:spPr>
+          <a:xfrm>
+            <a:off x="373626" y="309716"/>
+            <a:ext cx="7590503" cy="840658"/>
+          </a:xfrm>
+          <a:prstGeom prst="rect">
+            <a:avLst/>
+          </a:prstGeom>
+        </p:spPr>
+        <p:txBody>
+          <a:bodyPr vert="horz" lIns="91440" tIns="45720" rIns="91440" bIns="45720" rtlCol="0" anchor="ctr">
+            <a:normAutofit/>
+          </a:bodyPr>
+          <a:lstStyle>
+            <a:lvl1pPr algn="l" defTabSz="914400" rtl="0" eaLnBrk="1" latinLnBrk="0" hangingPunct="1">
+              <a:lnSpc>
+                <a:spcPct val="90000"/>
+              </a:lnSpc>
+              <a:spcBef>
+                <a:spcPct val="0"/>
+              </a:spcBef>
+              <a:buNone/>
+              <a:defRPr sz="4400" kern="1200">
+                <a:solidFill>
+                  <a:schemeClr val="tx1"/>
+                </a:solidFill>
+                <a:latin typeface="+mj-lt"/>
+                <a:ea typeface="+mj-ea"/>
+                <a:cs typeface="+mj-cs"/>
+              </a:defRPr>
+            </a:lvl1pPr>
+          </a:lstStyle>
+          <a:p>
+            <a:r>
+              <a:rPr kumimoji="1" lang="en-US" altLang="zh-CN" sz="5000" dirty="0" smtClean="0"/>
+              <a:t>GIT</a:t>
+            </a:r>
+            <a:r>
+              <a:rPr kumimoji="1" lang="zh-CN" altLang="en-US" sz="5000" dirty="0" smtClean="0"/>
+              <a:t>分支管理</a:t>
+            </a:r>
+          </a:p>
+        </p:txBody>
+      </p:sp>
+    </p:spTree>
+    <p:extLst>
+      <p:ext uri="{BB962C8B-B14F-4D97-AF65-F5344CB8AC3E}">
+        <p14:creationId xmlns:p14="http://schemas.microsoft.com/office/powerpoint/2010/main" val="1073698990"/>
+      </p:ext>
+    </p:extLst>
+  </p:cSld>
+  <p:clrMapOvr>
+    <a:masterClrMapping/>
+  </p:clrMapOvr>
+  <p:timing>
+    <p:tnLst>
+      <p:par>
+        <p:cTn id="1" dur="indefinite" restart="never" nodeType="tmRoot">
+          <p:childTnLst>
+            <p:seq concurrent="1" nextAc="seek">
+              <p:cTn id="2" dur="indefinite" nodeType="mainSeq">
+                <p:childTnLst>
+                  <p:par>
+                    <p:cTn id="3" fill="hold">
+                      <p:stCondLst>
+                        <p:cond delay="indefinite"/>
+                      </p:stCondLst>
+                      <p:childTnLst>
+                        <p:par>
+                          <p:cTn id="4" fill="hold">
+                            <p:stCondLst>
+                              <p:cond delay="0"/>
+                            </p:stCondLst>
+                            <p:childTnLst>
+                              <p:par>
+                                <p:cTn id="5" presetID="2" presetClass="entr" presetSubtype="4" fill="hold" nodeType="clickEffect">
+                                  <p:stCondLst>
+                                    <p:cond delay="0"/>
+                                  </p:stCondLst>
+                                  <p:childTnLst>
+                                    <p:set>
+                                      <p:cBhvr>
+                                        <p:cTn id="6" dur="1" fill="hold">
+                                          <p:stCondLst>
+                                            <p:cond delay="0"/>
+                                          </p:stCondLst>
+                                        </p:cTn>
+                                        <p:tgtEl>
+                                          <p:spTgt spid="3">
+                                            <p:txEl>
+                                              <p:pRg st="0" end="0"/>
+                                            </p:txEl>
+                                          </p:spTgt>
+                                        </p:tgtEl>
+                                        <p:attrNameLst>
+                                          <p:attrName>style.visibility</p:attrName>
+                                        </p:attrNameLst>
+                                      </p:cBhvr>
+                                      <p:to>
+                                        <p:strVal val="visible"/>
+                                      </p:to>
+                                    </p:set>
+                                    <p:anim calcmode="lin" valueType="num">
+                                      <p:cBhvr additive="base">
+                                        <p:cTn id="7" dur="500" fill="hold"/>
+                                        <p:tgtEl>
+                                          <p:spTgt spid="3">
+                                            <p:txEl>
+                                              <p:pRg st="0" end="0"/>
+                                            </p:txEl>
+                                          </p:spTgt>
+                                        </p:tgtEl>
+                                        <p:attrNameLst>
+                                          <p:attrName>ppt_x</p:attrName>
+                                        </p:attrNameLst>
+                                      </p:cBhvr>
+                                      <p:tavLst>
+                                        <p:tav tm="0">
+                                          <p:val>
+                                            <p:strVal val="#ppt_x"/>
+                                          </p:val>
+                                        </p:tav>
+                                        <p:tav tm="100000">
+                                          <p:val>
+                                            <p:strVal val="#ppt_x"/>
+                                          </p:val>
+                                        </p:tav>
+                                      </p:tavLst>
+                                    </p:anim>
+                                    <p:anim calcmode="lin" valueType="num">
+                                      <p:cBhvr additive="base">
+                                        <p:cTn id="8" dur="500" fill="hold"/>
+                                        <p:tgtEl>
+                                          <p:spTgt spid="3">
+                                            <p:txEl>
+                                              <p:pRg st="0" end="0"/>
+                                            </p:txEl>
+                                          </p:spTgt>
+                                        </p:tgtEl>
+                                        <p:attrNameLst>
+                                          <p:attrName>ppt_y</p:attrName>
+                                        </p:attrNameLst>
+                                      </p:cBhvr>
+                                      <p:tavLst>
+                                        <p:tav tm="0">
+                                          <p:val>
+                                            <p:strVal val="1+#ppt_h/2"/>
+                                          </p:val>
+                                        </p:tav>
+                                        <p:tav tm="100000">
+                                          <p:val>
+                                            <p:strVal val="#ppt_y"/>
+                                          </p:val>
+                                        </p:tav>
+                                      </p:tavLst>
+                                    </p:anim>
+                                  </p:childTnLst>
+                                </p:cTn>
+                              </p:par>
+                              <p:par>
+                                <p:cTn id="9" presetID="2" presetClass="entr" presetSubtype="4" fill="hold" nodeType="withEffect">
+                                  <p:stCondLst>
+                                    <p:cond delay="0"/>
+                                  </p:stCondLst>
+                                  <p:childTnLst>
+                                    <p:set>
+                                      <p:cBhvr>
+                                        <p:cTn id="10" dur="1" fill="hold">
+                                          <p:stCondLst>
+                                            <p:cond delay="0"/>
+                                          </p:stCondLst>
+                                        </p:cTn>
+                                        <p:tgtEl>
+                                          <p:spTgt spid="3">
+                                            <p:txEl>
+                                              <p:pRg st="1" end="1"/>
+                                            </p:txEl>
+                                          </p:spTgt>
+                                        </p:tgtEl>
+                                        <p:attrNameLst>
+                                          <p:attrName>style.visibility</p:attrName>
+                                        </p:attrNameLst>
+                                      </p:cBhvr>
+                                      <p:to>
+                                        <p:strVal val="visible"/>
+                                      </p:to>
+                                    </p:set>
+                                    <p:anim calcmode="lin" valueType="num">
+                                      <p:cBhvr additive="base">
+                                        <p:cTn id="11" dur="500" fill="hold"/>
+                                        <p:tgtEl>
+                                          <p:spTgt spid="3">
+                                            <p:txEl>
+                                              <p:pRg st="1" end="1"/>
+                                            </p:txEl>
+                                          </p:spTgt>
+                                        </p:tgtEl>
+                                        <p:attrNameLst>
+                                          <p:attrName>ppt_x</p:attrName>
+                                        </p:attrNameLst>
+                                      </p:cBhvr>
+                                      <p:tavLst>
+                                        <p:tav tm="0">
+                                          <p:val>
+                                            <p:strVal val="#ppt_x"/>
+                                          </p:val>
+                                        </p:tav>
+                                        <p:tav tm="100000">
+                                          <p:val>
+                                            <p:strVal val="#ppt_x"/>
+                                          </p:val>
+                                        </p:tav>
+                                      </p:tavLst>
+                                    </p:anim>
+                                    <p:anim calcmode="lin" valueType="num">
+                                      <p:cBhvr additive="base">
+                                        <p:cTn id="12" dur="500" fill="hold"/>
+                                        <p:tgtEl>
+                                          <p:spTgt spid="3">
+                                            <p:txEl>
+                                              <p:pRg st="1" end="1"/>
+                                            </p:txEl>
+                                          </p:spTgt>
+                                        </p:tgtEl>
+                                        <p:attrNameLst>
+                                          <p:attrName>ppt_y</p:attrName>
+                                        </p:attrNameLst>
+                                      </p:cBhvr>
+                                      <p:tavLst>
+                                        <p:tav tm="0">
+                                          <p:val>
+                                            <p:strVal val="1+#ppt_h/2"/>
+                                          </p:val>
+                                        </p:tav>
+                                        <p:tav tm="100000">
+                                          <p:val>
+                                            <p:strVal val="#ppt_y"/>
+                                          </p:val>
+                                        </p:tav>
+                                      </p:tavLst>
+                                    </p:anim>
+                                  </p:childTnLst>
+                                </p:cTn>
+                              </p:par>
+                            </p:childTnLst>
+                          </p:cTn>
+                        </p:par>
+                      </p:childTnLst>
+                    </p:cTn>
+                  </p:par>
+                  <p:par>
+                    <p:cTn id="13" fill="hold">
+                      <p:stCondLst>
+                        <p:cond delay="indefinite"/>
+                      </p:stCondLst>
+                      <p:childTnLst>
+                        <p:par>
+                          <p:cTn id="14" fill="hold">
+                            <p:stCondLst>
+                              <p:cond delay="0"/>
+                            </p:stCondLst>
+                            <p:childTnLst>
+                              <p:par>
+                                <p:cTn id="15" presetID="2" presetClass="entr" presetSubtype="4" fill="hold" nodeType="clickEffect">
+                                  <p:stCondLst>
+                                    <p:cond delay="0"/>
+                                  </p:stCondLst>
+                                  <p:childTnLst>
+                                    <p:set>
+                                      <p:cBhvr>
+                                        <p:cTn id="16" dur="1" fill="hold">
+                                          <p:stCondLst>
+                                            <p:cond delay="0"/>
+                                          </p:stCondLst>
+                                        </p:cTn>
+                                        <p:tgtEl>
+                                          <p:spTgt spid="3">
+                                            <p:txEl>
+                                              <p:pRg st="2" end="2"/>
+                                            </p:txEl>
+                                          </p:spTgt>
+                                        </p:tgtEl>
+                                        <p:attrNameLst>
+                                          <p:attrName>style.visibility</p:attrName>
+                                        </p:attrNameLst>
+                                      </p:cBhvr>
+                                      <p:to>
+                                        <p:strVal val="visible"/>
+                                      </p:to>
+                                    </p:set>
+                                    <p:anim calcmode="lin" valueType="num">
+                                      <p:cBhvr additive="base">
+                                        <p:cTn id="17" dur="500" fill="hold"/>
+                                        <p:tgtEl>
+                                          <p:spTgt spid="3">
+                                            <p:txEl>
+                                              <p:pRg st="2" end="2"/>
+                                            </p:txEl>
+                                          </p:spTgt>
+                                        </p:tgtEl>
+                                        <p:attrNameLst>
+                                          <p:attrName>ppt_x</p:attrName>
+                                        </p:attrNameLst>
+                                      </p:cBhvr>
+                                      <p:tavLst>
+                                        <p:tav tm="0">
+                                          <p:val>
+                                            <p:strVal val="#ppt_x"/>
+                                          </p:val>
+                                        </p:tav>
+                                        <p:tav tm="100000">
+                                          <p:val>
+                                            <p:strVal val="#ppt_x"/>
+                                          </p:val>
+                                        </p:tav>
+                                      </p:tavLst>
+                                    </p:anim>
+                                    <p:anim calcmode="lin" valueType="num">
+                                      <p:cBhvr additive="base">
+                                        <p:cTn id="18" dur="500" fill="hold"/>
+                                        <p:tgtEl>
+                                          <p:spTgt spid="3">
+                                            <p:txEl>
+                                              <p:pRg st="2" end="2"/>
+                                            </p:txEl>
+                                          </p:spTgt>
+                                        </p:tgtEl>
+                                        <p:attrNameLst>
+                                          <p:attrName>ppt_y</p:attrName>
+                                        </p:attrNameLst>
+                                      </p:cBhvr>
+                                      <p:tavLst>
+                                        <p:tav tm="0">
+                                          <p:val>
+                                            <p:strVal val="1+#ppt_h/2"/>
+                                          </p:val>
+                                        </p:tav>
+                                        <p:tav tm="100000">
+                                          <p:val>
+                                            <p:strVal val="#ppt_y"/>
+                                          </p:val>
+                                        </p:tav>
+                                      </p:tavLst>
+                                    </p:anim>
+                                  </p:childTnLst>
+                                </p:cTn>
+                              </p:par>
+                              <p:par>
+                                <p:cTn id="19" presetID="2" presetClass="entr" presetSubtype="4" fill="hold" nodeType="withEffect">
+                                  <p:stCondLst>
+                                    <p:cond delay="0"/>
+                                  </p:stCondLst>
+                                  <p:childTnLst>
+                                    <p:set>
+                                      <p:cBhvr>
+                                        <p:cTn id="20" dur="1" fill="hold">
+                                          <p:stCondLst>
+                                            <p:cond delay="0"/>
+                                          </p:stCondLst>
+                                        </p:cTn>
+                                        <p:tgtEl>
+                                          <p:spTgt spid="3">
+                                            <p:txEl>
+                                              <p:pRg st="3" end="3"/>
+                                            </p:txEl>
+                                          </p:spTgt>
+                                        </p:tgtEl>
+                                        <p:attrNameLst>
+                                          <p:attrName>style.visibility</p:attrName>
+                                        </p:attrNameLst>
+                                      </p:cBhvr>
+                                      <p:to>
+                                        <p:strVal val="visible"/>
+                                      </p:to>
+                                    </p:set>
+                                    <p:anim calcmode="lin" valueType="num">
+                                      <p:cBhvr additive="base">
+                                        <p:cTn id="21" dur="500" fill="hold"/>
+                                        <p:tgtEl>
+                                          <p:spTgt spid="3">
+                                            <p:txEl>
+                                              <p:pRg st="3" end="3"/>
+                                            </p:txEl>
+                                          </p:spTgt>
+                                        </p:tgtEl>
+                                        <p:attrNameLst>
+                                          <p:attrName>ppt_x</p:attrName>
+                                        </p:attrNameLst>
+                                      </p:cBhvr>
+                                      <p:tavLst>
+                                        <p:tav tm="0">
+                                          <p:val>
+                                            <p:strVal val="#ppt_x"/>
+                                          </p:val>
+                                        </p:tav>
+                                        <p:tav tm="100000">
+                                          <p:val>
+                                            <p:strVal val="#ppt_x"/>
+                                          </p:val>
+                                        </p:tav>
+                                      </p:tavLst>
+                                    </p:anim>
+                                    <p:anim calcmode="lin" valueType="num">
+                                      <p:cBhvr additive="base">
+                                        <p:cTn id="22" dur="500" fill="hold"/>
+                                        <p:tgtEl>
+                                          <p:spTgt spid="3">
+                                            <p:txEl>
+                                              <p:pRg st="3" end="3"/>
+                                            </p:txEl>
+                                          </p:spTgt>
+                                        </p:tgtEl>
+                                        <p:attrNameLst>
+                                          <p:attrName>ppt_y</p:attrName>
+                                        </p:attrNameLst>
+                                      </p:cBhvr>
+                                      <p:tavLst>
+                                        <p:tav tm="0">
+                                          <p:val>
+                                            <p:strVal val="1+#ppt_h/2"/>
+                                          </p:val>
+                                        </p:tav>
+                                        <p:tav tm="100000">
+                                          <p:val>
+                                            <p:strVal val="#ppt_y"/>
+                                          </p:val>
+                                        </p:tav>
+                                      </p:tavLst>
+                                    </p:anim>
+                                  </p:childTnLst>
+                                </p:cTn>
+                              </p:par>
+                              <p:par>
+                                <p:cTn id="23" presetID="2" presetClass="entr" presetSubtype="4" fill="hold" nodeType="withEffect">
+                                  <p:stCondLst>
+                                    <p:cond delay="0"/>
+                                  </p:stCondLst>
+                                  <p:childTnLst>
+                                    <p:set>
+                                      <p:cBhvr>
+                                        <p:cTn id="24" dur="1" fill="hold">
+                                          <p:stCondLst>
+                                            <p:cond delay="0"/>
+                                          </p:stCondLst>
+                                        </p:cTn>
+                                        <p:tgtEl>
+                                          <p:spTgt spid="3">
+                                            <p:txEl>
+                                              <p:pRg st="4" end="4"/>
+                                            </p:txEl>
+                                          </p:spTgt>
+                                        </p:tgtEl>
+                                        <p:attrNameLst>
+                                          <p:attrName>style.visibility</p:attrName>
+                                        </p:attrNameLst>
+                                      </p:cBhvr>
+                                      <p:to>
+                                        <p:strVal val="visible"/>
+                                      </p:to>
+                                    </p:set>
+                                    <p:anim calcmode="lin" valueType="num">
+                                      <p:cBhvr additive="base">
+                                        <p:cTn id="25" dur="500" fill="hold"/>
+                                        <p:tgtEl>
+                                          <p:spTgt spid="3">
+                                            <p:txEl>
+                                              <p:pRg st="4" end="4"/>
+                                            </p:txEl>
+                                          </p:spTgt>
+                                        </p:tgtEl>
+                                        <p:attrNameLst>
+                                          <p:attrName>ppt_x</p:attrName>
+                                        </p:attrNameLst>
+                                      </p:cBhvr>
+                                      <p:tavLst>
+                                        <p:tav tm="0">
+                                          <p:val>
+                                            <p:strVal val="#ppt_x"/>
+                                          </p:val>
+                                        </p:tav>
+                                        <p:tav tm="100000">
+                                          <p:val>
+                                            <p:strVal val="#ppt_x"/>
+                                          </p:val>
+                                        </p:tav>
+                                      </p:tavLst>
+                                    </p:anim>
+                                    <p:anim calcmode="lin" valueType="num">
+                                      <p:cBhvr additive="base">
+                                        <p:cTn id="26" dur="500" fill="hold"/>
+                                        <p:tgtEl>
+                                          <p:spTgt spid="3">
+                                            <p:txEl>
+                                              <p:pRg st="4" end="4"/>
+                                            </p:txEl>
+                                          </p:spTgt>
+                                        </p:tgtEl>
+                                        <p:attrNameLst>
+                                          <p:attrName>ppt_y</p:attrName>
+                                        </p:attrNameLst>
+                                      </p:cBhvr>
+                                      <p:tavLst>
+                                        <p:tav tm="0">
+                                          <p:val>
+                                            <p:strVal val="1+#ppt_h/2"/>
+                                          </p:val>
+                                        </p:tav>
+                                        <p:tav tm="100000">
+                                          <p:val>
+                                            <p:strVal val="#ppt_y"/>
+                                          </p:val>
+                                        </p:tav>
+                                      </p:tavLst>
+                                    </p:anim>
+                                  </p:childTnLst>
+                                </p:cTn>
+                              </p:par>
+                            </p:childTnLst>
+                          </p:cTn>
+                        </p:par>
+                      </p:childTnLst>
+                    </p:cTn>
+                  </p:par>
+                </p:childTnLst>
+              </p:cTn>
+              <p:prevCondLst>
+                <p:cond evt="onPrev" delay="0">
+                  <p:tgtEl>
+                    <p:sldTgt/>
+                  </p:tgtEl>
+                </p:cond>
+              </p:prevCondLst>
+              <p:nextCondLst>
+                <p:cond evt="onNext" delay="0">
+                  <p:tgtEl>
+                    <p:sldTgt/>
+                  </p:tgtEl>
+                </p:cond>
+              </p:nextCondLst>
+            </p:seq>
+          </p:childTnLst>
+        </p:cTn>
+      </p:par>
+    </p:tnLst>
+  </p:timing>
+</p:sld>
+</file>
+
+<file path=ppt/slides/slide24.xml><?xml version="1.0" encoding="utf-8"?>
+<p:sld xmlns:a="http://schemas.openxmlformats.org/drawingml/2006/main" xmlns:r="http://schemas.openxmlformats.org/officeDocument/2006/relationships" xmlns:p="http://schemas.openxmlformats.org/presentationml/2006/main">
+  <p:cSld>
+    <p:spTree>
+      <p:nvGrpSpPr>
+        <p:cNvPr id="1" name=""/>
+        <p:cNvGrpSpPr/>
+        <p:nvPr/>
+      </p:nvGrpSpPr>
+      <p:grpSpPr>
+        <a:xfrm>
+          <a:off x="0" y="0"/>
+          <a:ext cx="0" cy="0"/>
+          <a:chOff x="0" y="0"/>
+          <a:chExt cx="0" cy="0"/>
+        </a:xfrm>
+      </p:grpSpPr>
+      <p:sp>
+        <p:nvSpPr>
+          <p:cNvPr id="3" name="内容占位符 2"/>
+          <p:cNvSpPr>
+            <a:spLocks noGrp="1"/>
+          </p:cNvSpPr>
+          <p:nvPr>
+            <p:ph idx="1"/>
+          </p:nvPr>
+        </p:nvSpPr>
+        <p:spPr>
+          <a:xfrm>
+            <a:off x="648929" y="1825625"/>
+            <a:ext cx="10704871" cy="4351338"/>
+          </a:xfrm>
+        </p:spPr>
+        <p:txBody>
+          <a:bodyPr/>
+          <a:lstStyle/>
+          <a:p>
+            <a:pPr marL="0" indent="0">
+              <a:buNone/>
+            </a:pPr>
+            <a:r>
+              <a:rPr kumimoji="1" lang="en-US" altLang="zh-CN" dirty="0" smtClean="0"/>
+              <a:t>1</a:t>
+            </a:r>
+            <a:r>
+              <a:rPr kumimoji="1" lang="zh-CN" altLang="en-US" dirty="0" smtClean="0"/>
+              <a:t>创建分支  </a:t>
+            </a:r>
+            <a:r>
+              <a:rPr lang="en-US" altLang="zh-CN" dirty="0" err="1" smtClean="0"/>
+              <a:t>git</a:t>
+            </a:r>
+            <a:r>
+              <a:rPr lang="en-US" altLang="zh-CN" dirty="0" smtClean="0"/>
+              <a:t> </a:t>
+            </a:r>
+            <a:r>
+              <a:rPr lang="en-US" altLang="zh-CN" dirty="0"/>
+              <a:t>branch &lt;name</a:t>
+            </a:r>
+            <a:r>
+              <a:rPr lang="en-US" altLang="zh-CN" dirty="0" smtClean="0"/>
+              <a:t>&gt;</a:t>
+            </a:r>
+            <a:endParaRPr lang="zh-CN" altLang="en-US" dirty="0" smtClean="0"/>
+          </a:p>
+          <a:p>
+            <a:pPr marL="0" indent="0">
+              <a:buNone/>
+            </a:pPr>
+            <a:r>
+              <a:rPr kumimoji="1" lang="en-US" altLang="zh-CN" dirty="0" smtClean="0"/>
+              <a:t>2</a:t>
+            </a:r>
+            <a:r>
+              <a:rPr kumimoji="1" lang="zh-CN" altLang="en-US" dirty="0" smtClean="0"/>
+              <a:t>切换到分支  </a:t>
+            </a:r>
+            <a:r>
+              <a:rPr lang="en-US" altLang="zh-CN" dirty="0" err="1"/>
+              <a:t>git</a:t>
+            </a:r>
+            <a:r>
+              <a:rPr lang="en-US" altLang="zh-CN" dirty="0"/>
+              <a:t> checkout &lt;name</a:t>
+            </a:r>
+            <a:r>
+              <a:rPr lang="en-US" altLang="zh-CN" dirty="0" smtClean="0"/>
+              <a:t>&gt;</a:t>
+            </a:r>
+            <a:endParaRPr lang="zh-CN" altLang="en-US" dirty="0" smtClean="0"/>
+          </a:p>
+          <a:p>
+            <a:pPr marL="0" indent="0">
+              <a:buNone/>
+            </a:pPr>
+            <a:r>
+              <a:rPr kumimoji="1" lang="en-US" altLang="zh-CN" dirty="0" smtClean="0"/>
+              <a:t>3</a:t>
+            </a:r>
+            <a:r>
+              <a:rPr kumimoji="1" lang="zh-CN" altLang="en-US" dirty="0" smtClean="0"/>
+              <a:t>以上两部可用 </a:t>
+            </a:r>
+            <a:r>
+              <a:rPr lang="en-US" altLang="zh-CN" dirty="0" err="1"/>
+              <a:t>git</a:t>
+            </a:r>
+            <a:r>
+              <a:rPr lang="en-US" altLang="zh-CN" dirty="0"/>
+              <a:t> checkout -b &lt;name</a:t>
+            </a:r>
+            <a:r>
+              <a:rPr lang="en-US" altLang="zh-CN" dirty="0" smtClean="0"/>
+              <a:t>&gt;</a:t>
+            </a:r>
+            <a:r>
+              <a:rPr lang="zh-CN" altLang="en-US" dirty="0" smtClean="0"/>
+              <a:t> </a:t>
+            </a:r>
+            <a:r>
+              <a:rPr lang="zh-CN" altLang="en-US" dirty="0" smtClean="0"/>
+              <a:t>一步到位</a:t>
+            </a:r>
+          </a:p>
+          <a:p>
+            <a:pPr marL="0" indent="0">
+              <a:buNone/>
+            </a:pPr>
+            <a:r>
+              <a:rPr lang="en-US" altLang="zh-CN" dirty="0" smtClean="0"/>
+              <a:t>4</a:t>
+            </a:r>
+            <a:r>
+              <a:rPr lang="zh-CN" altLang="en-US" dirty="0" smtClean="0"/>
+              <a:t>查看分支 </a:t>
+            </a:r>
+            <a:r>
+              <a:rPr lang="en-US" altLang="zh-CN" dirty="0" err="1"/>
+              <a:t>git</a:t>
+            </a:r>
+            <a:r>
+              <a:rPr lang="en-US" altLang="zh-CN" dirty="0"/>
+              <a:t> </a:t>
+            </a:r>
+            <a:r>
+              <a:rPr lang="en-US" altLang="zh-CN" dirty="0" smtClean="0"/>
+              <a:t>branch</a:t>
+            </a:r>
+            <a:r>
+              <a:rPr lang="zh-CN" altLang="en-US" dirty="0" smtClean="0"/>
+              <a:t> </a:t>
+            </a:r>
+            <a:r>
+              <a:rPr lang="zh-CN" altLang="en-US" dirty="0" smtClean="0"/>
+              <a:t>当前分支前面会有一个＊号</a:t>
+            </a:r>
+          </a:p>
+          <a:p>
+            <a:pPr marL="0" indent="0">
+              <a:buNone/>
+            </a:pPr>
+            <a:r>
+              <a:rPr lang="en-US" altLang="zh-CN" dirty="0" smtClean="0"/>
+              <a:t>5</a:t>
+            </a:r>
+            <a:r>
+              <a:rPr lang="zh-CN" altLang="en-US" dirty="0" smtClean="0"/>
+              <a:t>合并分支 </a:t>
+            </a:r>
+            <a:r>
+              <a:rPr lang="en-US" altLang="zh-CN" dirty="0" err="1"/>
+              <a:t>git</a:t>
+            </a:r>
+            <a:r>
+              <a:rPr lang="en-US" altLang="zh-CN" dirty="0"/>
+              <a:t> merge &lt;name</a:t>
+            </a:r>
+            <a:r>
+              <a:rPr lang="en-US" altLang="zh-CN" dirty="0" smtClean="0"/>
+              <a:t>&gt;</a:t>
+            </a:r>
+            <a:r>
+              <a:rPr lang="zh-CN" altLang="en-US" dirty="0" smtClean="0"/>
+              <a:t> 合并</a:t>
+            </a:r>
+            <a:r>
+              <a:rPr lang="zh-CN" altLang="en-US" dirty="0"/>
+              <a:t>某分支到当前</a:t>
+            </a:r>
+            <a:r>
+              <a:rPr lang="zh-CN" altLang="en-US" dirty="0" smtClean="0"/>
+              <a:t>分支</a:t>
+            </a:r>
+          </a:p>
+          <a:p>
+            <a:pPr marL="0" indent="0">
+              <a:buNone/>
+            </a:pPr>
+            <a:r>
+              <a:rPr lang="en-US" altLang="zh-CN" dirty="0" smtClean="0"/>
+              <a:t>6</a:t>
+            </a:r>
+            <a:r>
+              <a:rPr lang="zh-CN" altLang="en-US" dirty="0" smtClean="0"/>
+              <a:t>删除分支 </a:t>
+            </a:r>
+            <a:r>
+              <a:rPr lang="en-US" altLang="zh-CN" dirty="0" err="1"/>
+              <a:t>git</a:t>
+            </a:r>
+            <a:r>
+              <a:rPr lang="en-US" altLang="zh-CN" dirty="0"/>
+              <a:t> branch -d &lt;name&gt;</a:t>
+            </a:r>
+          </a:p>
+          <a:p>
+            <a:pPr marL="0" indent="0">
+              <a:buNone/>
+            </a:pPr>
+            <a:r>
+              <a:rPr lang="en-US" altLang="zh-CN" dirty="0"/>
+              <a:t/>
+            </a:r>
+            <a:br>
+              <a:rPr lang="en-US" altLang="zh-CN" dirty="0"/>
+            </a:br>
+            <a:endParaRPr kumimoji="1" lang="zh-CN" altLang="en-US" dirty="0"/>
+          </a:p>
+          <a:p>
+            <a:pPr marL="457200" lvl="1" indent="0">
+              <a:buNone/>
+            </a:pPr>
+            <a:endParaRPr lang="zh-CN" altLang="en-US" dirty="0" smtClean="0"/>
+          </a:p>
+        </p:txBody>
+      </p:sp>
+      <p:sp>
+        <p:nvSpPr>
+          <p:cNvPr id="4" name="标题 1"/>
+          <p:cNvSpPr txBox="1">
+            <a:spLocks/>
+          </p:cNvSpPr>
+          <p:nvPr/>
+        </p:nvSpPr>
+        <p:spPr>
+          <a:xfrm>
+            <a:off x="373626" y="309716"/>
+            <a:ext cx="7590503" cy="840658"/>
+          </a:xfrm>
+          <a:prstGeom prst="rect">
+            <a:avLst/>
+          </a:prstGeom>
+        </p:spPr>
+        <p:txBody>
+          <a:bodyPr vert="horz" lIns="91440" tIns="45720" rIns="91440" bIns="45720" rtlCol="0" anchor="ctr">
+            <a:normAutofit/>
+          </a:bodyPr>
+          <a:lstStyle>
+            <a:lvl1pPr algn="l" defTabSz="914400" rtl="0" eaLnBrk="1" latinLnBrk="0" hangingPunct="1">
+              <a:lnSpc>
+                <a:spcPct val="90000"/>
+              </a:lnSpc>
+              <a:spcBef>
+                <a:spcPct val="0"/>
+              </a:spcBef>
+              <a:buNone/>
+              <a:defRPr sz="4400" kern="1200">
+                <a:solidFill>
+                  <a:schemeClr val="tx1"/>
+                </a:solidFill>
+                <a:latin typeface="+mj-lt"/>
+                <a:ea typeface="+mj-ea"/>
+                <a:cs typeface="+mj-cs"/>
+              </a:defRPr>
+            </a:lvl1pPr>
+          </a:lstStyle>
+          <a:p>
+            <a:r>
+              <a:rPr kumimoji="1" lang="en-US" altLang="zh-CN" sz="5000" dirty="0" smtClean="0"/>
+              <a:t>GIT</a:t>
+            </a:r>
+            <a:r>
+              <a:rPr kumimoji="1" lang="zh-CN" altLang="en-US" sz="5000" dirty="0" smtClean="0"/>
+              <a:t>创建与合并分支</a:t>
+            </a:r>
+          </a:p>
+        </p:txBody>
+      </p:sp>
+    </p:spTree>
+    <p:extLst>
+      <p:ext uri="{BB962C8B-B14F-4D97-AF65-F5344CB8AC3E}">
+        <p14:creationId xmlns:p14="http://schemas.microsoft.com/office/powerpoint/2010/main" val="2086757693"/>
+      </p:ext>
+    </p:extLst>
+  </p:cSld>
+  <p:clrMapOvr>
+    <a:masterClrMapping/>
+  </p:clrMapOvr>
+  <p:timing>
+    <p:tnLst>
+      <p:par>
+        <p:cTn id="1" dur="indefinite" restart="never" nodeType="tmRoot">
+          <p:childTnLst>
+            <p:seq concurrent="1" nextAc="seek">
+              <p:cTn id="2" dur="indefinite" nodeType="mainSeq">
+                <p:childTnLst>
+                  <p:par>
+                    <p:cTn id="3" fill="hold">
+                      <p:stCondLst>
+                        <p:cond delay="indefinite"/>
+                      </p:stCondLst>
+                      <p:childTnLst>
+                        <p:par>
+                          <p:cTn id="4" fill="hold">
+                            <p:stCondLst>
+                              <p:cond delay="0"/>
+                            </p:stCondLst>
+                            <p:childTnLst>
+                              <p:par>
+                                <p:cTn id="5" presetID="3" presetClass="entr" presetSubtype="10" fill="hold" nodeType="clickEffect">
+                                  <p:stCondLst>
+                                    <p:cond delay="0"/>
+                                  </p:stCondLst>
+                                  <p:childTnLst>
+                                    <p:set>
+                                      <p:cBhvr>
+                                        <p:cTn id="6" dur="1" fill="hold">
+                                          <p:stCondLst>
+                                            <p:cond delay="0"/>
+                                          </p:stCondLst>
+                                        </p:cTn>
+                                        <p:tgtEl>
+                                          <p:spTgt spid="3">
+                                            <p:txEl>
+                                              <p:pRg st="0" end="0"/>
+                                            </p:txEl>
+                                          </p:spTgt>
+                                        </p:tgtEl>
+                                        <p:attrNameLst>
+                                          <p:attrName>style.visibility</p:attrName>
+                                        </p:attrNameLst>
+                                      </p:cBhvr>
+                                      <p:to>
+                                        <p:strVal val="visible"/>
+                                      </p:to>
+                                    </p:set>
+                                    <p:animEffect transition="in" filter="blinds(horizontal)">
+                                      <p:cBhvr>
+                                        <p:cTn id="7" dur="500"/>
+                                        <p:tgtEl>
+                                          <p:spTgt spid="3">
+                                            <p:txEl>
+                                              <p:pRg st="0" end="0"/>
+                                            </p:txEl>
+                                          </p:spTgt>
+                                        </p:tgtEl>
+                                      </p:cBhvr>
+                                    </p:animEffect>
+                                  </p:childTnLst>
+                                </p:cTn>
+                              </p:par>
+                            </p:childTnLst>
+                          </p:cTn>
+                        </p:par>
+                      </p:childTnLst>
+                    </p:cTn>
+                  </p:par>
+                  <p:par>
+                    <p:cTn id="8" fill="hold">
+                      <p:stCondLst>
+                        <p:cond delay="indefinite"/>
+                      </p:stCondLst>
+                      <p:childTnLst>
+                        <p:par>
+                          <p:cTn id="9" fill="hold">
+                            <p:stCondLst>
+                              <p:cond delay="0"/>
+                            </p:stCondLst>
+                            <p:childTnLst>
+                              <p:par>
+                                <p:cTn id="10" presetID="3" presetClass="entr" presetSubtype="10" fill="hold" nodeType="clickEffect">
+                                  <p:stCondLst>
+                                    <p:cond delay="0"/>
+                                  </p:stCondLst>
+                                  <p:childTnLst>
+                                    <p:set>
+                                      <p:cBhvr>
+                                        <p:cTn id="11" dur="1" fill="hold">
+                                          <p:stCondLst>
+                                            <p:cond delay="0"/>
+                                          </p:stCondLst>
+                                        </p:cTn>
+                                        <p:tgtEl>
+                                          <p:spTgt spid="3">
+                                            <p:txEl>
+                                              <p:pRg st="1" end="1"/>
+                                            </p:txEl>
+                                          </p:spTgt>
+                                        </p:tgtEl>
+                                        <p:attrNameLst>
+                                          <p:attrName>style.visibility</p:attrName>
+                                        </p:attrNameLst>
+                                      </p:cBhvr>
+                                      <p:to>
+                                        <p:strVal val="visible"/>
+                                      </p:to>
+                                    </p:set>
+                                    <p:animEffect transition="in" filter="blinds(horizontal)">
+                                      <p:cBhvr>
+                                        <p:cTn id="12" dur="500"/>
+                                        <p:tgtEl>
+                                          <p:spTgt spid="3">
+                                            <p:txEl>
+                                              <p:pRg st="1" end="1"/>
+                                            </p:txEl>
+                                          </p:spTgt>
+                                        </p:tgtEl>
+                                      </p:cBhvr>
+                                    </p:animEffect>
+                                  </p:childTnLst>
+                                </p:cTn>
+                              </p:par>
+                            </p:childTnLst>
+                          </p:cTn>
+                        </p:par>
+                      </p:childTnLst>
+                    </p:cTn>
+                  </p:par>
+                  <p:par>
+                    <p:cTn id="13" fill="hold">
+                      <p:stCondLst>
+                        <p:cond delay="indefinite"/>
+                      </p:stCondLst>
+                      <p:childTnLst>
+                        <p:par>
+                          <p:cTn id="14" fill="hold">
+                            <p:stCondLst>
+                              <p:cond delay="0"/>
+                            </p:stCondLst>
+                            <p:childTnLst>
+                              <p:par>
+                                <p:cTn id="15" presetID="3" presetClass="entr" presetSubtype="10" fill="hold" nodeType="clickEffect">
+                                  <p:stCondLst>
+                                    <p:cond delay="0"/>
+                                  </p:stCondLst>
+                                  <p:childTnLst>
+                                    <p:set>
+                                      <p:cBhvr>
+                                        <p:cTn id="16" dur="1" fill="hold">
+                                          <p:stCondLst>
+                                            <p:cond delay="0"/>
+                                          </p:stCondLst>
+                                        </p:cTn>
+                                        <p:tgtEl>
+                                          <p:spTgt spid="3">
+                                            <p:txEl>
+                                              <p:pRg st="2" end="2"/>
+                                            </p:txEl>
+                                          </p:spTgt>
+                                        </p:tgtEl>
+                                        <p:attrNameLst>
+                                          <p:attrName>style.visibility</p:attrName>
+                                        </p:attrNameLst>
+                                      </p:cBhvr>
+                                      <p:to>
+                                        <p:strVal val="visible"/>
+                                      </p:to>
+                                    </p:set>
+                                    <p:animEffect transition="in" filter="blinds(horizontal)">
+                                      <p:cBhvr>
+                                        <p:cTn id="17" dur="500"/>
+                                        <p:tgtEl>
+                                          <p:spTgt spid="3">
+                                            <p:txEl>
+                                              <p:pRg st="2" end="2"/>
+                                            </p:txEl>
+                                          </p:spTgt>
+                                        </p:tgtEl>
+                                      </p:cBhvr>
+                                    </p:animEffect>
+                                  </p:childTnLst>
+                                </p:cTn>
+                              </p:par>
+                            </p:childTnLst>
+                          </p:cTn>
+                        </p:par>
+                      </p:childTnLst>
+                    </p:cTn>
+                  </p:par>
+                  <p:par>
+                    <p:cTn id="18" fill="hold">
+                      <p:stCondLst>
+                        <p:cond delay="indefinite"/>
+                      </p:stCondLst>
+                      <p:childTnLst>
+                        <p:par>
+                          <p:cTn id="19" fill="hold">
+                            <p:stCondLst>
+                              <p:cond delay="0"/>
+                            </p:stCondLst>
+                            <p:childTnLst>
+                              <p:par>
+                                <p:cTn id="20" presetID="3" presetClass="entr" presetSubtype="10" fill="hold" nodeType="clickEffect">
+                                  <p:stCondLst>
+                                    <p:cond delay="0"/>
+                                  </p:stCondLst>
+                                  <p:childTnLst>
+                                    <p:set>
+                                      <p:cBhvr>
+                                        <p:cTn id="21" dur="1" fill="hold">
+                                          <p:stCondLst>
+                                            <p:cond delay="0"/>
+                                          </p:stCondLst>
+                                        </p:cTn>
+                                        <p:tgtEl>
+                                          <p:spTgt spid="3">
+                                            <p:txEl>
+                                              <p:pRg st="3" end="3"/>
+                                            </p:txEl>
+                                          </p:spTgt>
+                                        </p:tgtEl>
+                                        <p:attrNameLst>
+                                          <p:attrName>style.visibility</p:attrName>
+                                        </p:attrNameLst>
+                                      </p:cBhvr>
+                                      <p:to>
+                                        <p:strVal val="visible"/>
+                                      </p:to>
+                                    </p:set>
+                                    <p:animEffect transition="in" filter="blinds(horizontal)">
+                                      <p:cBhvr>
+                                        <p:cTn id="22" dur="500"/>
+                                        <p:tgtEl>
+                                          <p:spTgt spid="3">
+                                            <p:txEl>
+                                              <p:pRg st="3" end="3"/>
+                                            </p:txEl>
+                                          </p:spTgt>
+                                        </p:tgtEl>
+                                      </p:cBhvr>
+                                    </p:animEffect>
+                                  </p:childTnLst>
+                                </p:cTn>
+                              </p:par>
+                            </p:childTnLst>
+                          </p:cTn>
+                        </p:par>
+                      </p:childTnLst>
+                    </p:cTn>
+                  </p:par>
+                  <p:par>
+                    <p:cTn id="23" fill="hold">
+                      <p:stCondLst>
+                        <p:cond delay="indefinite"/>
+                      </p:stCondLst>
+                      <p:childTnLst>
+                        <p:par>
+                          <p:cTn id="24" fill="hold">
+                            <p:stCondLst>
+                              <p:cond delay="0"/>
+                            </p:stCondLst>
+                            <p:childTnLst>
+                              <p:par>
+                                <p:cTn id="25" presetID="3" presetClass="entr" presetSubtype="10" fill="hold" nodeType="clickEffect">
+                                  <p:stCondLst>
+                                    <p:cond delay="0"/>
+                                  </p:stCondLst>
+                                  <p:childTnLst>
+                                    <p:set>
+                                      <p:cBhvr>
+                                        <p:cTn id="26" dur="1" fill="hold">
+                                          <p:stCondLst>
+                                            <p:cond delay="0"/>
+                                          </p:stCondLst>
+                                        </p:cTn>
+                                        <p:tgtEl>
+                                          <p:spTgt spid="3">
+                                            <p:txEl>
+                                              <p:pRg st="4" end="4"/>
+                                            </p:txEl>
+                                          </p:spTgt>
+                                        </p:tgtEl>
+                                        <p:attrNameLst>
+                                          <p:attrName>style.visibility</p:attrName>
+                                        </p:attrNameLst>
+                                      </p:cBhvr>
+                                      <p:to>
+                                        <p:strVal val="visible"/>
+                                      </p:to>
+                                    </p:set>
+                                    <p:animEffect transition="in" filter="blinds(horizontal)">
+                                      <p:cBhvr>
+                                        <p:cTn id="27" dur="500"/>
+                                        <p:tgtEl>
+                                          <p:spTgt spid="3">
+                                            <p:txEl>
+                                              <p:pRg st="4" end="4"/>
+                                            </p:txEl>
+                                          </p:spTgt>
+                                        </p:tgtEl>
+                                      </p:cBhvr>
+                                    </p:animEffect>
+                                  </p:childTnLst>
+                                </p:cTn>
+                              </p:par>
+                            </p:childTnLst>
+                          </p:cTn>
+                        </p:par>
+                      </p:childTnLst>
+                    </p:cTn>
+                  </p:par>
+                  <p:par>
+                    <p:cTn id="28" fill="hold">
+                      <p:stCondLst>
+                        <p:cond delay="indefinite"/>
+                      </p:stCondLst>
+                      <p:childTnLst>
+                        <p:par>
+                          <p:cTn id="29" fill="hold">
+                            <p:stCondLst>
+                              <p:cond delay="0"/>
+                            </p:stCondLst>
+                            <p:childTnLst>
+                              <p:par>
+                                <p:cTn id="30" presetID="3" presetClass="entr" presetSubtype="10" fill="hold" nodeType="clickEffect">
+                                  <p:stCondLst>
+                                    <p:cond delay="0"/>
+                                  </p:stCondLst>
+                                  <p:childTnLst>
+                                    <p:set>
+                                      <p:cBhvr>
+                                        <p:cTn id="31" dur="1" fill="hold">
+                                          <p:stCondLst>
+                                            <p:cond delay="0"/>
+                                          </p:stCondLst>
+                                        </p:cTn>
+                                        <p:tgtEl>
+                                          <p:spTgt spid="3">
+                                            <p:txEl>
+                                              <p:pRg st="5" end="5"/>
+                                            </p:txEl>
+                                          </p:spTgt>
+                                        </p:tgtEl>
+                                        <p:attrNameLst>
+                                          <p:attrName>style.visibility</p:attrName>
+                                        </p:attrNameLst>
+                                      </p:cBhvr>
+                                      <p:to>
+                                        <p:strVal val="visible"/>
+                                      </p:to>
+                                    </p:set>
+                                    <p:animEffect transition="in" filter="blinds(horizontal)">
+                                      <p:cBhvr>
+                                        <p:cTn id="32" dur="500"/>
+                                        <p:tgtEl>
+                                          <p:spTgt spid="3">
+                                            <p:txEl>
+                                              <p:pRg st="5" end="5"/>
+                                            </p:txEl>
+                                          </p:spTgt>
+                                        </p:tgtEl>
+                                      </p:cBhvr>
+                                    </p:animEffect>
+                                  </p:childTnLst>
+                                </p:cTn>
+                              </p:par>
+                            </p:childTnLst>
+                          </p:cTn>
+                        </p:par>
+                      </p:childTnLst>
+                    </p:cTn>
+                  </p:par>
+                </p:childTnLst>
+              </p:cTn>
+              <p:prevCondLst>
+                <p:cond evt="onPrev" delay="0">
+                  <p:tgtEl>
+                    <p:sldTgt/>
+                  </p:tgtEl>
+                </p:cond>
+              </p:prevCondLst>
+              <p:nextCondLst>
+                <p:cond evt="onNext" delay="0">
+                  <p:tgtEl>
+                    <p:sldTgt/>
+                  </p:tgtEl>
+                </p:cond>
+              </p:nextCondLst>
+            </p:seq>
+          </p:childTnLst>
+        </p:cTn>
+      </p:par>
+    </p:tnLst>
+  </p:timing>
 </p:sld>
 </file>
 
@@ -6892,7 +8692,7 @@
           <p:nvPr/>
         </p:nvPicPr>
         <p:blipFill>
-          <a:blip r:embed="rId2"/>
+          <a:blip r:embed="rId3"/>
           <a:stretch>
             <a:fillRect/>
           </a:stretch>
@@ -8837,4 +10637,265 @@
     </a:ext>
   </a:extLst>
 </a:theme>
+</file>
+
+<file path=ppt/theme/theme2.xml><?xml version="1.0" encoding="utf-8"?>
+<a:theme xmlns:a="http://schemas.openxmlformats.org/drawingml/2006/main" name="Office 主题">
+  <a:themeElements>
+    <a:clrScheme name="Office">
+      <a:dk1>
+        <a:sysClr val="windowText" lastClr="000000"/>
+      </a:dk1>
+      <a:lt1>
+        <a:sysClr val="window" lastClr="FFFFFF"/>
+      </a:lt1>
+      <a:dk2>
+        <a:srgbClr val="44546A"/>
+      </a:dk2>
+      <a:lt2>
+        <a:srgbClr val="E7E6E6"/>
+      </a:lt2>
+      <a:accent1>
+        <a:srgbClr val="5B9BD5"/>
+      </a:accent1>
+      <a:accent2>
+        <a:srgbClr val="ED7D31"/>
+      </a:accent2>
+      <a:accent3>
+        <a:srgbClr val="A5A5A5"/>
+      </a:accent3>
+      <a:accent4>
+        <a:srgbClr val="FFC000"/>
+      </a:accent4>
+      <a:accent5>
+        <a:srgbClr val="4472C4"/>
+      </a:accent5>
+      <a:accent6>
+        <a:srgbClr val="70AD47"/>
+      </a:accent6>
+      <a:hlink>
+        <a:srgbClr val="0563C1"/>
+      </a:hlink>
+      <a:folHlink>
+        <a:srgbClr val="954F72"/>
+      </a:folHlink>
+    </a:clrScheme>
+    <a:fontScheme name="Office">
+      <a:majorFont>
+        <a:latin typeface="Calibri Light" panose="020F0302020204030204"/>
+        <a:ea typeface=""/>
+        <a:cs typeface=""/>
+        <a:font script="Jpan" typeface="ＭＳ Ｐゴシック"/>
+        <a:font script="Hang" typeface="맑은 고딕"/>
+        <a:font script="Hans" typeface="宋体"/>
+        <a:font script="Hant" typeface="新細明體"/>
+        <a:font script="Arab" typeface="Times New Roman"/>
+        <a:font script="Hebr" typeface="Times New Roman"/>
+        <a:font script="Thai" typeface="Angsana New"/>
+        <a:font script="Ethi" typeface="Nyala"/>
+        <a:font script="Beng" typeface="Vrinda"/>
+        <a:font script="Gujr" typeface="Shruti"/>
+        <a:font script="Khmr" typeface="MoolBoran"/>
+        <a:font script="Knda" typeface="Tunga"/>
+        <a:font script="Guru" typeface="Raavi"/>
+        <a:font script="Cans" typeface="Euphemia"/>
+        <a:font script="Cher" typeface="Plantagenet Cherokee"/>
+        <a:font script="Yiii" typeface="Microsoft Yi Baiti"/>
+        <a:font script="Tibt" typeface="Microsoft Himalaya"/>
+        <a:font script="Thaa" typeface="MV Boli"/>
+        <a:font script="Deva" typeface="Mangal"/>
+        <a:font script="Telu" typeface="Gautami"/>
+        <a:font script="Taml" typeface="Latha"/>
+        <a:font script="Syrc" typeface="Estrangelo Edessa"/>
+        <a:font script="Orya" typeface="Kalinga"/>
+        <a:font script="Mlym" typeface="Kartika"/>
+        <a:font script="Laoo" typeface="DokChampa"/>
+        <a:font script="Sinh" typeface="Iskoola Pota"/>
+        <a:font script="Mong" typeface="Mongolian Baiti"/>
+        <a:font script="Viet" typeface="Times New Roman"/>
+        <a:font script="Uigh" typeface="Microsoft Uighur"/>
+        <a:font script="Geor" typeface="Sylfaen"/>
+      </a:majorFont>
+      <a:minorFont>
+        <a:latin typeface="Calibri" panose="020F0502020204030204"/>
+        <a:ea typeface=""/>
+        <a:cs typeface=""/>
+        <a:font script="Jpan" typeface="ＭＳ Ｐゴシック"/>
+        <a:font script="Hang" typeface="맑은 고딕"/>
+        <a:font script="Hans" typeface="宋体"/>
+        <a:font script="Hant" typeface="新細明體"/>
+        <a:font script="Arab" typeface="Arial"/>
+        <a:font script="Hebr" typeface="Arial"/>
+        <a:font script="Thai" typeface="Cordia New"/>
+        <a:font script="Ethi" typeface="Nyala"/>
+        <a:font script="Beng" typeface="Vrinda"/>
+        <a:font script="Gujr" typeface="Shruti"/>
+        <a:font script="Khmr" typeface="DaunPenh"/>
+        <a:font script="Knda" typeface="Tunga"/>
+        <a:font script="Guru" typeface="Raavi"/>
+        <a:font script="Cans" typeface="Euphemia"/>
+        <a:font script="Cher" typeface="Plantagenet Cherokee"/>
+        <a:font script="Yiii" typeface="Microsoft Yi Baiti"/>
+        <a:font script="Tibt" typeface="Microsoft Himalaya"/>
+        <a:font script="Thaa" typeface="MV Boli"/>
+        <a:font script="Deva" typeface="Mangal"/>
+        <a:font script="Telu" typeface="Gautami"/>
+        <a:font script="Taml" typeface="Latha"/>
+        <a:font script="Syrc" typeface="Estrangelo Edessa"/>
+        <a:font script="Orya" typeface="Kalinga"/>
+        <a:font script="Mlym" typeface="Kartika"/>
+        <a:font script="Laoo" typeface="DokChampa"/>
+        <a:font script="Sinh" typeface="Iskoola Pota"/>
+        <a:font script="Mong" typeface="Mongolian Baiti"/>
+        <a:font script="Viet" typeface="Arial"/>
+        <a:font script="Uigh" typeface="Microsoft Uighur"/>
+        <a:font script="Geor" typeface="Sylfaen"/>
+      </a:minorFont>
+    </a:fontScheme>
+    <a:fmtScheme name="Office">
+      <a:fillStyleLst>
+        <a:solidFill>
+          <a:schemeClr val="phClr"/>
+        </a:solidFill>
+        <a:gradFill rotWithShape="1">
+          <a:gsLst>
+            <a:gs pos="0">
+              <a:schemeClr val="phClr">
+                <a:lumMod val="110000"/>
+                <a:satMod val="105000"/>
+                <a:tint val="67000"/>
+              </a:schemeClr>
+            </a:gs>
+            <a:gs pos="50000">
+              <a:schemeClr val="phClr">
+                <a:lumMod val="105000"/>
+                <a:satMod val="103000"/>
+                <a:tint val="73000"/>
+              </a:schemeClr>
+            </a:gs>
+            <a:gs pos="100000">
+              <a:schemeClr val="phClr">
+                <a:lumMod val="105000"/>
+                <a:satMod val="109000"/>
+                <a:tint val="81000"/>
+              </a:schemeClr>
+            </a:gs>
+          </a:gsLst>
+          <a:lin ang="5400000" scaled="0"/>
+        </a:gradFill>
+        <a:gradFill rotWithShape="1">
+          <a:gsLst>
+            <a:gs pos="0">
+              <a:schemeClr val="phClr">
+                <a:satMod val="103000"/>
+                <a:lumMod val="102000"/>
+                <a:tint val="94000"/>
+              </a:schemeClr>
+            </a:gs>
+            <a:gs pos="50000">
+              <a:schemeClr val="phClr">
+                <a:satMod val="110000"/>
+                <a:lumMod val="100000"/>
+                <a:shade val="100000"/>
+              </a:schemeClr>
+            </a:gs>
+            <a:gs pos="100000">
+              <a:schemeClr val="phClr">
+                <a:lumMod val="99000"/>
+                <a:satMod val="120000"/>
+                <a:shade val="78000"/>
+              </a:schemeClr>
+            </a:gs>
+          </a:gsLst>
+          <a:lin ang="5400000" scaled="0"/>
+        </a:gradFill>
+      </a:fillStyleLst>
+      <a:lnStyleLst>
+        <a:ln w="6350" cap="flat" cmpd="sng" algn="ctr">
+          <a:solidFill>
+            <a:schemeClr val="phClr"/>
+          </a:solidFill>
+          <a:prstDash val="solid"/>
+          <a:miter lim="800000"/>
+        </a:ln>
+        <a:ln w="12700" cap="flat" cmpd="sng" algn="ctr">
+          <a:solidFill>
+            <a:schemeClr val="phClr"/>
+          </a:solidFill>
+          <a:prstDash val="solid"/>
+          <a:miter lim="800000"/>
+        </a:ln>
+        <a:ln w="19050" cap="flat" cmpd="sng" algn="ctr">
+          <a:solidFill>
+            <a:schemeClr val="phClr"/>
+          </a:solidFill>
+          <a:prstDash val="solid"/>
+          <a:miter lim="800000"/>
+        </a:ln>
+      </a:lnStyleLst>
+      <a:effectStyleLst>
+        <a:effectStyle>
+          <a:effectLst/>
+        </a:effectStyle>
+        <a:effectStyle>
+          <a:effectLst/>
+        </a:effectStyle>
+        <a:effectStyle>
+          <a:effectLst>
+            <a:outerShdw blurRad="57150" dist="19050" dir="5400000" algn="ctr" rotWithShape="0">
+              <a:srgbClr val="000000">
+                <a:alpha val="63000"/>
+              </a:srgbClr>
+            </a:outerShdw>
+          </a:effectLst>
+        </a:effectStyle>
+      </a:effectStyleLst>
+      <a:bgFillStyleLst>
+        <a:solidFill>
+          <a:schemeClr val="phClr"/>
+        </a:solidFill>
+        <a:solidFill>
+          <a:schemeClr val="phClr">
+            <a:tint val="95000"/>
+            <a:satMod val="170000"/>
+          </a:schemeClr>
+        </a:solidFill>
+        <a:gradFill rotWithShape="1">
+          <a:gsLst>
+            <a:gs pos="0">
+              <a:schemeClr val="phClr">
+                <a:tint val="93000"/>
+                <a:satMod val="150000"/>
+                <a:shade val="98000"/>
+                <a:lumMod val="102000"/>
+              </a:schemeClr>
+            </a:gs>
+            <a:gs pos="50000">
+              <a:schemeClr val="phClr">
+                <a:tint val="98000"/>
+                <a:satMod val="130000"/>
+                <a:shade val="90000"/>
+                <a:lumMod val="103000"/>
+              </a:schemeClr>
+            </a:gs>
+            <a:gs pos="100000">
+              <a:schemeClr val="phClr">
+                <a:shade val="63000"/>
+                <a:satMod val="120000"/>
+              </a:schemeClr>
+            </a:gs>
+          </a:gsLst>
+          <a:lin ang="5400000" scaled="0"/>
+        </a:gradFill>
+      </a:bgFillStyleLst>
+    </a:fmtScheme>
+  </a:themeElements>
+  <a:objectDefaults/>
+  <a:extraClrSchemeLst/>
+  <a:extLst>
+    <a:ext uri="{05A4C25C-085E-4340-85A3-A5531E510DB2}">
+      <thm15:themeFamily xmlns:thm15="http://schemas.microsoft.com/office/thememl/2012/main" name="Office Theme" id="{62F939B6-93AF-4DB8-9C6B-D6C7DFDC589F}" vid="{4A3C46E8-61CC-4603-A589-7422A47A8E4A}"/>
+    </a:ext>
+  </a:extLst>
+</a:theme>
 </file>
--- a/doc/ppt/helin.pptx
+++ b/doc/ppt/helin.pptx
@@ -5,7 +5,7 @@
     <p:sldMasterId id="2147483648" r:id="rId1"/>
   </p:sldMasterIdLst>
   <p:notesMasterIdLst>
-    <p:notesMasterId r:id="rId26"/>
+    <p:notesMasterId r:id="rId32"/>
   </p:notesMasterIdLst>
   <p:sldIdLst>
     <p:sldId id="256" r:id="rId2"/>
@@ -31,7 +31,13 @@
     <p:sldId id="276" r:id="rId22"/>
     <p:sldId id="277" r:id="rId23"/>
     <p:sldId id="278" r:id="rId24"/>
-    <p:sldId id="279" r:id="rId25"/>
+    <p:sldId id="280" r:id="rId25"/>
+    <p:sldId id="281" r:id="rId26"/>
+    <p:sldId id="282" r:id="rId27"/>
+    <p:sldId id="283" r:id="rId28"/>
+    <p:sldId id="284" r:id="rId29"/>
+    <p:sldId id="285" r:id="rId30"/>
+    <p:sldId id="279" r:id="rId31"/>
   </p:sldIdLst>
   <p:sldSz cx="12192000" cy="6858000"/>
   <p:notesSz cx="6858000" cy="9144000"/>
@@ -220,7 +226,7 @@
           <a:p>
             <a:fld id="{CADC64B8-1EE7-794C-9A0F-7C0710D7B0BE}" type="datetimeFigureOut">
               <a:rPr kumimoji="1" lang="zh-CN" altLang="en-US" smtClean="0"/>
-              <a:t>16/3/13</a:t>
+              <a:t>16/3/14</a:t>
             </a:fld>
             <a:endParaRPr kumimoji="1" lang="zh-CN" altLang="en-US"/>
           </a:p>
@@ -703,7 +709,7 @@
           <a:p>
             <a:fld id="{C3477EB2-7A69-EC47-8E26-FE8360A1C8A6}" type="datetimeFigureOut">
               <a:rPr kumimoji="1" lang="zh-CN" altLang="en-US" smtClean="0"/>
-              <a:t>16/3/13</a:t>
+              <a:t>16/3/14</a:t>
             </a:fld>
             <a:endParaRPr kumimoji="1" lang="zh-CN" altLang="en-US"/>
           </a:p>
@@ -873,7 +879,7 @@
           <a:p>
             <a:fld id="{C3477EB2-7A69-EC47-8E26-FE8360A1C8A6}" type="datetimeFigureOut">
               <a:rPr kumimoji="1" lang="zh-CN" altLang="en-US" smtClean="0"/>
-              <a:t>16/3/13</a:t>
+              <a:t>16/3/14</a:t>
             </a:fld>
             <a:endParaRPr kumimoji="1" lang="zh-CN" altLang="en-US"/>
           </a:p>
@@ -1053,7 +1059,7 @@
           <a:p>
             <a:fld id="{C3477EB2-7A69-EC47-8E26-FE8360A1C8A6}" type="datetimeFigureOut">
               <a:rPr kumimoji="1" lang="zh-CN" altLang="en-US" smtClean="0"/>
-              <a:t>16/3/13</a:t>
+              <a:t>16/3/14</a:t>
             </a:fld>
             <a:endParaRPr kumimoji="1" lang="zh-CN" altLang="en-US"/>
           </a:p>
@@ -1223,7 +1229,7 @@
           <a:p>
             <a:fld id="{C3477EB2-7A69-EC47-8E26-FE8360A1C8A6}" type="datetimeFigureOut">
               <a:rPr kumimoji="1" lang="zh-CN" altLang="en-US" smtClean="0"/>
-              <a:t>16/3/13</a:t>
+              <a:t>16/3/14</a:t>
             </a:fld>
             <a:endParaRPr kumimoji="1" lang="zh-CN" altLang="en-US"/>
           </a:p>
@@ -1469,7 +1475,7 @@
           <a:p>
             <a:fld id="{C3477EB2-7A69-EC47-8E26-FE8360A1C8A6}" type="datetimeFigureOut">
               <a:rPr kumimoji="1" lang="zh-CN" altLang="en-US" smtClean="0"/>
-              <a:t>16/3/13</a:t>
+              <a:t>16/3/14</a:t>
             </a:fld>
             <a:endParaRPr kumimoji="1" lang="zh-CN" altLang="en-US"/>
           </a:p>
@@ -1701,7 +1707,7 @@
           <a:p>
             <a:fld id="{C3477EB2-7A69-EC47-8E26-FE8360A1C8A6}" type="datetimeFigureOut">
               <a:rPr kumimoji="1" lang="zh-CN" altLang="en-US" smtClean="0"/>
-              <a:t>16/3/13</a:t>
+              <a:t>16/3/14</a:t>
             </a:fld>
             <a:endParaRPr kumimoji="1" lang="zh-CN" altLang="en-US"/>
           </a:p>
@@ -2068,7 +2074,7 @@
           <a:p>
             <a:fld id="{C3477EB2-7A69-EC47-8E26-FE8360A1C8A6}" type="datetimeFigureOut">
               <a:rPr kumimoji="1" lang="zh-CN" altLang="en-US" smtClean="0"/>
-              <a:t>16/3/13</a:t>
+              <a:t>16/3/14</a:t>
             </a:fld>
             <a:endParaRPr kumimoji="1" lang="zh-CN" altLang="en-US"/>
           </a:p>
@@ -2186,7 +2192,7 @@
           <a:p>
             <a:fld id="{C3477EB2-7A69-EC47-8E26-FE8360A1C8A6}" type="datetimeFigureOut">
               <a:rPr kumimoji="1" lang="zh-CN" altLang="en-US" smtClean="0"/>
-              <a:t>16/3/13</a:t>
+              <a:t>16/3/14</a:t>
             </a:fld>
             <a:endParaRPr kumimoji="1" lang="zh-CN" altLang="en-US"/>
           </a:p>
@@ -2281,7 +2287,7 @@
           <a:p>
             <a:fld id="{C3477EB2-7A69-EC47-8E26-FE8360A1C8A6}" type="datetimeFigureOut">
               <a:rPr kumimoji="1" lang="zh-CN" altLang="en-US" smtClean="0"/>
-              <a:t>16/3/13</a:t>
+              <a:t>16/3/14</a:t>
             </a:fld>
             <a:endParaRPr kumimoji="1" lang="zh-CN" altLang="en-US"/>
           </a:p>
@@ -2558,7 +2564,7 @@
           <a:p>
             <a:fld id="{C3477EB2-7A69-EC47-8E26-FE8360A1C8A6}" type="datetimeFigureOut">
               <a:rPr kumimoji="1" lang="zh-CN" altLang="en-US" smtClean="0"/>
-              <a:t>16/3/13</a:t>
+              <a:t>16/3/14</a:t>
             </a:fld>
             <a:endParaRPr kumimoji="1" lang="zh-CN" altLang="en-US"/>
           </a:p>
@@ -2811,7 +2817,7 @@
           <a:p>
             <a:fld id="{C3477EB2-7A69-EC47-8E26-FE8360A1C8A6}" type="datetimeFigureOut">
               <a:rPr kumimoji="1" lang="zh-CN" altLang="en-US" smtClean="0"/>
-              <a:t>16/3/13</a:t>
+              <a:t>16/3/14</a:t>
             </a:fld>
             <a:endParaRPr kumimoji="1" lang="zh-CN" altLang="en-US"/>
           </a:p>
@@ -3024,7 +3030,7 @@
           <a:p>
             <a:fld id="{C3477EB2-7A69-EC47-8E26-FE8360A1C8A6}" type="datetimeFigureOut">
               <a:rPr kumimoji="1" lang="zh-CN" altLang="en-US" smtClean="0"/>
-              <a:t>16/3/13</a:t>
+              <a:t>16/3/14</a:t>
             </a:fld>
             <a:endParaRPr kumimoji="1" lang="zh-CN" altLang="en-US"/>
           </a:p>
@@ -3475,7 +3481,7 @@
           <a:p>
             <a:fld id="{D8309854-A92A-1749-9722-C3A7F69F0164}" type="datetime3">
               <a:rPr kumimoji="1" lang="en-US" altLang="zh-CN"/>
-              <a:t>13 March 2016</a:t>
+              <a:t>14 March 2016</a:t>
             </a:fld>
             <a:endParaRPr kumimoji="1" lang="zh-CN" altLang="en-US" dirty="0"/>
           </a:p>
@@ -7263,6 +7269,30 @@
           </a:p>
         </p:txBody>
       </p:sp>
+      <p:pic>
+        <p:nvPicPr>
+          <p:cNvPr id="2" name="图片 1"/>
+          <p:cNvPicPr>
+            <a:picLocks noChangeAspect="1"/>
+          </p:cNvPicPr>
+          <p:nvPr/>
+        </p:nvPicPr>
+        <p:blipFill>
+          <a:blip r:embed="rId2"/>
+          <a:stretch>
+            <a:fillRect/>
+          </a:stretch>
+        </p:blipFill>
+        <p:spPr>
+          <a:xfrm>
+            <a:off x="4432716" y="3188432"/>
+            <a:ext cx="6591300" cy="2286000"/>
+          </a:xfrm>
+          <a:prstGeom prst="rect">
+            <a:avLst/>
+          </a:prstGeom>
+        </p:spPr>
+      </p:pic>
     </p:spTree>
     <p:extLst>
       <p:ext uri="{BB962C8B-B14F-4D97-AF65-F5344CB8AC3E}">
@@ -7742,6 +7772,97 @@
                       </p:childTnLst>
                     </p:cTn>
                   </p:par>
+                  <p:par>
+                    <p:cTn id="27" fill="hold">
+                      <p:stCondLst>
+                        <p:cond delay="indefinite"/>
+                      </p:stCondLst>
+                      <p:childTnLst>
+                        <p:par>
+                          <p:cTn id="28" fill="hold">
+                            <p:stCondLst>
+                              <p:cond delay="0"/>
+                            </p:stCondLst>
+                            <p:childTnLst>
+                              <p:par>
+                                <p:cTn id="29" presetID="2" presetClass="entr" presetSubtype="4" fill="hold" nodeType="clickEffect">
+                                  <p:stCondLst>
+                                    <p:cond delay="0"/>
+                                  </p:stCondLst>
+                                  <p:childTnLst>
+                                    <p:set>
+                                      <p:cBhvr>
+                                        <p:cTn id="30" dur="1" fill="hold">
+                                          <p:stCondLst>
+                                            <p:cond delay="0"/>
+                                          </p:stCondLst>
+                                        </p:cTn>
+                                        <p:tgtEl>
+                                          <p:spTgt spid="2"/>
+                                        </p:tgtEl>
+                                        <p:attrNameLst>
+                                          <p:attrName>style.visibility</p:attrName>
+                                        </p:attrNameLst>
+                                      </p:cBhvr>
+                                      <p:to>
+                                        <p:strVal val="visible"/>
+                                      </p:to>
+                                    </p:set>
+                                    <p:anim calcmode="lin" valueType="num">
+                                      <p:cBhvr additive="base">
+                                        <p:cTn id="31" dur="500" fill="hold"/>
+                                        <p:tgtEl>
+                                          <p:spTgt spid="2"/>
+                                        </p:tgtEl>
+                                        <p:attrNameLst>
+                                          <p:attrName>ppt_x</p:attrName>
+                                        </p:attrNameLst>
+                                      </p:cBhvr>
+                                      <p:tavLst>
+                                        <p:tav tm="0">
+                                          <p:val>
+                                            <p:strVal val="#ppt_x"/>
+                                          </p:val>
+                                        </p:tav>
+                                        <p:tav tm="100000">
+                                          <p:val>
+                                            <p:strVal val="#ppt_x"/>
+                                          </p:val>
+                                        </p:tav>
+                                      </p:tavLst>
+                                    </p:anim>
+                                    <p:anim calcmode="lin" valueType="num">
+                                      <p:cBhvr additive="base">
+                                        <p:cTn id="32" dur="500" fill="hold"/>
+                                        <p:tgtEl>
+                                          <p:spTgt spid="2"/>
+                                        </p:tgtEl>
+                                        <p:attrNameLst>
+                                          <p:attrName>ppt_y</p:attrName>
+                                        </p:attrNameLst>
+                                      </p:cBhvr>
+                                      <p:tavLst>
+                                        <p:tav tm="0">
+                                          <p:val>
+                                            <p:strVal val="1+#ppt_h/2"/>
+                                          </p:val>
+                                        </p:tav>
+                                        <p:tav tm="100000">
+                                          <p:val>
+                                            <p:strVal val="#ppt_y"/>
+                                          </p:val>
+                                        </p:tav>
+                                      </p:tavLst>
+                                    </p:anim>
+                                  </p:childTnLst>
+                                </p:cTn>
+                              </p:par>
+                            </p:childTnLst>
+                          </p:cTn>
+                        </p:par>
+                      </p:childTnLst>
+                    </p:cTn>
+                  </p:par>
                 </p:childTnLst>
               </p:cTn>
               <p:prevCondLst>
@@ -7794,6 +7915,3086 @@
             <p:ph idx="1"/>
           </p:nvPr>
         </p:nvSpPr>
+        <p:spPr/>
+        <p:txBody>
+          <a:bodyPr>
+            <a:normAutofit lnSpcReduction="10000"/>
+          </a:bodyPr>
+          <a:lstStyle/>
+          <a:p>
+            <a:r>
+              <a:rPr lang="zh-CN" altLang="en-US" dirty="0" smtClean="0"/>
+              <a:t>在</a:t>
+            </a:r>
+            <a:r>
+              <a:rPr lang="zh-CN" altLang="en-US" dirty="0" smtClean="0"/>
+              <a:t>版本回退</a:t>
+            </a:r>
+            <a:r>
+              <a:rPr lang="zh-CN" altLang="en-US" dirty="0" smtClean="0"/>
+              <a:t>里，</a:t>
+            </a:r>
+            <a:r>
+              <a:rPr lang="zh-CN" altLang="en-US" dirty="0" smtClean="0"/>
+              <a:t>我们</a:t>
+            </a:r>
+            <a:r>
+              <a:rPr lang="zh-CN" altLang="en-US" dirty="0" smtClean="0"/>
+              <a:t>已经</a:t>
+            </a:r>
+            <a:r>
+              <a:rPr lang="zh-CN" altLang="en-US" dirty="0"/>
+              <a:t>知道，每次提交，</a:t>
+            </a:r>
+            <a:r>
+              <a:rPr lang="en-US" altLang="zh-CN" dirty="0" err="1"/>
+              <a:t>Git</a:t>
+            </a:r>
+            <a:r>
+              <a:rPr lang="zh-CN" altLang="en-US" dirty="0"/>
+              <a:t>都把它们串成一条时间线，这条时间线就是一个分支。截止到目前，只有一条时间线，在</a:t>
+            </a:r>
+            <a:r>
+              <a:rPr lang="en-US" altLang="zh-CN" dirty="0" err="1"/>
+              <a:t>Git</a:t>
+            </a:r>
+            <a:r>
+              <a:rPr lang="zh-CN" altLang="en-US" dirty="0"/>
+              <a:t>里，这个分支叫主分支，即</a:t>
+            </a:r>
+            <a:r>
+              <a:rPr lang="en-US" altLang="zh-CN" dirty="0"/>
+              <a:t>master</a:t>
+            </a:r>
+            <a:r>
+              <a:rPr lang="zh-CN" altLang="en-US" dirty="0"/>
+              <a:t>分支。</a:t>
+            </a:r>
+            <a:r>
+              <a:rPr lang="en-US" altLang="zh-CN" dirty="0"/>
+              <a:t>HEAD</a:t>
+            </a:r>
+            <a:r>
+              <a:rPr lang="zh-CN" altLang="en-US" dirty="0"/>
+              <a:t>严格来说不是指向提交，而是指向</a:t>
+            </a:r>
+            <a:r>
+              <a:rPr lang="en-US" altLang="zh-CN" dirty="0"/>
+              <a:t>master</a:t>
+            </a:r>
+            <a:r>
+              <a:rPr lang="zh-CN" altLang="en-US" dirty="0"/>
+              <a:t>，</a:t>
+            </a:r>
+            <a:r>
+              <a:rPr lang="en-US" altLang="zh-CN" dirty="0"/>
+              <a:t>master</a:t>
+            </a:r>
+            <a:r>
+              <a:rPr lang="zh-CN" altLang="en-US" dirty="0"/>
+              <a:t>才是指向提交的，所以，</a:t>
+            </a:r>
+            <a:r>
+              <a:rPr lang="en-US" altLang="zh-CN" dirty="0"/>
+              <a:t>HEAD</a:t>
+            </a:r>
+            <a:r>
+              <a:rPr lang="zh-CN" altLang="en-US" dirty="0"/>
+              <a:t>指向的就是当前分支。</a:t>
+            </a:r>
+          </a:p>
+          <a:p>
+            <a:r>
+              <a:rPr lang="zh-CN" altLang="en-US" dirty="0"/>
+              <a:t>一开始的时候，</a:t>
+            </a:r>
+            <a:r>
+              <a:rPr lang="en-US" altLang="zh-CN" dirty="0"/>
+              <a:t>master</a:t>
+            </a:r>
+            <a:r>
+              <a:rPr lang="zh-CN" altLang="en-US" dirty="0"/>
+              <a:t>分支是一条线，</a:t>
+            </a:r>
+            <a:r>
+              <a:rPr lang="en-US" altLang="zh-CN" dirty="0" err="1"/>
+              <a:t>Git</a:t>
+            </a:r>
+            <a:r>
+              <a:rPr lang="zh-CN" altLang="en-US" dirty="0"/>
+              <a:t>用</a:t>
+            </a:r>
+            <a:r>
+              <a:rPr lang="en-US" altLang="zh-CN" dirty="0"/>
+              <a:t>master</a:t>
+            </a:r>
+            <a:r>
+              <a:rPr lang="zh-CN" altLang="en-US" dirty="0"/>
+              <a:t>指向最新的提交，再用</a:t>
+            </a:r>
+            <a:r>
+              <a:rPr lang="en-US" altLang="zh-CN" dirty="0"/>
+              <a:t>HEAD</a:t>
+            </a:r>
+            <a:r>
+              <a:rPr lang="zh-CN" altLang="en-US" dirty="0"/>
+              <a:t>指向</a:t>
+            </a:r>
+            <a:r>
+              <a:rPr lang="en-US" altLang="zh-CN" dirty="0"/>
+              <a:t>master</a:t>
+            </a:r>
+            <a:r>
+              <a:rPr lang="zh-CN" altLang="en-US" dirty="0"/>
+              <a:t>，就能确定当前分支，以及当前分支的</a:t>
+            </a:r>
+            <a:r>
+              <a:rPr lang="zh-CN" altLang="en-US" dirty="0" smtClean="0"/>
+              <a:t>提交点：</a:t>
+            </a:r>
+            <a:r>
+              <a:rPr lang="zh-CN" altLang="en-US" dirty="0"/>
+              <a:t>每次提交，</a:t>
+            </a:r>
+            <a:r>
+              <a:rPr lang="en-US" altLang="zh-CN" dirty="0"/>
+              <a:t>master</a:t>
+            </a:r>
+            <a:r>
+              <a:rPr lang="zh-CN" altLang="en-US" dirty="0"/>
+              <a:t>分支都会向前移动一步，这样，</a:t>
+            </a:r>
+            <a:r>
+              <a:rPr lang="zh-CN" altLang="en-US" dirty="0" smtClean="0"/>
+              <a:t>随着</a:t>
+            </a:r>
+            <a:r>
+              <a:rPr lang="zh-CN" altLang="en-US" dirty="0" smtClean="0"/>
+              <a:t>我们</a:t>
+            </a:r>
+            <a:r>
+              <a:rPr lang="zh-CN" altLang="en-US" dirty="0" smtClean="0"/>
+              <a:t>不断</a:t>
+            </a:r>
+            <a:r>
+              <a:rPr lang="zh-CN" altLang="en-US" dirty="0"/>
+              <a:t>提交，</a:t>
+            </a:r>
+            <a:r>
+              <a:rPr lang="en-US" altLang="zh-CN" dirty="0"/>
+              <a:t>master</a:t>
+            </a:r>
+            <a:r>
+              <a:rPr lang="zh-CN" altLang="en-US" dirty="0"/>
+              <a:t>分支的线也越来越长</a:t>
+            </a:r>
+            <a:endParaRPr lang="zh-CN" altLang="en-US" dirty="0" smtClean="0"/>
+          </a:p>
+          <a:p>
+            <a:pPr marL="0" indent="0">
+              <a:buNone/>
+            </a:pPr>
+            <a:r>
+              <a:rPr lang="zh-CN" altLang="en-US" dirty="0"/>
+              <a:t/>
+            </a:r>
+            <a:br>
+              <a:rPr lang="zh-CN" altLang="en-US" dirty="0"/>
+            </a:br>
+            <a:endParaRPr kumimoji="1" lang="zh-CN" altLang="en-US" dirty="0"/>
+          </a:p>
+        </p:txBody>
+      </p:sp>
+      <p:pic>
+        <p:nvPicPr>
+          <p:cNvPr id="4" name="图片 3"/>
+          <p:cNvPicPr>
+            <a:picLocks noChangeAspect="1"/>
+          </p:cNvPicPr>
+          <p:nvPr/>
+        </p:nvPicPr>
+        <p:blipFill>
+          <a:blip r:embed="rId2"/>
+          <a:stretch>
+            <a:fillRect/>
+          </a:stretch>
+        </p:blipFill>
+        <p:spPr>
+          <a:xfrm>
+            <a:off x="4735444" y="2301737"/>
+            <a:ext cx="4470400" cy="2095500"/>
+          </a:xfrm>
+          <a:prstGeom prst="rect">
+            <a:avLst/>
+          </a:prstGeom>
+        </p:spPr>
+      </p:pic>
+      <p:sp>
+        <p:nvSpPr>
+          <p:cNvPr id="5" name="标题 1"/>
+          <p:cNvSpPr txBox="1">
+            <a:spLocks/>
+          </p:cNvSpPr>
+          <p:nvPr/>
+        </p:nvSpPr>
+        <p:spPr>
+          <a:xfrm>
+            <a:off x="373626" y="309716"/>
+            <a:ext cx="7590503" cy="840658"/>
+          </a:xfrm>
+          <a:prstGeom prst="rect">
+            <a:avLst/>
+          </a:prstGeom>
+        </p:spPr>
+        <p:txBody>
+          <a:bodyPr vert="horz" lIns="91440" tIns="45720" rIns="91440" bIns="45720" rtlCol="0" anchor="ctr">
+            <a:normAutofit/>
+          </a:bodyPr>
+          <a:lstStyle>
+            <a:lvl1pPr algn="l" defTabSz="914400" rtl="0" eaLnBrk="1" latinLnBrk="0" hangingPunct="1">
+              <a:lnSpc>
+                <a:spcPct val="90000"/>
+              </a:lnSpc>
+              <a:spcBef>
+                <a:spcPct val="0"/>
+              </a:spcBef>
+              <a:buNone/>
+              <a:defRPr sz="4400" kern="1200">
+                <a:solidFill>
+                  <a:schemeClr val="tx1"/>
+                </a:solidFill>
+                <a:latin typeface="+mj-lt"/>
+                <a:ea typeface="+mj-ea"/>
+                <a:cs typeface="+mj-cs"/>
+              </a:defRPr>
+            </a:lvl1pPr>
+          </a:lstStyle>
+          <a:p>
+            <a:r>
+              <a:rPr kumimoji="1" lang="en-US" altLang="zh-CN" sz="5000" dirty="0" smtClean="0"/>
+              <a:t>GIT</a:t>
+            </a:r>
+            <a:r>
+              <a:rPr kumimoji="1" lang="zh-CN" altLang="en-US" sz="5000" dirty="0" smtClean="0"/>
+              <a:t>创建与合并分支</a:t>
+            </a:r>
+          </a:p>
+        </p:txBody>
+      </p:sp>
+    </p:spTree>
+    <p:extLst>
+      <p:ext uri="{BB962C8B-B14F-4D97-AF65-F5344CB8AC3E}">
+        <p14:creationId xmlns:p14="http://schemas.microsoft.com/office/powerpoint/2010/main" val="675636918"/>
+      </p:ext>
+    </p:extLst>
+  </p:cSld>
+  <p:clrMapOvr>
+    <a:masterClrMapping/>
+  </p:clrMapOvr>
+  <p:timing>
+    <p:tnLst>
+      <p:par>
+        <p:cTn id="1" dur="indefinite" restart="never" nodeType="tmRoot">
+          <p:childTnLst>
+            <p:seq concurrent="1" nextAc="seek">
+              <p:cTn id="2" dur="indefinite" nodeType="mainSeq">
+                <p:childTnLst>
+                  <p:par>
+                    <p:cTn id="3" fill="hold">
+                      <p:stCondLst>
+                        <p:cond delay="indefinite"/>
+                      </p:stCondLst>
+                      <p:childTnLst>
+                        <p:par>
+                          <p:cTn id="4" fill="hold">
+                            <p:stCondLst>
+                              <p:cond delay="0"/>
+                            </p:stCondLst>
+                            <p:childTnLst>
+                              <p:par>
+                                <p:cTn id="5" presetID="1" presetClass="entr" presetSubtype="0" fill="hold" grpId="0" nodeType="clickEffect">
+                                  <p:stCondLst>
+                                    <p:cond delay="0"/>
+                                  </p:stCondLst>
+                                  <p:childTnLst>
+                                    <p:set>
+                                      <p:cBhvr>
+                                        <p:cTn id="6" dur="1" fill="hold">
+                                          <p:stCondLst>
+                                            <p:cond delay="0"/>
+                                          </p:stCondLst>
+                                        </p:cTn>
+                                        <p:tgtEl>
+                                          <p:spTgt spid="3">
+                                            <p:txEl>
+                                              <p:pRg st="0" end="0"/>
+                                            </p:txEl>
+                                          </p:spTgt>
+                                        </p:tgtEl>
+                                        <p:attrNameLst>
+                                          <p:attrName>style.visibility</p:attrName>
+                                        </p:attrNameLst>
+                                      </p:cBhvr>
+                                      <p:to>
+                                        <p:strVal val="visible"/>
+                                      </p:to>
+                                    </p:set>
+                                  </p:childTnLst>
+                                </p:cTn>
+                              </p:par>
+                            </p:childTnLst>
+                          </p:cTn>
+                        </p:par>
+                      </p:childTnLst>
+                    </p:cTn>
+                  </p:par>
+                  <p:par>
+                    <p:cTn id="7" fill="hold">
+                      <p:stCondLst>
+                        <p:cond delay="indefinite"/>
+                      </p:stCondLst>
+                      <p:childTnLst>
+                        <p:par>
+                          <p:cTn id="8" fill="hold">
+                            <p:stCondLst>
+                              <p:cond delay="0"/>
+                            </p:stCondLst>
+                            <p:childTnLst>
+                              <p:par>
+                                <p:cTn id="9" presetID="1" presetClass="entr" presetSubtype="0" fill="hold" grpId="0" nodeType="clickEffect">
+                                  <p:stCondLst>
+                                    <p:cond delay="0"/>
+                                  </p:stCondLst>
+                                  <p:childTnLst>
+                                    <p:set>
+                                      <p:cBhvr>
+                                        <p:cTn id="10" dur="1" fill="hold">
+                                          <p:stCondLst>
+                                            <p:cond delay="0"/>
+                                          </p:stCondLst>
+                                        </p:cTn>
+                                        <p:tgtEl>
+                                          <p:spTgt spid="3">
+                                            <p:txEl>
+                                              <p:pRg st="1" end="1"/>
+                                            </p:txEl>
+                                          </p:spTgt>
+                                        </p:tgtEl>
+                                        <p:attrNameLst>
+                                          <p:attrName>style.visibility</p:attrName>
+                                        </p:attrNameLst>
+                                      </p:cBhvr>
+                                      <p:to>
+                                        <p:strVal val="visible"/>
+                                      </p:to>
+                                    </p:set>
+                                  </p:childTnLst>
+                                </p:cTn>
+                              </p:par>
+                            </p:childTnLst>
+                          </p:cTn>
+                        </p:par>
+                      </p:childTnLst>
+                    </p:cTn>
+                  </p:par>
+                  <p:par>
+                    <p:cTn id="11" fill="hold">
+                      <p:stCondLst>
+                        <p:cond delay="indefinite"/>
+                      </p:stCondLst>
+                      <p:childTnLst>
+                        <p:par>
+                          <p:cTn id="12" fill="hold">
+                            <p:stCondLst>
+                              <p:cond delay="0"/>
+                            </p:stCondLst>
+                            <p:childTnLst>
+                              <p:par>
+                                <p:cTn id="13" presetID="1" presetClass="entr" presetSubtype="0" fill="hold" grpId="0" nodeType="clickEffect">
+                                  <p:stCondLst>
+                                    <p:cond delay="0"/>
+                                  </p:stCondLst>
+                                  <p:childTnLst>
+                                    <p:set>
+                                      <p:cBhvr>
+                                        <p:cTn id="14" dur="1" fill="hold">
+                                          <p:stCondLst>
+                                            <p:cond delay="0"/>
+                                          </p:stCondLst>
+                                        </p:cTn>
+                                        <p:tgtEl>
+                                          <p:spTgt spid="3">
+                                            <p:txEl>
+                                              <p:pRg st="2" end="2"/>
+                                            </p:txEl>
+                                          </p:spTgt>
+                                        </p:tgtEl>
+                                        <p:attrNameLst>
+                                          <p:attrName>style.visibility</p:attrName>
+                                        </p:attrNameLst>
+                                      </p:cBhvr>
+                                      <p:to>
+                                        <p:strVal val="visible"/>
+                                      </p:to>
+                                    </p:set>
+                                  </p:childTnLst>
+                                </p:cTn>
+                              </p:par>
+                            </p:childTnLst>
+                          </p:cTn>
+                        </p:par>
+                      </p:childTnLst>
+                    </p:cTn>
+                  </p:par>
+                  <p:par>
+                    <p:cTn id="15" fill="hold">
+                      <p:stCondLst>
+                        <p:cond delay="indefinite"/>
+                      </p:stCondLst>
+                      <p:childTnLst>
+                        <p:par>
+                          <p:cTn id="16" fill="hold">
+                            <p:stCondLst>
+                              <p:cond delay="0"/>
+                            </p:stCondLst>
+                            <p:childTnLst>
+                              <p:par>
+                                <p:cTn id="17" presetID="1" presetClass="entr" presetSubtype="0" fill="hold" nodeType="clickEffect">
+                                  <p:stCondLst>
+                                    <p:cond delay="0"/>
+                                  </p:stCondLst>
+                                  <p:childTnLst>
+                                    <p:set>
+                                      <p:cBhvr>
+                                        <p:cTn id="18" dur="1" fill="hold">
+                                          <p:stCondLst>
+                                            <p:cond delay="0"/>
+                                          </p:stCondLst>
+                                        </p:cTn>
+                                        <p:tgtEl>
+                                          <p:spTgt spid="4"/>
+                                        </p:tgtEl>
+                                        <p:attrNameLst>
+                                          <p:attrName>style.visibility</p:attrName>
+                                        </p:attrNameLst>
+                                      </p:cBhvr>
+                                      <p:to>
+                                        <p:strVal val="visible"/>
+                                      </p:to>
+                                    </p:set>
+                                  </p:childTnLst>
+                                </p:cTn>
+                              </p:par>
+                            </p:childTnLst>
+                          </p:cTn>
+                        </p:par>
+                      </p:childTnLst>
+                    </p:cTn>
+                  </p:par>
+                </p:childTnLst>
+              </p:cTn>
+              <p:prevCondLst>
+                <p:cond evt="onPrev" delay="0">
+                  <p:tgtEl>
+                    <p:sldTgt/>
+                  </p:tgtEl>
+                </p:cond>
+              </p:prevCondLst>
+              <p:nextCondLst>
+                <p:cond evt="onNext" delay="0">
+                  <p:tgtEl>
+                    <p:sldTgt/>
+                  </p:tgtEl>
+                </p:cond>
+              </p:nextCondLst>
+            </p:seq>
+          </p:childTnLst>
+        </p:cTn>
+      </p:par>
+    </p:tnLst>
+    <p:bldLst>
+      <p:bldP spid="3" grpId="0" build="p"/>
+    </p:bldLst>
+  </p:timing>
+</p:sld>
+</file>
+
+<file path=ppt/slides/slide25.xml><?xml version="1.0" encoding="utf-8"?>
+<p:sld xmlns:a="http://schemas.openxmlformats.org/drawingml/2006/main" xmlns:r="http://schemas.openxmlformats.org/officeDocument/2006/relationships" xmlns:p="http://schemas.openxmlformats.org/presentationml/2006/main">
+  <p:cSld>
+    <p:spTree>
+      <p:nvGrpSpPr>
+        <p:cNvPr id="1" name=""/>
+        <p:cNvGrpSpPr/>
+        <p:nvPr/>
+      </p:nvGrpSpPr>
+      <p:grpSpPr>
+        <a:xfrm>
+          <a:off x="0" y="0"/>
+          <a:ext cx="0" cy="0"/>
+          <a:chOff x="0" y="0"/>
+          <a:chExt cx="0" cy="0"/>
+        </a:xfrm>
+      </p:grpSpPr>
+      <p:sp>
+        <p:nvSpPr>
+          <p:cNvPr id="3" name="内容占位符 2"/>
+          <p:cNvSpPr>
+            <a:spLocks noGrp="1"/>
+          </p:cNvSpPr>
+          <p:nvPr>
+            <p:ph idx="1"/>
+          </p:nvPr>
+        </p:nvSpPr>
+        <p:spPr>
+          <a:xfrm>
+            <a:off x="838200" y="1150374"/>
+            <a:ext cx="10515600" cy="5026589"/>
+          </a:xfrm>
+        </p:spPr>
+        <p:txBody>
+          <a:bodyPr>
+            <a:normAutofit fontScale="92500" lnSpcReduction="20000"/>
+          </a:bodyPr>
+          <a:lstStyle/>
+          <a:p>
+            <a:r>
+              <a:rPr lang="zh-CN" altLang="en-US" dirty="0"/>
+              <a:t>当我们创建新的分支，例如</a:t>
+            </a:r>
+            <a:r>
+              <a:rPr lang="en-US" altLang="zh-CN" dirty="0" err="1"/>
+              <a:t>dev</a:t>
+            </a:r>
+            <a:r>
+              <a:rPr lang="zh-CN" altLang="en-US" dirty="0"/>
+              <a:t>时，</a:t>
+            </a:r>
+            <a:r>
+              <a:rPr lang="en-US" altLang="zh-CN" dirty="0" err="1"/>
+              <a:t>Git</a:t>
+            </a:r>
+            <a:r>
+              <a:rPr lang="zh-CN" altLang="en-US" dirty="0"/>
+              <a:t>新建了一个指针叫</a:t>
+            </a:r>
+            <a:r>
+              <a:rPr lang="en-US" altLang="zh-CN" dirty="0" err="1"/>
+              <a:t>dev</a:t>
+            </a:r>
+            <a:r>
+              <a:rPr lang="zh-CN" altLang="en-US" dirty="0"/>
+              <a:t>，指向</a:t>
+            </a:r>
+            <a:r>
+              <a:rPr lang="en-US" altLang="zh-CN" dirty="0"/>
+              <a:t>master</a:t>
+            </a:r>
+            <a:r>
+              <a:rPr lang="zh-CN" altLang="en-US" dirty="0"/>
+              <a:t>相同的提交，再把</a:t>
+            </a:r>
+            <a:r>
+              <a:rPr lang="en-US" altLang="zh-CN" dirty="0"/>
+              <a:t>HEAD</a:t>
+            </a:r>
+            <a:r>
+              <a:rPr lang="zh-CN" altLang="en-US" dirty="0"/>
+              <a:t>指向</a:t>
+            </a:r>
+            <a:r>
+              <a:rPr lang="en-US" altLang="zh-CN" dirty="0" err="1"/>
+              <a:t>dev</a:t>
+            </a:r>
+            <a:r>
+              <a:rPr lang="zh-CN" altLang="en-US" dirty="0"/>
+              <a:t>，就表示当前分支在</a:t>
+            </a:r>
+            <a:r>
+              <a:rPr lang="en-US" altLang="zh-CN" dirty="0" err="1"/>
+              <a:t>dev</a:t>
+            </a:r>
+            <a:r>
+              <a:rPr lang="zh-CN" altLang="en-US" dirty="0"/>
+              <a:t>上</a:t>
+            </a:r>
+            <a:r>
+              <a:rPr lang="zh-CN" altLang="en-US" dirty="0" smtClean="0"/>
+              <a:t>：</a:t>
+            </a:r>
+          </a:p>
+          <a:p>
+            <a:r>
+              <a:rPr kumimoji="1" lang="zh-CN" altLang="en-US" dirty="0" smtClean="0"/>
+              <a:t>创建分支：</a:t>
+            </a:r>
+            <a:r>
+              <a:rPr kumimoji="1" lang="en-US" altLang="zh-CN" dirty="0" err="1" smtClean="0"/>
+              <a:t>git</a:t>
+            </a:r>
+            <a:r>
+              <a:rPr kumimoji="1" lang="zh-CN" altLang="en-US" dirty="0" smtClean="0"/>
+              <a:t> </a:t>
+            </a:r>
+            <a:r>
+              <a:rPr kumimoji="1" lang="en-US" altLang="zh-CN" dirty="0" smtClean="0"/>
+              <a:t>branch</a:t>
+            </a:r>
+            <a:r>
+              <a:rPr kumimoji="1" lang="zh-CN" altLang="en-US" dirty="0"/>
+              <a:t> </a:t>
+            </a:r>
+            <a:r>
+              <a:rPr kumimoji="1" lang="en-US" altLang="zh-CN" dirty="0" err="1" smtClean="0"/>
+              <a:t>dev</a:t>
+            </a:r>
+            <a:endParaRPr kumimoji="1" lang="zh-CN" altLang="en-US" dirty="0" smtClean="0"/>
+          </a:p>
+          <a:p>
+            <a:r>
+              <a:rPr kumimoji="1" lang="zh-CN" altLang="en-US" dirty="0" smtClean="0"/>
+              <a:t>切换到分支：</a:t>
+            </a:r>
+            <a:r>
+              <a:rPr kumimoji="1" lang="en-US" altLang="zh-CN" dirty="0" err="1" smtClean="0"/>
+              <a:t>git</a:t>
+            </a:r>
+            <a:r>
+              <a:rPr kumimoji="1" lang="zh-CN" altLang="en-US" dirty="0" smtClean="0"/>
+              <a:t> </a:t>
+            </a:r>
+            <a:r>
+              <a:rPr kumimoji="1" lang="en-US" altLang="zh-CN" dirty="0" smtClean="0"/>
+              <a:t>checkout</a:t>
+            </a:r>
+            <a:r>
+              <a:rPr kumimoji="1" lang="zh-CN" altLang="en-US" dirty="0" smtClean="0"/>
+              <a:t> </a:t>
+            </a:r>
+            <a:r>
+              <a:rPr kumimoji="1" lang="en-US" altLang="zh-CN" dirty="0" err="1" smtClean="0"/>
+              <a:t>dev</a:t>
+            </a:r>
+            <a:endParaRPr kumimoji="1" lang="zh-CN" altLang="en-US" dirty="0"/>
+          </a:p>
+          <a:p>
+            <a:r>
+              <a:rPr kumimoji="1" lang="zh-CN" altLang="en-US" dirty="0" smtClean="0"/>
+              <a:t>以上两</a:t>
+            </a:r>
+            <a:r>
+              <a:rPr kumimoji="1" lang="zh-CN" altLang="en-US" dirty="0" smtClean="0"/>
+              <a:t>步</a:t>
+            </a:r>
+            <a:r>
+              <a:rPr kumimoji="1" lang="zh-CN" altLang="en-US" dirty="0" smtClean="0"/>
+              <a:t>可</a:t>
+            </a:r>
+            <a:r>
+              <a:rPr kumimoji="1" lang="zh-CN" altLang="en-US" dirty="0"/>
+              <a:t>用 </a:t>
+            </a:r>
+            <a:r>
+              <a:rPr lang="en-US" altLang="zh-CN" dirty="0" err="1"/>
+              <a:t>git</a:t>
+            </a:r>
+            <a:r>
+              <a:rPr lang="en-US" altLang="zh-CN" dirty="0"/>
+              <a:t> checkout -b </a:t>
+            </a:r>
+            <a:r>
+              <a:rPr lang="en-US" altLang="zh-CN" dirty="0" err="1" smtClean="0"/>
+              <a:t>dev</a:t>
+            </a:r>
+            <a:r>
+              <a:rPr lang="zh-CN" altLang="en-US" dirty="0" smtClean="0"/>
+              <a:t>一</a:t>
+            </a:r>
+            <a:r>
+              <a:rPr lang="zh-CN" altLang="en-US" dirty="0"/>
+              <a:t>步</a:t>
+            </a:r>
+            <a:r>
+              <a:rPr lang="zh-CN" altLang="en-US" dirty="0" smtClean="0"/>
+              <a:t>到位</a:t>
+            </a:r>
+          </a:p>
+          <a:p>
+            <a:endParaRPr lang="zh-CN" altLang="en-US" dirty="0" smtClean="0"/>
+          </a:p>
+          <a:p>
+            <a:endParaRPr lang="zh-CN" altLang="en-US" dirty="0"/>
+          </a:p>
+          <a:p>
+            <a:endParaRPr lang="zh-CN" altLang="en-US" dirty="0" smtClean="0"/>
+          </a:p>
+          <a:p>
+            <a:endParaRPr lang="zh-CN" altLang="en-US" dirty="0"/>
+          </a:p>
+          <a:p>
+            <a:endParaRPr lang="zh-CN" altLang="en-US" dirty="0" smtClean="0"/>
+          </a:p>
+          <a:p>
+            <a:r>
+              <a:rPr lang="en-US" altLang="zh-CN" dirty="0" err="1" smtClean="0"/>
+              <a:t>Git</a:t>
+            </a:r>
+            <a:r>
+              <a:rPr lang="zh-CN" altLang="en-US" dirty="0"/>
+              <a:t>创建一个分支很快，因为除了增加一个</a:t>
+            </a:r>
+            <a:r>
+              <a:rPr lang="en-US" altLang="zh-CN" dirty="0" err="1"/>
+              <a:t>dev</a:t>
+            </a:r>
+            <a:r>
+              <a:rPr lang="zh-CN" altLang="en-US" dirty="0"/>
+              <a:t>指针，改改</a:t>
+            </a:r>
+            <a:r>
+              <a:rPr lang="en-US" altLang="zh-CN" dirty="0"/>
+              <a:t>HEAD</a:t>
+            </a:r>
+            <a:r>
+              <a:rPr lang="zh-CN" altLang="en-US" dirty="0"/>
+              <a:t>的指向，工作区的文件都没有任何变化！</a:t>
+            </a:r>
+            <a:endParaRPr kumimoji="1" lang="zh-CN" altLang="en-US" dirty="0"/>
+          </a:p>
+          <a:p>
+            <a:endParaRPr kumimoji="1" lang="zh-CN" altLang="en-US" dirty="0"/>
+          </a:p>
+        </p:txBody>
+      </p:sp>
+      <p:pic>
+        <p:nvPicPr>
+          <p:cNvPr id="4" name="图片 3"/>
+          <p:cNvPicPr>
+            <a:picLocks noChangeAspect="1"/>
+          </p:cNvPicPr>
+          <p:nvPr/>
+        </p:nvPicPr>
+        <p:blipFill>
+          <a:blip r:embed="rId2"/>
+          <a:stretch>
+            <a:fillRect/>
+          </a:stretch>
+        </p:blipFill>
+        <p:spPr>
+          <a:xfrm>
+            <a:off x="6344674" y="1825625"/>
+            <a:ext cx="5473700" cy="3136900"/>
+          </a:xfrm>
+          <a:prstGeom prst="rect">
+            <a:avLst/>
+          </a:prstGeom>
+        </p:spPr>
+      </p:pic>
+      <p:sp>
+        <p:nvSpPr>
+          <p:cNvPr id="5" name="标题 1"/>
+          <p:cNvSpPr txBox="1">
+            <a:spLocks/>
+          </p:cNvSpPr>
+          <p:nvPr/>
+        </p:nvSpPr>
+        <p:spPr>
+          <a:xfrm>
+            <a:off x="373626" y="309716"/>
+            <a:ext cx="7590503" cy="840658"/>
+          </a:xfrm>
+          <a:prstGeom prst="rect">
+            <a:avLst/>
+          </a:prstGeom>
+        </p:spPr>
+        <p:txBody>
+          <a:bodyPr vert="horz" lIns="91440" tIns="45720" rIns="91440" bIns="45720" rtlCol="0" anchor="ctr">
+            <a:normAutofit/>
+          </a:bodyPr>
+          <a:lstStyle>
+            <a:lvl1pPr algn="l" defTabSz="914400" rtl="0" eaLnBrk="1" latinLnBrk="0" hangingPunct="1">
+              <a:lnSpc>
+                <a:spcPct val="90000"/>
+              </a:lnSpc>
+              <a:spcBef>
+                <a:spcPct val="0"/>
+              </a:spcBef>
+              <a:buNone/>
+              <a:defRPr sz="4400" kern="1200">
+                <a:solidFill>
+                  <a:schemeClr val="tx1"/>
+                </a:solidFill>
+                <a:latin typeface="+mj-lt"/>
+                <a:ea typeface="+mj-ea"/>
+                <a:cs typeface="+mj-cs"/>
+              </a:defRPr>
+            </a:lvl1pPr>
+          </a:lstStyle>
+          <a:p>
+            <a:r>
+              <a:rPr kumimoji="1" lang="en-US" altLang="zh-CN" sz="5000" dirty="0" smtClean="0"/>
+              <a:t>GIT</a:t>
+            </a:r>
+            <a:r>
+              <a:rPr kumimoji="1" lang="zh-CN" altLang="en-US" sz="5000" dirty="0" smtClean="0"/>
+              <a:t>创建与合并分支</a:t>
+            </a:r>
+          </a:p>
+        </p:txBody>
+      </p:sp>
+    </p:spTree>
+    <p:extLst>
+      <p:ext uri="{BB962C8B-B14F-4D97-AF65-F5344CB8AC3E}">
+        <p14:creationId xmlns:p14="http://schemas.microsoft.com/office/powerpoint/2010/main" val="202186647"/>
+      </p:ext>
+    </p:extLst>
+  </p:cSld>
+  <p:clrMapOvr>
+    <a:masterClrMapping/>
+  </p:clrMapOvr>
+  <p:timing>
+    <p:tnLst>
+      <p:par>
+        <p:cTn id="1" dur="indefinite" restart="never" nodeType="tmRoot">
+          <p:childTnLst>
+            <p:seq concurrent="1" nextAc="seek">
+              <p:cTn id="2" dur="indefinite" nodeType="mainSeq">
+                <p:childTnLst>
+                  <p:par>
+                    <p:cTn id="3" fill="hold">
+                      <p:stCondLst>
+                        <p:cond delay="indefinite"/>
+                      </p:stCondLst>
+                      <p:childTnLst>
+                        <p:par>
+                          <p:cTn id="4" fill="hold">
+                            <p:stCondLst>
+                              <p:cond delay="0"/>
+                            </p:stCondLst>
+                            <p:childTnLst>
+                              <p:par>
+                                <p:cTn id="5" presetID="6" presetClass="entr" presetSubtype="16" fill="hold" nodeType="clickEffect">
+                                  <p:stCondLst>
+                                    <p:cond delay="0"/>
+                                  </p:stCondLst>
+                                  <p:childTnLst>
+                                    <p:set>
+                                      <p:cBhvr>
+                                        <p:cTn id="6" dur="1" fill="hold">
+                                          <p:stCondLst>
+                                            <p:cond delay="0"/>
+                                          </p:stCondLst>
+                                        </p:cTn>
+                                        <p:tgtEl>
+                                          <p:spTgt spid="3">
+                                            <p:txEl>
+                                              <p:pRg st="0" end="0"/>
+                                            </p:txEl>
+                                          </p:spTgt>
+                                        </p:tgtEl>
+                                        <p:attrNameLst>
+                                          <p:attrName>style.visibility</p:attrName>
+                                        </p:attrNameLst>
+                                      </p:cBhvr>
+                                      <p:to>
+                                        <p:strVal val="visible"/>
+                                      </p:to>
+                                    </p:set>
+                                    <p:animEffect transition="in" filter="circle(in)">
+                                      <p:cBhvr>
+                                        <p:cTn id="7" dur="2000"/>
+                                        <p:tgtEl>
+                                          <p:spTgt spid="3">
+                                            <p:txEl>
+                                              <p:pRg st="0" end="0"/>
+                                            </p:txEl>
+                                          </p:spTgt>
+                                        </p:tgtEl>
+                                      </p:cBhvr>
+                                    </p:animEffect>
+                                  </p:childTnLst>
+                                </p:cTn>
+                              </p:par>
+                            </p:childTnLst>
+                          </p:cTn>
+                        </p:par>
+                      </p:childTnLst>
+                    </p:cTn>
+                  </p:par>
+                  <p:par>
+                    <p:cTn id="8" fill="hold">
+                      <p:stCondLst>
+                        <p:cond delay="indefinite"/>
+                      </p:stCondLst>
+                      <p:childTnLst>
+                        <p:par>
+                          <p:cTn id="9" fill="hold">
+                            <p:stCondLst>
+                              <p:cond delay="0"/>
+                            </p:stCondLst>
+                            <p:childTnLst>
+                              <p:par>
+                                <p:cTn id="10" presetID="6" presetClass="entr" presetSubtype="16" fill="hold" nodeType="clickEffect">
+                                  <p:stCondLst>
+                                    <p:cond delay="0"/>
+                                  </p:stCondLst>
+                                  <p:childTnLst>
+                                    <p:set>
+                                      <p:cBhvr>
+                                        <p:cTn id="11" dur="1" fill="hold">
+                                          <p:stCondLst>
+                                            <p:cond delay="0"/>
+                                          </p:stCondLst>
+                                        </p:cTn>
+                                        <p:tgtEl>
+                                          <p:spTgt spid="3">
+                                            <p:txEl>
+                                              <p:pRg st="1" end="1"/>
+                                            </p:txEl>
+                                          </p:spTgt>
+                                        </p:tgtEl>
+                                        <p:attrNameLst>
+                                          <p:attrName>style.visibility</p:attrName>
+                                        </p:attrNameLst>
+                                      </p:cBhvr>
+                                      <p:to>
+                                        <p:strVal val="visible"/>
+                                      </p:to>
+                                    </p:set>
+                                    <p:animEffect transition="in" filter="circle(in)">
+                                      <p:cBhvr>
+                                        <p:cTn id="12" dur="2000"/>
+                                        <p:tgtEl>
+                                          <p:spTgt spid="3">
+                                            <p:txEl>
+                                              <p:pRg st="1" end="1"/>
+                                            </p:txEl>
+                                          </p:spTgt>
+                                        </p:tgtEl>
+                                      </p:cBhvr>
+                                    </p:animEffect>
+                                  </p:childTnLst>
+                                </p:cTn>
+                              </p:par>
+                            </p:childTnLst>
+                          </p:cTn>
+                        </p:par>
+                      </p:childTnLst>
+                    </p:cTn>
+                  </p:par>
+                  <p:par>
+                    <p:cTn id="13" fill="hold">
+                      <p:stCondLst>
+                        <p:cond delay="indefinite"/>
+                      </p:stCondLst>
+                      <p:childTnLst>
+                        <p:par>
+                          <p:cTn id="14" fill="hold">
+                            <p:stCondLst>
+                              <p:cond delay="0"/>
+                            </p:stCondLst>
+                            <p:childTnLst>
+                              <p:par>
+                                <p:cTn id="15" presetID="6" presetClass="entr" presetSubtype="16" fill="hold" nodeType="clickEffect">
+                                  <p:stCondLst>
+                                    <p:cond delay="0"/>
+                                  </p:stCondLst>
+                                  <p:childTnLst>
+                                    <p:set>
+                                      <p:cBhvr>
+                                        <p:cTn id="16" dur="1" fill="hold">
+                                          <p:stCondLst>
+                                            <p:cond delay="0"/>
+                                          </p:stCondLst>
+                                        </p:cTn>
+                                        <p:tgtEl>
+                                          <p:spTgt spid="3">
+                                            <p:txEl>
+                                              <p:pRg st="2" end="2"/>
+                                            </p:txEl>
+                                          </p:spTgt>
+                                        </p:tgtEl>
+                                        <p:attrNameLst>
+                                          <p:attrName>style.visibility</p:attrName>
+                                        </p:attrNameLst>
+                                      </p:cBhvr>
+                                      <p:to>
+                                        <p:strVal val="visible"/>
+                                      </p:to>
+                                    </p:set>
+                                    <p:animEffect transition="in" filter="circle(in)">
+                                      <p:cBhvr>
+                                        <p:cTn id="17" dur="2000"/>
+                                        <p:tgtEl>
+                                          <p:spTgt spid="3">
+                                            <p:txEl>
+                                              <p:pRg st="2" end="2"/>
+                                            </p:txEl>
+                                          </p:spTgt>
+                                        </p:tgtEl>
+                                      </p:cBhvr>
+                                    </p:animEffect>
+                                  </p:childTnLst>
+                                </p:cTn>
+                              </p:par>
+                            </p:childTnLst>
+                          </p:cTn>
+                        </p:par>
+                      </p:childTnLst>
+                    </p:cTn>
+                  </p:par>
+                  <p:par>
+                    <p:cTn id="18" fill="hold">
+                      <p:stCondLst>
+                        <p:cond delay="indefinite"/>
+                      </p:stCondLst>
+                      <p:childTnLst>
+                        <p:par>
+                          <p:cTn id="19" fill="hold">
+                            <p:stCondLst>
+                              <p:cond delay="0"/>
+                            </p:stCondLst>
+                            <p:childTnLst>
+                              <p:par>
+                                <p:cTn id="20" presetID="6" presetClass="entr" presetSubtype="16" fill="hold" nodeType="clickEffect">
+                                  <p:stCondLst>
+                                    <p:cond delay="0"/>
+                                  </p:stCondLst>
+                                  <p:childTnLst>
+                                    <p:set>
+                                      <p:cBhvr>
+                                        <p:cTn id="21" dur="1" fill="hold">
+                                          <p:stCondLst>
+                                            <p:cond delay="0"/>
+                                          </p:stCondLst>
+                                        </p:cTn>
+                                        <p:tgtEl>
+                                          <p:spTgt spid="3">
+                                            <p:txEl>
+                                              <p:pRg st="3" end="3"/>
+                                            </p:txEl>
+                                          </p:spTgt>
+                                        </p:tgtEl>
+                                        <p:attrNameLst>
+                                          <p:attrName>style.visibility</p:attrName>
+                                        </p:attrNameLst>
+                                      </p:cBhvr>
+                                      <p:to>
+                                        <p:strVal val="visible"/>
+                                      </p:to>
+                                    </p:set>
+                                    <p:animEffect transition="in" filter="circle(in)">
+                                      <p:cBhvr>
+                                        <p:cTn id="22" dur="2000"/>
+                                        <p:tgtEl>
+                                          <p:spTgt spid="3">
+                                            <p:txEl>
+                                              <p:pRg st="3" end="3"/>
+                                            </p:txEl>
+                                          </p:spTgt>
+                                        </p:tgtEl>
+                                      </p:cBhvr>
+                                    </p:animEffect>
+                                  </p:childTnLst>
+                                </p:cTn>
+                              </p:par>
+                            </p:childTnLst>
+                          </p:cTn>
+                        </p:par>
+                      </p:childTnLst>
+                    </p:cTn>
+                  </p:par>
+                  <p:par>
+                    <p:cTn id="23" fill="hold">
+                      <p:stCondLst>
+                        <p:cond delay="indefinite"/>
+                      </p:stCondLst>
+                      <p:childTnLst>
+                        <p:par>
+                          <p:cTn id="24" fill="hold">
+                            <p:stCondLst>
+                              <p:cond delay="0"/>
+                            </p:stCondLst>
+                            <p:childTnLst>
+                              <p:par>
+                                <p:cTn id="25" presetID="6" presetClass="entr" presetSubtype="16" fill="hold" nodeType="clickEffect">
+                                  <p:stCondLst>
+                                    <p:cond delay="0"/>
+                                  </p:stCondLst>
+                                  <p:childTnLst>
+                                    <p:set>
+                                      <p:cBhvr>
+                                        <p:cTn id="26" dur="1" fill="hold">
+                                          <p:stCondLst>
+                                            <p:cond delay="0"/>
+                                          </p:stCondLst>
+                                        </p:cTn>
+                                        <p:tgtEl>
+                                          <p:spTgt spid="4"/>
+                                        </p:tgtEl>
+                                        <p:attrNameLst>
+                                          <p:attrName>style.visibility</p:attrName>
+                                        </p:attrNameLst>
+                                      </p:cBhvr>
+                                      <p:to>
+                                        <p:strVal val="visible"/>
+                                      </p:to>
+                                    </p:set>
+                                    <p:animEffect transition="in" filter="circle(in)">
+                                      <p:cBhvr>
+                                        <p:cTn id="27" dur="2000"/>
+                                        <p:tgtEl>
+                                          <p:spTgt spid="4"/>
+                                        </p:tgtEl>
+                                      </p:cBhvr>
+                                    </p:animEffect>
+                                  </p:childTnLst>
+                                </p:cTn>
+                              </p:par>
+                            </p:childTnLst>
+                          </p:cTn>
+                        </p:par>
+                      </p:childTnLst>
+                    </p:cTn>
+                  </p:par>
+                  <p:par>
+                    <p:cTn id="28" fill="hold">
+                      <p:stCondLst>
+                        <p:cond delay="indefinite"/>
+                      </p:stCondLst>
+                      <p:childTnLst>
+                        <p:par>
+                          <p:cTn id="29" fill="hold">
+                            <p:stCondLst>
+                              <p:cond delay="0"/>
+                            </p:stCondLst>
+                            <p:childTnLst>
+                              <p:par>
+                                <p:cTn id="30" presetID="6" presetClass="entr" presetSubtype="16" fill="hold" nodeType="clickEffect">
+                                  <p:stCondLst>
+                                    <p:cond delay="0"/>
+                                  </p:stCondLst>
+                                  <p:childTnLst>
+                                    <p:set>
+                                      <p:cBhvr>
+                                        <p:cTn id="31" dur="1" fill="hold">
+                                          <p:stCondLst>
+                                            <p:cond delay="0"/>
+                                          </p:stCondLst>
+                                        </p:cTn>
+                                        <p:tgtEl>
+                                          <p:spTgt spid="3">
+                                            <p:txEl>
+                                              <p:pRg st="9" end="9"/>
+                                            </p:txEl>
+                                          </p:spTgt>
+                                        </p:tgtEl>
+                                        <p:attrNameLst>
+                                          <p:attrName>style.visibility</p:attrName>
+                                        </p:attrNameLst>
+                                      </p:cBhvr>
+                                      <p:to>
+                                        <p:strVal val="visible"/>
+                                      </p:to>
+                                    </p:set>
+                                    <p:animEffect transition="in" filter="circle(in)">
+                                      <p:cBhvr>
+                                        <p:cTn id="32" dur="2000"/>
+                                        <p:tgtEl>
+                                          <p:spTgt spid="3">
+                                            <p:txEl>
+                                              <p:pRg st="9" end="9"/>
+                                            </p:txEl>
+                                          </p:spTgt>
+                                        </p:tgtEl>
+                                      </p:cBhvr>
+                                    </p:animEffect>
+                                  </p:childTnLst>
+                                </p:cTn>
+                              </p:par>
+                            </p:childTnLst>
+                          </p:cTn>
+                        </p:par>
+                      </p:childTnLst>
+                    </p:cTn>
+                  </p:par>
+                </p:childTnLst>
+              </p:cTn>
+              <p:prevCondLst>
+                <p:cond evt="onPrev" delay="0">
+                  <p:tgtEl>
+                    <p:sldTgt/>
+                  </p:tgtEl>
+                </p:cond>
+              </p:prevCondLst>
+              <p:nextCondLst>
+                <p:cond evt="onNext" delay="0">
+                  <p:tgtEl>
+                    <p:sldTgt/>
+                  </p:tgtEl>
+                </p:cond>
+              </p:nextCondLst>
+            </p:seq>
+          </p:childTnLst>
+        </p:cTn>
+      </p:par>
+    </p:tnLst>
+  </p:timing>
+</p:sld>
+</file>
+
+<file path=ppt/slides/slide26.xml><?xml version="1.0" encoding="utf-8"?>
+<p:sld xmlns:a="http://schemas.openxmlformats.org/drawingml/2006/main" xmlns:r="http://schemas.openxmlformats.org/officeDocument/2006/relationships" xmlns:p="http://schemas.openxmlformats.org/presentationml/2006/main">
+  <p:cSld>
+    <p:spTree>
+      <p:nvGrpSpPr>
+        <p:cNvPr id="1" name=""/>
+        <p:cNvGrpSpPr/>
+        <p:nvPr/>
+      </p:nvGrpSpPr>
+      <p:grpSpPr>
+        <a:xfrm>
+          <a:off x="0" y="0"/>
+          <a:ext cx="0" cy="0"/>
+          <a:chOff x="0" y="0"/>
+          <a:chExt cx="0" cy="0"/>
+        </a:xfrm>
+      </p:grpSpPr>
+      <p:sp>
+        <p:nvSpPr>
+          <p:cNvPr id="3" name="内容占位符 2"/>
+          <p:cNvSpPr>
+            <a:spLocks noGrp="1"/>
+          </p:cNvSpPr>
+          <p:nvPr>
+            <p:ph idx="1"/>
+          </p:nvPr>
+        </p:nvSpPr>
+        <p:spPr>
+          <a:xfrm>
+            <a:off x="838200" y="1368424"/>
+            <a:ext cx="10515600" cy="4351338"/>
+          </a:xfrm>
+        </p:spPr>
+        <p:txBody>
+          <a:bodyPr/>
+          <a:lstStyle/>
+          <a:p>
+            <a:r>
+              <a:rPr lang="zh-CN" altLang="en-US" dirty="0"/>
+              <a:t>从现在开始，对工作区的修改和提交就是针对</a:t>
+            </a:r>
+            <a:r>
+              <a:rPr lang="en-US" altLang="zh-CN" dirty="0" err="1"/>
+              <a:t>dev</a:t>
+            </a:r>
+            <a:r>
+              <a:rPr lang="zh-CN" altLang="en-US" dirty="0"/>
+              <a:t>分支了，比如新提交一次后，</a:t>
+            </a:r>
+            <a:r>
+              <a:rPr lang="en-US" altLang="zh-CN" dirty="0" err="1"/>
+              <a:t>dev</a:t>
+            </a:r>
+            <a:r>
+              <a:rPr lang="zh-CN" altLang="en-US" dirty="0"/>
+              <a:t>指针往前移动一步，而</a:t>
+            </a:r>
+            <a:r>
+              <a:rPr lang="en-US" altLang="zh-CN" dirty="0"/>
+              <a:t>master</a:t>
+            </a:r>
+            <a:r>
+              <a:rPr lang="zh-CN" altLang="en-US" dirty="0"/>
+              <a:t>指针不变：</a:t>
+            </a:r>
+          </a:p>
+          <a:p>
+            <a:pPr marL="0" indent="0">
+              <a:buNone/>
+            </a:pPr>
+            <a:r>
+              <a:rPr lang="zh-CN" altLang="en-US" dirty="0"/>
+              <a:t/>
+            </a:r>
+            <a:br>
+              <a:rPr lang="zh-CN" altLang="en-US" dirty="0"/>
+            </a:br>
+            <a:endParaRPr kumimoji="1" lang="zh-CN" altLang="en-US" dirty="0"/>
+          </a:p>
+        </p:txBody>
+      </p:sp>
+      <p:sp>
+        <p:nvSpPr>
+          <p:cNvPr id="4" name="标题 1"/>
+          <p:cNvSpPr txBox="1">
+            <a:spLocks/>
+          </p:cNvSpPr>
+          <p:nvPr/>
+        </p:nvSpPr>
+        <p:spPr>
+          <a:xfrm>
+            <a:off x="373626" y="309716"/>
+            <a:ext cx="7590503" cy="840658"/>
+          </a:xfrm>
+          <a:prstGeom prst="rect">
+            <a:avLst/>
+          </a:prstGeom>
+        </p:spPr>
+        <p:txBody>
+          <a:bodyPr vert="horz" lIns="91440" tIns="45720" rIns="91440" bIns="45720" rtlCol="0" anchor="ctr">
+            <a:normAutofit/>
+          </a:bodyPr>
+          <a:lstStyle>
+            <a:lvl1pPr algn="l" defTabSz="914400" rtl="0" eaLnBrk="1" latinLnBrk="0" hangingPunct="1">
+              <a:lnSpc>
+                <a:spcPct val="90000"/>
+              </a:lnSpc>
+              <a:spcBef>
+                <a:spcPct val="0"/>
+              </a:spcBef>
+              <a:buNone/>
+              <a:defRPr sz="4400" kern="1200">
+                <a:solidFill>
+                  <a:schemeClr val="tx1"/>
+                </a:solidFill>
+                <a:latin typeface="+mj-lt"/>
+                <a:ea typeface="+mj-ea"/>
+                <a:cs typeface="+mj-cs"/>
+              </a:defRPr>
+            </a:lvl1pPr>
+          </a:lstStyle>
+          <a:p>
+            <a:r>
+              <a:rPr kumimoji="1" lang="en-US" altLang="zh-CN" sz="5000" dirty="0" smtClean="0"/>
+              <a:t>GIT</a:t>
+            </a:r>
+            <a:r>
+              <a:rPr kumimoji="1" lang="zh-CN" altLang="en-US" sz="5000" dirty="0" smtClean="0"/>
+              <a:t>创建与合并分支</a:t>
+            </a:r>
+          </a:p>
+        </p:txBody>
+      </p:sp>
+      <p:pic>
+        <p:nvPicPr>
+          <p:cNvPr id="5" name="图片 4"/>
+          <p:cNvPicPr>
+            <a:picLocks noChangeAspect="1"/>
+          </p:cNvPicPr>
+          <p:nvPr/>
+        </p:nvPicPr>
+        <p:blipFill>
+          <a:blip r:embed="rId2"/>
+          <a:stretch>
+            <a:fillRect/>
+          </a:stretch>
+        </p:blipFill>
+        <p:spPr>
+          <a:xfrm>
+            <a:off x="2514600" y="2285172"/>
+            <a:ext cx="7162800" cy="3162300"/>
+          </a:xfrm>
+          <a:prstGeom prst="rect">
+            <a:avLst/>
+          </a:prstGeom>
+        </p:spPr>
+      </p:pic>
+    </p:spTree>
+    <p:extLst>
+      <p:ext uri="{BB962C8B-B14F-4D97-AF65-F5344CB8AC3E}">
+        <p14:creationId xmlns:p14="http://schemas.microsoft.com/office/powerpoint/2010/main" val="1683779234"/>
+      </p:ext>
+    </p:extLst>
+  </p:cSld>
+  <p:clrMapOvr>
+    <a:masterClrMapping/>
+  </p:clrMapOvr>
+  <p:timing>
+    <p:tnLst>
+      <p:par>
+        <p:cTn id="1" dur="indefinite" restart="never" nodeType="tmRoot"/>
+      </p:par>
+    </p:tnLst>
+  </p:timing>
+</p:sld>
+</file>
+
+<file path=ppt/slides/slide27.xml><?xml version="1.0" encoding="utf-8"?>
+<p:sld xmlns:a="http://schemas.openxmlformats.org/drawingml/2006/main" xmlns:r="http://schemas.openxmlformats.org/officeDocument/2006/relationships" xmlns:p="http://schemas.openxmlformats.org/presentationml/2006/main">
+  <p:cSld>
+    <p:spTree>
+      <p:nvGrpSpPr>
+        <p:cNvPr id="1" name=""/>
+        <p:cNvGrpSpPr/>
+        <p:nvPr/>
+      </p:nvGrpSpPr>
+      <p:grpSpPr>
+        <a:xfrm>
+          <a:off x="0" y="0"/>
+          <a:ext cx="0" cy="0"/>
+          <a:chOff x="0" y="0"/>
+          <a:chExt cx="0" cy="0"/>
+        </a:xfrm>
+      </p:grpSpPr>
+      <p:sp>
+        <p:nvSpPr>
+          <p:cNvPr id="3" name="内容占位符 2"/>
+          <p:cNvSpPr>
+            <a:spLocks noGrp="1"/>
+          </p:cNvSpPr>
+          <p:nvPr>
+            <p:ph idx="1"/>
+          </p:nvPr>
+        </p:nvSpPr>
+        <p:spPr>
+          <a:xfrm>
+            <a:off x="838200" y="1269033"/>
+            <a:ext cx="10515600" cy="4351338"/>
+          </a:xfrm>
+        </p:spPr>
+        <p:txBody>
+          <a:bodyPr>
+            <a:normAutofit fontScale="92500" lnSpcReduction="10000"/>
+          </a:bodyPr>
+          <a:lstStyle/>
+          <a:p>
+            <a:r>
+              <a:rPr lang="zh-CN" altLang="en-US" dirty="0"/>
+              <a:t>假如我们在</a:t>
+            </a:r>
+            <a:r>
+              <a:rPr lang="en-US" altLang="zh-CN" dirty="0" err="1"/>
+              <a:t>dev</a:t>
+            </a:r>
+            <a:r>
+              <a:rPr lang="zh-CN" altLang="en-US" dirty="0"/>
+              <a:t>上的工作完成了，就可以把</a:t>
+            </a:r>
+            <a:r>
+              <a:rPr lang="en-US" altLang="zh-CN" dirty="0" err="1"/>
+              <a:t>dev</a:t>
+            </a:r>
+            <a:r>
+              <a:rPr lang="zh-CN" altLang="en-US" dirty="0"/>
+              <a:t>合并到</a:t>
+            </a:r>
+            <a:r>
+              <a:rPr lang="en-US" altLang="zh-CN" dirty="0"/>
+              <a:t>master</a:t>
+            </a:r>
+            <a:r>
+              <a:rPr lang="zh-CN" altLang="en-US" dirty="0"/>
+              <a:t>上。</a:t>
+            </a:r>
+            <a:r>
+              <a:rPr lang="en-US" altLang="zh-CN" dirty="0" err="1"/>
+              <a:t>Git</a:t>
+            </a:r>
+            <a:r>
+              <a:rPr lang="zh-CN" altLang="en-US" dirty="0"/>
+              <a:t>怎么合并呢？最简单的方法，就是直接把</a:t>
+            </a:r>
+            <a:r>
+              <a:rPr lang="en-US" altLang="zh-CN" dirty="0"/>
+              <a:t>master</a:t>
+            </a:r>
+            <a:r>
+              <a:rPr lang="zh-CN" altLang="en-US" dirty="0"/>
+              <a:t>指向</a:t>
+            </a:r>
+            <a:r>
+              <a:rPr lang="en-US" altLang="zh-CN" dirty="0" err="1"/>
+              <a:t>dev</a:t>
+            </a:r>
+            <a:r>
+              <a:rPr lang="zh-CN" altLang="en-US" dirty="0"/>
+              <a:t>的当前提交，就完成了合并</a:t>
+            </a:r>
+            <a:r>
+              <a:rPr lang="zh-CN" altLang="en-US" dirty="0" smtClean="0"/>
+              <a:t>：</a:t>
+            </a:r>
+          </a:p>
+          <a:p>
+            <a:r>
+              <a:rPr lang="zh-CN" altLang="en-US" dirty="0"/>
+              <a:t>把</a:t>
+            </a:r>
+            <a:r>
+              <a:rPr lang="en-US" altLang="zh-CN" dirty="0" err="1"/>
+              <a:t>dev</a:t>
+            </a:r>
+            <a:r>
+              <a:rPr lang="zh-CN" altLang="en-US" dirty="0"/>
+              <a:t>分支合并到</a:t>
+            </a:r>
+            <a:r>
+              <a:rPr lang="en-US" altLang="zh-CN" dirty="0" smtClean="0"/>
+              <a:t>master</a:t>
+            </a:r>
+            <a:r>
+              <a:rPr lang="zh-CN" altLang="en-US" dirty="0" smtClean="0"/>
+              <a:t>步骤</a:t>
+            </a:r>
+            <a:r>
+              <a:rPr lang="zh-CN" altLang="en-US" dirty="0" smtClean="0"/>
+              <a:t>：</a:t>
+            </a:r>
+            <a:endParaRPr lang="zh-CN" altLang="en-US" dirty="0" smtClean="0"/>
+          </a:p>
+          <a:p>
+            <a:r>
+              <a:rPr lang="en-US" altLang="zh-CN" dirty="0" smtClean="0"/>
+              <a:t>1.</a:t>
+            </a:r>
+            <a:r>
+              <a:rPr lang="zh-CN" altLang="en-US" dirty="0" smtClean="0"/>
+              <a:t>切换到</a:t>
+            </a:r>
+            <a:r>
+              <a:rPr lang="en-US" altLang="zh-CN" dirty="0" smtClean="0"/>
+              <a:t>master</a:t>
+            </a:r>
+            <a:endParaRPr lang="zh-CN" altLang="en-US" dirty="0" smtClean="0"/>
+          </a:p>
+          <a:p>
+            <a:r>
+              <a:rPr lang="en-US" altLang="zh-CN" dirty="0" smtClean="0"/>
+              <a:t>2.git </a:t>
+            </a:r>
+            <a:r>
+              <a:rPr lang="en-US" altLang="zh-CN" dirty="0"/>
+              <a:t>merge </a:t>
+            </a:r>
+            <a:r>
+              <a:rPr lang="en-US" altLang="zh-CN" dirty="0" err="1" smtClean="0"/>
+              <a:t>dev</a:t>
+            </a:r>
+            <a:endParaRPr lang="zh-CN" altLang="en-US" dirty="0" smtClean="0"/>
+          </a:p>
+          <a:p>
+            <a:pPr marL="0" indent="0">
+              <a:buNone/>
+            </a:pPr>
+            <a:endParaRPr kumimoji="1" lang="zh-CN" altLang="en-US" dirty="0" smtClean="0"/>
+          </a:p>
+          <a:p>
+            <a:endParaRPr kumimoji="1" lang="zh-CN" altLang="en-US" dirty="0" smtClean="0"/>
+          </a:p>
+          <a:p>
+            <a:pPr marL="0" indent="0">
+              <a:buNone/>
+            </a:pPr>
+            <a:endParaRPr lang="zh-CN" altLang="en-US" dirty="0" smtClean="0"/>
+          </a:p>
+          <a:p>
+            <a:r>
+              <a:rPr lang="en-US" altLang="zh-CN" dirty="0" err="1" smtClean="0"/>
+              <a:t>Git</a:t>
+            </a:r>
+            <a:r>
+              <a:rPr lang="zh-CN" altLang="en-US" dirty="0"/>
+              <a:t>合并分支也很快！就改改指针，工作区内容也不变！</a:t>
+            </a:r>
+            <a:endParaRPr kumimoji="1" lang="zh-CN" altLang="en-US" dirty="0"/>
+          </a:p>
+          <a:p>
+            <a:endParaRPr kumimoji="1" lang="zh-CN" altLang="en-US" dirty="0" smtClean="0"/>
+          </a:p>
+          <a:p>
+            <a:endParaRPr kumimoji="1" lang="zh-CN" altLang="en-US" dirty="0"/>
+          </a:p>
+          <a:p>
+            <a:endParaRPr kumimoji="1" lang="zh-CN" altLang="en-US" dirty="0" smtClean="0"/>
+          </a:p>
+          <a:p>
+            <a:endParaRPr kumimoji="1" lang="zh-CN" altLang="en-US" dirty="0"/>
+          </a:p>
+        </p:txBody>
+      </p:sp>
+      <p:sp>
+        <p:nvSpPr>
+          <p:cNvPr id="4" name="标题 1"/>
+          <p:cNvSpPr txBox="1">
+            <a:spLocks/>
+          </p:cNvSpPr>
+          <p:nvPr/>
+        </p:nvSpPr>
+        <p:spPr>
+          <a:xfrm>
+            <a:off x="373626" y="309716"/>
+            <a:ext cx="7590503" cy="840658"/>
+          </a:xfrm>
+          <a:prstGeom prst="rect">
+            <a:avLst/>
+          </a:prstGeom>
+        </p:spPr>
+        <p:txBody>
+          <a:bodyPr vert="horz" lIns="91440" tIns="45720" rIns="91440" bIns="45720" rtlCol="0" anchor="ctr">
+            <a:normAutofit/>
+          </a:bodyPr>
+          <a:lstStyle>
+            <a:lvl1pPr algn="l" defTabSz="914400" rtl="0" eaLnBrk="1" latinLnBrk="0" hangingPunct="1">
+              <a:lnSpc>
+                <a:spcPct val="90000"/>
+              </a:lnSpc>
+              <a:spcBef>
+                <a:spcPct val="0"/>
+              </a:spcBef>
+              <a:buNone/>
+              <a:defRPr sz="4400" kern="1200">
+                <a:solidFill>
+                  <a:schemeClr val="tx1"/>
+                </a:solidFill>
+                <a:latin typeface="+mj-lt"/>
+                <a:ea typeface="+mj-ea"/>
+                <a:cs typeface="+mj-cs"/>
+              </a:defRPr>
+            </a:lvl1pPr>
+          </a:lstStyle>
+          <a:p>
+            <a:r>
+              <a:rPr kumimoji="1" lang="en-US" altLang="zh-CN" sz="5000" dirty="0" smtClean="0"/>
+              <a:t>GIT</a:t>
+            </a:r>
+            <a:r>
+              <a:rPr kumimoji="1" lang="zh-CN" altLang="en-US" sz="5000" dirty="0" smtClean="0"/>
+              <a:t>创建与合并分支</a:t>
+            </a:r>
+          </a:p>
+        </p:txBody>
+      </p:sp>
+      <p:pic>
+        <p:nvPicPr>
+          <p:cNvPr id="5" name="图片 4"/>
+          <p:cNvPicPr>
+            <a:picLocks noChangeAspect="1"/>
+          </p:cNvPicPr>
+          <p:nvPr/>
+        </p:nvPicPr>
+        <p:blipFill>
+          <a:blip r:embed="rId2"/>
+          <a:stretch>
+            <a:fillRect/>
+          </a:stretch>
+        </p:blipFill>
+        <p:spPr>
+          <a:xfrm>
+            <a:off x="4739860" y="1952452"/>
+            <a:ext cx="5892800" cy="2984500"/>
+          </a:xfrm>
+          <a:prstGeom prst="rect">
+            <a:avLst/>
+          </a:prstGeom>
+        </p:spPr>
+      </p:pic>
+    </p:spTree>
+    <p:extLst>
+      <p:ext uri="{BB962C8B-B14F-4D97-AF65-F5344CB8AC3E}">
+        <p14:creationId xmlns:p14="http://schemas.microsoft.com/office/powerpoint/2010/main" val="1927494933"/>
+      </p:ext>
+    </p:extLst>
+  </p:cSld>
+  <p:clrMapOvr>
+    <a:masterClrMapping/>
+  </p:clrMapOvr>
+  <p:timing>
+    <p:tnLst>
+      <p:par>
+        <p:cTn id="1" dur="indefinite" restart="never" nodeType="tmRoot">
+          <p:childTnLst>
+            <p:seq concurrent="1" nextAc="seek">
+              <p:cTn id="2" dur="indefinite" nodeType="mainSeq">
+                <p:childTnLst>
+                  <p:par>
+                    <p:cTn id="3" fill="hold">
+                      <p:stCondLst>
+                        <p:cond delay="indefinite"/>
+                      </p:stCondLst>
+                      <p:childTnLst>
+                        <p:par>
+                          <p:cTn id="4" fill="hold">
+                            <p:stCondLst>
+                              <p:cond delay="0"/>
+                            </p:stCondLst>
+                            <p:childTnLst>
+                              <p:par>
+                                <p:cTn id="5" presetID="12" presetClass="entr" presetSubtype="4" fill="hold" nodeType="clickEffect">
+                                  <p:stCondLst>
+                                    <p:cond delay="0"/>
+                                  </p:stCondLst>
+                                  <p:childTnLst>
+                                    <p:set>
+                                      <p:cBhvr>
+                                        <p:cTn id="6" dur="1" fill="hold">
+                                          <p:stCondLst>
+                                            <p:cond delay="0"/>
+                                          </p:stCondLst>
+                                        </p:cTn>
+                                        <p:tgtEl>
+                                          <p:spTgt spid="3">
+                                            <p:txEl>
+                                              <p:pRg st="0" end="0"/>
+                                            </p:txEl>
+                                          </p:spTgt>
+                                        </p:tgtEl>
+                                        <p:attrNameLst>
+                                          <p:attrName>style.visibility</p:attrName>
+                                        </p:attrNameLst>
+                                      </p:cBhvr>
+                                      <p:to>
+                                        <p:strVal val="visible"/>
+                                      </p:to>
+                                    </p:set>
+                                    <p:anim calcmode="lin" valueType="num">
+                                      <p:cBhvr additive="base">
+                                        <p:cTn id="7" dur="500"/>
+                                        <p:tgtEl>
+                                          <p:spTgt spid="3">
+                                            <p:txEl>
+                                              <p:pRg st="0" end="0"/>
+                                            </p:txEl>
+                                          </p:spTgt>
+                                        </p:tgtEl>
+                                        <p:attrNameLst>
+                                          <p:attrName>ppt_y</p:attrName>
+                                        </p:attrNameLst>
+                                      </p:cBhvr>
+                                      <p:tavLst>
+                                        <p:tav tm="0">
+                                          <p:val>
+                                            <p:strVal val="#ppt_y+#ppt_h*1.125000"/>
+                                          </p:val>
+                                        </p:tav>
+                                        <p:tav tm="100000">
+                                          <p:val>
+                                            <p:strVal val="#ppt_y"/>
+                                          </p:val>
+                                        </p:tav>
+                                      </p:tavLst>
+                                    </p:anim>
+                                    <p:animEffect transition="in" filter="wipe(up)">
+                                      <p:cBhvr>
+                                        <p:cTn id="8" dur="500"/>
+                                        <p:tgtEl>
+                                          <p:spTgt spid="3">
+                                            <p:txEl>
+                                              <p:pRg st="0" end="0"/>
+                                            </p:txEl>
+                                          </p:spTgt>
+                                        </p:tgtEl>
+                                      </p:cBhvr>
+                                    </p:animEffect>
+                                  </p:childTnLst>
+                                </p:cTn>
+                              </p:par>
+                            </p:childTnLst>
+                          </p:cTn>
+                        </p:par>
+                      </p:childTnLst>
+                    </p:cTn>
+                  </p:par>
+                  <p:par>
+                    <p:cTn id="9" fill="hold">
+                      <p:stCondLst>
+                        <p:cond delay="indefinite"/>
+                      </p:stCondLst>
+                      <p:childTnLst>
+                        <p:par>
+                          <p:cTn id="10" fill="hold">
+                            <p:stCondLst>
+                              <p:cond delay="0"/>
+                            </p:stCondLst>
+                            <p:childTnLst>
+                              <p:par>
+                                <p:cTn id="11" presetID="12" presetClass="entr" presetSubtype="4" fill="hold" nodeType="clickEffect">
+                                  <p:stCondLst>
+                                    <p:cond delay="0"/>
+                                  </p:stCondLst>
+                                  <p:childTnLst>
+                                    <p:set>
+                                      <p:cBhvr>
+                                        <p:cTn id="12" dur="1" fill="hold">
+                                          <p:stCondLst>
+                                            <p:cond delay="0"/>
+                                          </p:stCondLst>
+                                        </p:cTn>
+                                        <p:tgtEl>
+                                          <p:spTgt spid="3">
+                                            <p:txEl>
+                                              <p:pRg st="1" end="1"/>
+                                            </p:txEl>
+                                          </p:spTgt>
+                                        </p:tgtEl>
+                                        <p:attrNameLst>
+                                          <p:attrName>style.visibility</p:attrName>
+                                        </p:attrNameLst>
+                                      </p:cBhvr>
+                                      <p:to>
+                                        <p:strVal val="visible"/>
+                                      </p:to>
+                                    </p:set>
+                                    <p:anim calcmode="lin" valueType="num">
+                                      <p:cBhvr additive="base">
+                                        <p:cTn id="13" dur="500"/>
+                                        <p:tgtEl>
+                                          <p:spTgt spid="3">
+                                            <p:txEl>
+                                              <p:pRg st="1" end="1"/>
+                                            </p:txEl>
+                                          </p:spTgt>
+                                        </p:tgtEl>
+                                        <p:attrNameLst>
+                                          <p:attrName>ppt_y</p:attrName>
+                                        </p:attrNameLst>
+                                      </p:cBhvr>
+                                      <p:tavLst>
+                                        <p:tav tm="0">
+                                          <p:val>
+                                            <p:strVal val="#ppt_y+#ppt_h*1.125000"/>
+                                          </p:val>
+                                        </p:tav>
+                                        <p:tav tm="100000">
+                                          <p:val>
+                                            <p:strVal val="#ppt_y"/>
+                                          </p:val>
+                                        </p:tav>
+                                      </p:tavLst>
+                                    </p:anim>
+                                    <p:animEffect transition="in" filter="wipe(up)">
+                                      <p:cBhvr>
+                                        <p:cTn id="14" dur="500"/>
+                                        <p:tgtEl>
+                                          <p:spTgt spid="3">
+                                            <p:txEl>
+                                              <p:pRg st="1" end="1"/>
+                                            </p:txEl>
+                                          </p:spTgt>
+                                        </p:tgtEl>
+                                      </p:cBhvr>
+                                    </p:animEffect>
+                                  </p:childTnLst>
+                                </p:cTn>
+                              </p:par>
+                            </p:childTnLst>
+                          </p:cTn>
+                        </p:par>
+                      </p:childTnLst>
+                    </p:cTn>
+                  </p:par>
+                  <p:par>
+                    <p:cTn id="15" fill="hold">
+                      <p:stCondLst>
+                        <p:cond delay="indefinite"/>
+                      </p:stCondLst>
+                      <p:childTnLst>
+                        <p:par>
+                          <p:cTn id="16" fill="hold">
+                            <p:stCondLst>
+                              <p:cond delay="0"/>
+                            </p:stCondLst>
+                            <p:childTnLst>
+                              <p:par>
+                                <p:cTn id="17" presetID="12" presetClass="entr" presetSubtype="4" fill="hold" nodeType="clickEffect">
+                                  <p:stCondLst>
+                                    <p:cond delay="0"/>
+                                  </p:stCondLst>
+                                  <p:childTnLst>
+                                    <p:set>
+                                      <p:cBhvr>
+                                        <p:cTn id="18" dur="1" fill="hold">
+                                          <p:stCondLst>
+                                            <p:cond delay="0"/>
+                                          </p:stCondLst>
+                                        </p:cTn>
+                                        <p:tgtEl>
+                                          <p:spTgt spid="3">
+                                            <p:txEl>
+                                              <p:pRg st="2" end="2"/>
+                                            </p:txEl>
+                                          </p:spTgt>
+                                        </p:tgtEl>
+                                        <p:attrNameLst>
+                                          <p:attrName>style.visibility</p:attrName>
+                                        </p:attrNameLst>
+                                      </p:cBhvr>
+                                      <p:to>
+                                        <p:strVal val="visible"/>
+                                      </p:to>
+                                    </p:set>
+                                    <p:anim calcmode="lin" valueType="num">
+                                      <p:cBhvr additive="base">
+                                        <p:cTn id="19" dur="500"/>
+                                        <p:tgtEl>
+                                          <p:spTgt spid="3">
+                                            <p:txEl>
+                                              <p:pRg st="2" end="2"/>
+                                            </p:txEl>
+                                          </p:spTgt>
+                                        </p:tgtEl>
+                                        <p:attrNameLst>
+                                          <p:attrName>ppt_y</p:attrName>
+                                        </p:attrNameLst>
+                                      </p:cBhvr>
+                                      <p:tavLst>
+                                        <p:tav tm="0">
+                                          <p:val>
+                                            <p:strVal val="#ppt_y+#ppt_h*1.125000"/>
+                                          </p:val>
+                                        </p:tav>
+                                        <p:tav tm="100000">
+                                          <p:val>
+                                            <p:strVal val="#ppt_y"/>
+                                          </p:val>
+                                        </p:tav>
+                                      </p:tavLst>
+                                    </p:anim>
+                                    <p:animEffect transition="in" filter="wipe(up)">
+                                      <p:cBhvr>
+                                        <p:cTn id="20" dur="500"/>
+                                        <p:tgtEl>
+                                          <p:spTgt spid="3">
+                                            <p:txEl>
+                                              <p:pRg st="2" end="2"/>
+                                            </p:txEl>
+                                          </p:spTgt>
+                                        </p:tgtEl>
+                                      </p:cBhvr>
+                                    </p:animEffect>
+                                  </p:childTnLst>
+                                </p:cTn>
+                              </p:par>
+                            </p:childTnLst>
+                          </p:cTn>
+                        </p:par>
+                      </p:childTnLst>
+                    </p:cTn>
+                  </p:par>
+                  <p:par>
+                    <p:cTn id="21" fill="hold">
+                      <p:stCondLst>
+                        <p:cond delay="indefinite"/>
+                      </p:stCondLst>
+                      <p:childTnLst>
+                        <p:par>
+                          <p:cTn id="22" fill="hold">
+                            <p:stCondLst>
+                              <p:cond delay="0"/>
+                            </p:stCondLst>
+                            <p:childTnLst>
+                              <p:par>
+                                <p:cTn id="23" presetID="12" presetClass="entr" presetSubtype="4" fill="hold" nodeType="clickEffect">
+                                  <p:stCondLst>
+                                    <p:cond delay="0"/>
+                                  </p:stCondLst>
+                                  <p:childTnLst>
+                                    <p:set>
+                                      <p:cBhvr>
+                                        <p:cTn id="24" dur="1" fill="hold">
+                                          <p:stCondLst>
+                                            <p:cond delay="0"/>
+                                          </p:stCondLst>
+                                        </p:cTn>
+                                        <p:tgtEl>
+                                          <p:spTgt spid="3">
+                                            <p:txEl>
+                                              <p:pRg st="3" end="3"/>
+                                            </p:txEl>
+                                          </p:spTgt>
+                                        </p:tgtEl>
+                                        <p:attrNameLst>
+                                          <p:attrName>style.visibility</p:attrName>
+                                        </p:attrNameLst>
+                                      </p:cBhvr>
+                                      <p:to>
+                                        <p:strVal val="visible"/>
+                                      </p:to>
+                                    </p:set>
+                                    <p:anim calcmode="lin" valueType="num">
+                                      <p:cBhvr additive="base">
+                                        <p:cTn id="25" dur="500"/>
+                                        <p:tgtEl>
+                                          <p:spTgt spid="3">
+                                            <p:txEl>
+                                              <p:pRg st="3" end="3"/>
+                                            </p:txEl>
+                                          </p:spTgt>
+                                        </p:tgtEl>
+                                        <p:attrNameLst>
+                                          <p:attrName>ppt_y</p:attrName>
+                                        </p:attrNameLst>
+                                      </p:cBhvr>
+                                      <p:tavLst>
+                                        <p:tav tm="0">
+                                          <p:val>
+                                            <p:strVal val="#ppt_y+#ppt_h*1.125000"/>
+                                          </p:val>
+                                        </p:tav>
+                                        <p:tav tm="100000">
+                                          <p:val>
+                                            <p:strVal val="#ppt_y"/>
+                                          </p:val>
+                                        </p:tav>
+                                      </p:tavLst>
+                                    </p:anim>
+                                    <p:animEffect transition="in" filter="wipe(up)">
+                                      <p:cBhvr>
+                                        <p:cTn id="26" dur="500"/>
+                                        <p:tgtEl>
+                                          <p:spTgt spid="3">
+                                            <p:txEl>
+                                              <p:pRg st="3" end="3"/>
+                                            </p:txEl>
+                                          </p:spTgt>
+                                        </p:tgtEl>
+                                      </p:cBhvr>
+                                    </p:animEffect>
+                                  </p:childTnLst>
+                                </p:cTn>
+                              </p:par>
+                            </p:childTnLst>
+                          </p:cTn>
+                        </p:par>
+                      </p:childTnLst>
+                    </p:cTn>
+                  </p:par>
+                  <p:par>
+                    <p:cTn id="27" fill="hold">
+                      <p:stCondLst>
+                        <p:cond delay="indefinite"/>
+                      </p:stCondLst>
+                      <p:childTnLst>
+                        <p:par>
+                          <p:cTn id="28" fill="hold">
+                            <p:stCondLst>
+                              <p:cond delay="0"/>
+                            </p:stCondLst>
+                            <p:childTnLst>
+                              <p:par>
+                                <p:cTn id="29" presetID="12" presetClass="entr" presetSubtype="4" fill="hold" nodeType="clickEffect">
+                                  <p:stCondLst>
+                                    <p:cond delay="0"/>
+                                  </p:stCondLst>
+                                  <p:childTnLst>
+                                    <p:set>
+                                      <p:cBhvr>
+                                        <p:cTn id="30" dur="1" fill="hold">
+                                          <p:stCondLst>
+                                            <p:cond delay="0"/>
+                                          </p:stCondLst>
+                                        </p:cTn>
+                                        <p:tgtEl>
+                                          <p:spTgt spid="5"/>
+                                        </p:tgtEl>
+                                        <p:attrNameLst>
+                                          <p:attrName>style.visibility</p:attrName>
+                                        </p:attrNameLst>
+                                      </p:cBhvr>
+                                      <p:to>
+                                        <p:strVal val="visible"/>
+                                      </p:to>
+                                    </p:set>
+                                    <p:anim calcmode="lin" valueType="num">
+                                      <p:cBhvr additive="base">
+                                        <p:cTn id="31" dur="500"/>
+                                        <p:tgtEl>
+                                          <p:spTgt spid="5"/>
+                                        </p:tgtEl>
+                                        <p:attrNameLst>
+                                          <p:attrName>ppt_y</p:attrName>
+                                        </p:attrNameLst>
+                                      </p:cBhvr>
+                                      <p:tavLst>
+                                        <p:tav tm="0">
+                                          <p:val>
+                                            <p:strVal val="#ppt_y+#ppt_h*1.125000"/>
+                                          </p:val>
+                                        </p:tav>
+                                        <p:tav tm="100000">
+                                          <p:val>
+                                            <p:strVal val="#ppt_y"/>
+                                          </p:val>
+                                        </p:tav>
+                                      </p:tavLst>
+                                    </p:anim>
+                                    <p:animEffect transition="in" filter="wipe(up)">
+                                      <p:cBhvr>
+                                        <p:cTn id="32" dur="500"/>
+                                        <p:tgtEl>
+                                          <p:spTgt spid="5"/>
+                                        </p:tgtEl>
+                                      </p:cBhvr>
+                                    </p:animEffect>
+                                  </p:childTnLst>
+                                </p:cTn>
+                              </p:par>
+                            </p:childTnLst>
+                          </p:cTn>
+                        </p:par>
+                      </p:childTnLst>
+                    </p:cTn>
+                  </p:par>
+                  <p:par>
+                    <p:cTn id="33" fill="hold">
+                      <p:stCondLst>
+                        <p:cond delay="indefinite"/>
+                      </p:stCondLst>
+                      <p:childTnLst>
+                        <p:par>
+                          <p:cTn id="34" fill="hold">
+                            <p:stCondLst>
+                              <p:cond delay="0"/>
+                            </p:stCondLst>
+                            <p:childTnLst>
+                              <p:par>
+                                <p:cTn id="35" presetID="12" presetClass="entr" presetSubtype="4" fill="hold" nodeType="clickEffect">
+                                  <p:stCondLst>
+                                    <p:cond delay="0"/>
+                                  </p:stCondLst>
+                                  <p:childTnLst>
+                                    <p:set>
+                                      <p:cBhvr>
+                                        <p:cTn id="36" dur="1" fill="hold">
+                                          <p:stCondLst>
+                                            <p:cond delay="0"/>
+                                          </p:stCondLst>
+                                        </p:cTn>
+                                        <p:tgtEl>
+                                          <p:spTgt spid="3">
+                                            <p:txEl>
+                                              <p:pRg st="7" end="7"/>
+                                            </p:txEl>
+                                          </p:spTgt>
+                                        </p:tgtEl>
+                                        <p:attrNameLst>
+                                          <p:attrName>style.visibility</p:attrName>
+                                        </p:attrNameLst>
+                                      </p:cBhvr>
+                                      <p:to>
+                                        <p:strVal val="visible"/>
+                                      </p:to>
+                                    </p:set>
+                                    <p:anim calcmode="lin" valueType="num">
+                                      <p:cBhvr additive="base">
+                                        <p:cTn id="37" dur="500"/>
+                                        <p:tgtEl>
+                                          <p:spTgt spid="3">
+                                            <p:txEl>
+                                              <p:pRg st="7" end="7"/>
+                                            </p:txEl>
+                                          </p:spTgt>
+                                        </p:tgtEl>
+                                        <p:attrNameLst>
+                                          <p:attrName>ppt_y</p:attrName>
+                                        </p:attrNameLst>
+                                      </p:cBhvr>
+                                      <p:tavLst>
+                                        <p:tav tm="0">
+                                          <p:val>
+                                            <p:strVal val="#ppt_y+#ppt_h*1.125000"/>
+                                          </p:val>
+                                        </p:tav>
+                                        <p:tav tm="100000">
+                                          <p:val>
+                                            <p:strVal val="#ppt_y"/>
+                                          </p:val>
+                                        </p:tav>
+                                      </p:tavLst>
+                                    </p:anim>
+                                    <p:animEffect transition="in" filter="wipe(up)">
+                                      <p:cBhvr>
+                                        <p:cTn id="38" dur="500"/>
+                                        <p:tgtEl>
+                                          <p:spTgt spid="3">
+                                            <p:txEl>
+                                              <p:pRg st="7" end="7"/>
+                                            </p:txEl>
+                                          </p:spTgt>
+                                        </p:tgtEl>
+                                      </p:cBhvr>
+                                    </p:animEffect>
+                                  </p:childTnLst>
+                                </p:cTn>
+                              </p:par>
+                            </p:childTnLst>
+                          </p:cTn>
+                        </p:par>
+                      </p:childTnLst>
+                    </p:cTn>
+                  </p:par>
+                </p:childTnLst>
+              </p:cTn>
+              <p:prevCondLst>
+                <p:cond evt="onPrev" delay="0">
+                  <p:tgtEl>
+                    <p:sldTgt/>
+                  </p:tgtEl>
+                </p:cond>
+              </p:prevCondLst>
+              <p:nextCondLst>
+                <p:cond evt="onNext" delay="0">
+                  <p:tgtEl>
+                    <p:sldTgt/>
+                  </p:tgtEl>
+                </p:cond>
+              </p:nextCondLst>
+            </p:seq>
+          </p:childTnLst>
+        </p:cTn>
+      </p:par>
+    </p:tnLst>
+  </p:timing>
+</p:sld>
+</file>
+
+<file path=ppt/slides/slide28.xml><?xml version="1.0" encoding="utf-8"?>
+<p:sld xmlns:a="http://schemas.openxmlformats.org/drawingml/2006/main" xmlns:r="http://schemas.openxmlformats.org/officeDocument/2006/relationships" xmlns:p="http://schemas.openxmlformats.org/presentationml/2006/main">
+  <p:cSld>
+    <p:spTree>
+      <p:nvGrpSpPr>
+        <p:cNvPr id="1" name=""/>
+        <p:cNvGrpSpPr/>
+        <p:nvPr/>
+      </p:nvGrpSpPr>
+      <p:grpSpPr>
+        <a:xfrm>
+          <a:off x="0" y="0"/>
+          <a:ext cx="0" cy="0"/>
+          <a:chOff x="0" y="0"/>
+          <a:chExt cx="0" cy="0"/>
+        </a:xfrm>
+      </p:grpSpPr>
+      <p:sp>
+        <p:nvSpPr>
+          <p:cNvPr id="3" name="内容占位符 2"/>
+          <p:cNvSpPr>
+            <a:spLocks noGrp="1"/>
+          </p:cNvSpPr>
+          <p:nvPr>
+            <p:ph idx="1"/>
+          </p:nvPr>
+        </p:nvSpPr>
+        <p:spPr/>
+        <p:txBody>
+          <a:bodyPr/>
+          <a:lstStyle/>
+          <a:p>
+            <a:r>
+              <a:rPr lang="zh-CN" altLang="en-US" dirty="0"/>
+              <a:t>合并完分支后</a:t>
+            </a:r>
+            <a:r>
+              <a:rPr lang="zh-CN" altLang="en-US" dirty="0" smtClean="0"/>
+              <a:t>，</a:t>
+            </a:r>
+            <a:r>
+              <a:rPr lang="zh-CN" altLang="en-US" dirty="0" smtClean="0"/>
+              <a:t>就</a:t>
+            </a:r>
+            <a:r>
+              <a:rPr lang="zh-CN" altLang="en-US" dirty="0" smtClean="0"/>
+              <a:t>可以删除</a:t>
+            </a:r>
+            <a:r>
+              <a:rPr lang="en-US" altLang="zh-CN" dirty="0" err="1"/>
+              <a:t>dev</a:t>
+            </a:r>
+            <a:r>
+              <a:rPr lang="zh-CN" altLang="en-US" dirty="0"/>
+              <a:t>分支。删除</a:t>
+            </a:r>
+            <a:r>
+              <a:rPr lang="en-US" altLang="zh-CN" dirty="0" err="1"/>
+              <a:t>dev</a:t>
+            </a:r>
+            <a:r>
+              <a:rPr lang="zh-CN" altLang="en-US" dirty="0"/>
+              <a:t>分支就是把</a:t>
+            </a:r>
+            <a:r>
+              <a:rPr lang="en-US" altLang="zh-CN" dirty="0" err="1"/>
+              <a:t>dev</a:t>
+            </a:r>
+            <a:r>
+              <a:rPr lang="zh-CN" altLang="en-US" dirty="0"/>
+              <a:t>指针给删掉，删掉后，我们就剩下了一条</a:t>
+            </a:r>
+            <a:r>
+              <a:rPr lang="en-US" altLang="zh-CN" dirty="0"/>
+              <a:t>master</a:t>
+            </a:r>
+            <a:r>
+              <a:rPr lang="zh-CN" altLang="en-US" dirty="0"/>
+              <a:t>分支</a:t>
+            </a:r>
+            <a:r>
+              <a:rPr lang="zh-CN" altLang="en-US" dirty="0" smtClean="0"/>
+              <a:t>：</a:t>
+            </a:r>
+          </a:p>
+          <a:p>
+            <a:r>
+              <a:rPr lang="de-DE" altLang="zh-CN" dirty="0" err="1" smtClean="0"/>
+              <a:t>git</a:t>
+            </a:r>
+            <a:r>
+              <a:rPr lang="de-DE" altLang="zh-CN" dirty="0" smtClean="0"/>
+              <a:t> </a:t>
+            </a:r>
+            <a:r>
+              <a:rPr lang="de-DE" altLang="zh-CN" dirty="0" err="1" smtClean="0"/>
+              <a:t>branch</a:t>
+            </a:r>
+            <a:r>
+              <a:rPr lang="de-DE" altLang="zh-CN" dirty="0" smtClean="0"/>
+              <a:t> -d </a:t>
+            </a:r>
+            <a:r>
+              <a:rPr lang="en-US" altLang="zh-CN" dirty="0" err="1" smtClean="0"/>
+              <a:t>dev</a:t>
+            </a:r>
+            <a:r>
+              <a:rPr lang="zh-CN" altLang="en-US" dirty="0" smtClean="0"/>
+              <a:t/>
+            </a:r>
+            <a:br>
+              <a:rPr lang="zh-CN" altLang="en-US" dirty="0" smtClean="0"/>
+            </a:br>
+            <a:endParaRPr kumimoji="1" lang="zh-CN" altLang="en-US" dirty="0"/>
+          </a:p>
+        </p:txBody>
+      </p:sp>
+      <p:sp>
+        <p:nvSpPr>
+          <p:cNvPr id="4" name="标题 1"/>
+          <p:cNvSpPr txBox="1">
+            <a:spLocks/>
+          </p:cNvSpPr>
+          <p:nvPr/>
+        </p:nvSpPr>
+        <p:spPr>
+          <a:xfrm>
+            <a:off x="373626" y="309716"/>
+            <a:ext cx="7590503" cy="840658"/>
+          </a:xfrm>
+          <a:prstGeom prst="rect">
+            <a:avLst/>
+          </a:prstGeom>
+        </p:spPr>
+        <p:txBody>
+          <a:bodyPr vert="horz" lIns="91440" tIns="45720" rIns="91440" bIns="45720" rtlCol="0" anchor="ctr">
+            <a:normAutofit/>
+          </a:bodyPr>
+          <a:lstStyle>
+            <a:lvl1pPr algn="l" defTabSz="914400" rtl="0" eaLnBrk="1" latinLnBrk="0" hangingPunct="1">
+              <a:lnSpc>
+                <a:spcPct val="90000"/>
+              </a:lnSpc>
+              <a:spcBef>
+                <a:spcPct val="0"/>
+              </a:spcBef>
+              <a:buNone/>
+              <a:defRPr sz="4400" kern="1200">
+                <a:solidFill>
+                  <a:schemeClr val="tx1"/>
+                </a:solidFill>
+                <a:latin typeface="+mj-lt"/>
+                <a:ea typeface="+mj-ea"/>
+                <a:cs typeface="+mj-cs"/>
+              </a:defRPr>
+            </a:lvl1pPr>
+          </a:lstStyle>
+          <a:p>
+            <a:r>
+              <a:rPr kumimoji="1" lang="en-US" altLang="zh-CN" sz="5000" dirty="0" smtClean="0"/>
+              <a:t>GIT</a:t>
+            </a:r>
+            <a:r>
+              <a:rPr kumimoji="1" lang="zh-CN" altLang="en-US" sz="5000" dirty="0" smtClean="0"/>
+              <a:t>创建与合并分支</a:t>
+            </a:r>
+          </a:p>
+        </p:txBody>
+      </p:sp>
+      <p:pic>
+        <p:nvPicPr>
+          <p:cNvPr id="5" name="图片 4"/>
+          <p:cNvPicPr>
+            <a:picLocks noChangeAspect="1"/>
+          </p:cNvPicPr>
+          <p:nvPr/>
+        </p:nvPicPr>
+        <p:blipFill>
+          <a:blip r:embed="rId2"/>
+          <a:stretch>
+            <a:fillRect/>
+          </a:stretch>
+        </p:blipFill>
+        <p:spPr>
+          <a:xfrm>
+            <a:off x="4352787" y="2845594"/>
+            <a:ext cx="6070600" cy="2311400"/>
+          </a:xfrm>
+          <a:prstGeom prst="rect">
+            <a:avLst/>
+          </a:prstGeom>
+        </p:spPr>
+      </p:pic>
+    </p:spTree>
+    <p:extLst>
+      <p:ext uri="{BB962C8B-B14F-4D97-AF65-F5344CB8AC3E}">
+        <p14:creationId xmlns:p14="http://schemas.microsoft.com/office/powerpoint/2010/main" val="2053347427"/>
+      </p:ext>
+    </p:extLst>
+  </p:cSld>
+  <p:clrMapOvr>
+    <a:masterClrMapping/>
+  </p:clrMapOvr>
+  <p:timing>
+    <p:tnLst>
+      <p:par>
+        <p:cTn id="1" dur="indefinite" restart="never" nodeType="tmRoot">
+          <p:childTnLst>
+            <p:seq concurrent="1" nextAc="seek">
+              <p:cTn id="2" dur="indefinite" nodeType="mainSeq">
+                <p:childTnLst>
+                  <p:par>
+                    <p:cTn id="3" fill="hold">
+                      <p:stCondLst>
+                        <p:cond delay="indefinite"/>
+                      </p:stCondLst>
+                      <p:childTnLst>
+                        <p:par>
+                          <p:cTn id="4" fill="hold">
+                            <p:stCondLst>
+                              <p:cond delay="0"/>
+                            </p:stCondLst>
+                            <p:childTnLst>
+                              <p:par>
+                                <p:cTn id="5" presetID="12" presetClass="entr" presetSubtype="4" fill="hold" nodeType="clickEffect">
+                                  <p:stCondLst>
+                                    <p:cond delay="0"/>
+                                  </p:stCondLst>
+                                  <p:childTnLst>
+                                    <p:set>
+                                      <p:cBhvr>
+                                        <p:cTn id="6" dur="1" fill="hold">
+                                          <p:stCondLst>
+                                            <p:cond delay="0"/>
+                                          </p:stCondLst>
+                                        </p:cTn>
+                                        <p:tgtEl>
+                                          <p:spTgt spid="3">
+                                            <p:txEl>
+                                              <p:pRg st="0" end="0"/>
+                                            </p:txEl>
+                                          </p:spTgt>
+                                        </p:tgtEl>
+                                        <p:attrNameLst>
+                                          <p:attrName>style.visibility</p:attrName>
+                                        </p:attrNameLst>
+                                      </p:cBhvr>
+                                      <p:to>
+                                        <p:strVal val="visible"/>
+                                      </p:to>
+                                    </p:set>
+                                    <p:anim calcmode="lin" valueType="num">
+                                      <p:cBhvr additive="base">
+                                        <p:cTn id="7" dur="500"/>
+                                        <p:tgtEl>
+                                          <p:spTgt spid="3">
+                                            <p:txEl>
+                                              <p:pRg st="0" end="0"/>
+                                            </p:txEl>
+                                          </p:spTgt>
+                                        </p:tgtEl>
+                                        <p:attrNameLst>
+                                          <p:attrName>ppt_y</p:attrName>
+                                        </p:attrNameLst>
+                                      </p:cBhvr>
+                                      <p:tavLst>
+                                        <p:tav tm="0">
+                                          <p:val>
+                                            <p:strVal val="#ppt_y+#ppt_h*1.125000"/>
+                                          </p:val>
+                                        </p:tav>
+                                        <p:tav tm="100000">
+                                          <p:val>
+                                            <p:strVal val="#ppt_y"/>
+                                          </p:val>
+                                        </p:tav>
+                                      </p:tavLst>
+                                    </p:anim>
+                                    <p:animEffect transition="in" filter="wipe(up)">
+                                      <p:cBhvr>
+                                        <p:cTn id="8" dur="500"/>
+                                        <p:tgtEl>
+                                          <p:spTgt spid="3">
+                                            <p:txEl>
+                                              <p:pRg st="0" end="0"/>
+                                            </p:txEl>
+                                          </p:spTgt>
+                                        </p:tgtEl>
+                                      </p:cBhvr>
+                                    </p:animEffect>
+                                  </p:childTnLst>
+                                </p:cTn>
+                              </p:par>
+                            </p:childTnLst>
+                          </p:cTn>
+                        </p:par>
+                      </p:childTnLst>
+                    </p:cTn>
+                  </p:par>
+                  <p:par>
+                    <p:cTn id="9" fill="hold">
+                      <p:stCondLst>
+                        <p:cond delay="indefinite"/>
+                      </p:stCondLst>
+                      <p:childTnLst>
+                        <p:par>
+                          <p:cTn id="10" fill="hold">
+                            <p:stCondLst>
+                              <p:cond delay="0"/>
+                            </p:stCondLst>
+                            <p:childTnLst>
+                              <p:par>
+                                <p:cTn id="11" presetID="12" presetClass="entr" presetSubtype="4" fill="hold" nodeType="clickEffect">
+                                  <p:stCondLst>
+                                    <p:cond delay="0"/>
+                                  </p:stCondLst>
+                                  <p:childTnLst>
+                                    <p:set>
+                                      <p:cBhvr>
+                                        <p:cTn id="12" dur="1" fill="hold">
+                                          <p:stCondLst>
+                                            <p:cond delay="0"/>
+                                          </p:stCondLst>
+                                        </p:cTn>
+                                        <p:tgtEl>
+                                          <p:spTgt spid="3">
+                                            <p:txEl>
+                                              <p:pRg st="1" end="1"/>
+                                            </p:txEl>
+                                          </p:spTgt>
+                                        </p:tgtEl>
+                                        <p:attrNameLst>
+                                          <p:attrName>style.visibility</p:attrName>
+                                        </p:attrNameLst>
+                                      </p:cBhvr>
+                                      <p:to>
+                                        <p:strVal val="visible"/>
+                                      </p:to>
+                                    </p:set>
+                                    <p:anim calcmode="lin" valueType="num">
+                                      <p:cBhvr additive="base">
+                                        <p:cTn id="13" dur="500"/>
+                                        <p:tgtEl>
+                                          <p:spTgt spid="3">
+                                            <p:txEl>
+                                              <p:pRg st="1" end="1"/>
+                                            </p:txEl>
+                                          </p:spTgt>
+                                        </p:tgtEl>
+                                        <p:attrNameLst>
+                                          <p:attrName>ppt_y</p:attrName>
+                                        </p:attrNameLst>
+                                      </p:cBhvr>
+                                      <p:tavLst>
+                                        <p:tav tm="0">
+                                          <p:val>
+                                            <p:strVal val="#ppt_y+#ppt_h*1.125000"/>
+                                          </p:val>
+                                        </p:tav>
+                                        <p:tav tm="100000">
+                                          <p:val>
+                                            <p:strVal val="#ppt_y"/>
+                                          </p:val>
+                                        </p:tav>
+                                      </p:tavLst>
+                                    </p:anim>
+                                    <p:animEffect transition="in" filter="wipe(up)">
+                                      <p:cBhvr>
+                                        <p:cTn id="14" dur="500"/>
+                                        <p:tgtEl>
+                                          <p:spTgt spid="3">
+                                            <p:txEl>
+                                              <p:pRg st="1" end="1"/>
+                                            </p:txEl>
+                                          </p:spTgt>
+                                        </p:tgtEl>
+                                      </p:cBhvr>
+                                    </p:animEffect>
+                                  </p:childTnLst>
+                                </p:cTn>
+                              </p:par>
+                            </p:childTnLst>
+                          </p:cTn>
+                        </p:par>
+                      </p:childTnLst>
+                    </p:cTn>
+                  </p:par>
+                  <p:par>
+                    <p:cTn id="15" fill="hold">
+                      <p:stCondLst>
+                        <p:cond delay="indefinite"/>
+                      </p:stCondLst>
+                      <p:childTnLst>
+                        <p:par>
+                          <p:cTn id="16" fill="hold">
+                            <p:stCondLst>
+                              <p:cond delay="0"/>
+                            </p:stCondLst>
+                            <p:childTnLst>
+                              <p:par>
+                                <p:cTn id="17" presetID="1" presetClass="entr" presetSubtype="0" fill="hold" nodeType="clickEffect">
+                                  <p:stCondLst>
+                                    <p:cond delay="0"/>
+                                  </p:stCondLst>
+                                  <p:childTnLst>
+                                    <p:set>
+                                      <p:cBhvr>
+                                        <p:cTn id="18" dur="1" fill="hold">
+                                          <p:stCondLst>
+                                            <p:cond delay="0"/>
+                                          </p:stCondLst>
+                                        </p:cTn>
+                                        <p:tgtEl>
+                                          <p:spTgt spid="5"/>
+                                        </p:tgtEl>
+                                        <p:attrNameLst>
+                                          <p:attrName>style.visibility</p:attrName>
+                                        </p:attrNameLst>
+                                      </p:cBhvr>
+                                      <p:to>
+                                        <p:strVal val="visible"/>
+                                      </p:to>
+                                    </p:set>
+                                  </p:childTnLst>
+                                </p:cTn>
+                              </p:par>
+                            </p:childTnLst>
+                          </p:cTn>
+                        </p:par>
+                      </p:childTnLst>
+                    </p:cTn>
+                  </p:par>
+                </p:childTnLst>
+              </p:cTn>
+              <p:prevCondLst>
+                <p:cond evt="onPrev" delay="0">
+                  <p:tgtEl>
+                    <p:sldTgt/>
+                  </p:tgtEl>
+                </p:cond>
+              </p:prevCondLst>
+              <p:nextCondLst>
+                <p:cond evt="onNext" delay="0">
+                  <p:tgtEl>
+                    <p:sldTgt/>
+                  </p:tgtEl>
+                </p:cond>
+              </p:nextCondLst>
+            </p:seq>
+          </p:childTnLst>
+        </p:cTn>
+      </p:par>
+    </p:tnLst>
+  </p:timing>
+</p:sld>
+</file>
+
+<file path=ppt/slides/slide29.xml><?xml version="1.0" encoding="utf-8"?>
+<p:sld xmlns:a="http://schemas.openxmlformats.org/drawingml/2006/main" xmlns:r="http://schemas.openxmlformats.org/officeDocument/2006/relationships" xmlns:p="http://schemas.openxmlformats.org/presentationml/2006/main">
+  <p:cSld>
+    <p:spTree>
+      <p:nvGrpSpPr>
+        <p:cNvPr id="1" name=""/>
+        <p:cNvGrpSpPr/>
+        <p:nvPr/>
+      </p:nvGrpSpPr>
+      <p:grpSpPr>
+        <a:xfrm>
+          <a:off x="0" y="0"/>
+          <a:ext cx="0" cy="0"/>
+          <a:chOff x="0" y="0"/>
+          <a:chExt cx="0" cy="0"/>
+        </a:xfrm>
+      </p:grpSpPr>
+      <p:sp>
+        <p:nvSpPr>
+          <p:cNvPr id="3" name="内容占位符 2"/>
+          <p:cNvSpPr>
+            <a:spLocks noGrp="1"/>
+          </p:cNvSpPr>
+          <p:nvPr>
+            <p:ph idx="1"/>
+          </p:nvPr>
+        </p:nvSpPr>
+        <p:spPr/>
+        <p:txBody>
+          <a:bodyPr/>
+          <a:lstStyle/>
+          <a:p>
+            <a:endParaRPr kumimoji="1" lang="zh-CN" altLang="en-US"/>
+          </a:p>
+        </p:txBody>
+      </p:sp>
+      <p:sp>
+        <p:nvSpPr>
+          <p:cNvPr id="5" name="标题 1"/>
+          <p:cNvSpPr txBox="1">
+            <a:spLocks/>
+          </p:cNvSpPr>
+          <p:nvPr/>
+        </p:nvSpPr>
+        <p:spPr>
+          <a:xfrm>
+            <a:off x="373626" y="309716"/>
+            <a:ext cx="7590503" cy="840658"/>
+          </a:xfrm>
+          <a:prstGeom prst="rect">
+            <a:avLst/>
+          </a:prstGeom>
+        </p:spPr>
+        <p:txBody>
+          <a:bodyPr vert="horz" lIns="91440" tIns="45720" rIns="91440" bIns="45720" rtlCol="0" anchor="ctr">
+            <a:normAutofit/>
+          </a:bodyPr>
+          <a:lstStyle>
+            <a:lvl1pPr algn="l" defTabSz="914400" rtl="0" eaLnBrk="1" latinLnBrk="0" hangingPunct="1">
+              <a:lnSpc>
+                <a:spcPct val="90000"/>
+              </a:lnSpc>
+              <a:spcBef>
+                <a:spcPct val="0"/>
+              </a:spcBef>
+              <a:buNone/>
+              <a:defRPr sz="4400" kern="1200">
+                <a:solidFill>
+                  <a:schemeClr val="tx1"/>
+                </a:solidFill>
+                <a:latin typeface="+mj-lt"/>
+                <a:ea typeface="+mj-ea"/>
+                <a:cs typeface="+mj-cs"/>
+              </a:defRPr>
+            </a:lvl1pPr>
+          </a:lstStyle>
+          <a:p>
+            <a:r>
+              <a:rPr kumimoji="1" lang="en-US" altLang="zh-CN" sz="5000" dirty="0" smtClean="0"/>
+              <a:t>GIT</a:t>
+            </a:r>
+            <a:r>
+              <a:rPr kumimoji="1" lang="zh-CN" altLang="en-US" sz="5000" dirty="0" smtClean="0"/>
+              <a:t>创建与合并分支</a:t>
+            </a:r>
+          </a:p>
+        </p:txBody>
+      </p:sp>
+    </p:spTree>
+    <p:extLst>
+      <p:ext uri="{BB962C8B-B14F-4D97-AF65-F5344CB8AC3E}">
+        <p14:creationId xmlns:p14="http://schemas.microsoft.com/office/powerpoint/2010/main" val="1797532957"/>
+      </p:ext>
+    </p:extLst>
+  </p:cSld>
+  <p:clrMapOvr>
+    <a:masterClrMapping/>
+  </p:clrMapOvr>
+  <p:timing>
+    <p:tnLst>
+      <p:par>
+        <p:cTn id="1" dur="indefinite" restart="never" nodeType="tmRoot"/>
+      </p:par>
+    </p:tnLst>
+  </p:timing>
+</p:sld>
+</file>
+
+<file path=ppt/slides/slide3.xml><?xml version="1.0" encoding="utf-8"?>
+<p:sld xmlns:a="http://schemas.openxmlformats.org/drawingml/2006/main" xmlns:r="http://schemas.openxmlformats.org/officeDocument/2006/relationships" xmlns:p="http://schemas.openxmlformats.org/presentationml/2006/main">
+  <p:cSld>
+    <p:spTree>
+      <p:nvGrpSpPr>
+        <p:cNvPr id="1" name=""/>
+        <p:cNvGrpSpPr/>
+        <p:nvPr/>
+      </p:nvGrpSpPr>
+      <p:grpSpPr>
+        <a:xfrm>
+          <a:off x="0" y="0"/>
+          <a:ext cx="0" cy="0"/>
+          <a:chOff x="0" y="0"/>
+          <a:chExt cx="0" cy="0"/>
+        </a:xfrm>
+      </p:grpSpPr>
+      <p:sp>
+        <p:nvSpPr>
+          <p:cNvPr id="2" name="标题 1"/>
+          <p:cNvSpPr>
+            <a:spLocks noGrp="1"/>
+          </p:cNvSpPr>
+          <p:nvPr>
+            <p:ph type="ctrTitle"/>
+          </p:nvPr>
+        </p:nvSpPr>
+        <p:spPr>
+          <a:xfrm>
+            <a:off x="373626" y="309716"/>
+            <a:ext cx="7590503" cy="840658"/>
+          </a:xfrm>
+        </p:spPr>
+        <p:txBody>
+          <a:bodyPr>
+            <a:normAutofit/>
+          </a:bodyPr>
+          <a:lstStyle/>
+          <a:p>
+            <a:pPr algn="l"/>
+            <a:r>
+              <a:rPr kumimoji="1" lang="en-US" altLang="zh-CN" sz="5000" dirty="0" smtClean="0"/>
+              <a:t>GIT</a:t>
+            </a:r>
+            <a:r>
+              <a:rPr kumimoji="1" lang="zh-CN" altLang="en-US" sz="5000" dirty="0" smtClean="0"/>
+              <a:t>简介</a:t>
+            </a:r>
+            <a:endParaRPr kumimoji="1" lang="zh-CN" altLang="en-US" sz="5000" dirty="0"/>
+          </a:p>
+        </p:txBody>
+      </p:sp>
+      <p:sp>
+        <p:nvSpPr>
+          <p:cNvPr id="3" name="副标题 2"/>
+          <p:cNvSpPr>
+            <a:spLocks noGrp="1"/>
+          </p:cNvSpPr>
+          <p:nvPr>
+            <p:ph type="subTitle" idx="1"/>
+          </p:nvPr>
+        </p:nvSpPr>
+        <p:spPr>
+          <a:xfrm>
+            <a:off x="373626" y="1150374"/>
+            <a:ext cx="11336593" cy="3613356"/>
+          </a:xfrm>
+        </p:spPr>
+        <p:txBody>
+          <a:bodyPr>
+            <a:noAutofit/>
+          </a:bodyPr>
+          <a:lstStyle/>
+          <a:p>
+            <a:pPr algn="l">
+              <a:lnSpc>
+                <a:spcPct val="160000"/>
+              </a:lnSpc>
+            </a:pPr>
+            <a:r>
+              <a:rPr lang="en-US" altLang="zh-CN" sz="1500" dirty="0" err="1" smtClean="0"/>
+              <a:t>Git</a:t>
+            </a:r>
+            <a:r>
+              <a:rPr lang="zh-CN" altLang="en-US" sz="1500" dirty="0"/>
+              <a:t>是什么</a:t>
+            </a:r>
+            <a:r>
+              <a:rPr lang="zh-CN" altLang="en-US" sz="1500" dirty="0" smtClean="0"/>
+              <a:t>？</a:t>
+            </a:r>
+            <a:endParaRPr lang="en-US" altLang="zh-CN" sz="1500" dirty="0" smtClean="0"/>
+          </a:p>
+          <a:p>
+            <a:pPr algn="l">
+              <a:lnSpc>
+                <a:spcPct val="160000"/>
+              </a:lnSpc>
+            </a:pPr>
+            <a:r>
+              <a:rPr lang="en-US" altLang="zh-CN" sz="1500" dirty="0" err="1" smtClean="0"/>
+              <a:t>Git</a:t>
+            </a:r>
+            <a:r>
+              <a:rPr lang="zh-CN" altLang="en-US" sz="1500" dirty="0"/>
+              <a:t>是目前世界上最先进的分布式版本控制系统（没有之一）。</a:t>
+            </a:r>
+          </a:p>
+          <a:p>
+            <a:pPr algn="l">
+              <a:lnSpc>
+                <a:spcPct val="160000"/>
+              </a:lnSpc>
+            </a:pPr>
+            <a:r>
+              <a:rPr lang="en-US" altLang="zh-CN" sz="1500" dirty="0" err="1"/>
+              <a:t>Git</a:t>
+            </a:r>
+            <a:r>
+              <a:rPr lang="zh-CN" altLang="en-US" sz="1500" dirty="0"/>
+              <a:t>有什么特点？简单来说就是：高端大气上档次！</a:t>
+            </a:r>
+          </a:p>
+          <a:p>
+            <a:pPr algn="l">
+              <a:lnSpc>
+                <a:spcPct val="160000"/>
+              </a:lnSpc>
+            </a:pPr>
+            <a:r>
+              <a:rPr lang="zh-CN" altLang="en-US" sz="1500" dirty="0"/>
+              <a:t>那什么是版本控制系统？</a:t>
+            </a:r>
+          </a:p>
+          <a:p>
+            <a:pPr algn="l">
+              <a:lnSpc>
+                <a:spcPct val="160000"/>
+              </a:lnSpc>
+            </a:pPr>
+            <a:r>
+              <a:rPr lang="zh-CN" altLang="en-US" sz="1500" dirty="0"/>
+              <a:t>如果你用</a:t>
+            </a:r>
+            <a:r>
+              <a:rPr lang="en-US" altLang="zh-CN" sz="1500" dirty="0"/>
+              <a:t>Microsoft Word</a:t>
+            </a:r>
+            <a:r>
+              <a:rPr lang="zh-CN" altLang="en-US" sz="1500" dirty="0"/>
+              <a:t>写过长篇大论，那你一定有这样的经历：</a:t>
+            </a:r>
+          </a:p>
+          <a:p>
+            <a:pPr algn="l">
+              <a:lnSpc>
+                <a:spcPct val="160000"/>
+              </a:lnSpc>
+            </a:pPr>
+            <a:r>
+              <a:rPr lang="zh-CN" altLang="en-US" sz="1500" dirty="0"/>
+              <a:t>想删除一个段落，又怕将来想恢复找不回来怎么办？有办法，先把当前文件“另存为</a:t>
+            </a:r>
+            <a:r>
+              <a:rPr lang="en-US" altLang="zh-CN" sz="1500" dirty="0"/>
+              <a:t>……”</a:t>
+            </a:r>
+            <a:r>
+              <a:rPr lang="zh-CN" altLang="en-US" sz="1500" dirty="0"/>
+              <a:t>一个新的</a:t>
+            </a:r>
+            <a:r>
+              <a:rPr lang="en-US" altLang="zh-CN" sz="1500" dirty="0"/>
+              <a:t>Word</a:t>
+            </a:r>
+            <a:r>
+              <a:rPr lang="zh-CN" altLang="en-US" sz="1500" dirty="0"/>
+              <a:t>文件，再接着改，改到一定程度，再“另存为</a:t>
+            </a:r>
+            <a:r>
+              <a:rPr lang="en-US" altLang="zh-CN" sz="1500" dirty="0"/>
+              <a:t>……”</a:t>
+            </a:r>
+            <a:r>
+              <a:rPr lang="zh-CN" altLang="en-US" sz="1500" dirty="0"/>
+              <a:t>一个新文件，这样一直改下去，最后你的</a:t>
+            </a:r>
+            <a:r>
+              <a:rPr lang="en-US" altLang="zh-CN" sz="1500" dirty="0"/>
+              <a:t>Word</a:t>
+            </a:r>
+            <a:r>
+              <a:rPr lang="zh-CN" altLang="en-US" sz="1500" dirty="0"/>
+              <a:t>文档变成了</a:t>
+            </a:r>
+            <a:r>
+              <a:rPr lang="zh-CN" altLang="en-US" sz="1500" dirty="0" smtClean="0"/>
+              <a:t>这样</a:t>
+            </a:r>
+            <a:endParaRPr lang="zh-CN" altLang="en-US" sz="1500" dirty="0"/>
+          </a:p>
+          <a:p>
+            <a:pPr algn="l">
+              <a:lnSpc>
+                <a:spcPct val="160000"/>
+              </a:lnSpc>
+            </a:pPr>
+            <a:r>
+              <a:rPr lang="zh-CN" altLang="en-US" sz="1500" dirty="0" smtClean="0"/>
+              <a:t/>
+            </a:r>
+            <a:br>
+              <a:rPr lang="zh-CN" altLang="en-US" sz="1500" dirty="0" smtClean="0"/>
+            </a:br>
+            <a:endParaRPr kumimoji="1" lang="zh-CN" altLang="en-US" sz="1500" dirty="0"/>
+          </a:p>
+        </p:txBody>
+      </p:sp>
+      <p:pic>
+        <p:nvPicPr>
+          <p:cNvPr id="4" name="图片 3"/>
+          <p:cNvPicPr>
+            <a:picLocks noChangeAspect="1"/>
+          </p:cNvPicPr>
+          <p:nvPr/>
+        </p:nvPicPr>
+        <p:blipFill>
+          <a:blip r:embed="rId3"/>
+          <a:stretch>
+            <a:fillRect/>
+          </a:stretch>
+        </p:blipFill>
+        <p:spPr>
+          <a:xfrm>
+            <a:off x="6484579" y="632132"/>
+            <a:ext cx="5092700" cy="2717800"/>
+          </a:xfrm>
+          <a:prstGeom prst="rect">
+            <a:avLst/>
+          </a:prstGeom>
+        </p:spPr>
+      </p:pic>
+    </p:spTree>
+    <p:extLst>
+      <p:ext uri="{BB962C8B-B14F-4D97-AF65-F5344CB8AC3E}">
+        <p14:creationId xmlns:p14="http://schemas.microsoft.com/office/powerpoint/2010/main" val="593209441"/>
+      </p:ext>
+    </p:extLst>
+  </p:cSld>
+  <p:clrMapOvr>
+    <a:masterClrMapping/>
+  </p:clrMapOvr>
+</p:sld>
+</file>
+
+<file path=ppt/slides/slide30.xml><?xml version="1.0" encoding="utf-8"?>
+<p:sld xmlns:a="http://schemas.openxmlformats.org/drawingml/2006/main" xmlns:r="http://schemas.openxmlformats.org/officeDocument/2006/relationships" xmlns:p="http://schemas.openxmlformats.org/presentationml/2006/main">
+  <p:cSld>
+    <p:spTree>
+      <p:nvGrpSpPr>
+        <p:cNvPr id="1" name=""/>
+        <p:cNvGrpSpPr/>
+        <p:nvPr/>
+      </p:nvGrpSpPr>
+      <p:grpSpPr>
+        <a:xfrm>
+          <a:off x="0" y="0"/>
+          <a:ext cx="0" cy="0"/>
+          <a:chOff x="0" y="0"/>
+          <a:chExt cx="0" cy="0"/>
+        </a:xfrm>
+      </p:grpSpPr>
+      <p:sp>
+        <p:nvSpPr>
+          <p:cNvPr id="3" name="内容占位符 2"/>
+          <p:cNvSpPr>
+            <a:spLocks noGrp="1"/>
+          </p:cNvSpPr>
+          <p:nvPr>
+            <p:ph idx="1"/>
+          </p:nvPr>
+        </p:nvSpPr>
         <p:spPr>
           <a:xfrm>
             <a:off x="648929" y="1825625"/>
@@ -7885,11 +11086,7 @@
             </a:r>
             <a:r>
               <a:rPr lang="zh-CN" altLang="en-US" dirty="0" smtClean="0"/>
-              <a:t> </a:t>
-            </a:r>
-            <a:r>
-              <a:rPr lang="zh-CN" altLang="en-US" dirty="0" smtClean="0"/>
-              <a:t>一步到位</a:t>
+              <a:t> 一步到位</a:t>
             </a:r>
           </a:p>
           <a:p>
@@ -7918,11 +11115,7 @@
             </a:r>
             <a:r>
               <a:rPr lang="zh-CN" altLang="en-US" dirty="0" smtClean="0"/>
-              <a:t> </a:t>
-            </a:r>
-            <a:r>
-              <a:rPr lang="zh-CN" altLang="en-US" dirty="0" smtClean="0"/>
-              <a:t>当前分支前面会有一个＊号</a:t>
+              <a:t> 当前分支前面会有一个＊号</a:t>
             </a:r>
           </a:p>
           <a:p>
@@ -8462,261 +11655,6 @@
       </p:par>
     </p:tnLst>
   </p:timing>
-</p:sld>
-</file>
-
-<file path=ppt/slides/slide3.xml><?xml version="1.0" encoding="utf-8"?>
-<p:sld xmlns:a="http://schemas.openxmlformats.org/drawingml/2006/main" xmlns:r="http://schemas.openxmlformats.org/officeDocument/2006/relationships" xmlns:p="http://schemas.openxmlformats.org/presentationml/2006/main">
-  <p:cSld>
-    <p:spTree>
-      <p:nvGrpSpPr>
-        <p:cNvPr id="1" name=""/>
-        <p:cNvGrpSpPr/>
-        <p:nvPr/>
-      </p:nvGrpSpPr>
-      <p:grpSpPr>
-        <a:xfrm>
-          <a:off x="0" y="0"/>
-          <a:ext cx="0" cy="0"/>
-          <a:chOff x="0" y="0"/>
-          <a:chExt cx="0" cy="0"/>
-        </a:xfrm>
-      </p:grpSpPr>
-      <p:sp>
-        <p:nvSpPr>
-          <p:cNvPr id="2" name="标题 1"/>
-          <p:cNvSpPr>
-            <a:spLocks noGrp="1"/>
-          </p:cNvSpPr>
-          <p:nvPr>
-            <p:ph type="ctrTitle"/>
-          </p:nvPr>
-        </p:nvSpPr>
-        <p:spPr>
-          <a:xfrm>
-            <a:off x="373626" y="309716"/>
-            <a:ext cx="7590503" cy="840658"/>
-          </a:xfrm>
-        </p:spPr>
-        <p:txBody>
-          <a:bodyPr>
-            <a:normAutofit/>
-          </a:bodyPr>
-          <a:lstStyle/>
-          <a:p>
-            <a:pPr algn="l"/>
-            <a:r>
-              <a:rPr kumimoji="1" lang="en-US" altLang="zh-CN" sz="5000" dirty="0" smtClean="0"/>
-              <a:t>GIT</a:t>
-            </a:r>
-            <a:r>
-              <a:rPr kumimoji="1" lang="zh-CN" altLang="en-US" sz="5000" dirty="0" smtClean="0"/>
-              <a:t>简介</a:t>
-            </a:r>
-            <a:endParaRPr kumimoji="1" lang="zh-CN" altLang="en-US" sz="5000" dirty="0"/>
-          </a:p>
-        </p:txBody>
-      </p:sp>
-      <p:sp>
-        <p:nvSpPr>
-          <p:cNvPr id="3" name="副标题 2"/>
-          <p:cNvSpPr>
-            <a:spLocks noGrp="1"/>
-          </p:cNvSpPr>
-          <p:nvPr>
-            <p:ph type="subTitle" idx="1"/>
-          </p:nvPr>
-        </p:nvSpPr>
-        <p:spPr>
-          <a:xfrm>
-            <a:off x="373626" y="1150374"/>
-            <a:ext cx="11336593" cy="3613356"/>
-          </a:xfrm>
-        </p:spPr>
-        <p:txBody>
-          <a:bodyPr>
-            <a:noAutofit/>
-          </a:bodyPr>
-          <a:lstStyle/>
-          <a:p>
-            <a:pPr algn="l">
-              <a:lnSpc>
-                <a:spcPct val="160000"/>
-              </a:lnSpc>
-            </a:pPr>
-            <a:r>
-              <a:rPr lang="en-US" altLang="zh-CN" sz="1500" dirty="0" err="1" smtClean="0"/>
-              <a:t>Git</a:t>
-            </a:r>
-            <a:r>
-              <a:rPr lang="zh-CN" altLang="en-US" sz="1500" dirty="0"/>
-              <a:t>是什么</a:t>
-            </a:r>
-            <a:r>
-              <a:rPr lang="zh-CN" altLang="en-US" sz="1500" dirty="0" smtClean="0"/>
-              <a:t>？</a:t>
-            </a:r>
-            <a:endParaRPr lang="en-US" altLang="zh-CN" sz="1500" dirty="0" smtClean="0"/>
-          </a:p>
-          <a:p>
-            <a:pPr algn="l">
-              <a:lnSpc>
-                <a:spcPct val="160000"/>
-              </a:lnSpc>
-            </a:pPr>
-            <a:r>
-              <a:rPr lang="en-US" altLang="zh-CN" sz="1500" dirty="0" err="1" smtClean="0"/>
-              <a:t>Git</a:t>
-            </a:r>
-            <a:r>
-              <a:rPr lang="zh-CN" altLang="en-US" sz="1500" dirty="0"/>
-              <a:t>是目前世界上最先进的分布式版本控制系统（没有之一）。</a:t>
-            </a:r>
-          </a:p>
-          <a:p>
-            <a:pPr algn="l">
-              <a:lnSpc>
-                <a:spcPct val="160000"/>
-              </a:lnSpc>
-            </a:pPr>
-            <a:r>
-              <a:rPr lang="en-US" altLang="zh-CN" sz="1500" dirty="0" err="1"/>
-              <a:t>Git</a:t>
-            </a:r>
-            <a:r>
-              <a:rPr lang="zh-CN" altLang="en-US" sz="1500" dirty="0"/>
-              <a:t>有什么特点？简单来说就是：高端大气上档次！</a:t>
-            </a:r>
-          </a:p>
-          <a:p>
-            <a:pPr algn="l">
-              <a:lnSpc>
-                <a:spcPct val="160000"/>
-              </a:lnSpc>
-            </a:pPr>
-            <a:r>
-              <a:rPr lang="zh-CN" altLang="en-US" sz="1500" dirty="0"/>
-              <a:t>那什么是版本控制系统？</a:t>
-            </a:r>
-          </a:p>
-          <a:p>
-            <a:pPr algn="l">
-              <a:lnSpc>
-                <a:spcPct val="160000"/>
-              </a:lnSpc>
-            </a:pPr>
-            <a:r>
-              <a:rPr lang="zh-CN" altLang="en-US" sz="1500" dirty="0"/>
-              <a:t>如果你用</a:t>
-            </a:r>
-            <a:r>
-              <a:rPr lang="en-US" altLang="zh-CN" sz="1500" dirty="0"/>
-              <a:t>Microsoft Word</a:t>
-            </a:r>
-            <a:r>
-              <a:rPr lang="zh-CN" altLang="en-US" sz="1500" dirty="0"/>
-              <a:t>写过长篇大论，那你一定有这样的经历：</a:t>
-            </a:r>
-          </a:p>
-          <a:p>
-            <a:pPr algn="l">
-              <a:lnSpc>
-                <a:spcPct val="160000"/>
-              </a:lnSpc>
-            </a:pPr>
-            <a:r>
-              <a:rPr lang="zh-CN" altLang="en-US" sz="1500" dirty="0"/>
-              <a:t>想删除一个段落，又怕将来想恢复找不回来怎么办？有办法，先把当前文件“另存为</a:t>
-            </a:r>
-            <a:r>
-              <a:rPr lang="en-US" altLang="zh-CN" sz="1500" dirty="0"/>
-              <a:t>……”</a:t>
-            </a:r>
-            <a:r>
-              <a:rPr lang="zh-CN" altLang="en-US" sz="1500" dirty="0"/>
-              <a:t>一个新的</a:t>
-            </a:r>
-            <a:r>
-              <a:rPr lang="en-US" altLang="zh-CN" sz="1500" dirty="0"/>
-              <a:t>Word</a:t>
-            </a:r>
-            <a:r>
-              <a:rPr lang="zh-CN" altLang="en-US" sz="1500" dirty="0"/>
-              <a:t>文件，再接着改，改到一定程度，再“另存为</a:t>
-            </a:r>
-            <a:r>
-              <a:rPr lang="en-US" altLang="zh-CN" sz="1500" dirty="0"/>
-              <a:t>……”</a:t>
-            </a:r>
-            <a:r>
-              <a:rPr lang="zh-CN" altLang="en-US" sz="1500" dirty="0"/>
-              <a:t>一个新文件，这样一直改下去，最后你的</a:t>
-            </a:r>
-            <a:r>
-              <a:rPr lang="en-US" altLang="zh-CN" sz="1500" dirty="0"/>
-              <a:t>Word</a:t>
-            </a:r>
-            <a:r>
-              <a:rPr lang="zh-CN" altLang="en-US" sz="1500" dirty="0"/>
-              <a:t>文档变成了</a:t>
-            </a:r>
-            <a:r>
-              <a:rPr lang="zh-CN" altLang="en-US" sz="1500" dirty="0" smtClean="0"/>
-              <a:t>这样</a:t>
-            </a:r>
-            <a:endParaRPr lang="zh-CN" altLang="en-US" sz="1500" dirty="0"/>
-          </a:p>
-          <a:p>
-            <a:pPr algn="l">
-              <a:lnSpc>
-                <a:spcPct val="160000"/>
-              </a:lnSpc>
-            </a:pPr>
-            <a:r>
-              <a:rPr lang="zh-CN" altLang="en-US" sz="1500" dirty="0" smtClean="0"/>
-              <a:t/>
-            </a:r>
-            <a:br>
-              <a:rPr lang="zh-CN" altLang="en-US" sz="1500" dirty="0" smtClean="0"/>
-            </a:br>
-            <a:endParaRPr kumimoji="1" lang="zh-CN" altLang="en-US" sz="1500" dirty="0"/>
-          </a:p>
-        </p:txBody>
-      </p:sp>
-      <p:pic>
-        <p:nvPicPr>
-          <p:cNvPr id="4" name="图片 3"/>
-          <p:cNvPicPr>
-            <a:picLocks noChangeAspect="1"/>
-          </p:cNvPicPr>
-          <p:nvPr/>
-        </p:nvPicPr>
-        <p:blipFill>
-          <a:blip r:embed="rId3"/>
-          <a:stretch>
-            <a:fillRect/>
-          </a:stretch>
-        </p:blipFill>
-        <p:spPr>
-          <a:xfrm>
-            <a:off x="6484579" y="632132"/>
-            <a:ext cx="5092700" cy="2717800"/>
-          </a:xfrm>
-          <a:prstGeom prst="rect">
-            <a:avLst/>
-          </a:prstGeom>
-        </p:spPr>
-      </p:pic>
-    </p:spTree>
-    <p:extLst>
-      <p:ext uri="{BB962C8B-B14F-4D97-AF65-F5344CB8AC3E}">
-        <p14:creationId xmlns:p14="http://schemas.microsoft.com/office/powerpoint/2010/main" val="593209441"/>
-      </p:ext>
-    </p:extLst>
-  </p:cSld>
-  <p:clrMapOvr>
-    <a:masterClrMapping/>
-  </p:clrMapOvr>
 </p:sld>
 </file>
 

--- a/doc/ppt/helin.pptx
+++ b/doc/ppt/helin.pptx
@@ -4,6 +4,9 @@
   <p:sldMasterIdLst>
     <p:sldMasterId id="2147483648" r:id="rId1"/>
   </p:sldMasterIdLst>
+  <p:notesMasterIdLst>
+    <p:notesMasterId r:id="rId32"/>
+  </p:notesMasterIdLst>
   <p:sldIdLst>
     <p:sldId id="256" r:id="rId2"/>
     <p:sldId id="257" r:id="rId3"/>
@@ -27,6 +30,14 @@
     <p:sldId id="275" r:id="rId21"/>
     <p:sldId id="276" r:id="rId22"/>
     <p:sldId id="277" r:id="rId23"/>
+    <p:sldId id="278" r:id="rId24"/>
+    <p:sldId id="280" r:id="rId25"/>
+    <p:sldId id="281" r:id="rId26"/>
+    <p:sldId id="285" r:id="rId27"/>
+    <p:sldId id="282" r:id="rId28"/>
+    <p:sldId id="283" r:id="rId29"/>
+    <p:sldId id="284" r:id="rId30"/>
+    <p:sldId id="279" r:id="rId31"/>
   </p:sldIdLst>
   <p:sldSz cx="12192000" cy="6858000"/>
   <p:notesSz cx="6858000" cy="9144000"/>
@@ -125,7 +136,446 @@
       </a:defRPr>
     </a:lvl9pPr>
   </p:defaultTextStyle>
+  <p:extLst>
+    <p:ext uri="{EFAFB233-063F-42B5-8137-9DF3F51BA10A}">
+      <p15:sldGuideLst xmlns:p15="http://schemas.microsoft.com/office/powerpoint/2012/main"/>
+    </p:ext>
+  </p:extLst>
 </p:presentation>
+</file>
+
+<file path=ppt/notesMasters/notesMaster1.xml><?xml version="1.0" encoding="utf-8"?>
+<p:notesMaster xmlns:a="http://schemas.openxmlformats.org/drawingml/2006/main" xmlns:r="http://schemas.openxmlformats.org/officeDocument/2006/relationships" xmlns:p="http://schemas.openxmlformats.org/presentationml/2006/main">
+  <p:cSld>
+    <p:bg>
+      <p:bgRef idx="1001">
+        <a:schemeClr val="bg1"/>
+      </p:bgRef>
+    </p:bg>
+    <p:spTree>
+      <p:nvGrpSpPr>
+        <p:cNvPr id="1" name=""/>
+        <p:cNvGrpSpPr/>
+        <p:nvPr/>
+      </p:nvGrpSpPr>
+      <p:grpSpPr>
+        <a:xfrm>
+          <a:off x="0" y="0"/>
+          <a:ext cx="0" cy="0"/>
+          <a:chOff x="0" y="0"/>
+          <a:chExt cx="0" cy="0"/>
+        </a:xfrm>
+      </p:grpSpPr>
+      <p:sp>
+        <p:nvSpPr>
+          <p:cNvPr id="2" name="页眉占位符 1"/>
+          <p:cNvSpPr>
+            <a:spLocks noGrp="1"/>
+          </p:cNvSpPr>
+          <p:nvPr>
+            <p:ph type="hdr" sz="quarter"/>
+          </p:nvPr>
+        </p:nvSpPr>
+        <p:spPr>
+          <a:xfrm>
+            <a:off x="0" y="0"/>
+            <a:ext cx="2971800" cy="458788"/>
+          </a:xfrm>
+          <a:prstGeom prst="rect">
+            <a:avLst/>
+          </a:prstGeom>
+        </p:spPr>
+        <p:txBody>
+          <a:bodyPr vert="horz" lIns="91440" tIns="45720" rIns="91440" bIns="45720" rtlCol="0"/>
+          <a:lstStyle>
+            <a:lvl1pPr algn="l">
+              <a:defRPr sz="1200"/>
+            </a:lvl1pPr>
+          </a:lstStyle>
+          <a:p>
+            <a:endParaRPr kumimoji="1" lang="zh-CN" altLang="en-US"/>
+          </a:p>
+        </p:txBody>
+      </p:sp>
+      <p:sp>
+        <p:nvSpPr>
+          <p:cNvPr id="3" name="日期占位符 2"/>
+          <p:cNvSpPr>
+            <a:spLocks noGrp="1"/>
+          </p:cNvSpPr>
+          <p:nvPr>
+            <p:ph type="dt" idx="1"/>
+          </p:nvPr>
+        </p:nvSpPr>
+        <p:spPr>
+          <a:xfrm>
+            <a:off x="3884613" y="0"/>
+            <a:ext cx="2971800" cy="458788"/>
+          </a:xfrm>
+          <a:prstGeom prst="rect">
+            <a:avLst/>
+          </a:prstGeom>
+        </p:spPr>
+        <p:txBody>
+          <a:bodyPr vert="horz" lIns="91440" tIns="45720" rIns="91440" bIns="45720" rtlCol="0"/>
+          <a:lstStyle>
+            <a:lvl1pPr algn="r">
+              <a:defRPr sz="1200"/>
+            </a:lvl1pPr>
+          </a:lstStyle>
+          <a:p>
+            <a:fld id="{CADC64B8-1EE7-794C-9A0F-7C0710D7B0BE}" type="datetimeFigureOut">
+              <a:rPr kumimoji="1" lang="zh-CN" altLang="en-US" smtClean="0"/>
+              <a:t>16/3/14</a:t>
+            </a:fld>
+            <a:endParaRPr kumimoji="1" lang="zh-CN" altLang="en-US"/>
+          </a:p>
+        </p:txBody>
+      </p:sp>
+      <p:sp>
+        <p:nvSpPr>
+          <p:cNvPr id="4" name="幻灯片图像占位符 3"/>
+          <p:cNvSpPr>
+            <a:spLocks noGrp="1" noRot="1" noChangeAspect="1"/>
+          </p:cNvSpPr>
+          <p:nvPr>
+            <p:ph type="sldImg" idx="2"/>
+          </p:nvPr>
+        </p:nvSpPr>
+        <p:spPr>
+          <a:xfrm>
+            <a:off x="685800" y="1143000"/>
+            <a:ext cx="5486400" cy="3086100"/>
+          </a:xfrm>
+          <a:prstGeom prst="rect">
+            <a:avLst/>
+          </a:prstGeom>
+          <a:noFill/>
+          <a:ln w="12700">
+            <a:solidFill>
+              <a:prstClr val="black"/>
+            </a:solidFill>
+          </a:ln>
+        </p:spPr>
+        <p:txBody>
+          <a:bodyPr vert="horz" lIns="91440" tIns="45720" rIns="91440" bIns="45720" rtlCol="0" anchor="ctr"/>
+          <a:lstStyle/>
+          <a:p>
+            <a:endParaRPr lang="zh-CN" altLang="en-US"/>
+          </a:p>
+        </p:txBody>
+      </p:sp>
+      <p:sp>
+        <p:nvSpPr>
+          <p:cNvPr id="5" name="备注占位符 4"/>
+          <p:cNvSpPr>
+            <a:spLocks noGrp="1"/>
+          </p:cNvSpPr>
+          <p:nvPr>
+            <p:ph type="body" sz="quarter" idx="3"/>
+          </p:nvPr>
+        </p:nvSpPr>
+        <p:spPr>
+          <a:xfrm>
+            <a:off x="685800" y="4400550"/>
+            <a:ext cx="5486400" cy="3600450"/>
+          </a:xfrm>
+          <a:prstGeom prst="rect">
+            <a:avLst/>
+          </a:prstGeom>
+        </p:spPr>
+        <p:txBody>
+          <a:bodyPr vert="horz" lIns="91440" tIns="45720" rIns="91440" bIns="45720" rtlCol="0"/>
+          <a:lstStyle/>
+          <a:p>
+            <a:pPr lvl="0"/>
+            <a:r>
+              <a:rPr kumimoji="1" lang="zh-CN" altLang="en-US" smtClean="0"/>
+              <a:t>单击此处编辑母版文本样式</a:t>
+            </a:r>
+          </a:p>
+          <a:p>
+            <a:pPr lvl="1"/>
+            <a:r>
+              <a:rPr kumimoji="1" lang="zh-CN" altLang="en-US" smtClean="0"/>
+              <a:t>二级</a:t>
+            </a:r>
+          </a:p>
+          <a:p>
+            <a:pPr lvl="2"/>
+            <a:r>
+              <a:rPr kumimoji="1" lang="zh-CN" altLang="en-US" smtClean="0"/>
+              <a:t>三级</a:t>
+            </a:r>
+          </a:p>
+          <a:p>
+            <a:pPr lvl="3"/>
+            <a:r>
+              <a:rPr kumimoji="1" lang="zh-CN" altLang="en-US" smtClean="0"/>
+              <a:t>四级</a:t>
+            </a:r>
+          </a:p>
+          <a:p>
+            <a:pPr lvl="4"/>
+            <a:r>
+              <a:rPr kumimoji="1" lang="zh-CN" altLang="en-US" smtClean="0"/>
+              <a:t>五级</a:t>
+            </a:r>
+            <a:endParaRPr kumimoji="1" lang="zh-CN" altLang="en-US"/>
+          </a:p>
+        </p:txBody>
+      </p:sp>
+      <p:sp>
+        <p:nvSpPr>
+          <p:cNvPr id="6" name="页脚占位符 5"/>
+          <p:cNvSpPr>
+            <a:spLocks noGrp="1"/>
+          </p:cNvSpPr>
+          <p:nvPr>
+            <p:ph type="ftr" sz="quarter" idx="4"/>
+          </p:nvPr>
+        </p:nvSpPr>
+        <p:spPr>
+          <a:xfrm>
+            <a:off x="0" y="8685213"/>
+            <a:ext cx="2971800" cy="458787"/>
+          </a:xfrm>
+          <a:prstGeom prst="rect">
+            <a:avLst/>
+          </a:prstGeom>
+        </p:spPr>
+        <p:txBody>
+          <a:bodyPr vert="horz" lIns="91440" tIns="45720" rIns="91440" bIns="45720" rtlCol="0" anchor="b"/>
+          <a:lstStyle>
+            <a:lvl1pPr algn="l">
+              <a:defRPr sz="1200"/>
+            </a:lvl1pPr>
+          </a:lstStyle>
+          <a:p>
+            <a:endParaRPr kumimoji="1" lang="zh-CN" altLang="en-US"/>
+          </a:p>
+        </p:txBody>
+      </p:sp>
+      <p:sp>
+        <p:nvSpPr>
+          <p:cNvPr id="7" name="幻灯片编号占位符 6"/>
+          <p:cNvSpPr>
+            <a:spLocks noGrp="1"/>
+          </p:cNvSpPr>
+          <p:nvPr>
+            <p:ph type="sldNum" sz="quarter" idx="5"/>
+          </p:nvPr>
+        </p:nvSpPr>
+        <p:spPr>
+          <a:xfrm>
+            <a:off x="3884613" y="8685213"/>
+            <a:ext cx="2971800" cy="458787"/>
+          </a:xfrm>
+          <a:prstGeom prst="rect">
+            <a:avLst/>
+          </a:prstGeom>
+        </p:spPr>
+        <p:txBody>
+          <a:bodyPr vert="horz" lIns="91440" tIns="45720" rIns="91440" bIns="45720" rtlCol="0" anchor="b"/>
+          <a:lstStyle>
+            <a:lvl1pPr algn="r">
+              <a:defRPr sz="1200"/>
+            </a:lvl1pPr>
+          </a:lstStyle>
+          <a:p>
+            <a:fld id="{D6C10AA0-2730-554E-850F-130E120E3DCB}" type="slidenum">
+              <a:rPr kumimoji="1" lang="zh-CN" altLang="en-US" smtClean="0"/>
+              <a:t>‹#›</a:t>
+            </a:fld>
+            <a:endParaRPr kumimoji="1" lang="zh-CN" altLang="en-US"/>
+          </a:p>
+        </p:txBody>
+      </p:sp>
+    </p:spTree>
+    <p:extLst>
+      <p:ext uri="{BB962C8B-B14F-4D97-AF65-F5344CB8AC3E}">
+        <p14:creationId xmlns:p14="http://schemas.microsoft.com/office/powerpoint/2010/main" val="1963726428"/>
+      </p:ext>
+    </p:extLst>
+  </p:cSld>
+  <p:clrMap bg1="lt1" tx1="dk1" bg2="lt2" tx2="dk2" accent1="accent1" accent2="accent2" accent3="accent3" accent4="accent4" accent5="accent5" accent6="accent6" hlink="hlink" folHlink="folHlink"/>
+  <p:notesStyle>
+    <a:lvl1pPr marL="0" algn="l" defTabSz="914400" rtl="0" eaLnBrk="1" latinLnBrk="0" hangingPunct="1">
+      <a:defRPr sz="1200" kern="1200">
+        <a:solidFill>
+          <a:schemeClr val="tx1"/>
+        </a:solidFill>
+        <a:latin typeface="+mn-lt"/>
+        <a:ea typeface="+mn-ea"/>
+        <a:cs typeface="+mn-cs"/>
+      </a:defRPr>
+    </a:lvl1pPr>
+    <a:lvl2pPr marL="457200" algn="l" defTabSz="914400" rtl="0" eaLnBrk="1" latinLnBrk="0" hangingPunct="1">
+      <a:defRPr sz="1200" kern="1200">
+        <a:solidFill>
+          <a:schemeClr val="tx1"/>
+        </a:solidFill>
+        <a:latin typeface="+mn-lt"/>
+        <a:ea typeface="+mn-ea"/>
+        <a:cs typeface="+mn-cs"/>
+      </a:defRPr>
+    </a:lvl2pPr>
+    <a:lvl3pPr marL="914400" algn="l" defTabSz="914400" rtl="0" eaLnBrk="1" latinLnBrk="0" hangingPunct="1">
+      <a:defRPr sz="1200" kern="1200">
+        <a:solidFill>
+          <a:schemeClr val="tx1"/>
+        </a:solidFill>
+        <a:latin typeface="+mn-lt"/>
+        <a:ea typeface="+mn-ea"/>
+        <a:cs typeface="+mn-cs"/>
+      </a:defRPr>
+    </a:lvl3pPr>
+    <a:lvl4pPr marL="1371600" algn="l" defTabSz="914400" rtl="0" eaLnBrk="1" latinLnBrk="0" hangingPunct="1">
+      <a:defRPr sz="1200" kern="1200">
+        <a:solidFill>
+          <a:schemeClr val="tx1"/>
+        </a:solidFill>
+        <a:latin typeface="+mn-lt"/>
+        <a:ea typeface="+mn-ea"/>
+        <a:cs typeface="+mn-cs"/>
+      </a:defRPr>
+    </a:lvl4pPr>
+    <a:lvl5pPr marL="1828800" algn="l" defTabSz="914400" rtl="0" eaLnBrk="1" latinLnBrk="0" hangingPunct="1">
+      <a:defRPr sz="1200" kern="1200">
+        <a:solidFill>
+          <a:schemeClr val="tx1"/>
+        </a:solidFill>
+        <a:latin typeface="+mn-lt"/>
+        <a:ea typeface="+mn-ea"/>
+        <a:cs typeface="+mn-cs"/>
+      </a:defRPr>
+    </a:lvl5pPr>
+    <a:lvl6pPr marL="2286000" algn="l" defTabSz="914400" rtl="0" eaLnBrk="1" latinLnBrk="0" hangingPunct="1">
+      <a:defRPr sz="1200" kern="1200">
+        <a:solidFill>
+          <a:schemeClr val="tx1"/>
+        </a:solidFill>
+        <a:latin typeface="+mn-lt"/>
+        <a:ea typeface="+mn-ea"/>
+        <a:cs typeface="+mn-cs"/>
+      </a:defRPr>
+    </a:lvl6pPr>
+    <a:lvl7pPr marL="2743200" algn="l" defTabSz="914400" rtl="0" eaLnBrk="1" latinLnBrk="0" hangingPunct="1">
+      <a:defRPr sz="1200" kern="1200">
+        <a:solidFill>
+          <a:schemeClr val="tx1"/>
+        </a:solidFill>
+        <a:latin typeface="+mn-lt"/>
+        <a:ea typeface="+mn-ea"/>
+        <a:cs typeface="+mn-cs"/>
+      </a:defRPr>
+    </a:lvl7pPr>
+    <a:lvl8pPr marL="3200400" algn="l" defTabSz="914400" rtl="0" eaLnBrk="1" latinLnBrk="0" hangingPunct="1">
+      <a:defRPr sz="1200" kern="1200">
+        <a:solidFill>
+          <a:schemeClr val="tx1"/>
+        </a:solidFill>
+        <a:latin typeface="+mn-lt"/>
+        <a:ea typeface="+mn-ea"/>
+        <a:cs typeface="+mn-cs"/>
+      </a:defRPr>
+    </a:lvl8pPr>
+    <a:lvl9pPr marL="3657600" algn="l" defTabSz="914400" rtl="0" eaLnBrk="1" latinLnBrk="0" hangingPunct="1">
+      <a:defRPr sz="1200" kern="1200">
+        <a:solidFill>
+          <a:schemeClr val="tx1"/>
+        </a:solidFill>
+        <a:latin typeface="+mn-lt"/>
+        <a:ea typeface="+mn-ea"/>
+        <a:cs typeface="+mn-cs"/>
+      </a:defRPr>
+    </a:lvl9pPr>
+  </p:notesStyle>
+</p:notesMaster>
+</file>
+
+<file path=ppt/notesSlides/notesSlide1.xml><?xml version="1.0" encoding="utf-8"?>
+<p:notes xmlns:a="http://schemas.openxmlformats.org/drawingml/2006/main" xmlns:r="http://schemas.openxmlformats.org/officeDocument/2006/relationships" xmlns:p="http://schemas.openxmlformats.org/presentationml/2006/main">
+  <p:cSld>
+    <p:spTree>
+      <p:nvGrpSpPr>
+        <p:cNvPr id="1" name=""/>
+        <p:cNvGrpSpPr/>
+        <p:nvPr/>
+      </p:nvGrpSpPr>
+      <p:grpSpPr>
+        <a:xfrm>
+          <a:off x="0" y="0"/>
+          <a:ext cx="0" cy="0"/>
+          <a:chOff x="0" y="0"/>
+          <a:chExt cx="0" cy="0"/>
+        </a:xfrm>
+      </p:grpSpPr>
+      <p:sp>
+        <p:nvSpPr>
+          <p:cNvPr id="2" name="幻灯片图像占位符 1"/>
+          <p:cNvSpPr>
+            <a:spLocks noGrp="1" noRot="1" noChangeAspect="1"/>
+          </p:cNvSpPr>
+          <p:nvPr>
+            <p:ph type="sldImg"/>
+          </p:nvPr>
+        </p:nvSpPr>
+        <p:spPr/>
+      </p:sp>
+      <p:sp>
+        <p:nvSpPr>
+          <p:cNvPr id="3" name="备注占位符 2"/>
+          <p:cNvSpPr>
+            <a:spLocks noGrp="1"/>
+          </p:cNvSpPr>
+          <p:nvPr>
+            <p:ph type="body" idx="1"/>
+          </p:nvPr>
+        </p:nvSpPr>
+        <p:spPr/>
+        <p:txBody>
+          <a:bodyPr/>
+          <a:lstStyle/>
+          <a:p>
+            <a:endParaRPr kumimoji="1" lang="zh-CN" altLang="en-US" dirty="0"/>
+          </a:p>
+        </p:txBody>
+      </p:sp>
+      <p:sp>
+        <p:nvSpPr>
+          <p:cNvPr id="4" name="幻灯片编号占位符 3"/>
+          <p:cNvSpPr>
+            <a:spLocks noGrp="1"/>
+          </p:cNvSpPr>
+          <p:nvPr>
+            <p:ph type="sldNum" sz="quarter" idx="10"/>
+          </p:nvPr>
+        </p:nvSpPr>
+        <p:spPr/>
+        <p:txBody>
+          <a:bodyPr/>
+          <a:lstStyle/>
+          <a:p>
+            <a:fld id="{D6C10AA0-2730-554E-850F-130E120E3DCB}" type="slidenum">
+              <a:rPr kumimoji="1" lang="zh-CN" altLang="en-US" smtClean="0"/>
+              <a:t>3</a:t>
+            </a:fld>
+            <a:endParaRPr kumimoji="1" lang="zh-CN" altLang="en-US"/>
+          </a:p>
+        </p:txBody>
+      </p:sp>
+    </p:spTree>
+    <p:extLst>
+      <p:ext uri="{BB962C8B-B14F-4D97-AF65-F5344CB8AC3E}">
+        <p14:creationId xmlns:p14="http://schemas.microsoft.com/office/powerpoint/2010/main" val="1821388300"/>
+      </p:ext>
+    </p:extLst>
+  </p:cSld>
+  <p:clrMapOvr>
+    <a:masterClrMapping/>
+  </p:clrMapOvr>
+</p:notes>
 </file>
 
 <file path=ppt/slideLayouts/slideLayout1.xml><?xml version="1.0" encoding="utf-8"?>
@@ -259,7 +709,7 @@
           <a:p>
             <a:fld id="{C3477EB2-7A69-EC47-8E26-FE8360A1C8A6}" type="datetimeFigureOut">
               <a:rPr kumimoji="1" lang="zh-CN" altLang="en-US" smtClean="0"/>
-              <a:t>16/3/9</a:t>
+              <a:t>16/3/14</a:t>
             </a:fld>
             <a:endParaRPr kumimoji="1" lang="zh-CN" altLang="en-US"/>
           </a:p>
@@ -429,7 +879,7 @@
           <a:p>
             <a:fld id="{C3477EB2-7A69-EC47-8E26-FE8360A1C8A6}" type="datetimeFigureOut">
               <a:rPr kumimoji="1" lang="zh-CN" altLang="en-US" smtClean="0"/>
-              <a:t>16/3/9</a:t>
+              <a:t>16/3/14</a:t>
             </a:fld>
             <a:endParaRPr kumimoji="1" lang="zh-CN" altLang="en-US"/>
           </a:p>
@@ -609,7 +1059,7 @@
           <a:p>
             <a:fld id="{C3477EB2-7A69-EC47-8E26-FE8360A1C8A6}" type="datetimeFigureOut">
               <a:rPr kumimoji="1" lang="zh-CN" altLang="en-US" smtClean="0"/>
-              <a:t>16/3/9</a:t>
+              <a:t>16/3/14</a:t>
             </a:fld>
             <a:endParaRPr kumimoji="1" lang="zh-CN" altLang="en-US"/>
           </a:p>
@@ -779,7 +1229,7 @@
           <a:p>
             <a:fld id="{C3477EB2-7A69-EC47-8E26-FE8360A1C8A6}" type="datetimeFigureOut">
               <a:rPr kumimoji="1" lang="zh-CN" altLang="en-US" smtClean="0"/>
-              <a:t>16/3/9</a:t>
+              <a:t>16/3/14</a:t>
             </a:fld>
             <a:endParaRPr kumimoji="1" lang="zh-CN" altLang="en-US"/>
           </a:p>
@@ -1025,7 +1475,7 @@
           <a:p>
             <a:fld id="{C3477EB2-7A69-EC47-8E26-FE8360A1C8A6}" type="datetimeFigureOut">
               <a:rPr kumimoji="1" lang="zh-CN" altLang="en-US" smtClean="0"/>
-              <a:t>16/3/9</a:t>
+              <a:t>16/3/14</a:t>
             </a:fld>
             <a:endParaRPr kumimoji="1" lang="zh-CN" altLang="en-US"/>
           </a:p>
@@ -1257,7 +1707,7 @@
           <a:p>
             <a:fld id="{C3477EB2-7A69-EC47-8E26-FE8360A1C8A6}" type="datetimeFigureOut">
               <a:rPr kumimoji="1" lang="zh-CN" altLang="en-US" smtClean="0"/>
-              <a:t>16/3/9</a:t>
+              <a:t>16/3/14</a:t>
             </a:fld>
             <a:endParaRPr kumimoji="1" lang="zh-CN" altLang="en-US"/>
           </a:p>
@@ -1624,7 +2074,7 @@
           <a:p>
             <a:fld id="{C3477EB2-7A69-EC47-8E26-FE8360A1C8A6}" type="datetimeFigureOut">
               <a:rPr kumimoji="1" lang="zh-CN" altLang="en-US" smtClean="0"/>
-              <a:t>16/3/9</a:t>
+              <a:t>16/3/14</a:t>
             </a:fld>
             <a:endParaRPr kumimoji="1" lang="zh-CN" altLang="en-US"/>
           </a:p>
@@ -1742,7 +2192,7 @@
           <a:p>
             <a:fld id="{C3477EB2-7A69-EC47-8E26-FE8360A1C8A6}" type="datetimeFigureOut">
               <a:rPr kumimoji="1" lang="zh-CN" altLang="en-US" smtClean="0"/>
-              <a:t>16/3/9</a:t>
+              <a:t>16/3/14</a:t>
             </a:fld>
             <a:endParaRPr kumimoji="1" lang="zh-CN" altLang="en-US"/>
           </a:p>
@@ -1837,7 +2287,7 @@
           <a:p>
             <a:fld id="{C3477EB2-7A69-EC47-8E26-FE8360A1C8A6}" type="datetimeFigureOut">
               <a:rPr kumimoji="1" lang="zh-CN" altLang="en-US" smtClean="0"/>
-              <a:t>16/3/9</a:t>
+              <a:t>16/3/14</a:t>
             </a:fld>
             <a:endParaRPr kumimoji="1" lang="zh-CN" altLang="en-US"/>
           </a:p>
@@ -2114,7 +2564,7 @@
           <a:p>
             <a:fld id="{C3477EB2-7A69-EC47-8E26-FE8360A1C8A6}" type="datetimeFigureOut">
               <a:rPr kumimoji="1" lang="zh-CN" altLang="en-US" smtClean="0"/>
-              <a:t>16/3/9</a:t>
+              <a:t>16/3/14</a:t>
             </a:fld>
             <a:endParaRPr kumimoji="1" lang="zh-CN" altLang="en-US"/>
           </a:p>
@@ -2367,7 +2817,7 @@
           <a:p>
             <a:fld id="{C3477EB2-7A69-EC47-8E26-FE8360A1C8A6}" type="datetimeFigureOut">
               <a:rPr kumimoji="1" lang="zh-CN" altLang="en-US" smtClean="0"/>
-              <a:t>16/3/9</a:t>
+              <a:t>16/3/14</a:t>
             </a:fld>
             <a:endParaRPr kumimoji="1" lang="zh-CN" altLang="en-US"/>
           </a:p>
@@ -2580,7 +3030,7 @@
           <a:p>
             <a:fld id="{C3477EB2-7A69-EC47-8E26-FE8360A1C8A6}" type="datetimeFigureOut">
               <a:rPr kumimoji="1" lang="zh-CN" altLang="en-US" smtClean="0"/>
-              <a:t>16/3/9</a:t>
+              <a:t>16/3/14</a:t>
             </a:fld>
             <a:endParaRPr kumimoji="1" lang="zh-CN" altLang="en-US"/>
           </a:p>
@@ -3031,7 +3481,7 @@
           <a:p>
             <a:fld id="{D8309854-A92A-1749-9722-C3A7F69F0164}" type="datetime3">
               <a:rPr kumimoji="1" lang="en-US" altLang="zh-CN"/>
-              <a:t>2016年3月9日星期三</a:t>
+              <a:t>14 March 2016</a:t>
             </a:fld>
             <a:endParaRPr kumimoji="1" lang="zh-CN" altLang="en-US" dirty="0"/>
           </a:p>
@@ -4329,15 +4779,7 @@
             </a:r>
             <a:r>
               <a:rPr lang="zh-CN" altLang="en-US" sz="1600" dirty="0" smtClean="0"/>
-              <a:t>。</a:t>
-            </a:r>
-            <a:r>
-              <a:rPr lang="zh-CN" altLang="en-US" sz="1600" dirty="0" smtClean="0"/>
-              <a:t>现在</a:t>
-            </a:r>
-            <a:r>
-              <a:rPr lang="zh-CN" altLang="en-US" sz="1600" dirty="0" smtClean="0"/>
-              <a:t>这个</a:t>
+              <a:t>。现在这个</a:t>
             </a:r>
             <a:r>
               <a:rPr lang="zh-CN" altLang="en-US" sz="1600" dirty="0"/>
@@ -6662,6 +7104,3985 @@
   <p:clrMapOvr>
     <a:masterClrMapping/>
   </p:clrMapOvr>
+  <p:timing>
+    <p:tnLst>
+      <p:par>
+        <p:cTn id="1" dur="indefinite" restart="never" nodeType="tmRoot"/>
+      </p:par>
+    </p:tnLst>
+  </p:timing>
+</p:sld>
+</file>
+
+<file path=ppt/slides/slide23.xml><?xml version="1.0" encoding="utf-8"?>
+<p:sld xmlns:a="http://schemas.openxmlformats.org/drawingml/2006/main" xmlns:r="http://schemas.openxmlformats.org/officeDocument/2006/relationships" xmlns:p="http://schemas.openxmlformats.org/presentationml/2006/main">
+  <p:cSld>
+    <p:spTree>
+      <p:nvGrpSpPr>
+        <p:cNvPr id="1" name=""/>
+        <p:cNvGrpSpPr/>
+        <p:nvPr/>
+      </p:nvGrpSpPr>
+      <p:grpSpPr>
+        <a:xfrm>
+          <a:off x="0" y="0"/>
+          <a:ext cx="0" cy="0"/>
+          <a:chOff x="0" y="0"/>
+          <a:chExt cx="0" cy="0"/>
+        </a:xfrm>
+      </p:grpSpPr>
+      <p:sp>
+        <p:nvSpPr>
+          <p:cNvPr id="3" name="内容占位符 2"/>
+          <p:cNvSpPr>
+            <a:spLocks noGrp="1"/>
+          </p:cNvSpPr>
+          <p:nvPr>
+            <p:ph idx="1"/>
+          </p:nvPr>
+        </p:nvSpPr>
+        <p:spPr>
+          <a:xfrm>
+            <a:off x="838200" y="1825625"/>
+            <a:ext cx="10515600" cy="4693162"/>
+          </a:xfrm>
+        </p:spPr>
+        <p:txBody>
+          <a:bodyPr>
+            <a:normAutofit lnSpcReduction="10000"/>
+          </a:bodyPr>
+          <a:lstStyle/>
+          <a:p>
+            <a:pPr marL="0" indent="0">
+              <a:buNone/>
+            </a:pPr>
+            <a:r>
+              <a:rPr kumimoji="1" lang="zh-CN" altLang="en-US" dirty="0" smtClean="0"/>
+              <a:t>一、分支是什么</a:t>
+            </a:r>
+          </a:p>
+          <a:p>
+            <a:pPr marL="0" indent="0">
+              <a:buNone/>
+            </a:pPr>
+            <a:r>
+              <a:rPr kumimoji="1" lang="zh-CN" altLang="en-US" dirty="0"/>
+              <a:t>	</a:t>
+            </a:r>
+            <a:r>
+              <a:rPr kumimoji="1" lang="zh-CN" altLang="en-US" dirty="0" smtClean="0"/>
+              <a:t>分支就是从总体或一个系统中分出来的部分</a:t>
+            </a:r>
+          </a:p>
+          <a:p>
+            <a:pPr marL="0" indent="0">
+              <a:buNone/>
+            </a:pPr>
+            <a:r>
+              <a:rPr kumimoji="1" lang="zh-CN" altLang="en-US" dirty="0" smtClean="0"/>
+              <a:t>二、</a:t>
+            </a:r>
+            <a:r>
+              <a:rPr kumimoji="1" lang="en-US" altLang="zh-CN" dirty="0" err="1" smtClean="0"/>
+              <a:t>git</a:t>
+            </a:r>
+            <a:r>
+              <a:rPr kumimoji="1" lang="zh-CN" altLang="en-US" dirty="0" smtClean="0"/>
+              <a:t>分支存在的作用</a:t>
+            </a:r>
+          </a:p>
+          <a:p>
+            <a:r>
+              <a:rPr kumimoji="1" lang="zh-CN" altLang="en-US" dirty="0"/>
+              <a:t>	</a:t>
+            </a:r>
+            <a:r>
+              <a:rPr lang="zh-CN" altLang="en-US" dirty="0"/>
+              <a:t>分支在实际中有什么用呢？假设你准备开发一个新功能，但是需要两周才能完成，第一周你写了</a:t>
+            </a:r>
+            <a:r>
+              <a:rPr lang="en-US" altLang="zh-CN" dirty="0"/>
+              <a:t>50%</a:t>
+            </a:r>
+            <a:r>
+              <a:rPr lang="zh-CN" altLang="en-US" dirty="0"/>
+              <a:t>的代码，如果立刻提交，由于代码还没写完，不完整的代码库会导致别人不能干活了。如果等代码全部写完再一次提交，又存在丢失每天进度的巨大风险。</a:t>
+            </a:r>
+          </a:p>
+          <a:p>
+            <a:r>
+              <a:rPr lang="zh-CN" altLang="en-US" dirty="0"/>
+              <a:t>现在有了分支，就不用怕了。你创建了一个属于你自己的分支，别人看不到，还继续在原来的分支上正常工作，而你在自己的分支上干活，想提交就提交，直到开发完毕后，再一次性合并到原来的分支上，这样，既安全，又不影响别人工作。</a:t>
+            </a:r>
+          </a:p>
+        </p:txBody>
+      </p:sp>
+      <p:sp>
+        <p:nvSpPr>
+          <p:cNvPr id="6" name="标题 1"/>
+          <p:cNvSpPr txBox="1">
+            <a:spLocks/>
+          </p:cNvSpPr>
+          <p:nvPr/>
+        </p:nvSpPr>
+        <p:spPr>
+          <a:xfrm>
+            <a:off x="373626" y="309716"/>
+            <a:ext cx="7590503" cy="840658"/>
+          </a:xfrm>
+          <a:prstGeom prst="rect">
+            <a:avLst/>
+          </a:prstGeom>
+        </p:spPr>
+        <p:txBody>
+          <a:bodyPr vert="horz" lIns="91440" tIns="45720" rIns="91440" bIns="45720" rtlCol="0" anchor="ctr">
+            <a:normAutofit/>
+          </a:bodyPr>
+          <a:lstStyle>
+            <a:lvl1pPr algn="l" defTabSz="914400" rtl="0" eaLnBrk="1" latinLnBrk="0" hangingPunct="1">
+              <a:lnSpc>
+                <a:spcPct val="90000"/>
+              </a:lnSpc>
+              <a:spcBef>
+                <a:spcPct val="0"/>
+              </a:spcBef>
+              <a:buNone/>
+              <a:defRPr sz="4400" kern="1200">
+                <a:solidFill>
+                  <a:schemeClr val="tx1"/>
+                </a:solidFill>
+                <a:latin typeface="+mj-lt"/>
+                <a:ea typeface="+mj-ea"/>
+                <a:cs typeface="+mj-cs"/>
+              </a:defRPr>
+            </a:lvl1pPr>
+          </a:lstStyle>
+          <a:p>
+            <a:r>
+              <a:rPr kumimoji="1" lang="en-US" altLang="zh-CN" sz="5000" dirty="0" smtClean="0"/>
+              <a:t>GIT</a:t>
+            </a:r>
+            <a:r>
+              <a:rPr kumimoji="1" lang="zh-CN" altLang="en-US" sz="5000" dirty="0" smtClean="0"/>
+              <a:t>分支管理</a:t>
+            </a:r>
+          </a:p>
+        </p:txBody>
+      </p:sp>
+      <p:pic>
+        <p:nvPicPr>
+          <p:cNvPr id="2" name="图片 1"/>
+          <p:cNvPicPr>
+            <a:picLocks noChangeAspect="1"/>
+          </p:cNvPicPr>
+          <p:nvPr/>
+        </p:nvPicPr>
+        <p:blipFill>
+          <a:blip r:embed="rId2"/>
+          <a:stretch>
+            <a:fillRect/>
+          </a:stretch>
+        </p:blipFill>
+        <p:spPr>
+          <a:xfrm>
+            <a:off x="4432716" y="3188432"/>
+            <a:ext cx="6591300" cy="2286000"/>
+          </a:xfrm>
+          <a:prstGeom prst="rect">
+            <a:avLst/>
+          </a:prstGeom>
+        </p:spPr>
+      </p:pic>
+    </p:spTree>
+    <p:extLst>
+      <p:ext uri="{BB962C8B-B14F-4D97-AF65-F5344CB8AC3E}">
+        <p14:creationId xmlns:p14="http://schemas.microsoft.com/office/powerpoint/2010/main" val="1073698990"/>
+      </p:ext>
+    </p:extLst>
+  </p:cSld>
+  <p:clrMapOvr>
+    <a:masterClrMapping/>
+  </p:clrMapOvr>
+  <p:timing>
+    <p:tnLst>
+      <p:par>
+        <p:cTn id="1" dur="indefinite" restart="never" nodeType="tmRoot">
+          <p:childTnLst>
+            <p:seq concurrent="1" nextAc="seek">
+              <p:cTn id="2" dur="indefinite" nodeType="mainSeq">
+                <p:childTnLst>
+                  <p:par>
+                    <p:cTn id="3" fill="hold">
+                      <p:stCondLst>
+                        <p:cond delay="indefinite"/>
+                      </p:stCondLst>
+                      <p:childTnLst>
+                        <p:par>
+                          <p:cTn id="4" fill="hold">
+                            <p:stCondLst>
+                              <p:cond delay="0"/>
+                            </p:stCondLst>
+                            <p:childTnLst>
+                              <p:par>
+                                <p:cTn id="5" presetID="2" presetClass="entr" presetSubtype="4" fill="hold" nodeType="clickEffect">
+                                  <p:stCondLst>
+                                    <p:cond delay="0"/>
+                                  </p:stCondLst>
+                                  <p:childTnLst>
+                                    <p:set>
+                                      <p:cBhvr>
+                                        <p:cTn id="6" dur="1" fill="hold">
+                                          <p:stCondLst>
+                                            <p:cond delay="0"/>
+                                          </p:stCondLst>
+                                        </p:cTn>
+                                        <p:tgtEl>
+                                          <p:spTgt spid="3">
+                                            <p:txEl>
+                                              <p:pRg st="0" end="0"/>
+                                            </p:txEl>
+                                          </p:spTgt>
+                                        </p:tgtEl>
+                                        <p:attrNameLst>
+                                          <p:attrName>style.visibility</p:attrName>
+                                        </p:attrNameLst>
+                                      </p:cBhvr>
+                                      <p:to>
+                                        <p:strVal val="visible"/>
+                                      </p:to>
+                                    </p:set>
+                                    <p:anim calcmode="lin" valueType="num">
+                                      <p:cBhvr additive="base">
+                                        <p:cTn id="7" dur="500" fill="hold"/>
+                                        <p:tgtEl>
+                                          <p:spTgt spid="3">
+                                            <p:txEl>
+                                              <p:pRg st="0" end="0"/>
+                                            </p:txEl>
+                                          </p:spTgt>
+                                        </p:tgtEl>
+                                        <p:attrNameLst>
+                                          <p:attrName>ppt_x</p:attrName>
+                                        </p:attrNameLst>
+                                      </p:cBhvr>
+                                      <p:tavLst>
+                                        <p:tav tm="0">
+                                          <p:val>
+                                            <p:strVal val="#ppt_x"/>
+                                          </p:val>
+                                        </p:tav>
+                                        <p:tav tm="100000">
+                                          <p:val>
+                                            <p:strVal val="#ppt_x"/>
+                                          </p:val>
+                                        </p:tav>
+                                      </p:tavLst>
+                                    </p:anim>
+                                    <p:anim calcmode="lin" valueType="num">
+                                      <p:cBhvr additive="base">
+                                        <p:cTn id="8" dur="500" fill="hold"/>
+                                        <p:tgtEl>
+                                          <p:spTgt spid="3">
+                                            <p:txEl>
+                                              <p:pRg st="0" end="0"/>
+                                            </p:txEl>
+                                          </p:spTgt>
+                                        </p:tgtEl>
+                                        <p:attrNameLst>
+                                          <p:attrName>ppt_y</p:attrName>
+                                        </p:attrNameLst>
+                                      </p:cBhvr>
+                                      <p:tavLst>
+                                        <p:tav tm="0">
+                                          <p:val>
+                                            <p:strVal val="1+#ppt_h/2"/>
+                                          </p:val>
+                                        </p:tav>
+                                        <p:tav tm="100000">
+                                          <p:val>
+                                            <p:strVal val="#ppt_y"/>
+                                          </p:val>
+                                        </p:tav>
+                                      </p:tavLst>
+                                    </p:anim>
+                                  </p:childTnLst>
+                                </p:cTn>
+                              </p:par>
+                              <p:par>
+                                <p:cTn id="9" presetID="2" presetClass="entr" presetSubtype="4" fill="hold" nodeType="withEffect">
+                                  <p:stCondLst>
+                                    <p:cond delay="0"/>
+                                  </p:stCondLst>
+                                  <p:childTnLst>
+                                    <p:set>
+                                      <p:cBhvr>
+                                        <p:cTn id="10" dur="1" fill="hold">
+                                          <p:stCondLst>
+                                            <p:cond delay="0"/>
+                                          </p:stCondLst>
+                                        </p:cTn>
+                                        <p:tgtEl>
+                                          <p:spTgt spid="3">
+                                            <p:txEl>
+                                              <p:pRg st="1" end="1"/>
+                                            </p:txEl>
+                                          </p:spTgt>
+                                        </p:tgtEl>
+                                        <p:attrNameLst>
+                                          <p:attrName>style.visibility</p:attrName>
+                                        </p:attrNameLst>
+                                      </p:cBhvr>
+                                      <p:to>
+                                        <p:strVal val="visible"/>
+                                      </p:to>
+                                    </p:set>
+                                    <p:anim calcmode="lin" valueType="num">
+                                      <p:cBhvr additive="base">
+                                        <p:cTn id="11" dur="500" fill="hold"/>
+                                        <p:tgtEl>
+                                          <p:spTgt spid="3">
+                                            <p:txEl>
+                                              <p:pRg st="1" end="1"/>
+                                            </p:txEl>
+                                          </p:spTgt>
+                                        </p:tgtEl>
+                                        <p:attrNameLst>
+                                          <p:attrName>ppt_x</p:attrName>
+                                        </p:attrNameLst>
+                                      </p:cBhvr>
+                                      <p:tavLst>
+                                        <p:tav tm="0">
+                                          <p:val>
+                                            <p:strVal val="#ppt_x"/>
+                                          </p:val>
+                                        </p:tav>
+                                        <p:tav tm="100000">
+                                          <p:val>
+                                            <p:strVal val="#ppt_x"/>
+                                          </p:val>
+                                        </p:tav>
+                                      </p:tavLst>
+                                    </p:anim>
+                                    <p:anim calcmode="lin" valueType="num">
+                                      <p:cBhvr additive="base">
+                                        <p:cTn id="12" dur="500" fill="hold"/>
+                                        <p:tgtEl>
+                                          <p:spTgt spid="3">
+                                            <p:txEl>
+                                              <p:pRg st="1" end="1"/>
+                                            </p:txEl>
+                                          </p:spTgt>
+                                        </p:tgtEl>
+                                        <p:attrNameLst>
+                                          <p:attrName>ppt_y</p:attrName>
+                                        </p:attrNameLst>
+                                      </p:cBhvr>
+                                      <p:tavLst>
+                                        <p:tav tm="0">
+                                          <p:val>
+                                            <p:strVal val="1+#ppt_h/2"/>
+                                          </p:val>
+                                        </p:tav>
+                                        <p:tav tm="100000">
+                                          <p:val>
+                                            <p:strVal val="#ppt_y"/>
+                                          </p:val>
+                                        </p:tav>
+                                      </p:tavLst>
+                                    </p:anim>
+                                  </p:childTnLst>
+                                </p:cTn>
+                              </p:par>
+                            </p:childTnLst>
+                          </p:cTn>
+                        </p:par>
+                      </p:childTnLst>
+                    </p:cTn>
+                  </p:par>
+                  <p:par>
+                    <p:cTn id="13" fill="hold">
+                      <p:stCondLst>
+                        <p:cond delay="indefinite"/>
+                      </p:stCondLst>
+                      <p:childTnLst>
+                        <p:par>
+                          <p:cTn id="14" fill="hold">
+                            <p:stCondLst>
+                              <p:cond delay="0"/>
+                            </p:stCondLst>
+                            <p:childTnLst>
+                              <p:par>
+                                <p:cTn id="15" presetID="2" presetClass="entr" presetSubtype="4" fill="hold" nodeType="clickEffect">
+                                  <p:stCondLst>
+                                    <p:cond delay="0"/>
+                                  </p:stCondLst>
+                                  <p:childTnLst>
+                                    <p:set>
+                                      <p:cBhvr>
+                                        <p:cTn id="16" dur="1" fill="hold">
+                                          <p:stCondLst>
+                                            <p:cond delay="0"/>
+                                          </p:stCondLst>
+                                        </p:cTn>
+                                        <p:tgtEl>
+                                          <p:spTgt spid="3">
+                                            <p:txEl>
+                                              <p:pRg st="2" end="2"/>
+                                            </p:txEl>
+                                          </p:spTgt>
+                                        </p:tgtEl>
+                                        <p:attrNameLst>
+                                          <p:attrName>style.visibility</p:attrName>
+                                        </p:attrNameLst>
+                                      </p:cBhvr>
+                                      <p:to>
+                                        <p:strVal val="visible"/>
+                                      </p:to>
+                                    </p:set>
+                                    <p:anim calcmode="lin" valueType="num">
+                                      <p:cBhvr additive="base">
+                                        <p:cTn id="17" dur="500" fill="hold"/>
+                                        <p:tgtEl>
+                                          <p:spTgt spid="3">
+                                            <p:txEl>
+                                              <p:pRg st="2" end="2"/>
+                                            </p:txEl>
+                                          </p:spTgt>
+                                        </p:tgtEl>
+                                        <p:attrNameLst>
+                                          <p:attrName>ppt_x</p:attrName>
+                                        </p:attrNameLst>
+                                      </p:cBhvr>
+                                      <p:tavLst>
+                                        <p:tav tm="0">
+                                          <p:val>
+                                            <p:strVal val="#ppt_x"/>
+                                          </p:val>
+                                        </p:tav>
+                                        <p:tav tm="100000">
+                                          <p:val>
+                                            <p:strVal val="#ppt_x"/>
+                                          </p:val>
+                                        </p:tav>
+                                      </p:tavLst>
+                                    </p:anim>
+                                    <p:anim calcmode="lin" valueType="num">
+                                      <p:cBhvr additive="base">
+                                        <p:cTn id="18" dur="500" fill="hold"/>
+                                        <p:tgtEl>
+                                          <p:spTgt spid="3">
+                                            <p:txEl>
+                                              <p:pRg st="2" end="2"/>
+                                            </p:txEl>
+                                          </p:spTgt>
+                                        </p:tgtEl>
+                                        <p:attrNameLst>
+                                          <p:attrName>ppt_y</p:attrName>
+                                        </p:attrNameLst>
+                                      </p:cBhvr>
+                                      <p:tavLst>
+                                        <p:tav tm="0">
+                                          <p:val>
+                                            <p:strVal val="1+#ppt_h/2"/>
+                                          </p:val>
+                                        </p:tav>
+                                        <p:tav tm="100000">
+                                          <p:val>
+                                            <p:strVal val="#ppt_y"/>
+                                          </p:val>
+                                        </p:tav>
+                                      </p:tavLst>
+                                    </p:anim>
+                                  </p:childTnLst>
+                                </p:cTn>
+                              </p:par>
+                              <p:par>
+                                <p:cTn id="19" presetID="2" presetClass="entr" presetSubtype="4" fill="hold" nodeType="withEffect">
+                                  <p:stCondLst>
+                                    <p:cond delay="0"/>
+                                  </p:stCondLst>
+                                  <p:childTnLst>
+                                    <p:set>
+                                      <p:cBhvr>
+                                        <p:cTn id="20" dur="1" fill="hold">
+                                          <p:stCondLst>
+                                            <p:cond delay="0"/>
+                                          </p:stCondLst>
+                                        </p:cTn>
+                                        <p:tgtEl>
+                                          <p:spTgt spid="3">
+                                            <p:txEl>
+                                              <p:pRg st="3" end="3"/>
+                                            </p:txEl>
+                                          </p:spTgt>
+                                        </p:tgtEl>
+                                        <p:attrNameLst>
+                                          <p:attrName>style.visibility</p:attrName>
+                                        </p:attrNameLst>
+                                      </p:cBhvr>
+                                      <p:to>
+                                        <p:strVal val="visible"/>
+                                      </p:to>
+                                    </p:set>
+                                    <p:anim calcmode="lin" valueType="num">
+                                      <p:cBhvr additive="base">
+                                        <p:cTn id="21" dur="500" fill="hold"/>
+                                        <p:tgtEl>
+                                          <p:spTgt spid="3">
+                                            <p:txEl>
+                                              <p:pRg st="3" end="3"/>
+                                            </p:txEl>
+                                          </p:spTgt>
+                                        </p:tgtEl>
+                                        <p:attrNameLst>
+                                          <p:attrName>ppt_x</p:attrName>
+                                        </p:attrNameLst>
+                                      </p:cBhvr>
+                                      <p:tavLst>
+                                        <p:tav tm="0">
+                                          <p:val>
+                                            <p:strVal val="#ppt_x"/>
+                                          </p:val>
+                                        </p:tav>
+                                        <p:tav tm="100000">
+                                          <p:val>
+                                            <p:strVal val="#ppt_x"/>
+                                          </p:val>
+                                        </p:tav>
+                                      </p:tavLst>
+                                    </p:anim>
+                                    <p:anim calcmode="lin" valueType="num">
+                                      <p:cBhvr additive="base">
+                                        <p:cTn id="22" dur="500" fill="hold"/>
+                                        <p:tgtEl>
+                                          <p:spTgt spid="3">
+                                            <p:txEl>
+                                              <p:pRg st="3" end="3"/>
+                                            </p:txEl>
+                                          </p:spTgt>
+                                        </p:tgtEl>
+                                        <p:attrNameLst>
+                                          <p:attrName>ppt_y</p:attrName>
+                                        </p:attrNameLst>
+                                      </p:cBhvr>
+                                      <p:tavLst>
+                                        <p:tav tm="0">
+                                          <p:val>
+                                            <p:strVal val="1+#ppt_h/2"/>
+                                          </p:val>
+                                        </p:tav>
+                                        <p:tav tm="100000">
+                                          <p:val>
+                                            <p:strVal val="#ppt_y"/>
+                                          </p:val>
+                                        </p:tav>
+                                      </p:tavLst>
+                                    </p:anim>
+                                  </p:childTnLst>
+                                </p:cTn>
+                              </p:par>
+                              <p:par>
+                                <p:cTn id="23" presetID="2" presetClass="entr" presetSubtype="4" fill="hold" nodeType="withEffect">
+                                  <p:stCondLst>
+                                    <p:cond delay="0"/>
+                                  </p:stCondLst>
+                                  <p:childTnLst>
+                                    <p:set>
+                                      <p:cBhvr>
+                                        <p:cTn id="24" dur="1" fill="hold">
+                                          <p:stCondLst>
+                                            <p:cond delay="0"/>
+                                          </p:stCondLst>
+                                        </p:cTn>
+                                        <p:tgtEl>
+                                          <p:spTgt spid="3">
+                                            <p:txEl>
+                                              <p:pRg st="4" end="4"/>
+                                            </p:txEl>
+                                          </p:spTgt>
+                                        </p:tgtEl>
+                                        <p:attrNameLst>
+                                          <p:attrName>style.visibility</p:attrName>
+                                        </p:attrNameLst>
+                                      </p:cBhvr>
+                                      <p:to>
+                                        <p:strVal val="visible"/>
+                                      </p:to>
+                                    </p:set>
+                                    <p:anim calcmode="lin" valueType="num">
+                                      <p:cBhvr additive="base">
+                                        <p:cTn id="25" dur="500" fill="hold"/>
+                                        <p:tgtEl>
+                                          <p:spTgt spid="3">
+                                            <p:txEl>
+                                              <p:pRg st="4" end="4"/>
+                                            </p:txEl>
+                                          </p:spTgt>
+                                        </p:tgtEl>
+                                        <p:attrNameLst>
+                                          <p:attrName>ppt_x</p:attrName>
+                                        </p:attrNameLst>
+                                      </p:cBhvr>
+                                      <p:tavLst>
+                                        <p:tav tm="0">
+                                          <p:val>
+                                            <p:strVal val="#ppt_x"/>
+                                          </p:val>
+                                        </p:tav>
+                                        <p:tav tm="100000">
+                                          <p:val>
+                                            <p:strVal val="#ppt_x"/>
+                                          </p:val>
+                                        </p:tav>
+                                      </p:tavLst>
+                                    </p:anim>
+                                    <p:anim calcmode="lin" valueType="num">
+                                      <p:cBhvr additive="base">
+                                        <p:cTn id="26" dur="500" fill="hold"/>
+                                        <p:tgtEl>
+                                          <p:spTgt spid="3">
+                                            <p:txEl>
+                                              <p:pRg st="4" end="4"/>
+                                            </p:txEl>
+                                          </p:spTgt>
+                                        </p:tgtEl>
+                                        <p:attrNameLst>
+                                          <p:attrName>ppt_y</p:attrName>
+                                        </p:attrNameLst>
+                                      </p:cBhvr>
+                                      <p:tavLst>
+                                        <p:tav tm="0">
+                                          <p:val>
+                                            <p:strVal val="1+#ppt_h/2"/>
+                                          </p:val>
+                                        </p:tav>
+                                        <p:tav tm="100000">
+                                          <p:val>
+                                            <p:strVal val="#ppt_y"/>
+                                          </p:val>
+                                        </p:tav>
+                                      </p:tavLst>
+                                    </p:anim>
+                                  </p:childTnLst>
+                                </p:cTn>
+                              </p:par>
+                            </p:childTnLst>
+                          </p:cTn>
+                        </p:par>
+                      </p:childTnLst>
+                    </p:cTn>
+                  </p:par>
+                  <p:par>
+                    <p:cTn id="27" fill="hold">
+                      <p:stCondLst>
+                        <p:cond delay="indefinite"/>
+                      </p:stCondLst>
+                      <p:childTnLst>
+                        <p:par>
+                          <p:cTn id="28" fill="hold">
+                            <p:stCondLst>
+                              <p:cond delay="0"/>
+                            </p:stCondLst>
+                            <p:childTnLst>
+                              <p:par>
+                                <p:cTn id="29" presetID="2" presetClass="entr" presetSubtype="4" fill="hold" nodeType="clickEffect">
+                                  <p:stCondLst>
+                                    <p:cond delay="0"/>
+                                  </p:stCondLst>
+                                  <p:childTnLst>
+                                    <p:set>
+                                      <p:cBhvr>
+                                        <p:cTn id="30" dur="1" fill="hold">
+                                          <p:stCondLst>
+                                            <p:cond delay="0"/>
+                                          </p:stCondLst>
+                                        </p:cTn>
+                                        <p:tgtEl>
+                                          <p:spTgt spid="2"/>
+                                        </p:tgtEl>
+                                        <p:attrNameLst>
+                                          <p:attrName>style.visibility</p:attrName>
+                                        </p:attrNameLst>
+                                      </p:cBhvr>
+                                      <p:to>
+                                        <p:strVal val="visible"/>
+                                      </p:to>
+                                    </p:set>
+                                    <p:anim calcmode="lin" valueType="num">
+                                      <p:cBhvr additive="base">
+                                        <p:cTn id="31" dur="500" fill="hold"/>
+                                        <p:tgtEl>
+                                          <p:spTgt spid="2"/>
+                                        </p:tgtEl>
+                                        <p:attrNameLst>
+                                          <p:attrName>ppt_x</p:attrName>
+                                        </p:attrNameLst>
+                                      </p:cBhvr>
+                                      <p:tavLst>
+                                        <p:tav tm="0">
+                                          <p:val>
+                                            <p:strVal val="#ppt_x"/>
+                                          </p:val>
+                                        </p:tav>
+                                        <p:tav tm="100000">
+                                          <p:val>
+                                            <p:strVal val="#ppt_x"/>
+                                          </p:val>
+                                        </p:tav>
+                                      </p:tavLst>
+                                    </p:anim>
+                                    <p:anim calcmode="lin" valueType="num">
+                                      <p:cBhvr additive="base">
+                                        <p:cTn id="32" dur="500" fill="hold"/>
+                                        <p:tgtEl>
+                                          <p:spTgt spid="2"/>
+                                        </p:tgtEl>
+                                        <p:attrNameLst>
+                                          <p:attrName>ppt_y</p:attrName>
+                                        </p:attrNameLst>
+                                      </p:cBhvr>
+                                      <p:tavLst>
+                                        <p:tav tm="0">
+                                          <p:val>
+                                            <p:strVal val="1+#ppt_h/2"/>
+                                          </p:val>
+                                        </p:tav>
+                                        <p:tav tm="100000">
+                                          <p:val>
+                                            <p:strVal val="#ppt_y"/>
+                                          </p:val>
+                                        </p:tav>
+                                      </p:tavLst>
+                                    </p:anim>
+                                  </p:childTnLst>
+                                </p:cTn>
+                              </p:par>
+                            </p:childTnLst>
+                          </p:cTn>
+                        </p:par>
+                      </p:childTnLst>
+                    </p:cTn>
+                  </p:par>
+                </p:childTnLst>
+              </p:cTn>
+              <p:prevCondLst>
+                <p:cond evt="onPrev" delay="0">
+                  <p:tgtEl>
+                    <p:sldTgt/>
+                  </p:tgtEl>
+                </p:cond>
+              </p:prevCondLst>
+              <p:nextCondLst>
+                <p:cond evt="onNext" delay="0">
+                  <p:tgtEl>
+                    <p:sldTgt/>
+                  </p:tgtEl>
+                </p:cond>
+              </p:nextCondLst>
+            </p:seq>
+          </p:childTnLst>
+        </p:cTn>
+      </p:par>
+    </p:tnLst>
+  </p:timing>
+</p:sld>
+</file>
+
+<file path=ppt/slides/slide24.xml><?xml version="1.0" encoding="utf-8"?>
+<p:sld xmlns:a="http://schemas.openxmlformats.org/drawingml/2006/main" xmlns:r="http://schemas.openxmlformats.org/officeDocument/2006/relationships" xmlns:p="http://schemas.openxmlformats.org/presentationml/2006/main">
+  <p:cSld>
+    <p:spTree>
+      <p:nvGrpSpPr>
+        <p:cNvPr id="1" name=""/>
+        <p:cNvGrpSpPr/>
+        <p:nvPr/>
+      </p:nvGrpSpPr>
+      <p:grpSpPr>
+        <a:xfrm>
+          <a:off x="0" y="0"/>
+          <a:ext cx="0" cy="0"/>
+          <a:chOff x="0" y="0"/>
+          <a:chExt cx="0" cy="0"/>
+        </a:xfrm>
+      </p:grpSpPr>
+      <p:sp>
+        <p:nvSpPr>
+          <p:cNvPr id="3" name="内容占位符 2"/>
+          <p:cNvSpPr>
+            <a:spLocks noGrp="1"/>
+          </p:cNvSpPr>
+          <p:nvPr>
+            <p:ph idx="1"/>
+          </p:nvPr>
+        </p:nvSpPr>
+        <p:spPr/>
+        <p:txBody>
+          <a:bodyPr>
+            <a:normAutofit lnSpcReduction="10000"/>
+          </a:bodyPr>
+          <a:lstStyle/>
+          <a:p>
+            <a:r>
+              <a:rPr lang="zh-CN" altLang="en-US" dirty="0" smtClean="0"/>
+              <a:t>在</a:t>
+            </a:r>
+            <a:r>
+              <a:rPr lang="zh-CN" altLang="en-US" dirty="0" smtClean="0"/>
+              <a:t>版本回退</a:t>
+            </a:r>
+            <a:r>
+              <a:rPr lang="zh-CN" altLang="en-US" dirty="0" smtClean="0"/>
+              <a:t>里，</a:t>
+            </a:r>
+            <a:r>
+              <a:rPr lang="zh-CN" altLang="en-US" dirty="0" smtClean="0"/>
+              <a:t>我们</a:t>
+            </a:r>
+            <a:r>
+              <a:rPr lang="zh-CN" altLang="en-US" dirty="0" smtClean="0"/>
+              <a:t>已经</a:t>
+            </a:r>
+            <a:r>
+              <a:rPr lang="zh-CN" altLang="en-US" dirty="0"/>
+              <a:t>知道，每次提交，</a:t>
+            </a:r>
+            <a:r>
+              <a:rPr lang="en-US" altLang="zh-CN" dirty="0" err="1"/>
+              <a:t>Git</a:t>
+            </a:r>
+            <a:r>
+              <a:rPr lang="zh-CN" altLang="en-US" dirty="0"/>
+              <a:t>都把它们串成一条时间线，这条时间线就是一个分支。截止到目前，只有一条时间线，在</a:t>
+            </a:r>
+            <a:r>
+              <a:rPr lang="en-US" altLang="zh-CN" dirty="0" err="1"/>
+              <a:t>Git</a:t>
+            </a:r>
+            <a:r>
+              <a:rPr lang="zh-CN" altLang="en-US" dirty="0"/>
+              <a:t>里，这个分支叫主分支，即</a:t>
+            </a:r>
+            <a:r>
+              <a:rPr lang="en-US" altLang="zh-CN" dirty="0"/>
+              <a:t>master</a:t>
+            </a:r>
+            <a:r>
+              <a:rPr lang="zh-CN" altLang="en-US" dirty="0"/>
+              <a:t>分支。</a:t>
+            </a:r>
+            <a:r>
+              <a:rPr lang="en-US" altLang="zh-CN" dirty="0"/>
+              <a:t>HEAD</a:t>
+            </a:r>
+            <a:r>
+              <a:rPr lang="zh-CN" altLang="en-US" dirty="0"/>
+              <a:t>严格来说不是指向提交，而是指向</a:t>
+            </a:r>
+            <a:r>
+              <a:rPr lang="en-US" altLang="zh-CN" dirty="0"/>
+              <a:t>master</a:t>
+            </a:r>
+            <a:r>
+              <a:rPr lang="zh-CN" altLang="en-US" dirty="0"/>
+              <a:t>，</a:t>
+            </a:r>
+            <a:r>
+              <a:rPr lang="en-US" altLang="zh-CN" dirty="0"/>
+              <a:t>master</a:t>
+            </a:r>
+            <a:r>
+              <a:rPr lang="zh-CN" altLang="en-US" dirty="0"/>
+              <a:t>才是指向提交的，所以，</a:t>
+            </a:r>
+            <a:r>
+              <a:rPr lang="en-US" altLang="zh-CN" dirty="0"/>
+              <a:t>HEAD</a:t>
+            </a:r>
+            <a:r>
+              <a:rPr lang="zh-CN" altLang="en-US" dirty="0"/>
+              <a:t>指向的就是当前分支。</a:t>
+            </a:r>
+          </a:p>
+          <a:p>
+            <a:r>
+              <a:rPr lang="zh-CN" altLang="en-US" dirty="0"/>
+              <a:t>一开始的时候，</a:t>
+            </a:r>
+            <a:r>
+              <a:rPr lang="en-US" altLang="zh-CN" dirty="0"/>
+              <a:t>master</a:t>
+            </a:r>
+            <a:r>
+              <a:rPr lang="zh-CN" altLang="en-US" dirty="0"/>
+              <a:t>分支是一条线，</a:t>
+            </a:r>
+            <a:r>
+              <a:rPr lang="en-US" altLang="zh-CN" dirty="0" err="1"/>
+              <a:t>Git</a:t>
+            </a:r>
+            <a:r>
+              <a:rPr lang="zh-CN" altLang="en-US" dirty="0"/>
+              <a:t>用</a:t>
+            </a:r>
+            <a:r>
+              <a:rPr lang="en-US" altLang="zh-CN" dirty="0"/>
+              <a:t>master</a:t>
+            </a:r>
+            <a:r>
+              <a:rPr lang="zh-CN" altLang="en-US" dirty="0"/>
+              <a:t>指向最新的提交，再用</a:t>
+            </a:r>
+            <a:r>
+              <a:rPr lang="en-US" altLang="zh-CN" dirty="0"/>
+              <a:t>HEAD</a:t>
+            </a:r>
+            <a:r>
+              <a:rPr lang="zh-CN" altLang="en-US" dirty="0"/>
+              <a:t>指向</a:t>
+            </a:r>
+            <a:r>
+              <a:rPr lang="en-US" altLang="zh-CN" dirty="0"/>
+              <a:t>master</a:t>
+            </a:r>
+            <a:r>
+              <a:rPr lang="zh-CN" altLang="en-US" dirty="0"/>
+              <a:t>，就能确定当前分支，以及当前分支的</a:t>
+            </a:r>
+            <a:r>
+              <a:rPr lang="zh-CN" altLang="en-US" dirty="0" smtClean="0"/>
+              <a:t>提交点：</a:t>
+            </a:r>
+            <a:r>
+              <a:rPr lang="zh-CN" altLang="en-US" dirty="0"/>
+              <a:t>每次提交，</a:t>
+            </a:r>
+            <a:r>
+              <a:rPr lang="en-US" altLang="zh-CN" dirty="0"/>
+              <a:t>master</a:t>
+            </a:r>
+            <a:r>
+              <a:rPr lang="zh-CN" altLang="en-US" dirty="0"/>
+              <a:t>分支都会向前移动一步，这样，</a:t>
+            </a:r>
+            <a:r>
+              <a:rPr lang="zh-CN" altLang="en-US" dirty="0" smtClean="0"/>
+              <a:t>随着</a:t>
+            </a:r>
+            <a:r>
+              <a:rPr lang="zh-CN" altLang="en-US" dirty="0" smtClean="0"/>
+              <a:t>我们</a:t>
+            </a:r>
+            <a:r>
+              <a:rPr lang="zh-CN" altLang="en-US" dirty="0" smtClean="0"/>
+              <a:t>不断</a:t>
+            </a:r>
+            <a:r>
+              <a:rPr lang="zh-CN" altLang="en-US" dirty="0"/>
+              <a:t>提交，</a:t>
+            </a:r>
+            <a:r>
+              <a:rPr lang="en-US" altLang="zh-CN" dirty="0"/>
+              <a:t>master</a:t>
+            </a:r>
+            <a:r>
+              <a:rPr lang="zh-CN" altLang="en-US" dirty="0"/>
+              <a:t>分支的线也越来越长</a:t>
+            </a:r>
+            <a:endParaRPr lang="zh-CN" altLang="en-US" dirty="0" smtClean="0"/>
+          </a:p>
+          <a:p>
+            <a:pPr marL="0" indent="0">
+              <a:buNone/>
+            </a:pPr>
+            <a:r>
+              <a:rPr lang="zh-CN" altLang="en-US" dirty="0"/>
+              <a:t/>
+            </a:r>
+            <a:br>
+              <a:rPr lang="zh-CN" altLang="en-US" dirty="0"/>
+            </a:br>
+            <a:endParaRPr kumimoji="1" lang="zh-CN" altLang="en-US" dirty="0"/>
+          </a:p>
+        </p:txBody>
+      </p:sp>
+      <p:pic>
+        <p:nvPicPr>
+          <p:cNvPr id="4" name="图片 3"/>
+          <p:cNvPicPr>
+            <a:picLocks noChangeAspect="1"/>
+          </p:cNvPicPr>
+          <p:nvPr/>
+        </p:nvPicPr>
+        <p:blipFill>
+          <a:blip r:embed="rId2"/>
+          <a:stretch>
+            <a:fillRect/>
+          </a:stretch>
+        </p:blipFill>
+        <p:spPr>
+          <a:xfrm>
+            <a:off x="4735444" y="2301737"/>
+            <a:ext cx="4470400" cy="2095500"/>
+          </a:xfrm>
+          <a:prstGeom prst="rect">
+            <a:avLst/>
+          </a:prstGeom>
+        </p:spPr>
+      </p:pic>
+      <p:sp>
+        <p:nvSpPr>
+          <p:cNvPr id="5" name="标题 1"/>
+          <p:cNvSpPr txBox="1">
+            <a:spLocks/>
+          </p:cNvSpPr>
+          <p:nvPr/>
+        </p:nvSpPr>
+        <p:spPr>
+          <a:xfrm>
+            <a:off x="373626" y="309716"/>
+            <a:ext cx="7590503" cy="840658"/>
+          </a:xfrm>
+          <a:prstGeom prst="rect">
+            <a:avLst/>
+          </a:prstGeom>
+        </p:spPr>
+        <p:txBody>
+          <a:bodyPr vert="horz" lIns="91440" tIns="45720" rIns="91440" bIns="45720" rtlCol="0" anchor="ctr">
+            <a:normAutofit/>
+          </a:bodyPr>
+          <a:lstStyle>
+            <a:lvl1pPr algn="l" defTabSz="914400" rtl="0" eaLnBrk="1" latinLnBrk="0" hangingPunct="1">
+              <a:lnSpc>
+                <a:spcPct val="90000"/>
+              </a:lnSpc>
+              <a:spcBef>
+                <a:spcPct val="0"/>
+              </a:spcBef>
+              <a:buNone/>
+              <a:defRPr sz="4400" kern="1200">
+                <a:solidFill>
+                  <a:schemeClr val="tx1"/>
+                </a:solidFill>
+                <a:latin typeface="+mj-lt"/>
+                <a:ea typeface="+mj-ea"/>
+                <a:cs typeface="+mj-cs"/>
+              </a:defRPr>
+            </a:lvl1pPr>
+          </a:lstStyle>
+          <a:p>
+            <a:r>
+              <a:rPr kumimoji="1" lang="en-US" altLang="zh-CN" sz="5000" dirty="0" smtClean="0"/>
+              <a:t>GIT</a:t>
+            </a:r>
+            <a:r>
+              <a:rPr kumimoji="1" lang="zh-CN" altLang="en-US" sz="5000" dirty="0" smtClean="0"/>
+              <a:t>创建与合并分支</a:t>
+            </a:r>
+          </a:p>
+        </p:txBody>
+      </p:sp>
+    </p:spTree>
+    <p:extLst>
+      <p:ext uri="{BB962C8B-B14F-4D97-AF65-F5344CB8AC3E}">
+        <p14:creationId xmlns:p14="http://schemas.microsoft.com/office/powerpoint/2010/main" val="675636918"/>
+      </p:ext>
+    </p:extLst>
+  </p:cSld>
+  <p:clrMapOvr>
+    <a:masterClrMapping/>
+  </p:clrMapOvr>
+  <p:timing>
+    <p:tnLst>
+      <p:par>
+        <p:cTn id="1" dur="indefinite" restart="never" nodeType="tmRoot">
+          <p:childTnLst>
+            <p:seq concurrent="1" nextAc="seek">
+              <p:cTn id="2" dur="indefinite" nodeType="mainSeq">
+                <p:childTnLst>
+                  <p:par>
+                    <p:cTn id="3" fill="hold">
+                      <p:stCondLst>
+                        <p:cond delay="indefinite"/>
+                      </p:stCondLst>
+                      <p:childTnLst>
+                        <p:par>
+                          <p:cTn id="4" fill="hold">
+                            <p:stCondLst>
+                              <p:cond delay="0"/>
+                            </p:stCondLst>
+                            <p:childTnLst>
+                              <p:par>
+                                <p:cTn id="5" presetID="1" presetClass="entr" presetSubtype="0" fill="hold" grpId="0" nodeType="clickEffect">
+                                  <p:stCondLst>
+                                    <p:cond delay="0"/>
+                                  </p:stCondLst>
+                                  <p:childTnLst>
+                                    <p:set>
+                                      <p:cBhvr>
+                                        <p:cTn id="6" dur="1" fill="hold">
+                                          <p:stCondLst>
+                                            <p:cond delay="0"/>
+                                          </p:stCondLst>
+                                        </p:cTn>
+                                        <p:tgtEl>
+                                          <p:spTgt spid="3">
+                                            <p:txEl>
+                                              <p:pRg st="0" end="0"/>
+                                            </p:txEl>
+                                          </p:spTgt>
+                                        </p:tgtEl>
+                                        <p:attrNameLst>
+                                          <p:attrName>style.visibility</p:attrName>
+                                        </p:attrNameLst>
+                                      </p:cBhvr>
+                                      <p:to>
+                                        <p:strVal val="visible"/>
+                                      </p:to>
+                                    </p:set>
+                                  </p:childTnLst>
+                                </p:cTn>
+                              </p:par>
+                            </p:childTnLst>
+                          </p:cTn>
+                        </p:par>
+                      </p:childTnLst>
+                    </p:cTn>
+                  </p:par>
+                  <p:par>
+                    <p:cTn id="7" fill="hold">
+                      <p:stCondLst>
+                        <p:cond delay="indefinite"/>
+                      </p:stCondLst>
+                      <p:childTnLst>
+                        <p:par>
+                          <p:cTn id="8" fill="hold">
+                            <p:stCondLst>
+                              <p:cond delay="0"/>
+                            </p:stCondLst>
+                            <p:childTnLst>
+                              <p:par>
+                                <p:cTn id="9" presetID="1" presetClass="entr" presetSubtype="0" fill="hold" grpId="0" nodeType="clickEffect">
+                                  <p:stCondLst>
+                                    <p:cond delay="0"/>
+                                  </p:stCondLst>
+                                  <p:childTnLst>
+                                    <p:set>
+                                      <p:cBhvr>
+                                        <p:cTn id="10" dur="1" fill="hold">
+                                          <p:stCondLst>
+                                            <p:cond delay="0"/>
+                                          </p:stCondLst>
+                                        </p:cTn>
+                                        <p:tgtEl>
+                                          <p:spTgt spid="3">
+                                            <p:txEl>
+                                              <p:pRg st="1" end="1"/>
+                                            </p:txEl>
+                                          </p:spTgt>
+                                        </p:tgtEl>
+                                        <p:attrNameLst>
+                                          <p:attrName>style.visibility</p:attrName>
+                                        </p:attrNameLst>
+                                      </p:cBhvr>
+                                      <p:to>
+                                        <p:strVal val="visible"/>
+                                      </p:to>
+                                    </p:set>
+                                  </p:childTnLst>
+                                </p:cTn>
+                              </p:par>
+                            </p:childTnLst>
+                          </p:cTn>
+                        </p:par>
+                      </p:childTnLst>
+                    </p:cTn>
+                  </p:par>
+                  <p:par>
+                    <p:cTn id="11" fill="hold">
+                      <p:stCondLst>
+                        <p:cond delay="indefinite"/>
+                      </p:stCondLst>
+                      <p:childTnLst>
+                        <p:par>
+                          <p:cTn id="12" fill="hold">
+                            <p:stCondLst>
+                              <p:cond delay="0"/>
+                            </p:stCondLst>
+                            <p:childTnLst>
+                              <p:par>
+                                <p:cTn id="13" presetID="1" presetClass="entr" presetSubtype="0" fill="hold" grpId="0" nodeType="clickEffect">
+                                  <p:stCondLst>
+                                    <p:cond delay="0"/>
+                                  </p:stCondLst>
+                                  <p:childTnLst>
+                                    <p:set>
+                                      <p:cBhvr>
+                                        <p:cTn id="14" dur="1" fill="hold">
+                                          <p:stCondLst>
+                                            <p:cond delay="0"/>
+                                          </p:stCondLst>
+                                        </p:cTn>
+                                        <p:tgtEl>
+                                          <p:spTgt spid="3">
+                                            <p:txEl>
+                                              <p:pRg st="2" end="2"/>
+                                            </p:txEl>
+                                          </p:spTgt>
+                                        </p:tgtEl>
+                                        <p:attrNameLst>
+                                          <p:attrName>style.visibility</p:attrName>
+                                        </p:attrNameLst>
+                                      </p:cBhvr>
+                                      <p:to>
+                                        <p:strVal val="visible"/>
+                                      </p:to>
+                                    </p:set>
+                                  </p:childTnLst>
+                                </p:cTn>
+                              </p:par>
+                            </p:childTnLst>
+                          </p:cTn>
+                        </p:par>
+                      </p:childTnLst>
+                    </p:cTn>
+                  </p:par>
+                  <p:par>
+                    <p:cTn id="15" fill="hold">
+                      <p:stCondLst>
+                        <p:cond delay="indefinite"/>
+                      </p:stCondLst>
+                      <p:childTnLst>
+                        <p:par>
+                          <p:cTn id="16" fill="hold">
+                            <p:stCondLst>
+                              <p:cond delay="0"/>
+                            </p:stCondLst>
+                            <p:childTnLst>
+                              <p:par>
+                                <p:cTn id="17" presetID="1" presetClass="entr" presetSubtype="0" fill="hold" nodeType="clickEffect">
+                                  <p:stCondLst>
+                                    <p:cond delay="0"/>
+                                  </p:stCondLst>
+                                  <p:childTnLst>
+                                    <p:set>
+                                      <p:cBhvr>
+                                        <p:cTn id="18" dur="1" fill="hold">
+                                          <p:stCondLst>
+                                            <p:cond delay="0"/>
+                                          </p:stCondLst>
+                                        </p:cTn>
+                                        <p:tgtEl>
+                                          <p:spTgt spid="4"/>
+                                        </p:tgtEl>
+                                        <p:attrNameLst>
+                                          <p:attrName>style.visibility</p:attrName>
+                                        </p:attrNameLst>
+                                      </p:cBhvr>
+                                      <p:to>
+                                        <p:strVal val="visible"/>
+                                      </p:to>
+                                    </p:set>
+                                  </p:childTnLst>
+                                </p:cTn>
+                              </p:par>
+                            </p:childTnLst>
+                          </p:cTn>
+                        </p:par>
+                      </p:childTnLst>
+                    </p:cTn>
+                  </p:par>
+                </p:childTnLst>
+              </p:cTn>
+              <p:prevCondLst>
+                <p:cond evt="onPrev" delay="0">
+                  <p:tgtEl>
+                    <p:sldTgt/>
+                  </p:tgtEl>
+                </p:cond>
+              </p:prevCondLst>
+              <p:nextCondLst>
+                <p:cond evt="onNext" delay="0">
+                  <p:tgtEl>
+                    <p:sldTgt/>
+                  </p:tgtEl>
+                </p:cond>
+              </p:nextCondLst>
+            </p:seq>
+          </p:childTnLst>
+        </p:cTn>
+      </p:par>
+    </p:tnLst>
+    <p:bldLst>
+      <p:bldP spid="3" grpId="0" build="p"/>
+    </p:bldLst>
+  </p:timing>
+</p:sld>
+</file>
+
+<file path=ppt/slides/slide25.xml><?xml version="1.0" encoding="utf-8"?>
+<p:sld xmlns:a="http://schemas.openxmlformats.org/drawingml/2006/main" xmlns:r="http://schemas.openxmlformats.org/officeDocument/2006/relationships" xmlns:p="http://schemas.openxmlformats.org/presentationml/2006/main">
+  <p:cSld>
+    <p:spTree>
+      <p:nvGrpSpPr>
+        <p:cNvPr id="1" name=""/>
+        <p:cNvGrpSpPr/>
+        <p:nvPr/>
+      </p:nvGrpSpPr>
+      <p:grpSpPr>
+        <a:xfrm>
+          <a:off x="0" y="0"/>
+          <a:ext cx="0" cy="0"/>
+          <a:chOff x="0" y="0"/>
+          <a:chExt cx="0" cy="0"/>
+        </a:xfrm>
+      </p:grpSpPr>
+      <p:sp>
+        <p:nvSpPr>
+          <p:cNvPr id="3" name="内容占位符 2"/>
+          <p:cNvSpPr>
+            <a:spLocks noGrp="1"/>
+          </p:cNvSpPr>
+          <p:nvPr>
+            <p:ph idx="1"/>
+          </p:nvPr>
+        </p:nvSpPr>
+        <p:spPr>
+          <a:xfrm>
+            <a:off x="838200" y="1150374"/>
+            <a:ext cx="10515600" cy="5026589"/>
+          </a:xfrm>
+        </p:spPr>
+        <p:txBody>
+          <a:bodyPr>
+            <a:normAutofit fontScale="92500" lnSpcReduction="20000"/>
+          </a:bodyPr>
+          <a:lstStyle/>
+          <a:p>
+            <a:r>
+              <a:rPr lang="zh-CN" altLang="en-US" dirty="0"/>
+              <a:t>当我们创建新的分支，例如</a:t>
+            </a:r>
+            <a:r>
+              <a:rPr lang="en-US" altLang="zh-CN" dirty="0" err="1"/>
+              <a:t>dev</a:t>
+            </a:r>
+            <a:r>
+              <a:rPr lang="zh-CN" altLang="en-US" dirty="0"/>
+              <a:t>时，</a:t>
+            </a:r>
+            <a:r>
+              <a:rPr lang="en-US" altLang="zh-CN" dirty="0" err="1"/>
+              <a:t>Git</a:t>
+            </a:r>
+            <a:r>
+              <a:rPr lang="zh-CN" altLang="en-US" dirty="0"/>
+              <a:t>新建了一个指针叫</a:t>
+            </a:r>
+            <a:r>
+              <a:rPr lang="en-US" altLang="zh-CN" dirty="0" err="1"/>
+              <a:t>dev</a:t>
+            </a:r>
+            <a:r>
+              <a:rPr lang="zh-CN" altLang="en-US" dirty="0"/>
+              <a:t>，指向</a:t>
+            </a:r>
+            <a:r>
+              <a:rPr lang="en-US" altLang="zh-CN" dirty="0"/>
+              <a:t>master</a:t>
+            </a:r>
+            <a:r>
+              <a:rPr lang="zh-CN" altLang="en-US" dirty="0"/>
+              <a:t>相同的提交，再把</a:t>
+            </a:r>
+            <a:r>
+              <a:rPr lang="en-US" altLang="zh-CN" dirty="0"/>
+              <a:t>HEAD</a:t>
+            </a:r>
+            <a:r>
+              <a:rPr lang="zh-CN" altLang="en-US" dirty="0"/>
+              <a:t>指向</a:t>
+            </a:r>
+            <a:r>
+              <a:rPr lang="en-US" altLang="zh-CN" dirty="0" err="1"/>
+              <a:t>dev</a:t>
+            </a:r>
+            <a:r>
+              <a:rPr lang="zh-CN" altLang="en-US" dirty="0"/>
+              <a:t>，就表示当前分支在</a:t>
+            </a:r>
+            <a:r>
+              <a:rPr lang="en-US" altLang="zh-CN" dirty="0" err="1"/>
+              <a:t>dev</a:t>
+            </a:r>
+            <a:r>
+              <a:rPr lang="zh-CN" altLang="en-US" dirty="0"/>
+              <a:t>上</a:t>
+            </a:r>
+            <a:r>
+              <a:rPr lang="zh-CN" altLang="en-US" dirty="0" smtClean="0"/>
+              <a:t>：</a:t>
+            </a:r>
+          </a:p>
+          <a:p>
+            <a:r>
+              <a:rPr kumimoji="1" lang="zh-CN" altLang="en-US" dirty="0" smtClean="0"/>
+              <a:t>创建分支：</a:t>
+            </a:r>
+            <a:r>
+              <a:rPr kumimoji="1" lang="en-US" altLang="zh-CN" dirty="0" err="1" smtClean="0"/>
+              <a:t>git</a:t>
+            </a:r>
+            <a:r>
+              <a:rPr kumimoji="1" lang="zh-CN" altLang="en-US" dirty="0" smtClean="0"/>
+              <a:t> </a:t>
+            </a:r>
+            <a:r>
+              <a:rPr kumimoji="1" lang="en-US" altLang="zh-CN" dirty="0" smtClean="0"/>
+              <a:t>branch</a:t>
+            </a:r>
+            <a:r>
+              <a:rPr kumimoji="1" lang="zh-CN" altLang="en-US" dirty="0"/>
+              <a:t> </a:t>
+            </a:r>
+            <a:r>
+              <a:rPr kumimoji="1" lang="en-US" altLang="zh-CN" dirty="0" err="1" smtClean="0"/>
+              <a:t>dev</a:t>
+            </a:r>
+            <a:endParaRPr kumimoji="1" lang="zh-CN" altLang="en-US" dirty="0" smtClean="0"/>
+          </a:p>
+          <a:p>
+            <a:r>
+              <a:rPr kumimoji="1" lang="zh-CN" altLang="en-US" dirty="0" smtClean="0"/>
+              <a:t>切换到分支：</a:t>
+            </a:r>
+            <a:r>
+              <a:rPr kumimoji="1" lang="en-US" altLang="zh-CN" dirty="0" err="1" smtClean="0"/>
+              <a:t>git</a:t>
+            </a:r>
+            <a:r>
+              <a:rPr kumimoji="1" lang="zh-CN" altLang="en-US" dirty="0" smtClean="0"/>
+              <a:t> </a:t>
+            </a:r>
+            <a:r>
+              <a:rPr kumimoji="1" lang="en-US" altLang="zh-CN" dirty="0" smtClean="0"/>
+              <a:t>checkout</a:t>
+            </a:r>
+            <a:r>
+              <a:rPr kumimoji="1" lang="zh-CN" altLang="en-US" dirty="0" smtClean="0"/>
+              <a:t> </a:t>
+            </a:r>
+            <a:r>
+              <a:rPr kumimoji="1" lang="en-US" altLang="zh-CN" dirty="0" err="1" smtClean="0"/>
+              <a:t>dev</a:t>
+            </a:r>
+            <a:endParaRPr kumimoji="1" lang="zh-CN" altLang="en-US" dirty="0"/>
+          </a:p>
+          <a:p>
+            <a:r>
+              <a:rPr kumimoji="1" lang="zh-CN" altLang="en-US" dirty="0" smtClean="0"/>
+              <a:t>以上两</a:t>
+            </a:r>
+            <a:r>
+              <a:rPr kumimoji="1" lang="zh-CN" altLang="en-US" dirty="0" smtClean="0"/>
+              <a:t>步</a:t>
+            </a:r>
+            <a:r>
+              <a:rPr kumimoji="1" lang="zh-CN" altLang="en-US" dirty="0" smtClean="0"/>
+              <a:t>可</a:t>
+            </a:r>
+            <a:r>
+              <a:rPr kumimoji="1" lang="zh-CN" altLang="en-US" dirty="0"/>
+              <a:t>用 </a:t>
+            </a:r>
+            <a:r>
+              <a:rPr lang="en-US" altLang="zh-CN" dirty="0" err="1"/>
+              <a:t>git</a:t>
+            </a:r>
+            <a:r>
+              <a:rPr lang="en-US" altLang="zh-CN" dirty="0"/>
+              <a:t> checkout -b </a:t>
+            </a:r>
+            <a:r>
+              <a:rPr lang="en-US" altLang="zh-CN" dirty="0" err="1" smtClean="0"/>
+              <a:t>dev</a:t>
+            </a:r>
+            <a:r>
+              <a:rPr lang="zh-CN" altLang="en-US" dirty="0" smtClean="0"/>
+              <a:t>一</a:t>
+            </a:r>
+            <a:r>
+              <a:rPr lang="zh-CN" altLang="en-US" dirty="0"/>
+              <a:t>步</a:t>
+            </a:r>
+            <a:r>
+              <a:rPr lang="zh-CN" altLang="en-US" dirty="0" smtClean="0"/>
+              <a:t>到位</a:t>
+            </a:r>
+          </a:p>
+          <a:p>
+            <a:endParaRPr lang="zh-CN" altLang="en-US" dirty="0" smtClean="0"/>
+          </a:p>
+          <a:p>
+            <a:endParaRPr lang="zh-CN" altLang="en-US" dirty="0"/>
+          </a:p>
+          <a:p>
+            <a:endParaRPr lang="zh-CN" altLang="en-US" dirty="0" smtClean="0"/>
+          </a:p>
+          <a:p>
+            <a:endParaRPr lang="zh-CN" altLang="en-US" dirty="0"/>
+          </a:p>
+          <a:p>
+            <a:endParaRPr lang="zh-CN" altLang="en-US" dirty="0" smtClean="0"/>
+          </a:p>
+          <a:p>
+            <a:r>
+              <a:rPr lang="en-US" altLang="zh-CN" dirty="0" err="1" smtClean="0"/>
+              <a:t>Git</a:t>
+            </a:r>
+            <a:r>
+              <a:rPr lang="zh-CN" altLang="en-US" dirty="0"/>
+              <a:t>创建一个分支很快，因为除了增加一个</a:t>
+            </a:r>
+            <a:r>
+              <a:rPr lang="en-US" altLang="zh-CN" dirty="0" err="1"/>
+              <a:t>dev</a:t>
+            </a:r>
+            <a:r>
+              <a:rPr lang="zh-CN" altLang="en-US" dirty="0"/>
+              <a:t>指针，改改</a:t>
+            </a:r>
+            <a:r>
+              <a:rPr lang="en-US" altLang="zh-CN" dirty="0"/>
+              <a:t>HEAD</a:t>
+            </a:r>
+            <a:r>
+              <a:rPr lang="zh-CN" altLang="en-US" dirty="0"/>
+              <a:t>的指向，工作区的文件都没有任何变化！</a:t>
+            </a:r>
+            <a:endParaRPr kumimoji="1" lang="zh-CN" altLang="en-US" dirty="0"/>
+          </a:p>
+          <a:p>
+            <a:endParaRPr kumimoji="1" lang="zh-CN" altLang="en-US" dirty="0"/>
+          </a:p>
+        </p:txBody>
+      </p:sp>
+      <p:pic>
+        <p:nvPicPr>
+          <p:cNvPr id="4" name="图片 3"/>
+          <p:cNvPicPr>
+            <a:picLocks noChangeAspect="1"/>
+          </p:cNvPicPr>
+          <p:nvPr/>
+        </p:nvPicPr>
+        <p:blipFill>
+          <a:blip r:embed="rId2"/>
+          <a:stretch>
+            <a:fillRect/>
+          </a:stretch>
+        </p:blipFill>
+        <p:spPr>
+          <a:xfrm>
+            <a:off x="6344674" y="1825625"/>
+            <a:ext cx="5473700" cy="3136900"/>
+          </a:xfrm>
+          <a:prstGeom prst="rect">
+            <a:avLst/>
+          </a:prstGeom>
+        </p:spPr>
+      </p:pic>
+      <p:sp>
+        <p:nvSpPr>
+          <p:cNvPr id="5" name="标题 1"/>
+          <p:cNvSpPr txBox="1">
+            <a:spLocks/>
+          </p:cNvSpPr>
+          <p:nvPr/>
+        </p:nvSpPr>
+        <p:spPr>
+          <a:xfrm>
+            <a:off x="373626" y="309716"/>
+            <a:ext cx="7590503" cy="840658"/>
+          </a:xfrm>
+          <a:prstGeom prst="rect">
+            <a:avLst/>
+          </a:prstGeom>
+        </p:spPr>
+        <p:txBody>
+          <a:bodyPr vert="horz" lIns="91440" tIns="45720" rIns="91440" bIns="45720" rtlCol="0" anchor="ctr">
+            <a:normAutofit/>
+          </a:bodyPr>
+          <a:lstStyle>
+            <a:lvl1pPr algn="l" defTabSz="914400" rtl="0" eaLnBrk="1" latinLnBrk="0" hangingPunct="1">
+              <a:lnSpc>
+                <a:spcPct val="90000"/>
+              </a:lnSpc>
+              <a:spcBef>
+                <a:spcPct val="0"/>
+              </a:spcBef>
+              <a:buNone/>
+              <a:defRPr sz="4400" kern="1200">
+                <a:solidFill>
+                  <a:schemeClr val="tx1"/>
+                </a:solidFill>
+                <a:latin typeface="+mj-lt"/>
+                <a:ea typeface="+mj-ea"/>
+                <a:cs typeface="+mj-cs"/>
+              </a:defRPr>
+            </a:lvl1pPr>
+          </a:lstStyle>
+          <a:p>
+            <a:r>
+              <a:rPr kumimoji="1" lang="en-US" altLang="zh-CN" sz="5000" dirty="0" smtClean="0"/>
+              <a:t>GIT</a:t>
+            </a:r>
+            <a:r>
+              <a:rPr kumimoji="1" lang="zh-CN" altLang="en-US" sz="5000" dirty="0" smtClean="0"/>
+              <a:t>创建与合并分支</a:t>
+            </a:r>
+          </a:p>
+        </p:txBody>
+      </p:sp>
+    </p:spTree>
+    <p:extLst>
+      <p:ext uri="{BB962C8B-B14F-4D97-AF65-F5344CB8AC3E}">
+        <p14:creationId xmlns:p14="http://schemas.microsoft.com/office/powerpoint/2010/main" val="202186647"/>
+      </p:ext>
+    </p:extLst>
+  </p:cSld>
+  <p:clrMapOvr>
+    <a:masterClrMapping/>
+  </p:clrMapOvr>
+  <p:timing>
+    <p:tnLst>
+      <p:par>
+        <p:cTn id="1" dur="indefinite" restart="never" nodeType="tmRoot">
+          <p:childTnLst>
+            <p:seq concurrent="1" nextAc="seek">
+              <p:cTn id="2" dur="indefinite" nodeType="mainSeq">
+                <p:childTnLst>
+                  <p:par>
+                    <p:cTn id="3" fill="hold">
+                      <p:stCondLst>
+                        <p:cond delay="indefinite"/>
+                      </p:stCondLst>
+                      <p:childTnLst>
+                        <p:par>
+                          <p:cTn id="4" fill="hold">
+                            <p:stCondLst>
+                              <p:cond delay="0"/>
+                            </p:stCondLst>
+                            <p:childTnLst>
+                              <p:par>
+                                <p:cTn id="5" presetID="6" presetClass="entr" presetSubtype="16" fill="hold" nodeType="clickEffect">
+                                  <p:stCondLst>
+                                    <p:cond delay="0"/>
+                                  </p:stCondLst>
+                                  <p:childTnLst>
+                                    <p:set>
+                                      <p:cBhvr>
+                                        <p:cTn id="6" dur="1" fill="hold">
+                                          <p:stCondLst>
+                                            <p:cond delay="0"/>
+                                          </p:stCondLst>
+                                        </p:cTn>
+                                        <p:tgtEl>
+                                          <p:spTgt spid="3">
+                                            <p:txEl>
+                                              <p:pRg st="0" end="0"/>
+                                            </p:txEl>
+                                          </p:spTgt>
+                                        </p:tgtEl>
+                                        <p:attrNameLst>
+                                          <p:attrName>style.visibility</p:attrName>
+                                        </p:attrNameLst>
+                                      </p:cBhvr>
+                                      <p:to>
+                                        <p:strVal val="visible"/>
+                                      </p:to>
+                                    </p:set>
+                                    <p:animEffect transition="in" filter="circle(in)">
+                                      <p:cBhvr>
+                                        <p:cTn id="7" dur="2000"/>
+                                        <p:tgtEl>
+                                          <p:spTgt spid="3">
+                                            <p:txEl>
+                                              <p:pRg st="0" end="0"/>
+                                            </p:txEl>
+                                          </p:spTgt>
+                                        </p:tgtEl>
+                                      </p:cBhvr>
+                                    </p:animEffect>
+                                  </p:childTnLst>
+                                </p:cTn>
+                              </p:par>
+                            </p:childTnLst>
+                          </p:cTn>
+                        </p:par>
+                      </p:childTnLst>
+                    </p:cTn>
+                  </p:par>
+                  <p:par>
+                    <p:cTn id="8" fill="hold">
+                      <p:stCondLst>
+                        <p:cond delay="indefinite"/>
+                      </p:stCondLst>
+                      <p:childTnLst>
+                        <p:par>
+                          <p:cTn id="9" fill="hold">
+                            <p:stCondLst>
+                              <p:cond delay="0"/>
+                            </p:stCondLst>
+                            <p:childTnLst>
+                              <p:par>
+                                <p:cTn id="10" presetID="6" presetClass="entr" presetSubtype="16" fill="hold" nodeType="clickEffect">
+                                  <p:stCondLst>
+                                    <p:cond delay="0"/>
+                                  </p:stCondLst>
+                                  <p:childTnLst>
+                                    <p:set>
+                                      <p:cBhvr>
+                                        <p:cTn id="11" dur="1" fill="hold">
+                                          <p:stCondLst>
+                                            <p:cond delay="0"/>
+                                          </p:stCondLst>
+                                        </p:cTn>
+                                        <p:tgtEl>
+                                          <p:spTgt spid="3">
+                                            <p:txEl>
+                                              <p:pRg st="1" end="1"/>
+                                            </p:txEl>
+                                          </p:spTgt>
+                                        </p:tgtEl>
+                                        <p:attrNameLst>
+                                          <p:attrName>style.visibility</p:attrName>
+                                        </p:attrNameLst>
+                                      </p:cBhvr>
+                                      <p:to>
+                                        <p:strVal val="visible"/>
+                                      </p:to>
+                                    </p:set>
+                                    <p:animEffect transition="in" filter="circle(in)">
+                                      <p:cBhvr>
+                                        <p:cTn id="12" dur="2000"/>
+                                        <p:tgtEl>
+                                          <p:spTgt spid="3">
+                                            <p:txEl>
+                                              <p:pRg st="1" end="1"/>
+                                            </p:txEl>
+                                          </p:spTgt>
+                                        </p:tgtEl>
+                                      </p:cBhvr>
+                                    </p:animEffect>
+                                  </p:childTnLst>
+                                </p:cTn>
+                              </p:par>
+                            </p:childTnLst>
+                          </p:cTn>
+                        </p:par>
+                      </p:childTnLst>
+                    </p:cTn>
+                  </p:par>
+                  <p:par>
+                    <p:cTn id="13" fill="hold">
+                      <p:stCondLst>
+                        <p:cond delay="indefinite"/>
+                      </p:stCondLst>
+                      <p:childTnLst>
+                        <p:par>
+                          <p:cTn id="14" fill="hold">
+                            <p:stCondLst>
+                              <p:cond delay="0"/>
+                            </p:stCondLst>
+                            <p:childTnLst>
+                              <p:par>
+                                <p:cTn id="15" presetID="6" presetClass="entr" presetSubtype="16" fill="hold" nodeType="clickEffect">
+                                  <p:stCondLst>
+                                    <p:cond delay="0"/>
+                                  </p:stCondLst>
+                                  <p:childTnLst>
+                                    <p:set>
+                                      <p:cBhvr>
+                                        <p:cTn id="16" dur="1" fill="hold">
+                                          <p:stCondLst>
+                                            <p:cond delay="0"/>
+                                          </p:stCondLst>
+                                        </p:cTn>
+                                        <p:tgtEl>
+                                          <p:spTgt spid="3">
+                                            <p:txEl>
+                                              <p:pRg st="2" end="2"/>
+                                            </p:txEl>
+                                          </p:spTgt>
+                                        </p:tgtEl>
+                                        <p:attrNameLst>
+                                          <p:attrName>style.visibility</p:attrName>
+                                        </p:attrNameLst>
+                                      </p:cBhvr>
+                                      <p:to>
+                                        <p:strVal val="visible"/>
+                                      </p:to>
+                                    </p:set>
+                                    <p:animEffect transition="in" filter="circle(in)">
+                                      <p:cBhvr>
+                                        <p:cTn id="17" dur="2000"/>
+                                        <p:tgtEl>
+                                          <p:spTgt spid="3">
+                                            <p:txEl>
+                                              <p:pRg st="2" end="2"/>
+                                            </p:txEl>
+                                          </p:spTgt>
+                                        </p:tgtEl>
+                                      </p:cBhvr>
+                                    </p:animEffect>
+                                  </p:childTnLst>
+                                </p:cTn>
+                              </p:par>
+                            </p:childTnLst>
+                          </p:cTn>
+                        </p:par>
+                      </p:childTnLst>
+                    </p:cTn>
+                  </p:par>
+                  <p:par>
+                    <p:cTn id="18" fill="hold">
+                      <p:stCondLst>
+                        <p:cond delay="indefinite"/>
+                      </p:stCondLst>
+                      <p:childTnLst>
+                        <p:par>
+                          <p:cTn id="19" fill="hold">
+                            <p:stCondLst>
+                              <p:cond delay="0"/>
+                            </p:stCondLst>
+                            <p:childTnLst>
+                              <p:par>
+                                <p:cTn id="20" presetID="6" presetClass="entr" presetSubtype="16" fill="hold" nodeType="clickEffect">
+                                  <p:stCondLst>
+                                    <p:cond delay="0"/>
+                                  </p:stCondLst>
+                                  <p:childTnLst>
+                                    <p:set>
+                                      <p:cBhvr>
+                                        <p:cTn id="21" dur="1" fill="hold">
+                                          <p:stCondLst>
+                                            <p:cond delay="0"/>
+                                          </p:stCondLst>
+                                        </p:cTn>
+                                        <p:tgtEl>
+                                          <p:spTgt spid="3">
+                                            <p:txEl>
+                                              <p:pRg st="3" end="3"/>
+                                            </p:txEl>
+                                          </p:spTgt>
+                                        </p:tgtEl>
+                                        <p:attrNameLst>
+                                          <p:attrName>style.visibility</p:attrName>
+                                        </p:attrNameLst>
+                                      </p:cBhvr>
+                                      <p:to>
+                                        <p:strVal val="visible"/>
+                                      </p:to>
+                                    </p:set>
+                                    <p:animEffect transition="in" filter="circle(in)">
+                                      <p:cBhvr>
+                                        <p:cTn id="22" dur="2000"/>
+                                        <p:tgtEl>
+                                          <p:spTgt spid="3">
+                                            <p:txEl>
+                                              <p:pRg st="3" end="3"/>
+                                            </p:txEl>
+                                          </p:spTgt>
+                                        </p:tgtEl>
+                                      </p:cBhvr>
+                                    </p:animEffect>
+                                  </p:childTnLst>
+                                </p:cTn>
+                              </p:par>
+                            </p:childTnLst>
+                          </p:cTn>
+                        </p:par>
+                      </p:childTnLst>
+                    </p:cTn>
+                  </p:par>
+                  <p:par>
+                    <p:cTn id="23" fill="hold">
+                      <p:stCondLst>
+                        <p:cond delay="indefinite"/>
+                      </p:stCondLst>
+                      <p:childTnLst>
+                        <p:par>
+                          <p:cTn id="24" fill="hold">
+                            <p:stCondLst>
+                              <p:cond delay="0"/>
+                            </p:stCondLst>
+                            <p:childTnLst>
+                              <p:par>
+                                <p:cTn id="25" presetID="6" presetClass="entr" presetSubtype="16" fill="hold" nodeType="clickEffect">
+                                  <p:stCondLst>
+                                    <p:cond delay="0"/>
+                                  </p:stCondLst>
+                                  <p:childTnLst>
+                                    <p:set>
+                                      <p:cBhvr>
+                                        <p:cTn id="26" dur="1" fill="hold">
+                                          <p:stCondLst>
+                                            <p:cond delay="0"/>
+                                          </p:stCondLst>
+                                        </p:cTn>
+                                        <p:tgtEl>
+                                          <p:spTgt spid="4"/>
+                                        </p:tgtEl>
+                                        <p:attrNameLst>
+                                          <p:attrName>style.visibility</p:attrName>
+                                        </p:attrNameLst>
+                                      </p:cBhvr>
+                                      <p:to>
+                                        <p:strVal val="visible"/>
+                                      </p:to>
+                                    </p:set>
+                                    <p:animEffect transition="in" filter="circle(in)">
+                                      <p:cBhvr>
+                                        <p:cTn id="27" dur="2000"/>
+                                        <p:tgtEl>
+                                          <p:spTgt spid="4"/>
+                                        </p:tgtEl>
+                                      </p:cBhvr>
+                                    </p:animEffect>
+                                  </p:childTnLst>
+                                </p:cTn>
+                              </p:par>
+                            </p:childTnLst>
+                          </p:cTn>
+                        </p:par>
+                      </p:childTnLst>
+                    </p:cTn>
+                  </p:par>
+                  <p:par>
+                    <p:cTn id="28" fill="hold">
+                      <p:stCondLst>
+                        <p:cond delay="indefinite"/>
+                      </p:stCondLst>
+                      <p:childTnLst>
+                        <p:par>
+                          <p:cTn id="29" fill="hold">
+                            <p:stCondLst>
+                              <p:cond delay="0"/>
+                            </p:stCondLst>
+                            <p:childTnLst>
+                              <p:par>
+                                <p:cTn id="30" presetID="6" presetClass="entr" presetSubtype="16" fill="hold" nodeType="clickEffect">
+                                  <p:stCondLst>
+                                    <p:cond delay="0"/>
+                                  </p:stCondLst>
+                                  <p:childTnLst>
+                                    <p:set>
+                                      <p:cBhvr>
+                                        <p:cTn id="31" dur="1" fill="hold">
+                                          <p:stCondLst>
+                                            <p:cond delay="0"/>
+                                          </p:stCondLst>
+                                        </p:cTn>
+                                        <p:tgtEl>
+                                          <p:spTgt spid="3">
+                                            <p:txEl>
+                                              <p:pRg st="9" end="9"/>
+                                            </p:txEl>
+                                          </p:spTgt>
+                                        </p:tgtEl>
+                                        <p:attrNameLst>
+                                          <p:attrName>style.visibility</p:attrName>
+                                        </p:attrNameLst>
+                                      </p:cBhvr>
+                                      <p:to>
+                                        <p:strVal val="visible"/>
+                                      </p:to>
+                                    </p:set>
+                                    <p:animEffect transition="in" filter="circle(in)">
+                                      <p:cBhvr>
+                                        <p:cTn id="32" dur="2000"/>
+                                        <p:tgtEl>
+                                          <p:spTgt spid="3">
+                                            <p:txEl>
+                                              <p:pRg st="9" end="9"/>
+                                            </p:txEl>
+                                          </p:spTgt>
+                                        </p:tgtEl>
+                                      </p:cBhvr>
+                                    </p:animEffect>
+                                  </p:childTnLst>
+                                </p:cTn>
+                              </p:par>
+                            </p:childTnLst>
+                          </p:cTn>
+                        </p:par>
+                      </p:childTnLst>
+                    </p:cTn>
+                  </p:par>
+                </p:childTnLst>
+              </p:cTn>
+              <p:prevCondLst>
+                <p:cond evt="onPrev" delay="0">
+                  <p:tgtEl>
+                    <p:sldTgt/>
+                  </p:tgtEl>
+                </p:cond>
+              </p:prevCondLst>
+              <p:nextCondLst>
+                <p:cond evt="onNext" delay="0">
+                  <p:tgtEl>
+                    <p:sldTgt/>
+                  </p:tgtEl>
+                </p:cond>
+              </p:nextCondLst>
+            </p:seq>
+          </p:childTnLst>
+        </p:cTn>
+      </p:par>
+    </p:tnLst>
+  </p:timing>
+</p:sld>
+</file>
+
+<file path=ppt/slides/slide26.xml><?xml version="1.0" encoding="utf-8"?>
+<p:sld xmlns:a="http://schemas.openxmlformats.org/drawingml/2006/main" xmlns:r="http://schemas.openxmlformats.org/officeDocument/2006/relationships" xmlns:p="http://schemas.openxmlformats.org/presentationml/2006/main">
+  <p:cSld>
+    <p:spTree>
+      <p:nvGrpSpPr>
+        <p:cNvPr id="1" name=""/>
+        <p:cNvGrpSpPr/>
+        <p:nvPr/>
+      </p:nvGrpSpPr>
+      <p:grpSpPr>
+        <a:xfrm>
+          <a:off x="0" y="0"/>
+          <a:ext cx="0" cy="0"/>
+          <a:chOff x="0" y="0"/>
+          <a:chExt cx="0" cy="0"/>
+        </a:xfrm>
+      </p:grpSpPr>
+      <p:sp>
+        <p:nvSpPr>
+          <p:cNvPr id="3" name="内容占位符 2"/>
+          <p:cNvSpPr>
+            <a:spLocks noGrp="1"/>
+          </p:cNvSpPr>
+          <p:nvPr>
+            <p:ph idx="1"/>
+          </p:nvPr>
+        </p:nvSpPr>
+        <p:spPr/>
+        <p:txBody>
+          <a:bodyPr/>
+          <a:lstStyle/>
+          <a:p>
+            <a:r>
+              <a:rPr lang="zh-CN" altLang="en-US" dirty="0"/>
+              <a:t>查看</a:t>
+            </a:r>
+            <a:r>
+              <a:rPr lang="zh-CN" altLang="en-US" dirty="0" smtClean="0"/>
+              <a:t>分支</a:t>
+            </a:r>
+          </a:p>
+          <a:p>
+            <a:r>
+              <a:rPr lang="zh-CN" altLang="en-US" dirty="0" smtClean="0"/>
+              <a:t> </a:t>
+            </a:r>
+            <a:r>
+              <a:rPr lang="en-US" altLang="zh-CN" dirty="0" err="1"/>
+              <a:t>git</a:t>
+            </a:r>
+            <a:r>
+              <a:rPr lang="en-US" altLang="zh-CN" dirty="0"/>
+              <a:t> branch</a:t>
+            </a:r>
+            <a:r>
+              <a:rPr lang="zh-CN" altLang="en-US" dirty="0"/>
+              <a:t> </a:t>
+            </a:r>
+            <a:r>
+              <a:rPr lang="en-US" altLang="zh-CN" dirty="0"/>
+              <a:t>——</a:t>
+            </a:r>
+            <a:r>
+              <a:rPr lang="zh-CN" altLang="en-US" dirty="0" smtClean="0"/>
+              <a:t>当前</a:t>
+            </a:r>
+            <a:r>
+              <a:rPr lang="zh-CN" altLang="en-US" dirty="0" smtClean="0"/>
+              <a:t>工作</a:t>
+            </a:r>
+            <a:r>
+              <a:rPr lang="zh-CN" altLang="en-US" dirty="0" smtClean="0"/>
+              <a:t>分支</a:t>
+            </a:r>
+            <a:r>
+              <a:rPr lang="zh-CN" altLang="en-US" dirty="0"/>
+              <a:t>前面会有一个＊号</a:t>
+            </a:r>
+          </a:p>
+          <a:p>
+            <a:endParaRPr kumimoji="1" lang="zh-CN" altLang="en-US" dirty="0"/>
+          </a:p>
+        </p:txBody>
+      </p:sp>
+      <p:sp>
+        <p:nvSpPr>
+          <p:cNvPr id="4" name="标题 1"/>
+          <p:cNvSpPr txBox="1">
+            <a:spLocks/>
+          </p:cNvSpPr>
+          <p:nvPr/>
+        </p:nvSpPr>
+        <p:spPr>
+          <a:xfrm>
+            <a:off x="373626" y="309716"/>
+            <a:ext cx="7590503" cy="840658"/>
+          </a:xfrm>
+          <a:prstGeom prst="rect">
+            <a:avLst/>
+          </a:prstGeom>
+        </p:spPr>
+        <p:txBody>
+          <a:bodyPr vert="horz" lIns="91440" tIns="45720" rIns="91440" bIns="45720" rtlCol="0" anchor="ctr">
+            <a:normAutofit/>
+          </a:bodyPr>
+          <a:lstStyle>
+            <a:lvl1pPr algn="l" defTabSz="914400" rtl="0" eaLnBrk="1" latinLnBrk="0" hangingPunct="1">
+              <a:lnSpc>
+                <a:spcPct val="90000"/>
+              </a:lnSpc>
+              <a:spcBef>
+                <a:spcPct val="0"/>
+              </a:spcBef>
+              <a:buNone/>
+              <a:defRPr sz="4400" kern="1200">
+                <a:solidFill>
+                  <a:schemeClr val="tx1"/>
+                </a:solidFill>
+                <a:latin typeface="+mj-lt"/>
+                <a:ea typeface="+mj-ea"/>
+                <a:cs typeface="+mj-cs"/>
+              </a:defRPr>
+            </a:lvl1pPr>
+          </a:lstStyle>
+          <a:p>
+            <a:r>
+              <a:rPr kumimoji="1" lang="en-US" altLang="zh-CN" sz="5000" dirty="0" smtClean="0"/>
+              <a:t>GIT</a:t>
+            </a:r>
+            <a:r>
+              <a:rPr kumimoji="1" lang="zh-CN" altLang="en-US" sz="5000" dirty="0" smtClean="0"/>
+              <a:t>创建与合并分支</a:t>
+            </a:r>
+          </a:p>
+        </p:txBody>
+      </p:sp>
+      <p:pic>
+        <p:nvPicPr>
+          <p:cNvPr id="6" name="图片 5"/>
+          <p:cNvPicPr>
+            <a:picLocks noChangeAspect="1"/>
+          </p:cNvPicPr>
+          <p:nvPr/>
+        </p:nvPicPr>
+        <p:blipFill rotWithShape="1">
+          <a:blip r:embed="rId2"/>
+          <a:srcRect t="359" b="48108"/>
+          <a:stretch/>
+        </p:blipFill>
+        <p:spPr>
+          <a:xfrm>
+            <a:off x="2754796" y="2851772"/>
+            <a:ext cx="7239000" cy="2853289"/>
+          </a:xfrm>
+          <a:prstGeom prst="rect">
+            <a:avLst/>
+          </a:prstGeom>
+        </p:spPr>
+      </p:pic>
+    </p:spTree>
+    <p:extLst>
+      <p:ext uri="{BB962C8B-B14F-4D97-AF65-F5344CB8AC3E}">
+        <p14:creationId xmlns:p14="http://schemas.microsoft.com/office/powerpoint/2010/main" val="72671828"/>
+      </p:ext>
+    </p:extLst>
+  </p:cSld>
+  <p:clrMapOvr>
+    <a:masterClrMapping/>
+  </p:clrMapOvr>
+  <p:timing>
+    <p:tnLst>
+      <p:par>
+        <p:cTn id="1" dur="indefinite" restart="never" nodeType="tmRoot">
+          <p:childTnLst>
+            <p:seq concurrent="1" nextAc="seek">
+              <p:cTn id="2" dur="indefinite" nodeType="mainSeq">
+                <p:childTnLst>
+                  <p:par>
+                    <p:cTn id="3" fill="hold">
+                      <p:stCondLst>
+                        <p:cond delay="indefinite"/>
+                      </p:stCondLst>
+                      <p:childTnLst>
+                        <p:par>
+                          <p:cTn id="4" fill="hold">
+                            <p:stCondLst>
+                              <p:cond delay="0"/>
+                            </p:stCondLst>
+                            <p:childTnLst>
+                              <p:par>
+                                <p:cTn id="5" presetID="9" presetClass="entr" presetSubtype="0" fill="hold" nodeType="clickEffect">
+                                  <p:stCondLst>
+                                    <p:cond delay="0"/>
+                                  </p:stCondLst>
+                                  <p:childTnLst>
+                                    <p:set>
+                                      <p:cBhvr>
+                                        <p:cTn id="6" dur="1" fill="hold">
+                                          <p:stCondLst>
+                                            <p:cond delay="0"/>
+                                          </p:stCondLst>
+                                        </p:cTn>
+                                        <p:tgtEl>
+                                          <p:spTgt spid="3">
+                                            <p:txEl>
+                                              <p:pRg st="0" end="0"/>
+                                            </p:txEl>
+                                          </p:spTgt>
+                                        </p:tgtEl>
+                                        <p:attrNameLst>
+                                          <p:attrName>style.visibility</p:attrName>
+                                        </p:attrNameLst>
+                                      </p:cBhvr>
+                                      <p:to>
+                                        <p:strVal val="visible"/>
+                                      </p:to>
+                                    </p:set>
+                                    <p:animEffect transition="in" filter="dissolve">
+                                      <p:cBhvr>
+                                        <p:cTn id="7" dur="500"/>
+                                        <p:tgtEl>
+                                          <p:spTgt spid="3">
+                                            <p:txEl>
+                                              <p:pRg st="0" end="0"/>
+                                            </p:txEl>
+                                          </p:spTgt>
+                                        </p:tgtEl>
+                                      </p:cBhvr>
+                                    </p:animEffect>
+                                  </p:childTnLst>
+                                </p:cTn>
+                              </p:par>
+                            </p:childTnLst>
+                          </p:cTn>
+                        </p:par>
+                      </p:childTnLst>
+                    </p:cTn>
+                  </p:par>
+                  <p:par>
+                    <p:cTn id="8" fill="hold">
+                      <p:stCondLst>
+                        <p:cond delay="indefinite"/>
+                      </p:stCondLst>
+                      <p:childTnLst>
+                        <p:par>
+                          <p:cTn id="9" fill="hold">
+                            <p:stCondLst>
+                              <p:cond delay="0"/>
+                            </p:stCondLst>
+                            <p:childTnLst>
+                              <p:par>
+                                <p:cTn id="10" presetID="9" presetClass="entr" presetSubtype="0" fill="hold" nodeType="clickEffect">
+                                  <p:stCondLst>
+                                    <p:cond delay="0"/>
+                                  </p:stCondLst>
+                                  <p:childTnLst>
+                                    <p:set>
+                                      <p:cBhvr>
+                                        <p:cTn id="11" dur="1" fill="hold">
+                                          <p:stCondLst>
+                                            <p:cond delay="0"/>
+                                          </p:stCondLst>
+                                        </p:cTn>
+                                        <p:tgtEl>
+                                          <p:spTgt spid="3">
+                                            <p:txEl>
+                                              <p:pRg st="1" end="1"/>
+                                            </p:txEl>
+                                          </p:spTgt>
+                                        </p:tgtEl>
+                                        <p:attrNameLst>
+                                          <p:attrName>style.visibility</p:attrName>
+                                        </p:attrNameLst>
+                                      </p:cBhvr>
+                                      <p:to>
+                                        <p:strVal val="visible"/>
+                                      </p:to>
+                                    </p:set>
+                                    <p:animEffect transition="in" filter="dissolve">
+                                      <p:cBhvr>
+                                        <p:cTn id="12" dur="500"/>
+                                        <p:tgtEl>
+                                          <p:spTgt spid="3">
+                                            <p:txEl>
+                                              <p:pRg st="1" end="1"/>
+                                            </p:txEl>
+                                          </p:spTgt>
+                                        </p:tgtEl>
+                                      </p:cBhvr>
+                                    </p:animEffect>
+                                  </p:childTnLst>
+                                </p:cTn>
+                              </p:par>
+                            </p:childTnLst>
+                          </p:cTn>
+                        </p:par>
+                      </p:childTnLst>
+                    </p:cTn>
+                  </p:par>
+                  <p:par>
+                    <p:cTn id="13" fill="hold">
+                      <p:stCondLst>
+                        <p:cond delay="indefinite"/>
+                      </p:stCondLst>
+                      <p:childTnLst>
+                        <p:par>
+                          <p:cTn id="14" fill="hold">
+                            <p:stCondLst>
+                              <p:cond delay="0"/>
+                            </p:stCondLst>
+                            <p:childTnLst>
+                              <p:par>
+                                <p:cTn id="15" presetID="5" presetClass="entr" presetSubtype="10" fill="hold" nodeType="clickEffect">
+                                  <p:stCondLst>
+                                    <p:cond delay="0"/>
+                                  </p:stCondLst>
+                                  <p:childTnLst>
+                                    <p:set>
+                                      <p:cBhvr>
+                                        <p:cTn id="16" dur="1" fill="hold">
+                                          <p:stCondLst>
+                                            <p:cond delay="0"/>
+                                          </p:stCondLst>
+                                        </p:cTn>
+                                        <p:tgtEl>
+                                          <p:spTgt spid="6"/>
+                                        </p:tgtEl>
+                                        <p:attrNameLst>
+                                          <p:attrName>style.visibility</p:attrName>
+                                        </p:attrNameLst>
+                                      </p:cBhvr>
+                                      <p:to>
+                                        <p:strVal val="visible"/>
+                                      </p:to>
+                                    </p:set>
+                                    <p:animEffect transition="in" filter="checkerboard(across)">
+                                      <p:cBhvr>
+                                        <p:cTn id="17" dur="500"/>
+                                        <p:tgtEl>
+                                          <p:spTgt spid="6"/>
+                                        </p:tgtEl>
+                                      </p:cBhvr>
+                                    </p:animEffect>
+                                  </p:childTnLst>
+                                </p:cTn>
+                              </p:par>
+                            </p:childTnLst>
+                          </p:cTn>
+                        </p:par>
+                      </p:childTnLst>
+                    </p:cTn>
+                  </p:par>
+                  <p:par>
+                    <p:cTn id="18" fill="hold">
+                      <p:stCondLst>
+                        <p:cond delay="indefinite"/>
+                      </p:stCondLst>
+                      <p:childTnLst>
+                        <p:par>
+                          <p:cTn id="19" fill="hold">
+                            <p:stCondLst>
+                              <p:cond delay="0"/>
+                            </p:stCondLst>
+                            <p:childTnLst>
+                              <p:par>
+                                <p:cTn id="20" presetID="5" presetClass="entr" presetSubtype="10" fill="hold" nodeType="clickEffect">
+                                  <p:stCondLst>
+                                    <p:cond delay="0"/>
+                                  </p:stCondLst>
+                                  <p:childTnLst>
+                                    <p:set>
+                                      <p:cBhvr>
+                                        <p:cTn id="21" dur="1" fill="hold">
+                                          <p:stCondLst>
+                                            <p:cond delay="0"/>
+                                          </p:stCondLst>
+                                        </p:cTn>
+                                        <p:tgtEl>
+                                          <p:spTgt spid="3">
+                                            <p:txEl>
+                                              <p:pRg st="0" end="0"/>
+                                            </p:txEl>
+                                          </p:spTgt>
+                                        </p:tgtEl>
+                                        <p:attrNameLst>
+                                          <p:attrName>style.visibility</p:attrName>
+                                        </p:attrNameLst>
+                                      </p:cBhvr>
+                                      <p:to>
+                                        <p:strVal val="visible"/>
+                                      </p:to>
+                                    </p:set>
+                                    <p:animEffect transition="in" filter="checkerboard(across)">
+                                      <p:cBhvr>
+                                        <p:cTn id="22" dur="500"/>
+                                        <p:tgtEl>
+                                          <p:spTgt spid="3">
+                                            <p:txEl>
+                                              <p:pRg st="0" end="0"/>
+                                            </p:txEl>
+                                          </p:spTgt>
+                                        </p:tgtEl>
+                                      </p:cBhvr>
+                                    </p:animEffect>
+                                  </p:childTnLst>
+                                </p:cTn>
+                              </p:par>
+                              <p:par>
+                                <p:cTn id="23" presetID="5" presetClass="entr" presetSubtype="10" fill="hold" nodeType="withEffect">
+                                  <p:stCondLst>
+                                    <p:cond delay="0"/>
+                                  </p:stCondLst>
+                                  <p:childTnLst>
+                                    <p:set>
+                                      <p:cBhvr>
+                                        <p:cTn id="24" dur="1" fill="hold">
+                                          <p:stCondLst>
+                                            <p:cond delay="0"/>
+                                          </p:stCondLst>
+                                        </p:cTn>
+                                        <p:tgtEl>
+                                          <p:spTgt spid="3">
+                                            <p:txEl>
+                                              <p:pRg st="1" end="1"/>
+                                            </p:txEl>
+                                          </p:spTgt>
+                                        </p:tgtEl>
+                                        <p:attrNameLst>
+                                          <p:attrName>style.visibility</p:attrName>
+                                        </p:attrNameLst>
+                                      </p:cBhvr>
+                                      <p:to>
+                                        <p:strVal val="visible"/>
+                                      </p:to>
+                                    </p:set>
+                                    <p:animEffect transition="in" filter="checkerboard(across)">
+                                      <p:cBhvr>
+                                        <p:cTn id="25" dur="500"/>
+                                        <p:tgtEl>
+                                          <p:spTgt spid="3">
+                                            <p:txEl>
+                                              <p:pRg st="1" end="1"/>
+                                            </p:txEl>
+                                          </p:spTgt>
+                                        </p:tgtEl>
+                                      </p:cBhvr>
+                                    </p:animEffect>
+                                  </p:childTnLst>
+                                </p:cTn>
+                              </p:par>
+                            </p:childTnLst>
+                          </p:cTn>
+                        </p:par>
+                      </p:childTnLst>
+                    </p:cTn>
+                  </p:par>
+                </p:childTnLst>
+              </p:cTn>
+              <p:prevCondLst>
+                <p:cond evt="onPrev" delay="0">
+                  <p:tgtEl>
+                    <p:sldTgt/>
+                  </p:tgtEl>
+                </p:cond>
+              </p:prevCondLst>
+              <p:nextCondLst>
+                <p:cond evt="onNext" delay="0">
+                  <p:tgtEl>
+                    <p:sldTgt/>
+                  </p:tgtEl>
+                </p:cond>
+              </p:nextCondLst>
+            </p:seq>
+          </p:childTnLst>
+        </p:cTn>
+      </p:par>
+    </p:tnLst>
+  </p:timing>
+</p:sld>
+</file>
+
+<file path=ppt/slides/slide27.xml><?xml version="1.0" encoding="utf-8"?>
+<p:sld xmlns:a="http://schemas.openxmlformats.org/drawingml/2006/main" xmlns:r="http://schemas.openxmlformats.org/officeDocument/2006/relationships" xmlns:p="http://schemas.openxmlformats.org/presentationml/2006/main">
+  <p:cSld>
+    <p:spTree>
+      <p:nvGrpSpPr>
+        <p:cNvPr id="1" name=""/>
+        <p:cNvGrpSpPr/>
+        <p:nvPr/>
+      </p:nvGrpSpPr>
+      <p:grpSpPr>
+        <a:xfrm>
+          <a:off x="0" y="0"/>
+          <a:ext cx="0" cy="0"/>
+          <a:chOff x="0" y="0"/>
+          <a:chExt cx="0" cy="0"/>
+        </a:xfrm>
+      </p:grpSpPr>
+      <p:sp>
+        <p:nvSpPr>
+          <p:cNvPr id="3" name="内容占位符 2"/>
+          <p:cNvSpPr>
+            <a:spLocks noGrp="1"/>
+          </p:cNvSpPr>
+          <p:nvPr>
+            <p:ph idx="1"/>
+          </p:nvPr>
+        </p:nvSpPr>
+        <p:spPr>
+          <a:xfrm>
+            <a:off x="838200" y="1368424"/>
+            <a:ext cx="10515600" cy="4351338"/>
+          </a:xfrm>
+        </p:spPr>
+        <p:txBody>
+          <a:bodyPr/>
+          <a:lstStyle/>
+          <a:p>
+            <a:r>
+              <a:rPr lang="zh-CN" altLang="en-US" dirty="0"/>
+              <a:t>从现在开始，对工作区的修改和提交就是针对</a:t>
+            </a:r>
+            <a:r>
+              <a:rPr lang="en-US" altLang="zh-CN" dirty="0" err="1"/>
+              <a:t>dev</a:t>
+            </a:r>
+            <a:r>
+              <a:rPr lang="zh-CN" altLang="en-US" dirty="0"/>
+              <a:t>分支了，比如新提交一次后，</a:t>
+            </a:r>
+            <a:r>
+              <a:rPr lang="en-US" altLang="zh-CN" dirty="0" err="1"/>
+              <a:t>dev</a:t>
+            </a:r>
+            <a:r>
+              <a:rPr lang="zh-CN" altLang="en-US" dirty="0"/>
+              <a:t>指针往前移动一步，而</a:t>
+            </a:r>
+            <a:r>
+              <a:rPr lang="en-US" altLang="zh-CN" dirty="0"/>
+              <a:t>master</a:t>
+            </a:r>
+            <a:r>
+              <a:rPr lang="zh-CN" altLang="en-US" dirty="0"/>
+              <a:t>指针不变：</a:t>
+            </a:r>
+          </a:p>
+          <a:p>
+            <a:pPr marL="0" indent="0">
+              <a:buNone/>
+            </a:pPr>
+            <a:r>
+              <a:rPr lang="zh-CN" altLang="en-US" dirty="0"/>
+              <a:t/>
+            </a:r>
+            <a:br>
+              <a:rPr lang="zh-CN" altLang="en-US" dirty="0"/>
+            </a:br>
+            <a:endParaRPr kumimoji="1" lang="zh-CN" altLang="en-US" dirty="0"/>
+          </a:p>
+        </p:txBody>
+      </p:sp>
+      <p:sp>
+        <p:nvSpPr>
+          <p:cNvPr id="4" name="标题 1"/>
+          <p:cNvSpPr txBox="1">
+            <a:spLocks/>
+          </p:cNvSpPr>
+          <p:nvPr/>
+        </p:nvSpPr>
+        <p:spPr>
+          <a:xfrm>
+            <a:off x="373626" y="309716"/>
+            <a:ext cx="7590503" cy="840658"/>
+          </a:xfrm>
+          <a:prstGeom prst="rect">
+            <a:avLst/>
+          </a:prstGeom>
+        </p:spPr>
+        <p:txBody>
+          <a:bodyPr vert="horz" lIns="91440" tIns="45720" rIns="91440" bIns="45720" rtlCol="0" anchor="ctr">
+            <a:normAutofit/>
+          </a:bodyPr>
+          <a:lstStyle>
+            <a:lvl1pPr algn="l" defTabSz="914400" rtl="0" eaLnBrk="1" latinLnBrk="0" hangingPunct="1">
+              <a:lnSpc>
+                <a:spcPct val="90000"/>
+              </a:lnSpc>
+              <a:spcBef>
+                <a:spcPct val="0"/>
+              </a:spcBef>
+              <a:buNone/>
+              <a:defRPr sz="4400" kern="1200">
+                <a:solidFill>
+                  <a:schemeClr val="tx1"/>
+                </a:solidFill>
+                <a:latin typeface="+mj-lt"/>
+                <a:ea typeface="+mj-ea"/>
+                <a:cs typeface="+mj-cs"/>
+              </a:defRPr>
+            </a:lvl1pPr>
+          </a:lstStyle>
+          <a:p>
+            <a:r>
+              <a:rPr kumimoji="1" lang="en-US" altLang="zh-CN" sz="5000" dirty="0" smtClean="0"/>
+              <a:t>GIT</a:t>
+            </a:r>
+            <a:r>
+              <a:rPr kumimoji="1" lang="zh-CN" altLang="en-US" sz="5000" dirty="0" smtClean="0"/>
+              <a:t>创建与合并分支</a:t>
+            </a:r>
+          </a:p>
+        </p:txBody>
+      </p:sp>
+      <p:pic>
+        <p:nvPicPr>
+          <p:cNvPr id="5" name="图片 4"/>
+          <p:cNvPicPr>
+            <a:picLocks noChangeAspect="1"/>
+          </p:cNvPicPr>
+          <p:nvPr/>
+        </p:nvPicPr>
+        <p:blipFill>
+          <a:blip r:embed="rId2"/>
+          <a:stretch>
+            <a:fillRect/>
+          </a:stretch>
+        </p:blipFill>
+        <p:spPr>
+          <a:xfrm>
+            <a:off x="2514600" y="2285172"/>
+            <a:ext cx="7162800" cy="3162300"/>
+          </a:xfrm>
+          <a:prstGeom prst="rect">
+            <a:avLst/>
+          </a:prstGeom>
+        </p:spPr>
+      </p:pic>
+    </p:spTree>
+    <p:extLst>
+      <p:ext uri="{BB962C8B-B14F-4D97-AF65-F5344CB8AC3E}">
+        <p14:creationId xmlns:p14="http://schemas.microsoft.com/office/powerpoint/2010/main" val="1683779234"/>
+      </p:ext>
+    </p:extLst>
+  </p:cSld>
+  <p:clrMapOvr>
+    <a:masterClrMapping/>
+  </p:clrMapOvr>
+  <p:timing>
+    <p:tnLst>
+      <p:par>
+        <p:cTn id="1" dur="indefinite" restart="never" nodeType="tmRoot"/>
+      </p:par>
+    </p:tnLst>
+  </p:timing>
+</p:sld>
+</file>
+
+<file path=ppt/slides/slide28.xml><?xml version="1.0" encoding="utf-8"?>
+<p:sld xmlns:a="http://schemas.openxmlformats.org/drawingml/2006/main" xmlns:r="http://schemas.openxmlformats.org/officeDocument/2006/relationships" xmlns:p="http://schemas.openxmlformats.org/presentationml/2006/main">
+  <p:cSld>
+    <p:spTree>
+      <p:nvGrpSpPr>
+        <p:cNvPr id="1" name=""/>
+        <p:cNvGrpSpPr/>
+        <p:nvPr/>
+      </p:nvGrpSpPr>
+      <p:grpSpPr>
+        <a:xfrm>
+          <a:off x="0" y="0"/>
+          <a:ext cx="0" cy="0"/>
+          <a:chOff x="0" y="0"/>
+          <a:chExt cx="0" cy="0"/>
+        </a:xfrm>
+      </p:grpSpPr>
+      <p:sp>
+        <p:nvSpPr>
+          <p:cNvPr id="3" name="内容占位符 2"/>
+          <p:cNvSpPr>
+            <a:spLocks noGrp="1"/>
+          </p:cNvSpPr>
+          <p:nvPr>
+            <p:ph idx="1"/>
+          </p:nvPr>
+        </p:nvSpPr>
+        <p:spPr>
+          <a:xfrm>
+            <a:off x="838200" y="1269033"/>
+            <a:ext cx="10515600" cy="4351338"/>
+          </a:xfrm>
+        </p:spPr>
+        <p:txBody>
+          <a:bodyPr>
+            <a:normAutofit fontScale="92500" lnSpcReduction="10000"/>
+          </a:bodyPr>
+          <a:lstStyle/>
+          <a:p>
+            <a:r>
+              <a:rPr lang="zh-CN" altLang="en-US" dirty="0"/>
+              <a:t>假如我们在</a:t>
+            </a:r>
+            <a:r>
+              <a:rPr lang="en-US" altLang="zh-CN" dirty="0" err="1"/>
+              <a:t>dev</a:t>
+            </a:r>
+            <a:r>
+              <a:rPr lang="zh-CN" altLang="en-US" dirty="0"/>
+              <a:t>上的工作完成了，就可以把</a:t>
+            </a:r>
+            <a:r>
+              <a:rPr lang="en-US" altLang="zh-CN" dirty="0" err="1"/>
+              <a:t>dev</a:t>
+            </a:r>
+            <a:r>
+              <a:rPr lang="zh-CN" altLang="en-US" dirty="0"/>
+              <a:t>合并到</a:t>
+            </a:r>
+            <a:r>
+              <a:rPr lang="en-US" altLang="zh-CN" dirty="0"/>
+              <a:t>master</a:t>
+            </a:r>
+            <a:r>
+              <a:rPr lang="zh-CN" altLang="en-US" dirty="0"/>
+              <a:t>上。</a:t>
+            </a:r>
+            <a:r>
+              <a:rPr lang="en-US" altLang="zh-CN" dirty="0" err="1"/>
+              <a:t>Git</a:t>
+            </a:r>
+            <a:r>
+              <a:rPr lang="zh-CN" altLang="en-US" dirty="0"/>
+              <a:t>怎么合并呢？最简单的方法，就是直接把</a:t>
+            </a:r>
+            <a:r>
+              <a:rPr lang="en-US" altLang="zh-CN" dirty="0"/>
+              <a:t>master</a:t>
+            </a:r>
+            <a:r>
+              <a:rPr lang="zh-CN" altLang="en-US" dirty="0"/>
+              <a:t>指向</a:t>
+            </a:r>
+            <a:r>
+              <a:rPr lang="en-US" altLang="zh-CN" dirty="0" err="1"/>
+              <a:t>dev</a:t>
+            </a:r>
+            <a:r>
+              <a:rPr lang="zh-CN" altLang="en-US" dirty="0"/>
+              <a:t>的当前提交，就完成了合并</a:t>
+            </a:r>
+            <a:r>
+              <a:rPr lang="zh-CN" altLang="en-US" dirty="0" smtClean="0"/>
+              <a:t>：</a:t>
+            </a:r>
+          </a:p>
+          <a:p>
+            <a:r>
+              <a:rPr lang="zh-CN" altLang="en-US" dirty="0"/>
+              <a:t>把</a:t>
+            </a:r>
+            <a:r>
+              <a:rPr lang="en-US" altLang="zh-CN" dirty="0" err="1"/>
+              <a:t>dev</a:t>
+            </a:r>
+            <a:r>
+              <a:rPr lang="zh-CN" altLang="en-US" dirty="0"/>
+              <a:t>分支合并到</a:t>
+            </a:r>
+            <a:r>
+              <a:rPr lang="en-US" altLang="zh-CN" dirty="0" smtClean="0"/>
+              <a:t>master</a:t>
+            </a:r>
+            <a:r>
+              <a:rPr lang="zh-CN" altLang="en-US" dirty="0" smtClean="0"/>
+              <a:t>步骤</a:t>
+            </a:r>
+            <a:r>
+              <a:rPr lang="zh-CN" altLang="en-US" dirty="0" smtClean="0"/>
+              <a:t>：</a:t>
+            </a:r>
+            <a:endParaRPr lang="zh-CN" altLang="en-US" dirty="0" smtClean="0"/>
+          </a:p>
+          <a:p>
+            <a:r>
+              <a:rPr lang="en-US" altLang="zh-CN" dirty="0" smtClean="0"/>
+              <a:t>1.</a:t>
+            </a:r>
+            <a:r>
+              <a:rPr lang="zh-CN" altLang="en-US" dirty="0" smtClean="0"/>
+              <a:t>切换到</a:t>
+            </a:r>
+            <a:r>
+              <a:rPr lang="en-US" altLang="zh-CN" dirty="0" smtClean="0"/>
+              <a:t>master</a:t>
+            </a:r>
+            <a:endParaRPr lang="zh-CN" altLang="en-US" dirty="0" smtClean="0"/>
+          </a:p>
+          <a:p>
+            <a:r>
+              <a:rPr lang="en-US" altLang="zh-CN" dirty="0" smtClean="0"/>
+              <a:t>2.git </a:t>
+            </a:r>
+            <a:r>
+              <a:rPr lang="en-US" altLang="zh-CN" dirty="0"/>
+              <a:t>merge </a:t>
+            </a:r>
+            <a:r>
+              <a:rPr lang="en-US" altLang="zh-CN" dirty="0" err="1" smtClean="0"/>
+              <a:t>dev</a:t>
+            </a:r>
+            <a:endParaRPr lang="zh-CN" altLang="en-US" dirty="0" smtClean="0"/>
+          </a:p>
+          <a:p>
+            <a:pPr marL="0" indent="0">
+              <a:buNone/>
+            </a:pPr>
+            <a:endParaRPr kumimoji="1" lang="zh-CN" altLang="en-US" dirty="0" smtClean="0"/>
+          </a:p>
+          <a:p>
+            <a:endParaRPr kumimoji="1" lang="zh-CN" altLang="en-US" dirty="0" smtClean="0"/>
+          </a:p>
+          <a:p>
+            <a:pPr marL="0" indent="0">
+              <a:buNone/>
+            </a:pPr>
+            <a:endParaRPr lang="zh-CN" altLang="en-US" dirty="0" smtClean="0"/>
+          </a:p>
+          <a:p>
+            <a:r>
+              <a:rPr lang="en-US" altLang="zh-CN" dirty="0" err="1" smtClean="0"/>
+              <a:t>Git</a:t>
+            </a:r>
+            <a:r>
+              <a:rPr lang="zh-CN" altLang="en-US" dirty="0"/>
+              <a:t>合并分支也很快！就改改指针，工作区内容也不变！</a:t>
+            </a:r>
+            <a:endParaRPr kumimoji="1" lang="zh-CN" altLang="en-US" dirty="0"/>
+          </a:p>
+          <a:p>
+            <a:endParaRPr kumimoji="1" lang="zh-CN" altLang="en-US" dirty="0" smtClean="0"/>
+          </a:p>
+          <a:p>
+            <a:endParaRPr kumimoji="1" lang="zh-CN" altLang="en-US" dirty="0"/>
+          </a:p>
+          <a:p>
+            <a:endParaRPr kumimoji="1" lang="zh-CN" altLang="en-US" dirty="0" smtClean="0"/>
+          </a:p>
+          <a:p>
+            <a:endParaRPr kumimoji="1" lang="zh-CN" altLang="en-US" dirty="0"/>
+          </a:p>
+        </p:txBody>
+      </p:sp>
+      <p:sp>
+        <p:nvSpPr>
+          <p:cNvPr id="4" name="标题 1"/>
+          <p:cNvSpPr txBox="1">
+            <a:spLocks/>
+          </p:cNvSpPr>
+          <p:nvPr/>
+        </p:nvSpPr>
+        <p:spPr>
+          <a:xfrm>
+            <a:off x="373626" y="309716"/>
+            <a:ext cx="7590503" cy="840658"/>
+          </a:xfrm>
+          <a:prstGeom prst="rect">
+            <a:avLst/>
+          </a:prstGeom>
+        </p:spPr>
+        <p:txBody>
+          <a:bodyPr vert="horz" lIns="91440" tIns="45720" rIns="91440" bIns="45720" rtlCol="0" anchor="ctr">
+            <a:normAutofit/>
+          </a:bodyPr>
+          <a:lstStyle>
+            <a:lvl1pPr algn="l" defTabSz="914400" rtl="0" eaLnBrk="1" latinLnBrk="0" hangingPunct="1">
+              <a:lnSpc>
+                <a:spcPct val="90000"/>
+              </a:lnSpc>
+              <a:spcBef>
+                <a:spcPct val="0"/>
+              </a:spcBef>
+              <a:buNone/>
+              <a:defRPr sz="4400" kern="1200">
+                <a:solidFill>
+                  <a:schemeClr val="tx1"/>
+                </a:solidFill>
+                <a:latin typeface="+mj-lt"/>
+                <a:ea typeface="+mj-ea"/>
+                <a:cs typeface="+mj-cs"/>
+              </a:defRPr>
+            </a:lvl1pPr>
+          </a:lstStyle>
+          <a:p>
+            <a:r>
+              <a:rPr kumimoji="1" lang="en-US" altLang="zh-CN" sz="5000" dirty="0" smtClean="0"/>
+              <a:t>GIT</a:t>
+            </a:r>
+            <a:r>
+              <a:rPr kumimoji="1" lang="zh-CN" altLang="en-US" sz="5000" dirty="0" smtClean="0"/>
+              <a:t>创建与合并分支</a:t>
+            </a:r>
+          </a:p>
+        </p:txBody>
+      </p:sp>
+      <p:pic>
+        <p:nvPicPr>
+          <p:cNvPr id="5" name="图片 4"/>
+          <p:cNvPicPr>
+            <a:picLocks noChangeAspect="1"/>
+          </p:cNvPicPr>
+          <p:nvPr/>
+        </p:nvPicPr>
+        <p:blipFill>
+          <a:blip r:embed="rId2"/>
+          <a:stretch>
+            <a:fillRect/>
+          </a:stretch>
+        </p:blipFill>
+        <p:spPr>
+          <a:xfrm>
+            <a:off x="4739860" y="1952452"/>
+            <a:ext cx="5892800" cy="2984500"/>
+          </a:xfrm>
+          <a:prstGeom prst="rect">
+            <a:avLst/>
+          </a:prstGeom>
+        </p:spPr>
+      </p:pic>
+    </p:spTree>
+    <p:extLst>
+      <p:ext uri="{BB962C8B-B14F-4D97-AF65-F5344CB8AC3E}">
+        <p14:creationId xmlns:p14="http://schemas.microsoft.com/office/powerpoint/2010/main" val="1927494933"/>
+      </p:ext>
+    </p:extLst>
+  </p:cSld>
+  <p:clrMapOvr>
+    <a:masterClrMapping/>
+  </p:clrMapOvr>
+  <p:timing>
+    <p:tnLst>
+      <p:par>
+        <p:cTn id="1" dur="indefinite" restart="never" nodeType="tmRoot">
+          <p:childTnLst>
+            <p:seq concurrent="1" nextAc="seek">
+              <p:cTn id="2" dur="indefinite" nodeType="mainSeq">
+                <p:childTnLst>
+                  <p:par>
+                    <p:cTn id="3" fill="hold">
+                      <p:stCondLst>
+                        <p:cond delay="indefinite"/>
+                      </p:stCondLst>
+                      <p:childTnLst>
+                        <p:par>
+                          <p:cTn id="4" fill="hold">
+                            <p:stCondLst>
+                              <p:cond delay="0"/>
+                            </p:stCondLst>
+                            <p:childTnLst>
+                              <p:par>
+                                <p:cTn id="5" presetID="12" presetClass="entr" presetSubtype="4" fill="hold" nodeType="clickEffect">
+                                  <p:stCondLst>
+                                    <p:cond delay="0"/>
+                                  </p:stCondLst>
+                                  <p:childTnLst>
+                                    <p:set>
+                                      <p:cBhvr>
+                                        <p:cTn id="6" dur="1" fill="hold">
+                                          <p:stCondLst>
+                                            <p:cond delay="0"/>
+                                          </p:stCondLst>
+                                        </p:cTn>
+                                        <p:tgtEl>
+                                          <p:spTgt spid="3">
+                                            <p:txEl>
+                                              <p:pRg st="0" end="0"/>
+                                            </p:txEl>
+                                          </p:spTgt>
+                                        </p:tgtEl>
+                                        <p:attrNameLst>
+                                          <p:attrName>style.visibility</p:attrName>
+                                        </p:attrNameLst>
+                                      </p:cBhvr>
+                                      <p:to>
+                                        <p:strVal val="visible"/>
+                                      </p:to>
+                                    </p:set>
+                                    <p:anim calcmode="lin" valueType="num">
+                                      <p:cBhvr additive="base">
+                                        <p:cTn id="7" dur="500"/>
+                                        <p:tgtEl>
+                                          <p:spTgt spid="3">
+                                            <p:txEl>
+                                              <p:pRg st="0" end="0"/>
+                                            </p:txEl>
+                                          </p:spTgt>
+                                        </p:tgtEl>
+                                        <p:attrNameLst>
+                                          <p:attrName>ppt_y</p:attrName>
+                                        </p:attrNameLst>
+                                      </p:cBhvr>
+                                      <p:tavLst>
+                                        <p:tav tm="0">
+                                          <p:val>
+                                            <p:strVal val="#ppt_y+#ppt_h*1.125000"/>
+                                          </p:val>
+                                        </p:tav>
+                                        <p:tav tm="100000">
+                                          <p:val>
+                                            <p:strVal val="#ppt_y"/>
+                                          </p:val>
+                                        </p:tav>
+                                      </p:tavLst>
+                                    </p:anim>
+                                    <p:animEffect transition="in" filter="wipe(up)">
+                                      <p:cBhvr>
+                                        <p:cTn id="8" dur="500"/>
+                                        <p:tgtEl>
+                                          <p:spTgt spid="3">
+                                            <p:txEl>
+                                              <p:pRg st="0" end="0"/>
+                                            </p:txEl>
+                                          </p:spTgt>
+                                        </p:tgtEl>
+                                      </p:cBhvr>
+                                    </p:animEffect>
+                                  </p:childTnLst>
+                                </p:cTn>
+                              </p:par>
+                            </p:childTnLst>
+                          </p:cTn>
+                        </p:par>
+                      </p:childTnLst>
+                    </p:cTn>
+                  </p:par>
+                  <p:par>
+                    <p:cTn id="9" fill="hold">
+                      <p:stCondLst>
+                        <p:cond delay="indefinite"/>
+                      </p:stCondLst>
+                      <p:childTnLst>
+                        <p:par>
+                          <p:cTn id="10" fill="hold">
+                            <p:stCondLst>
+                              <p:cond delay="0"/>
+                            </p:stCondLst>
+                            <p:childTnLst>
+                              <p:par>
+                                <p:cTn id="11" presetID="12" presetClass="entr" presetSubtype="4" fill="hold" nodeType="clickEffect">
+                                  <p:stCondLst>
+                                    <p:cond delay="0"/>
+                                  </p:stCondLst>
+                                  <p:childTnLst>
+                                    <p:set>
+                                      <p:cBhvr>
+                                        <p:cTn id="12" dur="1" fill="hold">
+                                          <p:stCondLst>
+                                            <p:cond delay="0"/>
+                                          </p:stCondLst>
+                                        </p:cTn>
+                                        <p:tgtEl>
+                                          <p:spTgt spid="3">
+                                            <p:txEl>
+                                              <p:pRg st="1" end="1"/>
+                                            </p:txEl>
+                                          </p:spTgt>
+                                        </p:tgtEl>
+                                        <p:attrNameLst>
+                                          <p:attrName>style.visibility</p:attrName>
+                                        </p:attrNameLst>
+                                      </p:cBhvr>
+                                      <p:to>
+                                        <p:strVal val="visible"/>
+                                      </p:to>
+                                    </p:set>
+                                    <p:anim calcmode="lin" valueType="num">
+                                      <p:cBhvr additive="base">
+                                        <p:cTn id="13" dur="500"/>
+                                        <p:tgtEl>
+                                          <p:spTgt spid="3">
+                                            <p:txEl>
+                                              <p:pRg st="1" end="1"/>
+                                            </p:txEl>
+                                          </p:spTgt>
+                                        </p:tgtEl>
+                                        <p:attrNameLst>
+                                          <p:attrName>ppt_y</p:attrName>
+                                        </p:attrNameLst>
+                                      </p:cBhvr>
+                                      <p:tavLst>
+                                        <p:tav tm="0">
+                                          <p:val>
+                                            <p:strVal val="#ppt_y+#ppt_h*1.125000"/>
+                                          </p:val>
+                                        </p:tav>
+                                        <p:tav tm="100000">
+                                          <p:val>
+                                            <p:strVal val="#ppt_y"/>
+                                          </p:val>
+                                        </p:tav>
+                                      </p:tavLst>
+                                    </p:anim>
+                                    <p:animEffect transition="in" filter="wipe(up)">
+                                      <p:cBhvr>
+                                        <p:cTn id="14" dur="500"/>
+                                        <p:tgtEl>
+                                          <p:spTgt spid="3">
+                                            <p:txEl>
+                                              <p:pRg st="1" end="1"/>
+                                            </p:txEl>
+                                          </p:spTgt>
+                                        </p:tgtEl>
+                                      </p:cBhvr>
+                                    </p:animEffect>
+                                  </p:childTnLst>
+                                </p:cTn>
+                              </p:par>
+                            </p:childTnLst>
+                          </p:cTn>
+                        </p:par>
+                      </p:childTnLst>
+                    </p:cTn>
+                  </p:par>
+                  <p:par>
+                    <p:cTn id="15" fill="hold">
+                      <p:stCondLst>
+                        <p:cond delay="indefinite"/>
+                      </p:stCondLst>
+                      <p:childTnLst>
+                        <p:par>
+                          <p:cTn id="16" fill="hold">
+                            <p:stCondLst>
+                              <p:cond delay="0"/>
+                            </p:stCondLst>
+                            <p:childTnLst>
+                              <p:par>
+                                <p:cTn id="17" presetID="12" presetClass="entr" presetSubtype="4" fill="hold" nodeType="clickEffect">
+                                  <p:stCondLst>
+                                    <p:cond delay="0"/>
+                                  </p:stCondLst>
+                                  <p:childTnLst>
+                                    <p:set>
+                                      <p:cBhvr>
+                                        <p:cTn id="18" dur="1" fill="hold">
+                                          <p:stCondLst>
+                                            <p:cond delay="0"/>
+                                          </p:stCondLst>
+                                        </p:cTn>
+                                        <p:tgtEl>
+                                          <p:spTgt spid="3">
+                                            <p:txEl>
+                                              <p:pRg st="2" end="2"/>
+                                            </p:txEl>
+                                          </p:spTgt>
+                                        </p:tgtEl>
+                                        <p:attrNameLst>
+                                          <p:attrName>style.visibility</p:attrName>
+                                        </p:attrNameLst>
+                                      </p:cBhvr>
+                                      <p:to>
+                                        <p:strVal val="visible"/>
+                                      </p:to>
+                                    </p:set>
+                                    <p:anim calcmode="lin" valueType="num">
+                                      <p:cBhvr additive="base">
+                                        <p:cTn id="19" dur="500"/>
+                                        <p:tgtEl>
+                                          <p:spTgt spid="3">
+                                            <p:txEl>
+                                              <p:pRg st="2" end="2"/>
+                                            </p:txEl>
+                                          </p:spTgt>
+                                        </p:tgtEl>
+                                        <p:attrNameLst>
+                                          <p:attrName>ppt_y</p:attrName>
+                                        </p:attrNameLst>
+                                      </p:cBhvr>
+                                      <p:tavLst>
+                                        <p:tav tm="0">
+                                          <p:val>
+                                            <p:strVal val="#ppt_y+#ppt_h*1.125000"/>
+                                          </p:val>
+                                        </p:tav>
+                                        <p:tav tm="100000">
+                                          <p:val>
+                                            <p:strVal val="#ppt_y"/>
+                                          </p:val>
+                                        </p:tav>
+                                      </p:tavLst>
+                                    </p:anim>
+                                    <p:animEffect transition="in" filter="wipe(up)">
+                                      <p:cBhvr>
+                                        <p:cTn id="20" dur="500"/>
+                                        <p:tgtEl>
+                                          <p:spTgt spid="3">
+                                            <p:txEl>
+                                              <p:pRg st="2" end="2"/>
+                                            </p:txEl>
+                                          </p:spTgt>
+                                        </p:tgtEl>
+                                      </p:cBhvr>
+                                    </p:animEffect>
+                                  </p:childTnLst>
+                                </p:cTn>
+                              </p:par>
+                            </p:childTnLst>
+                          </p:cTn>
+                        </p:par>
+                      </p:childTnLst>
+                    </p:cTn>
+                  </p:par>
+                  <p:par>
+                    <p:cTn id="21" fill="hold">
+                      <p:stCondLst>
+                        <p:cond delay="indefinite"/>
+                      </p:stCondLst>
+                      <p:childTnLst>
+                        <p:par>
+                          <p:cTn id="22" fill="hold">
+                            <p:stCondLst>
+                              <p:cond delay="0"/>
+                            </p:stCondLst>
+                            <p:childTnLst>
+                              <p:par>
+                                <p:cTn id="23" presetID="12" presetClass="entr" presetSubtype="4" fill="hold" nodeType="clickEffect">
+                                  <p:stCondLst>
+                                    <p:cond delay="0"/>
+                                  </p:stCondLst>
+                                  <p:childTnLst>
+                                    <p:set>
+                                      <p:cBhvr>
+                                        <p:cTn id="24" dur="1" fill="hold">
+                                          <p:stCondLst>
+                                            <p:cond delay="0"/>
+                                          </p:stCondLst>
+                                        </p:cTn>
+                                        <p:tgtEl>
+                                          <p:spTgt spid="3">
+                                            <p:txEl>
+                                              <p:pRg st="3" end="3"/>
+                                            </p:txEl>
+                                          </p:spTgt>
+                                        </p:tgtEl>
+                                        <p:attrNameLst>
+                                          <p:attrName>style.visibility</p:attrName>
+                                        </p:attrNameLst>
+                                      </p:cBhvr>
+                                      <p:to>
+                                        <p:strVal val="visible"/>
+                                      </p:to>
+                                    </p:set>
+                                    <p:anim calcmode="lin" valueType="num">
+                                      <p:cBhvr additive="base">
+                                        <p:cTn id="25" dur="500"/>
+                                        <p:tgtEl>
+                                          <p:spTgt spid="3">
+                                            <p:txEl>
+                                              <p:pRg st="3" end="3"/>
+                                            </p:txEl>
+                                          </p:spTgt>
+                                        </p:tgtEl>
+                                        <p:attrNameLst>
+                                          <p:attrName>ppt_y</p:attrName>
+                                        </p:attrNameLst>
+                                      </p:cBhvr>
+                                      <p:tavLst>
+                                        <p:tav tm="0">
+                                          <p:val>
+                                            <p:strVal val="#ppt_y+#ppt_h*1.125000"/>
+                                          </p:val>
+                                        </p:tav>
+                                        <p:tav tm="100000">
+                                          <p:val>
+                                            <p:strVal val="#ppt_y"/>
+                                          </p:val>
+                                        </p:tav>
+                                      </p:tavLst>
+                                    </p:anim>
+                                    <p:animEffect transition="in" filter="wipe(up)">
+                                      <p:cBhvr>
+                                        <p:cTn id="26" dur="500"/>
+                                        <p:tgtEl>
+                                          <p:spTgt spid="3">
+                                            <p:txEl>
+                                              <p:pRg st="3" end="3"/>
+                                            </p:txEl>
+                                          </p:spTgt>
+                                        </p:tgtEl>
+                                      </p:cBhvr>
+                                    </p:animEffect>
+                                  </p:childTnLst>
+                                </p:cTn>
+                              </p:par>
+                            </p:childTnLst>
+                          </p:cTn>
+                        </p:par>
+                      </p:childTnLst>
+                    </p:cTn>
+                  </p:par>
+                  <p:par>
+                    <p:cTn id="27" fill="hold">
+                      <p:stCondLst>
+                        <p:cond delay="indefinite"/>
+                      </p:stCondLst>
+                      <p:childTnLst>
+                        <p:par>
+                          <p:cTn id="28" fill="hold">
+                            <p:stCondLst>
+                              <p:cond delay="0"/>
+                            </p:stCondLst>
+                            <p:childTnLst>
+                              <p:par>
+                                <p:cTn id="29" presetID="12" presetClass="entr" presetSubtype="4" fill="hold" nodeType="clickEffect">
+                                  <p:stCondLst>
+                                    <p:cond delay="0"/>
+                                  </p:stCondLst>
+                                  <p:childTnLst>
+                                    <p:set>
+                                      <p:cBhvr>
+                                        <p:cTn id="30" dur="1" fill="hold">
+                                          <p:stCondLst>
+                                            <p:cond delay="0"/>
+                                          </p:stCondLst>
+                                        </p:cTn>
+                                        <p:tgtEl>
+                                          <p:spTgt spid="5"/>
+                                        </p:tgtEl>
+                                        <p:attrNameLst>
+                                          <p:attrName>style.visibility</p:attrName>
+                                        </p:attrNameLst>
+                                      </p:cBhvr>
+                                      <p:to>
+                                        <p:strVal val="visible"/>
+                                      </p:to>
+                                    </p:set>
+                                    <p:anim calcmode="lin" valueType="num">
+                                      <p:cBhvr additive="base">
+                                        <p:cTn id="31" dur="500"/>
+                                        <p:tgtEl>
+                                          <p:spTgt spid="5"/>
+                                        </p:tgtEl>
+                                        <p:attrNameLst>
+                                          <p:attrName>ppt_y</p:attrName>
+                                        </p:attrNameLst>
+                                      </p:cBhvr>
+                                      <p:tavLst>
+                                        <p:tav tm="0">
+                                          <p:val>
+                                            <p:strVal val="#ppt_y+#ppt_h*1.125000"/>
+                                          </p:val>
+                                        </p:tav>
+                                        <p:tav tm="100000">
+                                          <p:val>
+                                            <p:strVal val="#ppt_y"/>
+                                          </p:val>
+                                        </p:tav>
+                                      </p:tavLst>
+                                    </p:anim>
+                                    <p:animEffect transition="in" filter="wipe(up)">
+                                      <p:cBhvr>
+                                        <p:cTn id="32" dur="500"/>
+                                        <p:tgtEl>
+                                          <p:spTgt spid="5"/>
+                                        </p:tgtEl>
+                                      </p:cBhvr>
+                                    </p:animEffect>
+                                  </p:childTnLst>
+                                </p:cTn>
+                              </p:par>
+                            </p:childTnLst>
+                          </p:cTn>
+                        </p:par>
+                      </p:childTnLst>
+                    </p:cTn>
+                  </p:par>
+                  <p:par>
+                    <p:cTn id="33" fill="hold">
+                      <p:stCondLst>
+                        <p:cond delay="indefinite"/>
+                      </p:stCondLst>
+                      <p:childTnLst>
+                        <p:par>
+                          <p:cTn id="34" fill="hold">
+                            <p:stCondLst>
+                              <p:cond delay="0"/>
+                            </p:stCondLst>
+                            <p:childTnLst>
+                              <p:par>
+                                <p:cTn id="35" presetID="12" presetClass="entr" presetSubtype="4" fill="hold" nodeType="clickEffect">
+                                  <p:stCondLst>
+                                    <p:cond delay="0"/>
+                                  </p:stCondLst>
+                                  <p:childTnLst>
+                                    <p:set>
+                                      <p:cBhvr>
+                                        <p:cTn id="36" dur="1" fill="hold">
+                                          <p:stCondLst>
+                                            <p:cond delay="0"/>
+                                          </p:stCondLst>
+                                        </p:cTn>
+                                        <p:tgtEl>
+                                          <p:spTgt spid="3">
+                                            <p:txEl>
+                                              <p:pRg st="7" end="7"/>
+                                            </p:txEl>
+                                          </p:spTgt>
+                                        </p:tgtEl>
+                                        <p:attrNameLst>
+                                          <p:attrName>style.visibility</p:attrName>
+                                        </p:attrNameLst>
+                                      </p:cBhvr>
+                                      <p:to>
+                                        <p:strVal val="visible"/>
+                                      </p:to>
+                                    </p:set>
+                                    <p:anim calcmode="lin" valueType="num">
+                                      <p:cBhvr additive="base">
+                                        <p:cTn id="37" dur="500"/>
+                                        <p:tgtEl>
+                                          <p:spTgt spid="3">
+                                            <p:txEl>
+                                              <p:pRg st="7" end="7"/>
+                                            </p:txEl>
+                                          </p:spTgt>
+                                        </p:tgtEl>
+                                        <p:attrNameLst>
+                                          <p:attrName>ppt_y</p:attrName>
+                                        </p:attrNameLst>
+                                      </p:cBhvr>
+                                      <p:tavLst>
+                                        <p:tav tm="0">
+                                          <p:val>
+                                            <p:strVal val="#ppt_y+#ppt_h*1.125000"/>
+                                          </p:val>
+                                        </p:tav>
+                                        <p:tav tm="100000">
+                                          <p:val>
+                                            <p:strVal val="#ppt_y"/>
+                                          </p:val>
+                                        </p:tav>
+                                      </p:tavLst>
+                                    </p:anim>
+                                    <p:animEffect transition="in" filter="wipe(up)">
+                                      <p:cBhvr>
+                                        <p:cTn id="38" dur="500"/>
+                                        <p:tgtEl>
+                                          <p:spTgt spid="3">
+                                            <p:txEl>
+                                              <p:pRg st="7" end="7"/>
+                                            </p:txEl>
+                                          </p:spTgt>
+                                        </p:tgtEl>
+                                      </p:cBhvr>
+                                    </p:animEffect>
+                                  </p:childTnLst>
+                                </p:cTn>
+                              </p:par>
+                            </p:childTnLst>
+                          </p:cTn>
+                        </p:par>
+                      </p:childTnLst>
+                    </p:cTn>
+                  </p:par>
+                </p:childTnLst>
+              </p:cTn>
+              <p:prevCondLst>
+                <p:cond evt="onPrev" delay="0">
+                  <p:tgtEl>
+                    <p:sldTgt/>
+                  </p:tgtEl>
+                </p:cond>
+              </p:prevCondLst>
+              <p:nextCondLst>
+                <p:cond evt="onNext" delay="0">
+                  <p:tgtEl>
+                    <p:sldTgt/>
+                  </p:tgtEl>
+                </p:cond>
+              </p:nextCondLst>
+            </p:seq>
+          </p:childTnLst>
+        </p:cTn>
+      </p:par>
+    </p:tnLst>
+  </p:timing>
+</p:sld>
+</file>
+
+<file path=ppt/slides/slide29.xml><?xml version="1.0" encoding="utf-8"?>
+<p:sld xmlns:a="http://schemas.openxmlformats.org/drawingml/2006/main" xmlns:r="http://schemas.openxmlformats.org/officeDocument/2006/relationships" xmlns:p="http://schemas.openxmlformats.org/presentationml/2006/main">
+  <p:cSld>
+    <p:spTree>
+      <p:nvGrpSpPr>
+        <p:cNvPr id="1" name=""/>
+        <p:cNvGrpSpPr/>
+        <p:nvPr/>
+      </p:nvGrpSpPr>
+      <p:grpSpPr>
+        <a:xfrm>
+          <a:off x="0" y="0"/>
+          <a:ext cx="0" cy="0"/>
+          <a:chOff x="0" y="0"/>
+          <a:chExt cx="0" cy="0"/>
+        </a:xfrm>
+      </p:grpSpPr>
+      <p:sp>
+        <p:nvSpPr>
+          <p:cNvPr id="3" name="内容占位符 2"/>
+          <p:cNvSpPr>
+            <a:spLocks noGrp="1"/>
+          </p:cNvSpPr>
+          <p:nvPr>
+            <p:ph idx="1"/>
+          </p:nvPr>
+        </p:nvSpPr>
+        <p:spPr/>
+        <p:txBody>
+          <a:bodyPr/>
+          <a:lstStyle/>
+          <a:p>
+            <a:r>
+              <a:rPr lang="zh-CN" altLang="en-US" dirty="0"/>
+              <a:t>合并完分支后</a:t>
+            </a:r>
+            <a:r>
+              <a:rPr lang="zh-CN" altLang="en-US" dirty="0" smtClean="0"/>
+              <a:t>，</a:t>
+            </a:r>
+            <a:r>
+              <a:rPr lang="zh-CN" altLang="en-US" dirty="0" smtClean="0"/>
+              <a:t>就</a:t>
+            </a:r>
+            <a:r>
+              <a:rPr lang="zh-CN" altLang="en-US" dirty="0" smtClean="0"/>
+              <a:t>可以删除</a:t>
+            </a:r>
+            <a:r>
+              <a:rPr lang="en-US" altLang="zh-CN" dirty="0" err="1"/>
+              <a:t>dev</a:t>
+            </a:r>
+            <a:r>
+              <a:rPr lang="zh-CN" altLang="en-US" dirty="0"/>
+              <a:t>分支。删除</a:t>
+            </a:r>
+            <a:r>
+              <a:rPr lang="en-US" altLang="zh-CN" dirty="0" err="1"/>
+              <a:t>dev</a:t>
+            </a:r>
+            <a:r>
+              <a:rPr lang="zh-CN" altLang="en-US" dirty="0"/>
+              <a:t>分支就是把</a:t>
+            </a:r>
+            <a:r>
+              <a:rPr lang="en-US" altLang="zh-CN" dirty="0" err="1"/>
+              <a:t>dev</a:t>
+            </a:r>
+            <a:r>
+              <a:rPr lang="zh-CN" altLang="en-US" dirty="0"/>
+              <a:t>指针给删掉，删掉后，我们就剩下了一条</a:t>
+            </a:r>
+            <a:r>
+              <a:rPr lang="en-US" altLang="zh-CN" dirty="0"/>
+              <a:t>master</a:t>
+            </a:r>
+            <a:r>
+              <a:rPr lang="zh-CN" altLang="en-US" dirty="0"/>
+              <a:t>分支</a:t>
+            </a:r>
+            <a:r>
+              <a:rPr lang="zh-CN" altLang="en-US" dirty="0" smtClean="0"/>
+              <a:t>：</a:t>
+            </a:r>
+          </a:p>
+          <a:p>
+            <a:r>
+              <a:rPr lang="de-DE" altLang="zh-CN" dirty="0" err="1" smtClean="0"/>
+              <a:t>git</a:t>
+            </a:r>
+            <a:r>
+              <a:rPr lang="de-DE" altLang="zh-CN" dirty="0" smtClean="0"/>
+              <a:t> </a:t>
+            </a:r>
+            <a:r>
+              <a:rPr lang="de-DE" altLang="zh-CN" dirty="0" err="1" smtClean="0"/>
+              <a:t>branch</a:t>
+            </a:r>
+            <a:r>
+              <a:rPr lang="de-DE" altLang="zh-CN" dirty="0" smtClean="0"/>
+              <a:t> -d </a:t>
+            </a:r>
+            <a:r>
+              <a:rPr lang="en-US" altLang="zh-CN" dirty="0" err="1" smtClean="0"/>
+              <a:t>dev</a:t>
+            </a:r>
+            <a:r>
+              <a:rPr lang="zh-CN" altLang="en-US" dirty="0" smtClean="0"/>
+              <a:t/>
+            </a:r>
+            <a:br>
+              <a:rPr lang="zh-CN" altLang="en-US" dirty="0" smtClean="0"/>
+            </a:br>
+            <a:endParaRPr kumimoji="1" lang="zh-CN" altLang="en-US" dirty="0"/>
+          </a:p>
+        </p:txBody>
+      </p:sp>
+      <p:sp>
+        <p:nvSpPr>
+          <p:cNvPr id="4" name="标题 1"/>
+          <p:cNvSpPr txBox="1">
+            <a:spLocks/>
+          </p:cNvSpPr>
+          <p:nvPr/>
+        </p:nvSpPr>
+        <p:spPr>
+          <a:xfrm>
+            <a:off x="373626" y="309716"/>
+            <a:ext cx="7590503" cy="840658"/>
+          </a:xfrm>
+          <a:prstGeom prst="rect">
+            <a:avLst/>
+          </a:prstGeom>
+        </p:spPr>
+        <p:txBody>
+          <a:bodyPr vert="horz" lIns="91440" tIns="45720" rIns="91440" bIns="45720" rtlCol="0" anchor="ctr">
+            <a:normAutofit/>
+          </a:bodyPr>
+          <a:lstStyle>
+            <a:lvl1pPr algn="l" defTabSz="914400" rtl="0" eaLnBrk="1" latinLnBrk="0" hangingPunct="1">
+              <a:lnSpc>
+                <a:spcPct val="90000"/>
+              </a:lnSpc>
+              <a:spcBef>
+                <a:spcPct val="0"/>
+              </a:spcBef>
+              <a:buNone/>
+              <a:defRPr sz="4400" kern="1200">
+                <a:solidFill>
+                  <a:schemeClr val="tx1"/>
+                </a:solidFill>
+                <a:latin typeface="+mj-lt"/>
+                <a:ea typeface="+mj-ea"/>
+                <a:cs typeface="+mj-cs"/>
+              </a:defRPr>
+            </a:lvl1pPr>
+          </a:lstStyle>
+          <a:p>
+            <a:r>
+              <a:rPr kumimoji="1" lang="en-US" altLang="zh-CN" sz="5000" dirty="0" smtClean="0"/>
+              <a:t>GIT</a:t>
+            </a:r>
+            <a:r>
+              <a:rPr kumimoji="1" lang="zh-CN" altLang="en-US" sz="5000" dirty="0" smtClean="0"/>
+              <a:t>创建与合并分支</a:t>
+            </a:r>
+          </a:p>
+        </p:txBody>
+      </p:sp>
+      <p:pic>
+        <p:nvPicPr>
+          <p:cNvPr id="5" name="图片 4"/>
+          <p:cNvPicPr>
+            <a:picLocks noChangeAspect="1"/>
+          </p:cNvPicPr>
+          <p:nvPr/>
+        </p:nvPicPr>
+        <p:blipFill>
+          <a:blip r:embed="rId2"/>
+          <a:stretch>
+            <a:fillRect/>
+          </a:stretch>
+        </p:blipFill>
+        <p:spPr>
+          <a:xfrm>
+            <a:off x="4352787" y="2845594"/>
+            <a:ext cx="6070600" cy="2311400"/>
+          </a:xfrm>
+          <a:prstGeom prst="rect">
+            <a:avLst/>
+          </a:prstGeom>
+        </p:spPr>
+      </p:pic>
+    </p:spTree>
+    <p:extLst>
+      <p:ext uri="{BB962C8B-B14F-4D97-AF65-F5344CB8AC3E}">
+        <p14:creationId xmlns:p14="http://schemas.microsoft.com/office/powerpoint/2010/main" val="2053347427"/>
+      </p:ext>
+    </p:extLst>
+  </p:cSld>
+  <p:clrMapOvr>
+    <a:masterClrMapping/>
+  </p:clrMapOvr>
+  <p:timing>
+    <p:tnLst>
+      <p:par>
+        <p:cTn id="1" dur="indefinite" restart="never" nodeType="tmRoot">
+          <p:childTnLst>
+            <p:seq concurrent="1" nextAc="seek">
+              <p:cTn id="2" dur="indefinite" nodeType="mainSeq">
+                <p:childTnLst>
+                  <p:par>
+                    <p:cTn id="3" fill="hold">
+                      <p:stCondLst>
+                        <p:cond delay="indefinite"/>
+                      </p:stCondLst>
+                      <p:childTnLst>
+                        <p:par>
+                          <p:cTn id="4" fill="hold">
+                            <p:stCondLst>
+                              <p:cond delay="0"/>
+                            </p:stCondLst>
+                            <p:childTnLst>
+                              <p:par>
+                                <p:cTn id="5" presetID="12" presetClass="entr" presetSubtype="4" fill="hold" nodeType="clickEffect">
+                                  <p:stCondLst>
+                                    <p:cond delay="0"/>
+                                  </p:stCondLst>
+                                  <p:childTnLst>
+                                    <p:set>
+                                      <p:cBhvr>
+                                        <p:cTn id="6" dur="1" fill="hold">
+                                          <p:stCondLst>
+                                            <p:cond delay="0"/>
+                                          </p:stCondLst>
+                                        </p:cTn>
+                                        <p:tgtEl>
+                                          <p:spTgt spid="3">
+                                            <p:txEl>
+                                              <p:pRg st="0" end="0"/>
+                                            </p:txEl>
+                                          </p:spTgt>
+                                        </p:tgtEl>
+                                        <p:attrNameLst>
+                                          <p:attrName>style.visibility</p:attrName>
+                                        </p:attrNameLst>
+                                      </p:cBhvr>
+                                      <p:to>
+                                        <p:strVal val="visible"/>
+                                      </p:to>
+                                    </p:set>
+                                    <p:anim calcmode="lin" valueType="num">
+                                      <p:cBhvr additive="base">
+                                        <p:cTn id="7" dur="500"/>
+                                        <p:tgtEl>
+                                          <p:spTgt spid="3">
+                                            <p:txEl>
+                                              <p:pRg st="0" end="0"/>
+                                            </p:txEl>
+                                          </p:spTgt>
+                                        </p:tgtEl>
+                                        <p:attrNameLst>
+                                          <p:attrName>ppt_y</p:attrName>
+                                        </p:attrNameLst>
+                                      </p:cBhvr>
+                                      <p:tavLst>
+                                        <p:tav tm="0">
+                                          <p:val>
+                                            <p:strVal val="#ppt_y+#ppt_h*1.125000"/>
+                                          </p:val>
+                                        </p:tav>
+                                        <p:tav tm="100000">
+                                          <p:val>
+                                            <p:strVal val="#ppt_y"/>
+                                          </p:val>
+                                        </p:tav>
+                                      </p:tavLst>
+                                    </p:anim>
+                                    <p:animEffect transition="in" filter="wipe(up)">
+                                      <p:cBhvr>
+                                        <p:cTn id="8" dur="500"/>
+                                        <p:tgtEl>
+                                          <p:spTgt spid="3">
+                                            <p:txEl>
+                                              <p:pRg st="0" end="0"/>
+                                            </p:txEl>
+                                          </p:spTgt>
+                                        </p:tgtEl>
+                                      </p:cBhvr>
+                                    </p:animEffect>
+                                  </p:childTnLst>
+                                </p:cTn>
+                              </p:par>
+                            </p:childTnLst>
+                          </p:cTn>
+                        </p:par>
+                      </p:childTnLst>
+                    </p:cTn>
+                  </p:par>
+                  <p:par>
+                    <p:cTn id="9" fill="hold">
+                      <p:stCondLst>
+                        <p:cond delay="indefinite"/>
+                      </p:stCondLst>
+                      <p:childTnLst>
+                        <p:par>
+                          <p:cTn id="10" fill="hold">
+                            <p:stCondLst>
+                              <p:cond delay="0"/>
+                            </p:stCondLst>
+                            <p:childTnLst>
+                              <p:par>
+                                <p:cTn id="11" presetID="12" presetClass="entr" presetSubtype="4" fill="hold" nodeType="clickEffect">
+                                  <p:stCondLst>
+                                    <p:cond delay="0"/>
+                                  </p:stCondLst>
+                                  <p:childTnLst>
+                                    <p:set>
+                                      <p:cBhvr>
+                                        <p:cTn id="12" dur="1" fill="hold">
+                                          <p:stCondLst>
+                                            <p:cond delay="0"/>
+                                          </p:stCondLst>
+                                        </p:cTn>
+                                        <p:tgtEl>
+                                          <p:spTgt spid="3">
+                                            <p:txEl>
+                                              <p:pRg st="1" end="1"/>
+                                            </p:txEl>
+                                          </p:spTgt>
+                                        </p:tgtEl>
+                                        <p:attrNameLst>
+                                          <p:attrName>style.visibility</p:attrName>
+                                        </p:attrNameLst>
+                                      </p:cBhvr>
+                                      <p:to>
+                                        <p:strVal val="visible"/>
+                                      </p:to>
+                                    </p:set>
+                                    <p:anim calcmode="lin" valueType="num">
+                                      <p:cBhvr additive="base">
+                                        <p:cTn id="13" dur="500"/>
+                                        <p:tgtEl>
+                                          <p:spTgt spid="3">
+                                            <p:txEl>
+                                              <p:pRg st="1" end="1"/>
+                                            </p:txEl>
+                                          </p:spTgt>
+                                        </p:tgtEl>
+                                        <p:attrNameLst>
+                                          <p:attrName>ppt_y</p:attrName>
+                                        </p:attrNameLst>
+                                      </p:cBhvr>
+                                      <p:tavLst>
+                                        <p:tav tm="0">
+                                          <p:val>
+                                            <p:strVal val="#ppt_y+#ppt_h*1.125000"/>
+                                          </p:val>
+                                        </p:tav>
+                                        <p:tav tm="100000">
+                                          <p:val>
+                                            <p:strVal val="#ppt_y"/>
+                                          </p:val>
+                                        </p:tav>
+                                      </p:tavLst>
+                                    </p:anim>
+                                    <p:animEffect transition="in" filter="wipe(up)">
+                                      <p:cBhvr>
+                                        <p:cTn id="14" dur="500"/>
+                                        <p:tgtEl>
+                                          <p:spTgt spid="3">
+                                            <p:txEl>
+                                              <p:pRg st="1" end="1"/>
+                                            </p:txEl>
+                                          </p:spTgt>
+                                        </p:tgtEl>
+                                      </p:cBhvr>
+                                    </p:animEffect>
+                                  </p:childTnLst>
+                                </p:cTn>
+                              </p:par>
+                            </p:childTnLst>
+                          </p:cTn>
+                        </p:par>
+                      </p:childTnLst>
+                    </p:cTn>
+                  </p:par>
+                  <p:par>
+                    <p:cTn id="15" fill="hold">
+                      <p:stCondLst>
+                        <p:cond delay="indefinite"/>
+                      </p:stCondLst>
+                      <p:childTnLst>
+                        <p:par>
+                          <p:cTn id="16" fill="hold">
+                            <p:stCondLst>
+                              <p:cond delay="0"/>
+                            </p:stCondLst>
+                            <p:childTnLst>
+                              <p:par>
+                                <p:cTn id="17" presetID="1" presetClass="entr" presetSubtype="0" fill="hold" nodeType="clickEffect">
+                                  <p:stCondLst>
+                                    <p:cond delay="0"/>
+                                  </p:stCondLst>
+                                  <p:childTnLst>
+                                    <p:set>
+                                      <p:cBhvr>
+                                        <p:cTn id="18" dur="1" fill="hold">
+                                          <p:stCondLst>
+                                            <p:cond delay="0"/>
+                                          </p:stCondLst>
+                                        </p:cTn>
+                                        <p:tgtEl>
+                                          <p:spTgt spid="5"/>
+                                        </p:tgtEl>
+                                        <p:attrNameLst>
+                                          <p:attrName>style.visibility</p:attrName>
+                                        </p:attrNameLst>
+                                      </p:cBhvr>
+                                      <p:to>
+                                        <p:strVal val="visible"/>
+                                      </p:to>
+                                    </p:set>
+                                  </p:childTnLst>
+                                </p:cTn>
+                              </p:par>
+                            </p:childTnLst>
+                          </p:cTn>
+                        </p:par>
+                      </p:childTnLst>
+                    </p:cTn>
+                  </p:par>
+                </p:childTnLst>
+              </p:cTn>
+              <p:prevCondLst>
+                <p:cond evt="onPrev" delay="0">
+                  <p:tgtEl>
+                    <p:sldTgt/>
+                  </p:tgtEl>
+                </p:cond>
+              </p:prevCondLst>
+              <p:nextCondLst>
+                <p:cond evt="onNext" delay="0">
+                  <p:tgtEl>
+                    <p:sldTgt/>
+                  </p:tgtEl>
+                </p:cond>
+              </p:nextCondLst>
+            </p:seq>
+          </p:childTnLst>
+        </p:cTn>
+      </p:par>
+    </p:tnLst>
+  </p:timing>
 </p:sld>
 </file>
 
@@ -6892,7 +11313,7 @@
           <p:nvPr/>
         </p:nvPicPr>
         <p:blipFill>
-          <a:blip r:embed="rId2"/>
+          <a:blip r:embed="rId3"/>
           <a:stretch>
             <a:fillRect/>
           </a:stretch>
@@ -6917,6 +11338,777 @@
   <p:clrMapOvr>
     <a:masterClrMapping/>
   </p:clrMapOvr>
+</p:sld>
+</file>
+
+<file path=ppt/slides/slide30.xml><?xml version="1.0" encoding="utf-8"?>
+<p:sld xmlns:a="http://schemas.openxmlformats.org/drawingml/2006/main" xmlns:r="http://schemas.openxmlformats.org/officeDocument/2006/relationships" xmlns:p="http://schemas.openxmlformats.org/presentationml/2006/main">
+  <p:cSld>
+    <p:spTree>
+      <p:nvGrpSpPr>
+        <p:cNvPr id="1" name=""/>
+        <p:cNvGrpSpPr/>
+        <p:nvPr/>
+      </p:nvGrpSpPr>
+      <p:grpSpPr>
+        <a:xfrm>
+          <a:off x="0" y="0"/>
+          <a:ext cx="0" cy="0"/>
+          <a:chOff x="0" y="0"/>
+          <a:chExt cx="0" cy="0"/>
+        </a:xfrm>
+      </p:grpSpPr>
+      <p:sp>
+        <p:nvSpPr>
+          <p:cNvPr id="3" name="内容占位符 2"/>
+          <p:cNvSpPr>
+            <a:spLocks noGrp="1"/>
+          </p:cNvSpPr>
+          <p:nvPr>
+            <p:ph idx="1"/>
+          </p:nvPr>
+        </p:nvSpPr>
+        <p:spPr>
+          <a:xfrm>
+            <a:off x="648929" y="1825625"/>
+            <a:ext cx="10704871" cy="4351338"/>
+          </a:xfrm>
+        </p:spPr>
+        <p:txBody>
+          <a:bodyPr>
+            <a:normAutofit lnSpcReduction="10000"/>
+          </a:bodyPr>
+          <a:lstStyle/>
+          <a:p>
+            <a:pPr marL="0" indent="0">
+              <a:buNone/>
+            </a:pPr>
+            <a:r>
+              <a:rPr kumimoji="1" lang="zh-CN" altLang="en-US" b="1" dirty="0" smtClean="0"/>
+              <a:t>小结：</a:t>
+            </a:r>
+            <a:endParaRPr kumimoji="1" lang="zh-CN" altLang="en-US" b="1" dirty="0" smtClean="0"/>
+          </a:p>
+          <a:p>
+            <a:pPr marL="0" indent="0">
+              <a:buNone/>
+            </a:pPr>
+            <a:r>
+              <a:rPr kumimoji="1" lang="en-US" altLang="zh-CN" dirty="0" smtClean="0"/>
+              <a:t>1</a:t>
+            </a:r>
+            <a:r>
+              <a:rPr kumimoji="1" lang="zh-CN" altLang="en-US" dirty="0" smtClean="0"/>
+              <a:t>创建分支  </a:t>
+            </a:r>
+            <a:r>
+              <a:rPr lang="en-US" altLang="zh-CN" dirty="0" err="1" smtClean="0"/>
+              <a:t>git</a:t>
+            </a:r>
+            <a:r>
+              <a:rPr lang="en-US" altLang="zh-CN" dirty="0" smtClean="0"/>
+              <a:t> </a:t>
+            </a:r>
+            <a:r>
+              <a:rPr lang="en-US" altLang="zh-CN" dirty="0"/>
+              <a:t>branch &lt;name</a:t>
+            </a:r>
+            <a:r>
+              <a:rPr lang="en-US" altLang="zh-CN" dirty="0" smtClean="0"/>
+              <a:t>&gt;</a:t>
+            </a:r>
+            <a:endParaRPr lang="zh-CN" altLang="en-US" dirty="0" smtClean="0"/>
+          </a:p>
+          <a:p>
+            <a:pPr marL="0" indent="0">
+              <a:buNone/>
+            </a:pPr>
+            <a:r>
+              <a:rPr kumimoji="1" lang="en-US" altLang="zh-CN" dirty="0" smtClean="0"/>
+              <a:t>2</a:t>
+            </a:r>
+            <a:r>
+              <a:rPr kumimoji="1" lang="zh-CN" altLang="en-US" dirty="0" smtClean="0"/>
+              <a:t>切换到分支  </a:t>
+            </a:r>
+            <a:r>
+              <a:rPr lang="en-US" altLang="zh-CN" dirty="0" err="1"/>
+              <a:t>git</a:t>
+            </a:r>
+            <a:r>
+              <a:rPr lang="en-US" altLang="zh-CN" dirty="0"/>
+              <a:t> checkout &lt;name</a:t>
+            </a:r>
+            <a:r>
+              <a:rPr lang="en-US" altLang="zh-CN" dirty="0" smtClean="0"/>
+              <a:t>&gt;</a:t>
+            </a:r>
+            <a:endParaRPr lang="zh-CN" altLang="en-US" dirty="0" smtClean="0"/>
+          </a:p>
+          <a:p>
+            <a:pPr marL="0" indent="0">
+              <a:buNone/>
+            </a:pPr>
+            <a:r>
+              <a:rPr kumimoji="1" lang="en-US" altLang="zh-CN" dirty="0" smtClean="0"/>
+              <a:t>3</a:t>
+            </a:r>
+            <a:r>
+              <a:rPr kumimoji="1" lang="zh-CN" altLang="en-US" dirty="0" smtClean="0"/>
+              <a:t>以上两部可用 </a:t>
+            </a:r>
+            <a:r>
+              <a:rPr lang="en-US" altLang="zh-CN" dirty="0" err="1"/>
+              <a:t>git</a:t>
+            </a:r>
+            <a:r>
+              <a:rPr lang="en-US" altLang="zh-CN" dirty="0"/>
+              <a:t> checkout -b &lt;name</a:t>
+            </a:r>
+            <a:r>
+              <a:rPr lang="en-US" altLang="zh-CN" dirty="0" smtClean="0"/>
+              <a:t>&gt;</a:t>
+            </a:r>
+            <a:r>
+              <a:rPr lang="zh-CN" altLang="en-US" dirty="0" smtClean="0"/>
+              <a:t> 一步到位</a:t>
+            </a:r>
+          </a:p>
+          <a:p>
+            <a:pPr marL="0" indent="0">
+              <a:buNone/>
+            </a:pPr>
+            <a:r>
+              <a:rPr lang="en-US" altLang="zh-CN" dirty="0" smtClean="0"/>
+              <a:t>4</a:t>
+            </a:r>
+            <a:r>
+              <a:rPr lang="zh-CN" altLang="en-US" dirty="0" smtClean="0"/>
+              <a:t>查看分支 </a:t>
+            </a:r>
+            <a:r>
+              <a:rPr lang="en-US" altLang="zh-CN" dirty="0" err="1"/>
+              <a:t>git</a:t>
+            </a:r>
+            <a:r>
+              <a:rPr lang="en-US" altLang="zh-CN" dirty="0"/>
+              <a:t> </a:t>
+            </a:r>
+            <a:r>
+              <a:rPr lang="en-US" altLang="zh-CN" dirty="0" smtClean="0"/>
+              <a:t>branch</a:t>
+            </a:r>
+            <a:r>
+              <a:rPr lang="zh-CN" altLang="en-US" dirty="0" smtClean="0"/>
+              <a:t> </a:t>
+            </a:r>
+            <a:r>
+              <a:rPr lang="zh-CN" altLang="en-US" dirty="0" smtClean="0"/>
+              <a:t>，当前</a:t>
+            </a:r>
+            <a:r>
+              <a:rPr lang="zh-CN" altLang="en-US" dirty="0" smtClean="0"/>
+              <a:t>分支前面会有一个＊号</a:t>
+            </a:r>
+          </a:p>
+          <a:p>
+            <a:pPr marL="0" indent="0">
+              <a:buNone/>
+            </a:pPr>
+            <a:r>
+              <a:rPr lang="en-US" altLang="zh-CN" dirty="0" smtClean="0"/>
+              <a:t>5</a:t>
+            </a:r>
+            <a:r>
+              <a:rPr lang="zh-CN" altLang="en-US" dirty="0" smtClean="0"/>
+              <a:t>合并分支 </a:t>
+            </a:r>
+            <a:r>
+              <a:rPr lang="en-US" altLang="zh-CN" dirty="0" err="1"/>
+              <a:t>git</a:t>
+            </a:r>
+            <a:r>
+              <a:rPr lang="en-US" altLang="zh-CN" dirty="0"/>
+              <a:t> merge &lt;name</a:t>
+            </a:r>
+            <a:r>
+              <a:rPr lang="en-US" altLang="zh-CN" dirty="0" smtClean="0"/>
+              <a:t>&gt;</a:t>
+            </a:r>
+            <a:r>
+              <a:rPr lang="zh-CN" altLang="en-US" dirty="0" smtClean="0"/>
+              <a:t> 合并</a:t>
+            </a:r>
+            <a:r>
+              <a:rPr lang="zh-CN" altLang="en-US" dirty="0"/>
+              <a:t>某分支到当前</a:t>
+            </a:r>
+            <a:r>
+              <a:rPr lang="zh-CN" altLang="en-US" dirty="0" smtClean="0"/>
+              <a:t>分支</a:t>
+            </a:r>
+          </a:p>
+          <a:p>
+            <a:pPr marL="0" indent="0">
+              <a:buNone/>
+            </a:pPr>
+            <a:r>
+              <a:rPr lang="en-US" altLang="zh-CN" dirty="0" smtClean="0"/>
+              <a:t>6</a:t>
+            </a:r>
+            <a:r>
+              <a:rPr lang="zh-CN" altLang="en-US" dirty="0" smtClean="0"/>
+              <a:t>删除分支 </a:t>
+            </a:r>
+            <a:r>
+              <a:rPr lang="en-US" altLang="zh-CN" dirty="0" err="1"/>
+              <a:t>git</a:t>
+            </a:r>
+            <a:r>
+              <a:rPr lang="en-US" altLang="zh-CN" dirty="0"/>
+              <a:t> branch -d &lt;name&gt;</a:t>
+            </a:r>
+          </a:p>
+          <a:p>
+            <a:pPr marL="0" indent="0">
+              <a:buNone/>
+            </a:pPr>
+            <a:r>
+              <a:rPr lang="en-US" altLang="zh-CN" dirty="0"/>
+              <a:t/>
+            </a:r>
+            <a:br>
+              <a:rPr lang="en-US" altLang="zh-CN" dirty="0"/>
+            </a:br>
+            <a:endParaRPr kumimoji="1" lang="zh-CN" altLang="en-US" dirty="0"/>
+          </a:p>
+          <a:p>
+            <a:pPr marL="457200" lvl="1" indent="0">
+              <a:buNone/>
+            </a:pPr>
+            <a:endParaRPr lang="zh-CN" altLang="en-US" dirty="0" smtClean="0"/>
+          </a:p>
+        </p:txBody>
+      </p:sp>
+      <p:sp>
+        <p:nvSpPr>
+          <p:cNvPr id="4" name="标题 1"/>
+          <p:cNvSpPr txBox="1">
+            <a:spLocks/>
+          </p:cNvSpPr>
+          <p:nvPr/>
+        </p:nvSpPr>
+        <p:spPr>
+          <a:xfrm>
+            <a:off x="373626" y="309716"/>
+            <a:ext cx="7590503" cy="840658"/>
+          </a:xfrm>
+          <a:prstGeom prst="rect">
+            <a:avLst/>
+          </a:prstGeom>
+        </p:spPr>
+        <p:txBody>
+          <a:bodyPr vert="horz" lIns="91440" tIns="45720" rIns="91440" bIns="45720" rtlCol="0" anchor="ctr">
+            <a:normAutofit/>
+          </a:bodyPr>
+          <a:lstStyle>
+            <a:lvl1pPr algn="l" defTabSz="914400" rtl="0" eaLnBrk="1" latinLnBrk="0" hangingPunct="1">
+              <a:lnSpc>
+                <a:spcPct val="90000"/>
+              </a:lnSpc>
+              <a:spcBef>
+                <a:spcPct val="0"/>
+              </a:spcBef>
+              <a:buNone/>
+              <a:defRPr sz="4400" kern="1200">
+                <a:solidFill>
+                  <a:schemeClr val="tx1"/>
+                </a:solidFill>
+                <a:latin typeface="+mj-lt"/>
+                <a:ea typeface="+mj-ea"/>
+                <a:cs typeface="+mj-cs"/>
+              </a:defRPr>
+            </a:lvl1pPr>
+          </a:lstStyle>
+          <a:p>
+            <a:r>
+              <a:rPr kumimoji="1" lang="en-US" altLang="zh-CN" sz="5000" dirty="0" smtClean="0"/>
+              <a:t>GIT</a:t>
+            </a:r>
+            <a:r>
+              <a:rPr kumimoji="1" lang="zh-CN" altLang="en-US" sz="5000" dirty="0" smtClean="0"/>
+              <a:t>创建与合并分支</a:t>
+            </a:r>
+          </a:p>
+        </p:txBody>
+      </p:sp>
+    </p:spTree>
+    <p:extLst>
+      <p:ext uri="{BB962C8B-B14F-4D97-AF65-F5344CB8AC3E}">
+        <p14:creationId xmlns:p14="http://schemas.microsoft.com/office/powerpoint/2010/main" val="2086757693"/>
+      </p:ext>
+    </p:extLst>
+  </p:cSld>
+  <p:clrMapOvr>
+    <a:masterClrMapping/>
+  </p:clrMapOvr>
+  <p:timing>
+    <p:tnLst>
+      <p:par>
+        <p:cTn id="1" dur="indefinite" restart="never" nodeType="tmRoot">
+          <p:childTnLst>
+            <p:seq concurrent="1" nextAc="seek">
+              <p:cTn id="2" dur="indefinite" nodeType="mainSeq">
+                <p:childTnLst>
+                  <p:par>
+                    <p:cTn id="3" fill="hold">
+                      <p:stCondLst>
+                        <p:cond delay="indefinite"/>
+                      </p:stCondLst>
+                      <p:childTnLst>
+                        <p:par>
+                          <p:cTn id="4" fill="hold">
+                            <p:stCondLst>
+                              <p:cond delay="0"/>
+                            </p:stCondLst>
+                            <p:childTnLst>
+                              <p:par>
+                                <p:cTn id="5" presetID="3" presetClass="entr" presetSubtype="10" fill="hold" nodeType="clickEffect">
+                                  <p:stCondLst>
+                                    <p:cond delay="0"/>
+                                  </p:stCondLst>
+                                  <p:childTnLst>
+                                    <p:set>
+                                      <p:cBhvr>
+                                        <p:cTn id="6" dur="1" fill="hold">
+                                          <p:stCondLst>
+                                            <p:cond delay="0"/>
+                                          </p:stCondLst>
+                                        </p:cTn>
+                                        <p:tgtEl>
+                                          <p:spTgt spid="3">
+                                            <p:txEl>
+                                              <p:pRg st="0" end="0"/>
+                                            </p:txEl>
+                                          </p:spTgt>
+                                        </p:tgtEl>
+                                        <p:attrNameLst>
+                                          <p:attrName>style.visibility</p:attrName>
+                                        </p:attrNameLst>
+                                      </p:cBhvr>
+                                      <p:to>
+                                        <p:strVal val="visible"/>
+                                      </p:to>
+                                    </p:set>
+                                    <p:animEffect transition="in" filter="blinds(horizontal)">
+                                      <p:cBhvr>
+                                        <p:cTn id="7" dur="500"/>
+                                        <p:tgtEl>
+                                          <p:spTgt spid="3">
+                                            <p:txEl>
+                                              <p:pRg st="0" end="0"/>
+                                            </p:txEl>
+                                          </p:spTgt>
+                                        </p:tgtEl>
+                                      </p:cBhvr>
+                                    </p:animEffect>
+                                  </p:childTnLst>
+                                </p:cTn>
+                              </p:par>
+                            </p:childTnLst>
+                          </p:cTn>
+                        </p:par>
+                      </p:childTnLst>
+                    </p:cTn>
+                  </p:par>
+                  <p:par>
+                    <p:cTn id="8" fill="hold">
+                      <p:stCondLst>
+                        <p:cond delay="indefinite"/>
+                      </p:stCondLst>
+                      <p:childTnLst>
+                        <p:par>
+                          <p:cTn id="9" fill="hold">
+                            <p:stCondLst>
+                              <p:cond delay="0"/>
+                            </p:stCondLst>
+                            <p:childTnLst>
+                              <p:par>
+                                <p:cTn id="10" presetID="3" presetClass="entr" presetSubtype="10" fill="hold" nodeType="clickEffect">
+                                  <p:stCondLst>
+                                    <p:cond delay="0"/>
+                                  </p:stCondLst>
+                                  <p:childTnLst>
+                                    <p:set>
+                                      <p:cBhvr>
+                                        <p:cTn id="11" dur="1" fill="hold">
+                                          <p:stCondLst>
+                                            <p:cond delay="0"/>
+                                          </p:stCondLst>
+                                        </p:cTn>
+                                        <p:tgtEl>
+                                          <p:spTgt spid="3">
+                                            <p:txEl>
+                                              <p:pRg st="1" end="1"/>
+                                            </p:txEl>
+                                          </p:spTgt>
+                                        </p:tgtEl>
+                                        <p:attrNameLst>
+                                          <p:attrName>style.visibility</p:attrName>
+                                        </p:attrNameLst>
+                                      </p:cBhvr>
+                                      <p:to>
+                                        <p:strVal val="visible"/>
+                                      </p:to>
+                                    </p:set>
+                                    <p:animEffect transition="in" filter="blinds(horizontal)">
+                                      <p:cBhvr>
+                                        <p:cTn id="12" dur="500"/>
+                                        <p:tgtEl>
+                                          <p:spTgt spid="3">
+                                            <p:txEl>
+                                              <p:pRg st="1" end="1"/>
+                                            </p:txEl>
+                                          </p:spTgt>
+                                        </p:tgtEl>
+                                      </p:cBhvr>
+                                    </p:animEffect>
+                                  </p:childTnLst>
+                                </p:cTn>
+                              </p:par>
+                            </p:childTnLst>
+                          </p:cTn>
+                        </p:par>
+                      </p:childTnLst>
+                    </p:cTn>
+                  </p:par>
+                  <p:par>
+                    <p:cTn id="13" fill="hold">
+                      <p:stCondLst>
+                        <p:cond delay="indefinite"/>
+                      </p:stCondLst>
+                      <p:childTnLst>
+                        <p:par>
+                          <p:cTn id="14" fill="hold">
+                            <p:stCondLst>
+                              <p:cond delay="0"/>
+                            </p:stCondLst>
+                            <p:childTnLst>
+                              <p:par>
+                                <p:cTn id="15" presetID="3" presetClass="entr" presetSubtype="10" fill="hold" nodeType="clickEffect">
+                                  <p:stCondLst>
+                                    <p:cond delay="0"/>
+                                  </p:stCondLst>
+                                  <p:childTnLst>
+                                    <p:set>
+                                      <p:cBhvr>
+                                        <p:cTn id="16" dur="1" fill="hold">
+                                          <p:stCondLst>
+                                            <p:cond delay="0"/>
+                                          </p:stCondLst>
+                                        </p:cTn>
+                                        <p:tgtEl>
+                                          <p:spTgt spid="3">
+                                            <p:txEl>
+                                              <p:pRg st="2" end="2"/>
+                                            </p:txEl>
+                                          </p:spTgt>
+                                        </p:tgtEl>
+                                        <p:attrNameLst>
+                                          <p:attrName>style.visibility</p:attrName>
+                                        </p:attrNameLst>
+                                      </p:cBhvr>
+                                      <p:to>
+                                        <p:strVal val="visible"/>
+                                      </p:to>
+                                    </p:set>
+                                    <p:animEffect transition="in" filter="blinds(horizontal)">
+                                      <p:cBhvr>
+                                        <p:cTn id="17" dur="500"/>
+                                        <p:tgtEl>
+                                          <p:spTgt spid="3">
+                                            <p:txEl>
+                                              <p:pRg st="2" end="2"/>
+                                            </p:txEl>
+                                          </p:spTgt>
+                                        </p:tgtEl>
+                                      </p:cBhvr>
+                                    </p:animEffect>
+                                  </p:childTnLst>
+                                </p:cTn>
+                              </p:par>
+                            </p:childTnLst>
+                          </p:cTn>
+                        </p:par>
+                      </p:childTnLst>
+                    </p:cTn>
+                  </p:par>
+                  <p:par>
+                    <p:cTn id="18" fill="hold">
+                      <p:stCondLst>
+                        <p:cond delay="indefinite"/>
+                      </p:stCondLst>
+                      <p:childTnLst>
+                        <p:par>
+                          <p:cTn id="19" fill="hold">
+                            <p:stCondLst>
+                              <p:cond delay="0"/>
+                            </p:stCondLst>
+                            <p:childTnLst>
+                              <p:par>
+                                <p:cTn id="20" presetID="3" presetClass="entr" presetSubtype="10" fill="hold" nodeType="clickEffect">
+                                  <p:stCondLst>
+                                    <p:cond delay="0"/>
+                                  </p:stCondLst>
+                                  <p:childTnLst>
+                                    <p:set>
+                                      <p:cBhvr>
+                                        <p:cTn id="21" dur="1" fill="hold">
+                                          <p:stCondLst>
+                                            <p:cond delay="0"/>
+                                          </p:stCondLst>
+                                        </p:cTn>
+                                        <p:tgtEl>
+                                          <p:spTgt spid="3">
+                                            <p:txEl>
+                                              <p:pRg st="3" end="3"/>
+                                            </p:txEl>
+                                          </p:spTgt>
+                                        </p:tgtEl>
+                                        <p:attrNameLst>
+                                          <p:attrName>style.visibility</p:attrName>
+                                        </p:attrNameLst>
+                                      </p:cBhvr>
+                                      <p:to>
+                                        <p:strVal val="visible"/>
+                                      </p:to>
+                                    </p:set>
+                                    <p:animEffect transition="in" filter="blinds(horizontal)">
+                                      <p:cBhvr>
+                                        <p:cTn id="22" dur="500"/>
+                                        <p:tgtEl>
+                                          <p:spTgt spid="3">
+                                            <p:txEl>
+                                              <p:pRg st="3" end="3"/>
+                                            </p:txEl>
+                                          </p:spTgt>
+                                        </p:tgtEl>
+                                      </p:cBhvr>
+                                    </p:animEffect>
+                                  </p:childTnLst>
+                                </p:cTn>
+                              </p:par>
+                            </p:childTnLst>
+                          </p:cTn>
+                        </p:par>
+                      </p:childTnLst>
+                    </p:cTn>
+                  </p:par>
+                  <p:par>
+                    <p:cTn id="23" fill="hold">
+                      <p:stCondLst>
+                        <p:cond delay="indefinite"/>
+                      </p:stCondLst>
+                      <p:childTnLst>
+                        <p:par>
+                          <p:cTn id="24" fill="hold">
+                            <p:stCondLst>
+                              <p:cond delay="0"/>
+                            </p:stCondLst>
+                            <p:childTnLst>
+                              <p:par>
+                                <p:cTn id="25" presetID="3" presetClass="entr" presetSubtype="10" fill="hold" nodeType="clickEffect">
+                                  <p:stCondLst>
+                                    <p:cond delay="0"/>
+                                  </p:stCondLst>
+                                  <p:childTnLst>
+                                    <p:set>
+                                      <p:cBhvr>
+                                        <p:cTn id="26" dur="1" fill="hold">
+                                          <p:stCondLst>
+                                            <p:cond delay="0"/>
+                                          </p:stCondLst>
+                                        </p:cTn>
+                                        <p:tgtEl>
+                                          <p:spTgt spid="3">
+                                            <p:txEl>
+                                              <p:pRg st="4" end="4"/>
+                                            </p:txEl>
+                                          </p:spTgt>
+                                        </p:tgtEl>
+                                        <p:attrNameLst>
+                                          <p:attrName>style.visibility</p:attrName>
+                                        </p:attrNameLst>
+                                      </p:cBhvr>
+                                      <p:to>
+                                        <p:strVal val="visible"/>
+                                      </p:to>
+                                    </p:set>
+                                    <p:animEffect transition="in" filter="blinds(horizontal)">
+                                      <p:cBhvr>
+                                        <p:cTn id="27" dur="500"/>
+                                        <p:tgtEl>
+                                          <p:spTgt spid="3">
+                                            <p:txEl>
+                                              <p:pRg st="4" end="4"/>
+                                            </p:txEl>
+                                          </p:spTgt>
+                                        </p:tgtEl>
+                                      </p:cBhvr>
+                                    </p:animEffect>
+                                  </p:childTnLst>
+                                </p:cTn>
+                              </p:par>
+                            </p:childTnLst>
+                          </p:cTn>
+                        </p:par>
+                      </p:childTnLst>
+                    </p:cTn>
+                  </p:par>
+                  <p:par>
+                    <p:cTn id="28" fill="hold">
+                      <p:stCondLst>
+                        <p:cond delay="indefinite"/>
+                      </p:stCondLst>
+                      <p:childTnLst>
+                        <p:par>
+                          <p:cTn id="29" fill="hold">
+                            <p:stCondLst>
+                              <p:cond delay="0"/>
+                            </p:stCondLst>
+                            <p:childTnLst>
+                              <p:par>
+                                <p:cTn id="30" presetID="3" presetClass="entr" presetSubtype="10" fill="hold" nodeType="clickEffect">
+                                  <p:stCondLst>
+                                    <p:cond delay="0"/>
+                                  </p:stCondLst>
+                                  <p:childTnLst>
+                                    <p:set>
+                                      <p:cBhvr>
+                                        <p:cTn id="31" dur="1" fill="hold">
+                                          <p:stCondLst>
+                                            <p:cond delay="0"/>
+                                          </p:stCondLst>
+                                        </p:cTn>
+                                        <p:tgtEl>
+                                          <p:spTgt spid="3">
+                                            <p:txEl>
+                                              <p:pRg st="5" end="5"/>
+                                            </p:txEl>
+                                          </p:spTgt>
+                                        </p:tgtEl>
+                                        <p:attrNameLst>
+                                          <p:attrName>style.visibility</p:attrName>
+                                        </p:attrNameLst>
+                                      </p:cBhvr>
+                                      <p:to>
+                                        <p:strVal val="visible"/>
+                                      </p:to>
+                                    </p:set>
+                                    <p:animEffect transition="in" filter="blinds(horizontal)">
+                                      <p:cBhvr>
+                                        <p:cTn id="32" dur="500"/>
+                                        <p:tgtEl>
+                                          <p:spTgt spid="3">
+                                            <p:txEl>
+                                              <p:pRg st="5" end="5"/>
+                                            </p:txEl>
+                                          </p:spTgt>
+                                        </p:tgtEl>
+                                      </p:cBhvr>
+                                    </p:animEffect>
+                                  </p:childTnLst>
+                                </p:cTn>
+                              </p:par>
+                            </p:childTnLst>
+                          </p:cTn>
+                        </p:par>
+                      </p:childTnLst>
+                    </p:cTn>
+                  </p:par>
+                  <p:par>
+                    <p:cTn id="33" fill="hold">
+                      <p:stCondLst>
+                        <p:cond delay="indefinite"/>
+                      </p:stCondLst>
+                      <p:childTnLst>
+                        <p:par>
+                          <p:cTn id="34" fill="hold">
+                            <p:stCondLst>
+                              <p:cond delay="0"/>
+                            </p:stCondLst>
+                            <p:childTnLst>
+                              <p:par>
+                                <p:cTn id="35" presetID="3" presetClass="entr" presetSubtype="10" fill="hold" nodeType="clickEffect">
+                                  <p:stCondLst>
+                                    <p:cond delay="0"/>
+                                  </p:stCondLst>
+                                  <p:childTnLst>
+                                    <p:set>
+                                      <p:cBhvr>
+                                        <p:cTn id="36" dur="1" fill="hold">
+                                          <p:stCondLst>
+                                            <p:cond delay="0"/>
+                                          </p:stCondLst>
+                                        </p:cTn>
+                                        <p:tgtEl>
+                                          <p:spTgt spid="3">
+                                            <p:txEl>
+                                              <p:pRg st="6" end="6"/>
+                                            </p:txEl>
+                                          </p:spTgt>
+                                        </p:tgtEl>
+                                        <p:attrNameLst>
+                                          <p:attrName>style.visibility</p:attrName>
+                                        </p:attrNameLst>
+                                      </p:cBhvr>
+                                      <p:to>
+                                        <p:strVal val="visible"/>
+                                      </p:to>
+                                    </p:set>
+                                    <p:animEffect transition="in" filter="blinds(horizontal)">
+                                      <p:cBhvr>
+                                        <p:cTn id="37" dur="500"/>
+                                        <p:tgtEl>
+                                          <p:spTgt spid="3">
+                                            <p:txEl>
+                                              <p:pRg st="6" end="6"/>
+                                            </p:txEl>
+                                          </p:spTgt>
+                                        </p:tgtEl>
+                                      </p:cBhvr>
+                                    </p:animEffect>
+                                  </p:childTnLst>
+                                </p:cTn>
+                              </p:par>
+                            </p:childTnLst>
+                          </p:cTn>
+                        </p:par>
+                      </p:childTnLst>
+                    </p:cTn>
+                  </p:par>
+                </p:childTnLst>
+              </p:cTn>
+              <p:prevCondLst>
+                <p:cond evt="onPrev" delay="0">
+                  <p:tgtEl>
+                    <p:sldTgt/>
+                  </p:tgtEl>
+                </p:cond>
+              </p:prevCondLst>
+              <p:nextCondLst>
+                <p:cond evt="onNext" delay="0">
+                  <p:tgtEl>
+                    <p:sldTgt/>
+                  </p:tgtEl>
+                </p:cond>
+              </p:nextCondLst>
+            </p:seq>
+          </p:childTnLst>
+        </p:cTn>
+      </p:par>
+    </p:tnLst>
+  </p:timing>
 </p:sld>
 </file>
 
@@ -8837,4 +14029,265 @@
     </a:ext>
   </a:extLst>
 </a:theme>
+</file>
+
+<file path=ppt/theme/theme2.xml><?xml version="1.0" encoding="utf-8"?>
+<a:theme xmlns:a="http://schemas.openxmlformats.org/drawingml/2006/main" name="Office 主题">
+  <a:themeElements>
+    <a:clrScheme name="Office">
+      <a:dk1>
+        <a:sysClr val="windowText" lastClr="000000"/>
+      </a:dk1>
+      <a:lt1>
+        <a:sysClr val="window" lastClr="FFFFFF"/>
+      </a:lt1>
+      <a:dk2>
+        <a:srgbClr val="44546A"/>
+      </a:dk2>
+      <a:lt2>
+        <a:srgbClr val="E7E6E6"/>
+      </a:lt2>
+      <a:accent1>
+        <a:srgbClr val="5B9BD5"/>
+      </a:accent1>
+      <a:accent2>
+        <a:srgbClr val="ED7D31"/>
+      </a:accent2>
+      <a:accent3>
+        <a:srgbClr val="A5A5A5"/>
+      </a:accent3>
+      <a:accent4>
+        <a:srgbClr val="FFC000"/>
+      </a:accent4>
+      <a:accent5>
+        <a:srgbClr val="4472C4"/>
+      </a:accent5>
+      <a:accent6>
+        <a:srgbClr val="70AD47"/>
+      </a:accent6>
+      <a:hlink>
+        <a:srgbClr val="0563C1"/>
+      </a:hlink>
+      <a:folHlink>
+        <a:srgbClr val="954F72"/>
+      </a:folHlink>
+    </a:clrScheme>
+    <a:fontScheme name="Office">
+      <a:majorFont>
+        <a:latin typeface="Calibri Light" panose="020F0302020204030204"/>
+        <a:ea typeface=""/>
+        <a:cs typeface=""/>
+        <a:font script="Jpan" typeface="ＭＳ Ｐゴシック"/>
+        <a:font script="Hang" typeface="맑은 고딕"/>
+        <a:font script="Hans" typeface="宋体"/>
+        <a:font script="Hant" typeface="新細明體"/>
+        <a:font script="Arab" typeface="Times New Roman"/>
+        <a:font script="Hebr" typeface="Times New Roman"/>
+        <a:font script="Thai" typeface="Angsana New"/>
+        <a:font script="Ethi" typeface="Nyala"/>
+        <a:font script="Beng" typeface="Vrinda"/>
+        <a:font script="Gujr" typeface="Shruti"/>
+        <a:font script="Khmr" typeface="MoolBoran"/>
+        <a:font script="Knda" typeface="Tunga"/>
+        <a:font script="Guru" typeface="Raavi"/>
+        <a:font script="Cans" typeface="Euphemia"/>
+        <a:font script="Cher" typeface="Plantagenet Cherokee"/>
+        <a:font script="Yiii" typeface="Microsoft Yi Baiti"/>
+        <a:font script="Tibt" typeface="Microsoft Himalaya"/>
+        <a:font script="Thaa" typeface="MV Boli"/>
+        <a:font script="Deva" typeface="Mangal"/>
+        <a:font script="Telu" typeface="Gautami"/>
+        <a:font script="Taml" typeface="Latha"/>
+        <a:font script="Syrc" typeface="Estrangelo Edessa"/>
+        <a:font script="Orya" typeface="Kalinga"/>
+        <a:font script="Mlym" typeface="Kartika"/>
+        <a:font script="Laoo" typeface="DokChampa"/>
+        <a:font script="Sinh" typeface="Iskoola Pota"/>
+        <a:font script="Mong" typeface="Mongolian Baiti"/>
+        <a:font script="Viet" typeface="Times New Roman"/>
+        <a:font script="Uigh" typeface="Microsoft Uighur"/>
+        <a:font script="Geor" typeface="Sylfaen"/>
+      </a:majorFont>
+      <a:minorFont>
+        <a:latin typeface="Calibri" panose="020F0502020204030204"/>
+        <a:ea typeface=""/>
+        <a:cs typeface=""/>
+        <a:font script="Jpan" typeface="ＭＳ Ｐゴシック"/>
+        <a:font script="Hang" typeface="맑은 고딕"/>
+        <a:font script="Hans" typeface="宋体"/>
+        <a:font script="Hant" typeface="新細明體"/>
+        <a:font script="Arab" typeface="Arial"/>
+        <a:font script="Hebr" typeface="Arial"/>
+        <a:font script="Thai" typeface="Cordia New"/>
+        <a:font script="Ethi" typeface="Nyala"/>
+        <a:font script="Beng" typeface="Vrinda"/>
+        <a:font script="Gujr" typeface="Shruti"/>
+        <a:font script="Khmr" typeface="DaunPenh"/>
+        <a:font script="Knda" typeface="Tunga"/>
+        <a:font script="Guru" typeface="Raavi"/>
+        <a:font script="Cans" typeface="Euphemia"/>
+        <a:font script="Cher" typeface="Plantagenet Cherokee"/>
+        <a:font script="Yiii" typeface="Microsoft Yi Baiti"/>
+        <a:font script="Tibt" typeface="Microsoft Himalaya"/>
+        <a:font script="Thaa" typeface="MV Boli"/>
+        <a:font script="Deva" typeface="Mangal"/>
+        <a:font script="Telu" typeface="Gautami"/>
+        <a:font script="Taml" typeface="Latha"/>
+        <a:font script="Syrc" typeface="Estrangelo Edessa"/>
+        <a:font script="Orya" typeface="Kalinga"/>
+        <a:font script="Mlym" typeface="Kartika"/>
+        <a:font script="Laoo" typeface="DokChampa"/>
+        <a:font script="Sinh" typeface="Iskoola Pota"/>
+        <a:font script="Mong" typeface="Mongolian Baiti"/>
+        <a:font script="Viet" typeface="Arial"/>
+        <a:font script="Uigh" typeface="Microsoft Uighur"/>
+        <a:font script="Geor" typeface="Sylfaen"/>
+      </a:minorFont>
+    </a:fontScheme>
+    <a:fmtScheme name="Office">
+      <a:fillStyleLst>
+        <a:solidFill>
+          <a:schemeClr val="phClr"/>
+        </a:solidFill>
+        <a:gradFill rotWithShape="1">
+          <a:gsLst>
+            <a:gs pos="0">
+              <a:schemeClr val="phClr">
+                <a:lumMod val="110000"/>
+                <a:satMod val="105000"/>
+                <a:tint val="67000"/>
+              </a:schemeClr>
+            </a:gs>
+            <a:gs pos="50000">
+              <a:schemeClr val="phClr">
+                <a:lumMod val="105000"/>
+                <a:satMod val="103000"/>
+                <a:tint val="73000"/>
+              </a:schemeClr>
+            </a:gs>
+            <a:gs pos="100000">
+              <a:schemeClr val="phClr">
+                <a:lumMod val="105000"/>
+                <a:satMod val="109000"/>
+                <a:tint val="81000"/>
+              </a:schemeClr>
+            </a:gs>
+          </a:gsLst>
+          <a:lin ang="5400000" scaled="0"/>
+        </a:gradFill>
+        <a:gradFill rotWithShape="1">
+          <a:gsLst>
+            <a:gs pos="0">
+              <a:schemeClr val="phClr">
+                <a:satMod val="103000"/>
+                <a:lumMod val="102000"/>
+                <a:tint val="94000"/>
+              </a:schemeClr>
+            </a:gs>
+            <a:gs pos="50000">
+              <a:schemeClr val="phClr">
+                <a:satMod val="110000"/>
+                <a:lumMod val="100000"/>
+                <a:shade val="100000"/>
+              </a:schemeClr>
+            </a:gs>
+            <a:gs pos="100000">
+              <a:schemeClr val="phClr">
+                <a:lumMod val="99000"/>
+                <a:satMod val="120000"/>
+                <a:shade val="78000"/>
+              </a:schemeClr>
+            </a:gs>
+          </a:gsLst>
+          <a:lin ang="5400000" scaled="0"/>
+        </a:gradFill>
+      </a:fillStyleLst>
+      <a:lnStyleLst>
+        <a:ln w="6350" cap="flat" cmpd="sng" algn="ctr">
+          <a:solidFill>
+            <a:schemeClr val="phClr"/>
+          </a:solidFill>
+          <a:prstDash val="solid"/>
+          <a:miter lim="800000"/>
+        </a:ln>
+        <a:ln w="12700" cap="flat" cmpd="sng" algn="ctr">
+          <a:solidFill>
+            <a:schemeClr val="phClr"/>
+          </a:solidFill>
+          <a:prstDash val="solid"/>
+          <a:miter lim="800000"/>
+        </a:ln>
+        <a:ln w="19050" cap="flat" cmpd="sng" algn="ctr">
+          <a:solidFill>
+            <a:schemeClr val="phClr"/>
+          </a:solidFill>
+          <a:prstDash val="solid"/>
+          <a:miter lim="800000"/>
+        </a:ln>
+      </a:lnStyleLst>
+      <a:effectStyleLst>
+        <a:effectStyle>
+          <a:effectLst/>
+        </a:effectStyle>
+        <a:effectStyle>
+          <a:effectLst/>
+        </a:effectStyle>
+        <a:effectStyle>
+          <a:effectLst>
+            <a:outerShdw blurRad="57150" dist="19050" dir="5400000" algn="ctr" rotWithShape="0">
+              <a:srgbClr val="000000">
+                <a:alpha val="63000"/>
+              </a:srgbClr>
+            </a:outerShdw>
+          </a:effectLst>
+        </a:effectStyle>
+      </a:effectStyleLst>
+      <a:bgFillStyleLst>
+        <a:solidFill>
+          <a:schemeClr val="phClr"/>
+        </a:solidFill>
+        <a:solidFill>
+          <a:schemeClr val="phClr">
+            <a:tint val="95000"/>
+            <a:satMod val="170000"/>
+          </a:schemeClr>
+        </a:solidFill>
+        <a:gradFill rotWithShape="1">
+          <a:gsLst>
+            <a:gs pos="0">
+              <a:schemeClr val="phClr">
+                <a:tint val="93000"/>
+                <a:satMod val="150000"/>
+                <a:shade val="98000"/>
+                <a:lumMod val="102000"/>
+              </a:schemeClr>
+            </a:gs>
+            <a:gs pos="50000">
+              <a:schemeClr val="phClr">
+                <a:tint val="98000"/>
+                <a:satMod val="130000"/>
+                <a:shade val="90000"/>
+                <a:lumMod val="103000"/>
+              </a:schemeClr>
+            </a:gs>
+            <a:gs pos="100000">
+              <a:schemeClr val="phClr">
+                <a:shade val="63000"/>
+                <a:satMod val="120000"/>
+              </a:schemeClr>
+            </a:gs>
+          </a:gsLst>
+          <a:lin ang="5400000" scaled="0"/>
+        </a:gradFill>
+      </a:bgFillStyleLst>
+    </a:fmtScheme>
+  </a:themeElements>
+  <a:objectDefaults/>
+  <a:extraClrSchemeLst/>
+  <a:extLst>
+    <a:ext uri="{05A4C25C-085E-4340-85A3-A5531E510DB2}">
+      <thm15:themeFamily xmlns:thm15="http://schemas.microsoft.com/office/thememl/2012/main" name="Office Theme" id="{62F939B6-93AF-4DB8-9C6B-D6C7DFDC589F}" vid="{4A3C46E8-61CC-4603-A589-7422A47A8E4A}"/>
+    </a:ext>
+  </a:extLst>
+</a:theme>
 </file>
--- a/doc/ppt/helin.pptx
+++ b/doc/ppt/helin.pptx
@@ -33,10 +33,10 @@
     <p:sldId id="278" r:id="rId24"/>
     <p:sldId id="280" r:id="rId25"/>
     <p:sldId id="281" r:id="rId26"/>
-    <p:sldId id="282" r:id="rId27"/>
-    <p:sldId id="283" r:id="rId28"/>
-    <p:sldId id="284" r:id="rId29"/>
-    <p:sldId id="285" r:id="rId30"/>
+    <p:sldId id="285" r:id="rId27"/>
+    <p:sldId id="282" r:id="rId28"/>
+    <p:sldId id="283" r:id="rId29"/>
+    <p:sldId id="284" r:id="rId30"/>
     <p:sldId id="279" r:id="rId31"/>
   </p:sldIdLst>
   <p:sldSz cx="12192000" cy="6858000"/>
@@ -7002,6 +7002,13 @@
   <p:clrMapOvr>
     <a:masterClrMapping/>
   </p:clrMapOvr>
+  <p:timing>
+    <p:tnLst>
+      <p:par>
+        <p:cTn id="1" dur="indefinite" restart="never" nodeType="tmRoot"/>
+      </p:par>
+    </p:tnLst>
+  </p:timing>
 </p:sld>
 </file>
 
@@ -7924,23 +7931,7 @@
           <a:p>
             <a:r>
               <a:rPr lang="zh-CN" altLang="en-US" dirty="0" smtClean="0"/>
-              <a:t>在</a:t>
-            </a:r>
-            <a:r>
-              <a:rPr lang="zh-CN" altLang="en-US" dirty="0" smtClean="0"/>
-              <a:t>版本回退</a:t>
-            </a:r>
-            <a:r>
-              <a:rPr lang="zh-CN" altLang="en-US" dirty="0" smtClean="0"/>
-              <a:t>里，</a:t>
-            </a:r>
-            <a:r>
-              <a:rPr lang="zh-CN" altLang="en-US" dirty="0" smtClean="0"/>
-              <a:t>我们</a:t>
-            </a:r>
-            <a:r>
-              <a:rPr lang="zh-CN" altLang="en-US" dirty="0" smtClean="0"/>
-              <a:t>已经</a:t>
+              <a:t>在版本回退里，我们已经</a:t>
             </a:r>
             <a:r>
               <a:rPr lang="zh-CN" altLang="en-US" dirty="0"/>
@@ -8066,15 +8057,7 @@
             </a:r>
             <a:r>
               <a:rPr lang="zh-CN" altLang="en-US" dirty="0" smtClean="0"/>
-              <a:t>随着</a:t>
-            </a:r>
-            <a:r>
-              <a:rPr lang="zh-CN" altLang="en-US" dirty="0" smtClean="0"/>
-              <a:t>我们</a:t>
-            </a:r>
-            <a:r>
-              <a:rPr lang="zh-CN" altLang="en-US" dirty="0" smtClean="0"/>
-              <a:t>不断</a:t>
+              <a:t>随着我们不断</a:t>
             </a:r>
             <a:r>
               <a:rPr lang="zh-CN" altLang="en-US" dirty="0"/>
@@ -8580,15 +8563,7 @@
           <a:p>
             <a:r>
               <a:rPr kumimoji="1" lang="zh-CN" altLang="en-US" dirty="0" smtClean="0"/>
-              <a:t>以上两</a:t>
-            </a:r>
-            <a:r>
-              <a:rPr kumimoji="1" lang="zh-CN" altLang="en-US" dirty="0" smtClean="0"/>
-              <a:t>步</a:t>
-            </a:r>
-            <a:r>
-              <a:rPr kumimoji="1" lang="zh-CN" altLang="en-US" dirty="0" smtClean="0"/>
-              <a:t>可</a:t>
+              <a:t>以上两步可</a:t>
             </a:r>
             <a:r>
               <a:rPr kumimoji="1" lang="zh-CN" altLang="en-US" dirty="0"/>
@@ -9170,6 +9145,373 @@
             <p:ph idx="1"/>
           </p:nvPr>
         </p:nvSpPr>
+        <p:spPr/>
+        <p:txBody>
+          <a:bodyPr/>
+          <a:lstStyle/>
+          <a:p>
+            <a:r>
+              <a:rPr lang="zh-CN" altLang="en-US" dirty="0"/>
+              <a:t>查看分支 </a:t>
+            </a:r>
+            <a:endParaRPr lang="zh-CN" altLang="en-US" dirty="0" smtClean="0"/>
+          </a:p>
+          <a:p>
+            <a:r>
+              <a:rPr lang="en-US" altLang="zh-CN" dirty="0" err="1" smtClean="0"/>
+              <a:t>git</a:t>
+            </a:r>
+            <a:r>
+              <a:rPr lang="en-US" altLang="zh-CN" dirty="0" smtClean="0"/>
+              <a:t> </a:t>
+            </a:r>
+            <a:r>
+              <a:rPr lang="en-US" altLang="zh-CN" dirty="0"/>
+              <a:t>branch</a:t>
+            </a:r>
+            <a:r>
+              <a:rPr lang="zh-CN" altLang="en-US" dirty="0"/>
+              <a:t>  </a:t>
+            </a:r>
+            <a:r>
+              <a:rPr lang="en-US" altLang="zh-CN" dirty="0" smtClean="0"/>
+              <a:t>——</a:t>
+            </a:r>
+            <a:r>
+              <a:rPr lang="zh-CN" altLang="en-US" dirty="0" smtClean="0"/>
+              <a:t>当前</a:t>
+            </a:r>
+            <a:r>
+              <a:rPr lang="zh-CN" altLang="en-US" dirty="0"/>
+              <a:t>分支前面会有一个＊号</a:t>
+            </a:r>
+          </a:p>
+          <a:p>
+            <a:endParaRPr kumimoji="1" lang="zh-CN" altLang="en-US" dirty="0"/>
+          </a:p>
+        </p:txBody>
+      </p:sp>
+      <p:sp>
+        <p:nvSpPr>
+          <p:cNvPr id="4" name="标题 1"/>
+          <p:cNvSpPr txBox="1">
+            <a:spLocks/>
+          </p:cNvSpPr>
+          <p:nvPr/>
+        </p:nvSpPr>
+        <p:spPr>
+          <a:xfrm>
+            <a:off x="373626" y="309716"/>
+            <a:ext cx="7590503" cy="840658"/>
+          </a:xfrm>
+          <a:prstGeom prst="rect">
+            <a:avLst/>
+          </a:prstGeom>
+        </p:spPr>
+        <p:txBody>
+          <a:bodyPr vert="horz" lIns="91440" tIns="45720" rIns="91440" bIns="45720" rtlCol="0" anchor="ctr">
+            <a:normAutofit/>
+          </a:bodyPr>
+          <a:lstStyle>
+            <a:lvl1pPr algn="l" defTabSz="914400" rtl="0" eaLnBrk="1" latinLnBrk="0" hangingPunct="1">
+              <a:lnSpc>
+                <a:spcPct val="90000"/>
+              </a:lnSpc>
+              <a:spcBef>
+                <a:spcPct val="0"/>
+              </a:spcBef>
+              <a:buNone/>
+              <a:defRPr sz="4400" kern="1200">
+                <a:solidFill>
+                  <a:schemeClr val="tx1"/>
+                </a:solidFill>
+                <a:latin typeface="+mj-lt"/>
+                <a:ea typeface="+mj-ea"/>
+                <a:cs typeface="+mj-cs"/>
+              </a:defRPr>
+            </a:lvl1pPr>
+          </a:lstStyle>
+          <a:p>
+            <a:r>
+              <a:rPr kumimoji="1" lang="en-US" altLang="zh-CN" sz="5000" dirty="0" smtClean="0"/>
+              <a:t>GIT</a:t>
+            </a:r>
+            <a:r>
+              <a:rPr kumimoji="1" lang="zh-CN" altLang="en-US" sz="5000" dirty="0" smtClean="0"/>
+              <a:t>创建与合并分支</a:t>
+            </a:r>
+          </a:p>
+        </p:txBody>
+      </p:sp>
+      <p:pic>
+        <p:nvPicPr>
+          <p:cNvPr id="5" name="图片 4"/>
+          <p:cNvPicPr>
+            <a:picLocks noChangeAspect="1"/>
+          </p:cNvPicPr>
+          <p:nvPr/>
+        </p:nvPicPr>
+        <p:blipFill>
+          <a:blip r:embed="rId2"/>
+          <a:stretch>
+            <a:fillRect/>
+          </a:stretch>
+        </p:blipFill>
+        <p:spPr>
+          <a:xfrm>
+            <a:off x="3163237" y="2887689"/>
+            <a:ext cx="7124700" cy="2641600"/>
+          </a:xfrm>
+          <a:prstGeom prst="rect">
+            <a:avLst/>
+          </a:prstGeom>
+        </p:spPr>
+      </p:pic>
+    </p:spTree>
+    <p:extLst>
+      <p:ext uri="{BB962C8B-B14F-4D97-AF65-F5344CB8AC3E}">
+        <p14:creationId xmlns:p14="http://schemas.microsoft.com/office/powerpoint/2010/main" val="814344880"/>
+      </p:ext>
+    </p:extLst>
+  </p:cSld>
+  <p:clrMapOvr>
+    <a:masterClrMapping/>
+  </p:clrMapOvr>
+  <p:timing>
+    <p:tnLst>
+      <p:par>
+        <p:cTn id="1" dur="indefinite" restart="never" nodeType="tmRoot">
+          <p:childTnLst>
+            <p:seq concurrent="1" nextAc="seek">
+              <p:cTn id="2" dur="indefinite" nodeType="mainSeq">
+                <p:childTnLst>
+                  <p:par>
+                    <p:cTn id="3" fill="hold">
+                      <p:stCondLst>
+                        <p:cond delay="indefinite"/>
+                      </p:stCondLst>
+                      <p:childTnLst>
+                        <p:par>
+                          <p:cTn id="4" fill="hold">
+                            <p:stCondLst>
+                              <p:cond delay="0"/>
+                            </p:stCondLst>
+                            <p:childTnLst>
+                              <p:par>
+                                <p:cTn id="5" presetID="3" presetClass="entr" presetSubtype="10" fill="hold" nodeType="clickEffect">
+                                  <p:stCondLst>
+                                    <p:cond delay="0"/>
+                                  </p:stCondLst>
+                                  <p:childTnLst>
+                                    <p:set>
+                                      <p:cBhvr>
+                                        <p:cTn id="6" dur="1" fill="hold">
+                                          <p:stCondLst>
+                                            <p:cond delay="0"/>
+                                          </p:stCondLst>
+                                        </p:cTn>
+                                        <p:tgtEl>
+                                          <p:spTgt spid="3">
+                                            <p:txEl>
+                                              <p:pRg st="0" end="0"/>
+                                            </p:txEl>
+                                          </p:spTgt>
+                                        </p:tgtEl>
+                                        <p:attrNameLst>
+                                          <p:attrName>style.visibility</p:attrName>
+                                        </p:attrNameLst>
+                                      </p:cBhvr>
+                                      <p:to>
+                                        <p:strVal val="visible"/>
+                                      </p:to>
+                                    </p:set>
+                                    <p:animEffect transition="in" filter="blinds(horizontal)">
+                                      <p:cBhvr>
+                                        <p:cTn id="7" dur="500"/>
+                                        <p:tgtEl>
+                                          <p:spTgt spid="3">
+                                            <p:txEl>
+                                              <p:pRg st="0" end="0"/>
+                                            </p:txEl>
+                                          </p:spTgt>
+                                        </p:tgtEl>
+                                      </p:cBhvr>
+                                    </p:animEffect>
+                                  </p:childTnLst>
+                                </p:cTn>
+                              </p:par>
+                            </p:childTnLst>
+                          </p:cTn>
+                        </p:par>
+                      </p:childTnLst>
+                    </p:cTn>
+                  </p:par>
+                  <p:par>
+                    <p:cTn id="8" fill="hold">
+                      <p:stCondLst>
+                        <p:cond delay="indefinite"/>
+                      </p:stCondLst>
+                      <p:childTnLst>
+                        <p:par>
+                          <p:cTn id="9" fill="hold">
+                            <p:stCondLst>
+                              <p:cond delay="0"/>
+                            </p:stCondLst>
+                            <p:childTnLst>
+                              <p:par>
+                                <p:cTn id="10" presetID="3" presetClass="entr" presetSubtype="10" fill="hold" nodeType="clickEffect">
+                                  <p:stCondLst>
+                                    <p:cond delay="0"/>
+                                  </p:stCondLst>
+                                  <p:childTnLst>
+                                    <p:set>
+                                      <p:cBhvr>
+                                        <p:cTn id="11" dur="1" fill="hold">
+                                          <p:stCondLst>
+                                            <p:cond delay="0"/>
+                                          </p:stCondLst>
+                                        </p:cTn>
+                                        <p:tgtEl>
+                                          <p:spTgt spid="3">
+                                            <p:txEl>
+                                              <p:pRg st="1" end="1"/>
+                                            </p:txEl>
+                                          </p:spTgt>
+                                        </p:tgtEl>
+                                        <p:attrNameLst>
+                                          <p:attrName>style.visibility</p:attrName>
+                                        </p:attrNameLst>
+                                      </p:cBhvr>
+                                      <p:to>
+                                        <p:strVal val="visible"/>
+                                      </p:to>
+                                    </p:set>
+                                    <p:animEffect transition="in" filter="blinds(horizontal)">
+                                      <p:cBhvr>
+                                        <p:cTn id="12" dur="500"/>
+                                        <p:tgtEl>
+                                          <p:spTgt spid="3">
+                                            <p:txEl>
+                                              <p:pRg st="1" end="1"/>
+                                            </p:txEl>
+                                          </p:spTgt>
+                                        </p:tgtEl>
+                                      </p:cBhvr>
+                                    </p:animEffect>
+                                  </p:childTnLst>
+                                </p:cTn>
+                              </p:par>
+                            </p:childTnLst>
+                          </p:cTn>
+                        </p:par>
+                      </p:childTnLst>
+                    </p:cTn>
+                  </p:par>
+                  <p:par>
+                    <p:cTn id="13" fill="hold">
+                      <p:stCondLst>
+                        <p:cond delay="indefinite"/>
+                      </p:stCondLst>
+                      <p:childTnLst>
+                        <p:par>
+                          <p:cTn id="14" fill="hold">
+                            <p:stCondLst>
+                              <p:cond delay="0"/>
+                            </p:stCondLst>
+                            <p:childTnLst>
+                              <p:par>
+                                <p:cTn id="15" presetID="3" presetClass="entr" presetSubtype="10" fill="hold" nodeType="clickEffect">
+                                  <p:stCondLst>
+                                    <p:cond delay="0"/>
+                                  </p:stCondLst>
+                                  <p:childTnLst>
+                                    <p:set>
+                                      <p:cBhvr>
+                                        <p:cTn id="16" dur="1" fill="hold">
+                                          <p:stCondLst>
+                                            <p:cond delay="0"/>
+                                          </p:stCondLst>
+                                        </p:cTn>
+                                        <p:tgtEl>
+                                          <p:spTgt spid="5"/>
+                                        </p:tgtEl>
+                                        <p:attrNameLst>
+                                          <p:attrName>style.visibility</p:attrName>
+                                        </p:attrNameLst>
+                                      </p:cBhvr>
+                                      <p:to>
+                                        <p:strVal val="visible"/>
+                                      </p:to>
+                                    </p:set>
+                                    <p:animEffect transition="in" filter="blinds(horizontal)">
+                                      <p:cBhvr>
+                                        <p:cTn id="17" dur="500"/>
+                                        <p:tgtEl>
+                                          <p:spTgt spid="5"/>
+                                        </p:tgtEl>
+                                      </p:cBhvr>
+                                    </p:animEffect>
+                                  </p:childTnLst>
+                                </p:cTn>
+                              </p:par>
+                            </p:childTnLst>
+                          </p:cTn>
+                        </p:par>
+                      </p:childTnLst>
+                    </p:cTn>
+                  </p:par>
+                </p:childTnLst>
+              </p:cTn>
+              <p:prevCondLst>
+                <p:cond evt="onPrev" delay="0">
+                  <p:tgtEl>
+                    <p:sldTgt/>
+                  </p:tgtEl>
+                </p:cond>
+              </p:prevCondLst>
+              <p:nextCondLst>
+                <p:cond evt="onNext" delay="0">
+                  <p:tgtEl>
+                    <p:sldTgt/>
+                  </p:tgtEl>
+                </p:cond>
+              </p:nextCondLst>
+            </p:seq>
+          </p:childTnLst>
+        </p:cTn>
+      </p:par>
+    </p:tnLst>
+  </p:timing>
+</p:sld>
+</file>
+
+<file path=ppt/slides/slide27.xml><?xml version="1.0" encoding="utf-8"?>
+<p:sld xmlns:a="http://schemas.openxmlformats.org/drawingml/2006/main" xmlns:r="http://schemas.openxmlformats.org/officeDocument/2006/relationships" xmlns:p="http://schemas.openxmlformats.org/presentationml/2006/main">
+  <p:cSld>
+    <p:spTree>
+      <p:nvGrpSpPr>
+        <p:cNvPr id="1" name=""/>
+        <p:cNvGrpSpPr/>
+        <p:nvPr/>
+      </p:nvGrpSpPr>
+      <p:grpSpPr>
+        <a:xfrm>
+          <a:off x="0" y="0"/>
+          <a:ext cx="0" cy="0"/>
+          <a:chOff x="0" y="0"/>
+          <a:chExt cx="0" cy="0"/>
+        </a:xfrm>
+      </p:grpSpPr>
+      <p:sp>
+        <p:nvSpPr>
+          <p:cNvPr id="3" name="内容占位符 2"/>
+          <p:cNvSpPr>
+            <a:spLocks noGrp="1"/>
+          </p:cNvSpPr>
+          <p:nvPr>
+            <p:ph idx="1"/>
+          </p:nvPr>
+        </p:nvSpPr>
         <p:spPr>
           <a:xfrm>
             <a:off x="838200" y="1368424"/>
@@ -9320,7 +9662,7 @@
 </p:sld>
 </file>
 
-<file path=ppt/slides/slide27.xml><?xml version="1.0" encoding="utf-8"?>
+<file path=ppt/slides/slide28.xml><?xml version="1.0" encoding="utf-8"?>
 <p:sld xmlns:a="http://schemas.openxmlformats.org/drawingml/2006/main" xmlns:r="http://schemas.openxmlformats.org/officeDocument/2006/relationships" xmlns:p="http://schemas.openxmlformats.org/presentationml/2006/main">
   <p:cSld>
     <p:spTree>
@@ -9435,13 +9777,8 @@
             </a:r>
             <a:r>
               <a:rPr lang="zh-CN" altLang="en-US" dirty="0" smtClean="0"/>
-              <a:t>步骤</a:t>
-            </a:r>
-            <a:r>
-              <a:rPr lang="zh-CN" altLang="en-US" dirty="0" smtClean="0"/>
-              <a:t>：</a:t>
-            </a:r>
-            <a:endParaRPr lang="zh-CN" altLang="en-US" dirty="0" smtClean="0"/>
+              <a:t>步骤：</a:t>
+            </a:r>
           </a:p>
           <a:p>
             <a:r>
@@ -9449,12 +9786,44 @@
               <a:t>1.</a:t>
             </a:r>
             <a:r>
+              <a:rPr lang="en-US" altLang="zh-CN" dirty="0" smtClean="0"/>
+              <a:t>git</a:t>
+            </a:r>
+            <a:r>
               <a:rPr lang="zh-CN" altLang="en-US" dirty="0" smtClean="0"/>
-              <a:t>切换到</a:t>
+              <a:t> </a:t>
+            </a:r>
+            <a:r>
+              <a:rPr lang="en-US" altLang="zh-CN" dirty="0" smtClean="0"/>
+              <a:t>checkout</a:t>
+            </a:r>
+            <a:r>
+              <a:rPr lang="zh-CN" altLang="en-US" dirty="0" smtClean="0"/>
+              <a:t> </a:t>
             </a:r>
             <a:r>
               <a:rPr lang="en-US" altLang="zh-CN" dirty="0" smtClean="0"/>
               <a:t>master</a:t>
+            </a:r>
+            <a:r>
+              <a:rPr lang="en-US" altLang="zh-CN" dirty="0"/>
+              <a:t>——</a:t>
+            </a:r>
+            <a:r>
+              <a:rPr lang="zh-CN" altLang="en-US" dirty="0" smtClean="0"/>
+              <a:t>切换</a:t>
+            </a:r>
+            <a:r>
+              <a:rPr lang="zh-CN" altLang="en-US" dirty="0" smtClean="0"/>
+              <a:t>到</a:t>
+            </a:r>
+            <a:r>
+              <a:rPr lang="en-US" altLang="zh-CN" dirty="0" smtClean="0"/>
+              <a:t>master</a:t>
+            </a:r>
+            <a:r>
+              <a:rPr lang="zh-CN" altLang="en-US" dirty="0" smtClean="0"/>
+              <a:t> </a:t>
             </a:r>
             <a:endParaRPr lang="zh-CN" altLang="en-US" dirty="0" smtClean="0"/>
           </a:p>
@@ -10148,7 +10517,7 @@
 </p:sld>
 </file>
 
-<file path=ppt/slides/slide28.xml><?xml version="1.0" encoding="utf-8"?>
+<file path=ppt/slides/slide29.xml><?xml version="1.0" encoding="utf-8"?>
 <p:sld xmlns:a="http://schemas.openxmlformats.org/drawingml/2006/main" xmlns:r="http://schemas.openxmlformats.org/officeDocument/2006/relationships" xmlns:p="http://schemas.openxmlformats.org/presentationml/2006/main">
   <p:cSld>
     <p:spTree>
@@ -10186,15 +10555,7 @@
             </a:r>
             <a:r>
               <a:rPr lang="zh-CN" altLang="en-US" dirty="0" smtClean="0"/>
-              <a:t>，</a:t>
-            </a:r>
-            <a:r>
-              <a:rPr lang="zh-CN" altLang="en-US" dirty="0" smtClean="0"/>
-              <a:t>就</a:t>
-            </a:r>
-            <a:r>
-              <a:rPr lang="zh-CN" altLang="en-US" dirty="0" smtClean="0"/>
-              <a:t>可以删除</a:t>
+              <a:t>，就可以删除</a:t>
             </a:r>
             <a:r>
               <a:rPr lang="en-US" altLang="zh-CN" dirty="0" err="1"/>
@@ -10605,114 +10966,6 @@
 </p:sld>
 </file>
 
-<file path=ppt/slides/slide29.xml><?xml version="1.0" encoding="utf-8"?>
-<p:sld xmlns:a="http://schemas.openxmlformats.org/drawingml/2006/main" xmlns:r="http://schemas.openxmlformats.org/officeDocument/2006/relationships" xmlns:p="http://schemas.openxmlformats.org/presentationml/2006/main">
-  <p:cSld>
-    <p:spTree>
-      <p:nvGrpSpPr>
-        <p:cNvPr id="1" name=""/>
-        <p:cNvGrpSpPr/>
-        <p:nvPr/>
-      </p:nvGrpSpPr>
-      <p:grpSpPr>
-        <a:xfrm>
-          <a:off x="0" y="0"/>
-          <a:ext cx="0" cy="0"/>
-          <a:chOff x="0" y="0"/>
-          <a:chExt cx="0" cy="0"/>
-        </a:xfrm>
-      </p:grpSpPr>
-      <p:sp>
-        <p:nvSpPr>
-          <p:cNvPr id="3" name="内容占位符 2"/>
-          <p:cNvSpPr>
-            <a:spLocks noGrp="1"/>
-          </p:cNvSpPr>
-          <p:nvPr>
-            <p:ph idx="1"/>
-          </p:nvPr>
-        </p:nvSpPr>
-        <p:spPr/>
-        <p:txBody>
-          <a:bodyPr/>
-          <a:lstStyle/>
-          <a:p>
-            <a:endParaRPr kumimoji="1" lang="zh-CN" altLang="en-US"/>
-          </a:p>
-        </p:txBody>
-      </p:sp>
-      <p:sp>
-        <p:nvSpPr>
-          <p:cNvPr id="5" name="标题 1"/>
-          <p:cNvSpPr txBox="1">
-            <a:spLocks/>
-          </p:cNvSpPr>
-          <p:nvPr/>
-        </p:nvSpPr>
-        <p:spPr>
-          <a:xfrm>
-            <a:off x="373626" y="309716"/>
-            <a:ext cx="7590503" cy="840658"/>
-          </a:xfrm>
-          <a:prstGeom prst="rect">
-            <a:avLst/>
-          </a:prstGeom>
-        </p:spPr>
-        <p:txBody>
-          <a:bodyPr vert="horz" lIns="91440" tIns="45720" rIns="91440" bIns="45720" rtlCol="0" anchor="ctr">
-            <a:normAutofit/>
-          </a:bodyPr>
-          <a:lstStyle>
-            <a:lvl1pPr algn="l" defTabSz="914400" rtl="0" eaLnBrk="1" latinLnBrk="0" hangingPunct="1">
-              <a:lnSpc>
-                <a:spcPct val="90000"/>
-              </a:lnSpc>
-              <a:spcBef>
-                <a:spcPct val="0"/>
-              </a:spcBef>
-              <a:buNone/>
-              <a:defRPr sz="4400" kern="1200">
-                <a:solidFill>
-                  <a:schemeClr val="tx1"/>
-                </a:solidFill>
-                <a:latin typeface="+mj-lt"/>
-                <a:ea typeface="+mj-ea"/>
-                <a:cs typeface="+mj-cs"/>
-              </a:defRPr>
-            </a:lvl1pPr>
-          </a:lstStyle>
-          <a:p>
-            <a:r>
-              <a:rPr kumimoji="1" lang="en-US" altLang="zh-CN" sz="5000" dirty="0" smtClean="0"/>
-              <a:t>GIT</a:t>
-            </a:r>
-            <a:r>
-              <a:rPr kumimoji="1" lang="zh-CN" altLang="en-US" sz="5000" dirty="0" smtClean="0"/>
-              <a:t>创建与合并分支</a:t>
-            </a:r>
-          </a:p>
-        </p:txBody>
-      </p:sp>
-    </p:spTree>
-    <p:extLst>
-      <p:ext uri="{BB962C8B-B14F-4D97-AF65-F5344CB8AC3E}">
-        <p14:creationId xmlns:p14="http://schemas.microsoft.com/office/powerpoint/2010/main" val="1797532957"/>
-      </p:ext>
-    </p:extLst>
-  </p:cSld>
-  <p:clrMapOvr>
-    <a:masterClrMapping/>
-  </p:clrMapOvr>
-  <p:timing>
-    <p:tnLst>
-      <p:par>
-        <p:cTn id="1" dur="indefinite" restart="never" nodeType="tmRoot"/>
-      </p:par>
-    </p:tnLst>
-  </p:timing>
-</p:sld>
-</file>
-
 <file path=ppt/slides/slide3.xml><?xml version="1.0" encoding="utf-8"?>
 <p:sld xmlns:a="http://schemas.openxmlformats.org/drawingml/2006/main" xmlns:r="http://schemas.openxmlformats.org/officeDocument/2006/relationships" xmlns:p="http://schemas.openxmlformats.org/presentationml/2006/main">
   <p:cSld>
@@ -11002,8 +11255,20 @@
           </a:xfrm>
         </p:spPr>
         <p:txBody>
-          <a:bodyPr/>
+          <a:bodyPr>
+            <a:normAutofit lnSpcReduction="10000"/>
+          </a:bodyPr>
           <a:lstStyle/>
+          <a:p>
+            <a:pPr marL="0" indent="0">
+              <a:buNone/>
+            </a:pPr>
+            <a:r>
+              <a:rPr kumimoji="1" lang="zh-CN" altLang="en-US" b="1" dirty="0" smtClean="0"/>
+              <a:t>小结：</a:t>
+            </a:r>
+            <a:endParaRPr kumimoji="1" lang="zh-CN" altLang="en-US" b="1" dirty="0" smtClean="0"/>
+          </a:p>
           <a:p>
             <a:pPr marL="0" indent="0">
               <a:buNone/>
@@ -11619,6 +11884,67 @@
                                           <p:spTgt spid="3">
                                             <p:txEl>
                                               <p:pRg st="5" end="5"/>
+                                            </p:txEl>
+                                          </p:spTgt>
+                                        </p:tgtEl>
+                                      </p:cBhvr>
+                                    </p:animEffect>
+                                  </p:childTnLst>
+                                </p:cTn>
+                              </p:par>
+                            </p:childTnLst>
+                          </p:cTn>
+                        </p:par>
+                      </p:childTnLst>
+                    </p:cTn>
+                  </p:par>
+                  <p:par>
+                    <p:cTn id="33" fill="hold">
+                      <p:stCondLst>
+                        <p:cond delay="indefinite"/>
+                      </p:stCondLst>
+                      <p:childTnLst>
+                        <p:par>
+                          <p:cTn id="34" fill="hold">
+                            <p:stCondLst>
+                              <p:cond delay="0"/>
+                            </p:stCondLst>
+                            <p:childTnLst>
+                              <p:par>
+                                <p:cTn id="35" presetID="3" presetClass="entr" presetSubtype="10" fill="hold" nodeType="clickEffect">
+                                  <p:stCondLst>
+                                    <p:cond delay="0"/>
+                                  </p:stCondLst>
+                                  <p:childTnLst>
+                                    <p:set>
+                                      <p:cBhvr>
+                                        <p:cTn id="36" dur="1" fill="hold">
+                                          <p:stCondLst>
+                                            <p:cond delay="0"/>
+                                          </p:stCondLst>
+                                        </p:cTn>
+                                        <p:tgtEl>
+                                          <p:spTgt spid="3">
+                                            <p:txEl>
+                                              <p:pRg st="6" end="6"/>
+                                            </p:txEl>
+                                          </p:spTgt>
+                                        </p:tgtEl>
+                                        <p:attrNameLst>
+                                          <p:attrName>style.visibility</p:attrName>
+                                        </p:attrNameLst>
+                                      </p:cBhvr>
+                                      <p:to>
+                                        <p:strVal val="visible"/>
+                                      </p:to>
+                                    </p:set>
+                                    <p:animEffect transition="in" filter="blinds(horizontal)">
+                                      <p:cBhvr>
+                                        <p:cTn id="37" dur="500"/>
+                                        <p:tgtEl>
+                                          <p:spTgt spid="3">
+                                            <p:txEl>
+                                              <p:pRg st="6" end="6"/>
                                             </p:txEl>
                                           </p:spTgt>
                                         </p:tgtEl>
